--- a/package/Presentation.pptx
+++ b/package/Presentation.pptx
@@ -1,44 +1,40 @@
 
 <file path=ppt/presentation.xml><?xml version="1.0" encoding="utf-8"?>
-<p:presentation xmlns:a="http://schemas.openxmlformats.org/drawingml/2006/main" xmlns:r="http://schemas.openxmlformats.org/officeDocument/2006/relationships" xmlns:p="http://schemas.openxmlformats.org/presentationml/2006/main" strictFirstAndLastChars="0" embedTrueTypeFonts="1" saveSubsetFonts="1" autoCompressPictures="0">
+<p:presentation xmlns:a="http://schemas.openxmlformats.org/drawingml/2006/main" xmlns:r="http://schemas.openxmlformats.org/officeDocument/2006/relationships" xmlns:mc="http://schemas.openxmlformats.org/markup-compatibility/2006" xmlns:mv="urn:schemas-microsoft-com:mac:vml" xmlns:p="http://schemas.openxmlformats.org/presentationml/2006/main" xmlns:c="http://schemas.openxmlformats.org/drawingml/2006/chart" xmlns:dgm="http://schemas.openxmlformats.org/drawingml/2006/diagram" xmlns:o="urn:schemas-microsoft-com:office:office" xmlns:v="urn:schemas-microsoft-com:vml" xmlns:pvml="urn:schemas-microsoft-com:office:powerpoint" xmlns:com="http://schemas.openxmlformats.org/drawingml/2006/compatibility" xmlns:p14="http://schemas.microsoft.com/office/powerpoint/2010/main" xmlns:p15="http://schemas.microsoft.com/office/powerpoint/2012/main" xmlns:ahyp="http://schemas.microsoft.com/office/drawing/2018/hyperlinkcolor" autoCompressPictures="0" embedTrueTypeFonts="1" strictFirstAndLastChars="0" saveSubsetFonts="1">
   <p:sldMasterIdLst>
-    <p:sldMasterId id="2147483659" r:id="rId1"/>
+    <p:sldMasterId id="2147483659" r:id="rId5"/>
   </p:sldMasterIdLst>
   <p:notesMasterIdLst>
-    <p:notesMasterId r:id="rId20"/>
+    <p:notesMasterId r:id="rId6"/>
   </p:notesMasterIdLst>
   <p:sldIdLst>
-    <p:sldId id="256" r:id="rId2"/>
-    <p:sldId id="257" r:id="rId3"/>
-    <p:sldId id="258" r:id="rId4"/>
-    <p:sldId id="259" r:id="rId5"/>
-    <p:sldId id="260" r:id="rId6"/>
-    <p:sldId id="261" r:id="rId7"/>
-    <p:sldId id="262" r:id="rId8"/>
-    <p:sldId id="263" r:id="rId9"/>
-    <p:sldId id="264" r:id="rId10"/>
-    <p:sldId id="265" r:id="rId11"/>
-    <p:sldId id="266" r:id="rId12"/>
-    <p:sldId id="267" r:id="rId13"/>
-    <p:sldId id="268" r:id="rId14"/>
-    <p:sldId id="269" r:id="rId15"/>
-    <p:sldId id="270" r:id="rId16"/>
-    <p:sldId id="271" r:id="rId17"/>
-    <p:sldId id="272" r:id="rId18"/>
-    <p:sldId id="273" r:id="rId19"/>
+    <p:sldId id="256" r:id="rId7"/>
+    <p:sldId id="257" r:id="rId8"/>
+    <p:sldId id="258" r:id="rId9"/>
+    <p:sldId id="259" r:id="rId10"/>
+    <p:sldId id="260" r:id="rId11"/>
+    <p:sldId id="261" r:id="rId12"/>
+    <p:sldId id="262" r:id="rId13"/>
+    <p:sldId id="263" r:id="rId14"/>
+    <p:sldId id="264" r:id="rId15"/>
+    <p:sldId id="265" r:id="rId16"/>
+    <p:sldId id="266" r:id="rId17"/>
+    <p:sldId id="267" r:id="rId18"/>
+    <p:sldId id="268" r:id="rId19"/>
+    <p:sldId id="269" r:id="rId20"/>
   </p:sldIdLst>
-  <p:sldSz cx="9144000" cy="5143500" type="screen16x9"/>
+  <p:sldSz cy="5143500" cx="9144000"/>
   <p:notesSz cx="6858000" cy="9144000"/>
   <p:embeddedFontLst>
     <p:embeddedFont>
-      <p:font typeface="Roboto" panose="02000000000000000000" pitchFamily="2" charset="0"/>
+      <p:font typeface="Roboto"/>
       <p:regular r:id="rId21"/>
       <p:bold r:id="rId22"/>
       <p:italic r:id="rId23"/>
       <p:boldItalic r:id="rId24"/>
     </p:embeddedFont>
     <p:embeddedFont>
-      <p:font typeface="Roboto Medium" panose="02000000000000000000" pitchFamily="2" charset="0"/>
+      <p:font typeface="Roboto Medium"/>
       <p:regular r:id="rId25"/>
       <p:bold r:id="rId26"/>
       <p:italic r:id="rId27"/>
@@ -46,7 +42,7 @@
     </p:embeddedFont>
   </p:embeddedFontLst>
   <p:defaultTextStyle>
-    <a:defPPr marR="0" lvl="0" algn="l" rtl="0">
+    <a:defPPr lvl="0" marR="0" rtl="0" algn="l">
       <a:lnSpc>
         <a:spcPct val="100000"/>
       </a:lnSpc>
@@ -57,7 +53,7 @@
         <a:spcPts val="0"/>
       </a:spcAft>
     </a:defPPr>
-    <a:lvl1pPr marR="0" lvl="0" algn="l" rtl="0">
+    <a:lvl1pPr lvl="0" marR="0" rtl="0" algn="l">
       <a:lnSpc>
         <a:spcPct val="100000"/>
       </a:lnSpc>
@@ -71,7 +67,7 @@
         <a:srgbClr val="000000"/>
       </a:buClr>
       <a:buFont typeface="Arial"/>
-      <a:defRPr sz="1400" b="0" i="0" u="none" strike="noStrike" cap="none">
+      <a:defRPr b="0" i="0" sz="1400" u="none" cap="none" strike="noStrike">
         <a:solidFill>
           <a:srgbClr val="000000"/>
         </a:solidFill>
@@ -81,7 +77,7 @@
         <a:sym typeface="Arial"/>
       </a:defRPr>
     </a:lvl1pPr>
-    <a:lvl2pPr marR="0" lvl="1" algn="l" rtl="0">
+    <a:lvl2pPr lvl="1" marR="0" rtl="0" algn="l">
       <a:lnSpc>
         <a:spcPct val="100000"/>
       </a:lnSpc>
@@ -95,7 +91,7 @@
         <a:srgbClr val="000000"/>
       </a:buClr>
       <a:buFont typeface="Arial"/>
-      <a:defRPr sz="1400" b="0" i="0" u="none" strike="noStrike" cap="none">
+      <a:defRPr b="0" i="0" sz="1400" u="none" cap="none" strike="noStrike">
         <a:solidFill>
           <a:srgbClr val="000000"/>
         </a:solidFill>
@@ -105,7 +101,7 @@
         <a:sym typeface="Arial"/>
       </a:defRPr>
     </a:lvl2pPr>
-    <a:lvl3pPr marR="0" lvl="2" algn="l" rtl="0">
+    <a:lvl3pPr lvl="2" marR="0" rtl="0" algn="l">
       <a:lnSpc>
         <a:spcPct val="100000"/>
       </a:lnSpc>
@@ -119,7 +115,7 @@
         <a:srgbClr val="000000"/>
       </a:buClr>
       <a:buFont typeface="Arial"/>
-      <a:defRPr sz="1400" b="0" i="0" u="none" strike="noStrike" cap="none">
+      <a:defRPr b="0" i="0" sz="1400" u="none" cap="none" strike="noStrike">
         <a:solidFill>
           <a:srgbClr val="000000"/>
         </a:solidFill>
@@ -129,7 +125,7 @@
         <a:sym typeface="Arial"/>
       </a:defRPr>
     </a:lvl3pPr>
-    <a:lvl4pPr marR="0" lvl="3" algn="l" rtl="0">
+    <a:lvl4pPr lvl="3" marR="0" rtl="0" algn="l">
       <a:lnSpc>
         <a:spcPct val="100000"/>
       </a:lnSpc>
@@ -143,7 +139,7 @@
         <a:srgbClr val="000000"/>
       </a:buClr>
       <a:buFont typeface="Arial"/>
-      <a:defRPr sz="1400" b="0" i="0" u="none" strike="noStrike" cap="none">
+      <a:defRPr b="0" i="0" sz="1400" u="none" cap="none" strike="noStrike">
         <a:solidFill>
           <a:srgbClr val="000000"/>
         </a:solidFill>
@@ -153,7 +149,7 @@
         <a:sym typeface="Arial"/>
       </a:defRPr>
     </a:lvl4pPr>
-    <a:lvl5pPr marR="0" lvl="4" algn="l" rtl="0">
+    <a:lvl5pPr lvl="4" marR="0" rtl="0" algn="l">
       <a:lnSpc>
         <a:spcPct val="100000"/>
       </a:lnSpc>
@@ -167,7 +163,7 @@
         <a:srgbClr val="000000"/>
       </a:buClr>
       <a:buFont typeface="Arial"/>
-      <a:defRPr sz="1400" b="0" i="0" u="none" strike="noStrike" cap="none">
+      <a:defRPr b="0" i="0" sz="1400" u="none" cap="none" strike="noStrike">
         <a:solidFill>
           <a:srgbClr val="000000"/>
         </a:solidFill>
@@ -177,7 +173,7 @@
         <a:sym typeface="Arial"/>
       </a:defRPr>
     </a:lvl5pPr>
-    <a:lvl6pPr marR="0" lvl="5" algn="l" rtl="0">
+    <a:lvl6pPr lvl="5" marR="0" rtl="0" algn="l">
       <a:lnSpc>
         <a:spcPct val="100000"/>
       </a:lnSpc>
@@ -191,7 +187,7 @@
         <a:srgbClr val="000000"/>
       </a:buClr>
       <a:buFont typeface="Arial"/>
-      <a:defRPr sz="1400" b="0" i="0" u="none" strike="noStrike" cap="none">
+      <a:defRPr b="0" i="0" sz="1400" u="none" cap="none" strike="noStrike">
         <a:solidFill>
           <a:srgbClr val="000000"/>
         </a:solidFill>
@@ -201,7 +197,7 @@
         <a:sym typeface="Arial"/>
       </a:defRPr>
     </a:lvl6pPr>
-    <a:lvl7pPr marR="0" lvl="6" algn="l" rtl="0">
+    <a:lvl7pPr lvl="6" marR="0" rtl="0" algn="l">
       <a:lnSpc>
         <a:spcPct val="100000"/>
       </a:lnSpc>
@@ -215,7 +211,7 @@
         <a:srgbClr val="000000"/>
       </a:buClr>
       <a:buFont typeface="Arial"/>
-      <a:defRPr sz="1400" b="0" i="0" u="none" strike="noStrike" cap="none">
+      <a:defRPr b="0" i="0" sz="1400" u="none" cap="none" strike="noStrike">
         <a:solidFill>
           <a:srgbClr val="000000"/>
         </a:solidFill>
@@ -225,7 +221,7 @@
         <a:sym typeface="Arial"/>
       </a:defRPr>
     </a:lvl7pPr>
-    <a:lvl8pPr marR="0" lvl="7" algn="l" rtl="0">
+    <a:lvl8pPr lvl="7" marR="0" rtl="0" algn="l">
       <a:lnSpc>
         <a:spcPct val="100000"/>
       </a:lnSpc>
@@ -239,7 +235,7 @@
         <a:srgbClr val="000000"/>
       </a:buClr>
       <a:buFont typeface="Arial"/>
-      <a:defRPr sz="1400" b="0" i="0" u="none" strike="noStrike" cap="none">
+      <a:defRPr b="0" i="0" sz="1400" u="none" cap="none" strike="noStrike">
         <a:solidFill>
           <a:srgbClr val="000000"/>
         </a:solidFill>
@@ -249,7 +245,7 @@
         <a:sym typeface="Arial"/>
       </a:defRPr>
     </a:lvl8pPr>
-    <a:lvl9pPr marR="0" lvl="8" algn="l" rtl="0">
+    <a:lvl9pPr lvl="8" marR="0" rtl="0" algn="l">
       <a:lnSpc>
         <a:spcPct val="100000"/>
       </a:lnSpc>
@@ -263,7 +259,7 @@
         <a:srgbClr val="000000"/>
       </a:buClr>
       <a:buFont typeface="Arial"/>
-      <a:defRPr sz="1400" b="0" i="0" u="none" strike="noStrike" cap="none">
+      <a:defRPr b="0" i="0" sz="1400" u="none" cap="none" strike="noStrike">
         <a:solidFill>
           <a:srgbClr val="000000"/>
         </a:solidFill>
@@ -276,7 +272,7 @@
   </p:defaultTextStyle>
   <p:extLst>
     <p:ext uri="{EFAFB233-063F-42B5-8137-9DF3F51BA10A}">
-      <p15:sldGuideLst xmlns:p15="http://schemas.microsoft.com/office/powerpoint/2012/main">
+      <p15:sldGuideLst>
         <p15:guide id="1" orient="horz" pos="1620">
           <p15:clr>
             <a:srgbClr val="A4A3A4"/>
@@ -294,16 +290,11 @@
 </file>
 
 <file path=ppt/notesMasters/notesMaster1.xml><?xml version="1.0" encoding="utf-8"?>
-<p:notesMaster xmlns:a="http://schemas.openxmlformats.org/drawingml/2006/main" xmlns:r="http://schemas.openxmlformats.org/officeDocument/2006/relationships" xmlns:p="http://schemas.openxmlformats.org/presentationml/2006/main">
+<p:notesMaster xmlns:a="http://schemas.openxmlformats.org/drawingml/2006/main" xmlns:r="http://schemas.openxmlformats.org/officeDocument/2006/relationships" xmlns:mc="http://schemas.openxmlformats.org/markup-compatibility/2006" xmlns:mv="urn:schemas-microsoft-com:mac:vml" xmlns:p="http://schemas.openxmlformats.org/presentationml/2006/main" xmlns:c="http://schemas.openxmlformats.org/drawingml/2006/chart" xmlns:dgm="http://schemas.openxmlformats.org/drawingml/2006/diagram" xmlns:o="urn:schemas-microsoft-com:office:office" xmlns:v="urn:schemas-microsoft-com:vml" xmlns:pvml="urn:schemas-microsoft-com:office:powerpoint" xmlns:com="http://schemas.openxmlformats.org/drawingml/2006/compatibility" xmlns:p14="http://schemas.microsoft.com/office/powerpoint/2010/main" xmlns:p15="http://schemas.microsoft.com/office/powerpoint/2012/main" xmlns:ahyp="http://schemas.microsoft.com/office/drawing/2018/hyperlinkcolor">
   <p:cSld>
-    <p:bg>
-      <p:bgRef idx="1001">
-        <a:schemeClr val="bg1"/>
-      </p:bgRef>
-    </p:bg>
     <p:spTree>
       <p:nvGrpSpPr>
-        <p:cNvPr id="1" name="Shape 2"/>
+        <p:cNvPr id="2" name="Shape 2"/>
         <p:cNvGrpSpPr/>
         <p:nvPr/>
       </p:nvGrpSpPr>
@@ -318,11 +309,9 @@
       <p:sp>
         <p:nvSpPr>
           <p:cNvPr id="3" name="Google Shape;3;n"/>
-          <p:cNvSpPr>
-            <a:spLocks noGrp="1" noRot="1" noChangeAspect="1"/>
-          </p:cNvSpPr>
+          <p:cNvSpPr/>
           <p:nvPr>
-            <p:ph type="sldImg" idx="2"/>
+            <p:ph idx="2" type="sldImg"/>
           </p:nvPr>
         </p:nvSpPr>
         <p:spPr>
@@ -331,13 +320,9 @@
             <a:ext cx="6096075" cy="3429000"/>
           </a:xfrm>
           <a:custGeom>
-            <a:avLst/>
-            <a:gdLst/>
-            <a:ahLst/>
-            <a:cxnLst/>
-            <a:rect l="l" t="t" r="r" b="b"/>
+            <a:rect b="b" l="l" r="r" t="t"/>
             <a:pathLst>
-              <a:path w="120000" h="120000" extrusionOk="0">
+              <a:path extrusionOk="0" h="120000" w="120000">
                 <a:moveTo>
                   <a:pt x="0" y="0"/>
                 </a:moveTo>
@@ -355,25 +340,23 @@
             </a:pathLst>
           </a:custGeom>
           <a:noFill/>
-          <a:ln w="9525" cap="flat" cmpd="sng">
+          <a:ln cap="flat" cmpd="sng" w="9525">
             <a:solidFill>
               <a:srgbClr val="000000"/>
             </a:solidFill>
             <a:prstDash val="solid"/>
             <a:round/>
-            <a:headEnd type="none" w="sm" len="sm"/>
-            <a:tailEnd type="none" w="sm" len="sm"/>
+            <a:headEnd len="sm" w="sm" type="none"/>
+            <a:tailEnd len="sm" w="sm" type="none"/>
           </a:ln>
         </p:spPr>
       </p:sp>
       <p:sp>
         <p:nvSpPr>
           <p:cNvPr id="4" name="Google Shape;4;n"/>
-          <p:cNvSpPr txBox="1">
-            <a:spLocks noGrp="1"/>
-          </p:cNvSpPr>
+          <p:cNvSpPr txBox="1"/>
           <p:nvPr>
-            <p:ph type="body" idx="1"/>
+            <p:ph idx="1" type="body"/>
           </p:nvPr>
         </p:nvSpPr>
         <p:spPr>
@@ -390,11 +373,11 @@
           </a:ln>
         </p:spPr>
         <p:txBody>
-          <a:bodyPr spcFirstLastPara="1" wrap="square" lIns="91425" tIns="91425" rIns="91425" bIns="91425" anchor="t" anchorCtr="0">
+          <a:bodyPr anchorCtr="0" anchor="t" bIns="91425" lIns="91425" spcFirstLastPara="1" rIns="91425" wrap="square" tIns="91425">
             <a:noAutofit/>
           </a:bodyPr>
           <a:lstStyle>
-            <a:lvl1pPr marL="457200" lvl="0" indent="-298450">
+            <a:lvl1pPr indent="-298450" lvl="0" marL="457200">
               <a:spcBef>
                 <a:spcPts val="0"/>
               </a:spcBef>
@@ -405,7 +388,7 @@
               <a:buChar char="●"/>
               <a:defRPr sz="1100"/>
             </a:lvl1pPr>
-            <a:lvl2pPr marL="914400" lvl="1" indent="-298450">
+            <a:lvl2pPr indent="-298450" lvl="1" marL="914400">
               <a:spcBef>
                 <a:spcPts val="0"/>
               </a:spcBef>
@@ -416,7 +399,7 @@
               <a:buChar char="○"/>
               <a:defRPr sz="1100"/>
             </a:lvl2pPr>
-            <a:lvl3pPr marL="1371600" lvl="2" indent="-298450">
+            <a:lvl3pPr indent="-298450" lvl="2" marL="1371600">
               <a:spcBef>
                 <a:spcPts val="0"/>
               </a:spcBef>
@@ -427,7 +410,7 @@
               <a:buChar char="■"/>
               <a:defRPr sz="1100"/>
             </a:lvl3pPr>
-            <a:lvl4pPr marL="1828800" lvl="3" indent="-298450">
+            <a:lvl4pPr indent="-298450" lvl="3" marL="1828800">
               <a:spcBef>
                 <a:spcPts val="0"/>
               </a:spcBef>
@@ -438,7 +421,7 @@
               <a:buChar char="●"/>
               <a:defRPr sz="1100"/>
             </a:lvl4pPr>
-            <a:lvl5pPr marL="2286000" lvl="4" indent="-298450">
+            <a:lvl5pPr indent="-298450" lvl="4" marL="2286000">
               <a:spcBef>
                 <a:spcPts val="0"/>
               </a:spcBef>
@@ -449,7 +432,7 @@
               <a:buChar char="○"/>
               <a:defRPr sz="1100"/>
             </a:lvl5pPr>
-            <a:lvl6pPr marL="2743200" lvl="5" indent="-298450">
+            <a:lvl6pPr indent="-298450" lvl="5" marL="2743200">
               <a:spcBef>
                 <a:spcPts val="0"/>
               </a:spcBef>
@@ -460,7 +443,7 @@
               <a:buChar char="■"/>
               <a:defRPr sz="1100"/>
             </a:lvl6pPr>
-            <a:lvl7pPr marL="3200400" lvl="6" indent="-298450">
+            <a:lvl7pPr indent="-298450" lvl="6" marL="3200400">
               <a:spcBef>
                 <a:spcPts val="0"/>
               </a:spcBef>
@@ -471,7 +454,7 @@
               <a:buChar char="●"/>
               <a:defRPr sz="1100"/>
             </a:lvl7pPr>
-            <a:lvl8pPr marL="3657600" lvl="7" indent="-298450">
+            <a:lvl8pPr indent="-298450" lvl="7" marL="3657600">
               <a:spcBef>
                 <a:spcPts val="0"/>
               </a:spcBef>
@@ -482,7 +465,7 @@
               <a:buChar char="○"/>
               <a:defRPr sz="1100"/>
             </a:lvl8pPr>
-            <a:lvl9pPr marL="4114800" lvl="8" indent="-298450">
+            <a:lvl9pPr indent="-298450" lvl="8" marL="4114800">
               <a:spcBef>
                 <a:spcPts val="0"/>
               </a:spcBef>
@@ -494,16 +477,14 @@
               <a:defRPr sz="1100"/>
             </a:lvl9pPr>
           </a:lstStyle>
-          <a:p>
-            <a:endParaRPr/>
-          </a:p>
+          <a:p/>
         </p:txBody>
       </p:sp>
     </p:spTree>
   </p:cSld>
-  <p:clrMap bg1="lt1" tx1="dk1" bg2="dk2" tx2="lt2" accent1="accent1" accent2="accent2" accent3="accent3" accent4="accent4" accent5="accent5" accent6="accent6" hlink="hlink" folHlink="folHlink"/>
+  <p:clrMap accent1="accent1" accent2="accent2" accent3="accent3" accent4="accent4" accent5="accent5" accent6="accent6" bg1="lt1" bg2="dk2" tx1="dk1" tx2="lt2" folHlink="folHlink" hlink="hlink"/>
   <p:notesStyle>
-    <a:defPPr marR="0" lvl="0" algn="l" rtl="0">
+    <a:defPPr lvl="0" marR="0" rtl="0" algn="l">
       <a:lnSpc>
         <a:spcPct val="100000"/>
       </a:lnSpc>
@@ -514,7 +495,7 @@
         <a:spcPts val="0"/>
       </a:spcAft>
     </a:defPPr>
-    <a:lvl1pPr marR="0" lvl="0" algn="l" rtl="0">
+    <a:lvl1pPr lvl="0" marR="0" rtl="0" algn="l">
       <a:lnSpc>
         <a:spcPct val="100000"/>
       </a:lnSpc>
@@ -528,7 +509,7 @@
         <a:srgbClr val="000000"/>
       </a:buClr>
       <a:buFont typeface="Arial"/>
-      <a:defRPr sz="1400" b="0" i="0" u="none" strike="noStrike" cap="none">
+      <a:defRPr b="0" i="0" sz="1400" u="none" cap="none" strike="noStrike">
         <a:solidFill>
           <a:srgbClr val="000000"/>
         </a:solidFill>
@@ -538,7 +519,7 @@
         <a:sym typeface="Arial"/>
       </a:defRPr>
     </a:lvl1pPr>
-    <a:lvl2pPr marR="0" lvl="1" algn="l" rtl="0">
+    <a:lvl2pPr lvl="1" marR="0" rtl="0" algn="l">
       <a:lnSpc>
         <a:spcPct val="100000"/>
       </a:lnSpc>
@@ -552,7 +533,7 @@
         <a:srgbClr val="000000"/>
       </a:buClr>
       <a:buFont typeface="Arial"/>
-      <a:defRPr sz="1400" b="0" i="0" u="none" strike="noStrike" cap="none">
+      <a:defRPr b="0" i="0" sz="1400" u="none" cap="none" strike="noStrike">
         <a:solidFill>
           <a:srgbClr val="000000"/>
         </a:solidFill>
@@ -562,7 +543,7 @@
         <a:sym typeface="Arial"/>
       </a:defRPr>
     </a:lvl2pPr>
-    <a:lvl3pPr marR="0" lvl="2" algn="l" rtl="0">
+    <a:lvl3pPr lvl="2" marR="0" rtl="0" algn="l">
       <a:lnSpc>
         <a:spcPct val="100000"/>
       </a:lnSpc>
@@ -576,7 +557,7 @@
         <a:srgbClr val="000000"/>
       </a:buClr>
       <a:buFont typeface="Arial"/>
-      <a:defRPr sz="1400" b="0" i="0" u="none" strike="noStrike" cap="none">
+      <a:defRPr b="0" i="0" sz="1400" u="none" cap="none" strike="noStrike">
         <a:solidFill>
           <a:srgbClr val="000000"/>
         </a:solidFill>
@@ -586,7 +567,7 @@
         <a:sym typeface="Arial"/>
       </a:defRPr>
     </a:lvl3pPr>
-    <a:lvl4pPr marR="0" lvl="3" algn="l" rtl="0">
+    <a:lvl4pPr lvl="3" marR="0" rtl="0" algn="l">
       <a:lnSpc>
         <a:spcPct val="100000"/>
       </a:lnSpc>
@@ -600,7 +581,7 @@
         <a:srgbClr val="000000"/>
       </a:buClr>
       <a:buFont typeface="Arial"/>
-      <a:defRPr sz="1400" b="0" i="0" u="none" strike="noStrike" cap="none">
+      <a:defRPr b="0" i="0" sz="1400" u="none" cap="none" strike="noStrike">
         <a:solidFill>
           <a:srgbClr val="000000"/>
         </a:solidFill>
@@ -610,7 +591,7 @@
         <a:sym typeface="Arial"/>
       </a:defRPr>
     </a:lvl4pPr>
-    <a:lvl5pPr marR="0" lvl="4" algn="l" rtl="0">
+    <a:lvl5pPr lvl="4" marR="0" rtl="0" algn="l">
       <a:lnSpc>
         <a:spcPct val="100000"/>
       </a:lnSpc>
@@ -624,7 +605,7 @@
         <a:srgbClr val="000000"/>
       </a:buClr>
       <a:buFont typeface="Arial"/>
-      <a:defRPr sz="1400" b="0" i="0" u="none" strike="noStrike" cap="none">
+      <a:defRPr b="0" i="0" sz="1400" u="none" cap="none" strike="noStrike">
         <a:solidFill>
           <a:srgbClr val="000000"/>
         </a:solidFill>
@@ -634,7 +615,7 @@
         <a:sym typeface="Arial"/>
       </a:defRPr>
     </a:lvl5pPr>
-    <a:lvl6pPr marR="0" lvl="5" algn="l" rtl="0">
+    <a:lvl6pPr lvl="5" marR="0" rtl="0" algn="l">
       <a:lnSpc>
         <a:spcPct val="100000"/>
       </a:lnSpc>
@@ -648,7 +629,7 @@
         <a:srgbClr val="000000"/>
       </a:buClr>
       <a:buFont typeface="Arial"/>
-      <a:defRPr sz="1400" b="0" i="0" u="none" strike="noStrike" cap="none">
+      <a:defRPr b="0" i="0" sz="1400" u="none" cap="none" strike="noStrike">
         <a:solidFill>
           <a:srgbClr val="000000"/>
         </a:solidFill>
@@ -658,7 +639,7 @@
         <a:sym typeface="Arial"/>
       </a:defRPr>
     </a:lvl6pPr>
-    <a:lvl7pPr marR="0" lvl="6" algn="l" rtl="0">
+    <a:lvl7pPr lvl="6" marR="0" rtl="0" algn="l">
       <a:lnSpc>
         <a:spcPct val="100000"/>
       </a:lnSpc>
@@ -672,7 +653,7 @@
         <a:srgbClr val="000000"/>
       </a:buClr>
       <a:buFont typeface="Arial"/>
-      <a:defRPr sz="1400" b="0" i="0" u="none" strike="noStrike" cap="none">
+      <a:defRPr b="0" i="0" sz="1400" u="none" cap="none" strike="noStrike">
         <a:solidFill>
           <a:srgbClr val="000000"/>
         </a:solidFill>
@@ -682,7 +663,7 @@
         <a:sym typeface="Arial"/>
       </a:defRPr>
     </a:lvl7pPr>
-    <a:lvl8pPr marR="0" lvl="7" algn="l" rtl="0">
+    <a:lvl8pPr lvl="7" marR="0" rtl="0" algn="l">
       <a:lnSpc>
         <a:spcPct val="100000"/>
       </a:lnSpc>
@@ -696,7 +677,7 @@
         <a:srgbClr val="000000"/>
       </a:buClr>
       <a:buFont typeface="Arial"/>
-      <a:defRPr sz="1400" b="0" i="0" u="none" strike="noStrike" cap="none">
+      <a:defRPr b="0" i="0" sz="1400" u="none" cap="none" strike="noStrike">
         <a:solidFill>
           <a:srgbClr val="000000"/>
         </a:solidFill>
@@ -706,7 +687,7 @@
         <a:sym typeface="Arial"/>
       </a:defRPr>
     </a:lvl8pPr>
-    <a:lvl9pPr marR="0" lvl="8" algn="l" rtl="0">
+    <a:lvl9pPr lvl="8" marR="0" rtl="0" algn="l">
       <a:lnSpc>
         <a:spcPct val="100000"/>
       </a:lnSpc>
@@ -720,7 +701,7 @@
         <a:srgbClr val="000000"/>
       </a:buClr>
       <a:buFont typeface="Arial"/>
-      <a:defRPr sz="1400" b="0" i="0" u="none" strike="noStrike" cap="none">
+      <a:defRPr b="0" i="0" sz="1400" u="none" cap="none" strike="noStrike">
         <a:solidFill>
           <a:srgbClr val="000000"/>
         </a:solidFill>
@@ -735,11 +716,11 @@
 </file>
 
 <file path=ppt/notesSlides/notesSlide1.xml><?xml version="1.0" encoding="utf-8"?>
-<p:notes xmlns:a="http://schemas.openxmlformats.org/drawingml/2006/main" xmlns:r="http://schemas.openxmlformats.org/officeDocument/2006/relationships" xmlns:p="http://schemas.openxmlformats.org/presentationml/2006/main" showMasterSp="0" showMasterPhAnim="0">
+<p:notes xmlns:a="http://schemas.openxmlformats.org/drawingml/2006/main" xmlns:r="http://schemas.openxmlformats.org/officeDocument/2006/relationships" xmlns:mc="http://schemas.openxmlformats.org/markup-compatibility/2006" xmlns:mv="urn:schemas-microsoft-com:mac:vml" xmlns:p="http://schemas.openxmlformats.org/presentationml/2006/main" xmlns:c="http://schemas.openxmlformats.org/drawingml/2006/chart" xmlns:dgm="http://schemas.openxmlformats.org/drawingml/2006/diagram" xmlns:o="urn:schemas-microsoft-com:office:office" xmlns:v="urn:schemas-microsoft-com:vml" xmlns:pvml="urn:schemas-microsoft-com:office:powerpoint" xmlns:com="http://schemas.openxmlformats.org/drawingml/2006/compatibility" xmlns:p14="http://schemas.microsoft.com/office/powerpoint/2010/main" xmlns:p15="http://schemas.microsoft.com/office/powerpoint/2012/main" xmlns:ahyp="http://schemas.microsoft.com/office/drawing/2018/hyperlinkcolor" showMasterPhAnim="0" showMasterSp="0">
   <p:cSld>
     <p:spTree>
       <p:nvGrpSpPr>
-        <p:cNvPr id="1" name="Shape 81"/>
+        <p:cNvPr id="81" name="Shape 81"/>
         <p:cNvGrpSpPr/>
         <p:nvPr/>
       </p:nvGrpSpPr>
@@ -754,11 +735,9 @@
       <p:sp>
         <p:nvSpPr>
           <p:cNvPr id="82" name="Google Shape;82;p:notes"/>
-          <p:cNvSpPr>
-            <a:spLocks noGrp="1" noRot="1" noChangeAspect="1"/>
-          </p:cNvSpPr>
+          <p:cNvSpPr/>
           <p:nvPr>
-            <p:ph type="sldImg" idx="2"/>
+            <p:ph idx="2" type="sldImg"/>
           </p:nvPr>
         </p:nvSpPr>
         <p:spPr>
@@ -767,13 +746,9 @@
             <a:ext cx="6096075" cy="3429000"/>
           </a:xfrm>
           <a:custGeom>
-            <a:avLst/>
-            <a:gdLst/>
-            <a:ahLst/>
-            <a:cxnLst/>
-            <a:rect l="l" t="t" r="r" b="b"/>
+            <a:rect b="b" l="l" r="r" t="t"/>
             <a:pathLst>
-              <a:path w="120000" h="120000" extrusionOk="0">
+              <a:path extrusionOk="0" h="120000" w="120000">
                 <a:moveTo>
                   <a:pt x="0" y="0"/>
                 </a:moveTo>
@@ -795,11 +770,9 @@
       <p:sp>
         <p:nvSpPr>
           <p:cNvPr id="83" name="Google Shape;83;p:notes"/>
-          <p:cNvSpPr txBox="1">
-            <a:spLocks noGrp="1"/>
-          </p:cNvSpPr>
+          <p:cNvSpPr txBox="1"/>
           <p:nvPr>
-            <p:ph type="body" idx="1"/>
+            <p:ph idx="1" type="body"/>
           </p:nvPr>
         </p:nvSpPr>
         <p:spPr>
@@ -812,12 +785,12 @@
           </a:prstGeom>
         </p:spPr>
         <p:txBody>
-          <a:bodyPr spcFirstLastPara="1" wrap="square" lIns="91425" tIns="91425" rIns="91425" bIns="91425" anchor="t" anchorCtr="0">
+          <a:bodyPr anchorCtr="0" anchor="t" bIns="91425" lIns="91425" spcFirstLastPara="1" rIns="91425" wrap="square" tIns="91425">
             <a:noAutofit/>
           </a:bodyPr>
           <a:lstStyle/>
           <a:p>
-            <a:pPr marL="0" lvl="0" indent="0" algn="l" rtl="0">
+            <a:pPr indent="0" lvl="0" marL="0" rtl="0" algn="l">
               <a:spcBef>
                 <a:spcPts val="0"/>
               </a:spcBef>
@@ -826,6 +799,9 @@
               </a:spcAft>
               <a:buNone/>
             </a:pPr>
+            <a:r>
+              <a:t/>
+            </a:r>
             <a:endParaRPr/>
           </a:p>
         </p:txBody>
@@ -839,11 +815,11 @@
 </file>
 
 <file path=ppt/notesSlides/notesSlide10.xml><?xml version="1.0" encoding="utf-8"?>
-<p:notes xmlns:a="http://schemas.openxmlformats.org/drawingml/2006/main" xmlns:r="http://schemas.openxmlformats.org/officeDocument/2006/relationships" xmlns:p="http://schemas.openxmlformats.org/presentationml/2006/main" showMasterSp="0" showMasterPhAnim="0">
+<p:notes xmlns:a="http://schemas.openxmlformats.org/drawingml/2006/main" xmlns:r="http://schemas.openxmlformats.org/officeDocument/2006/relationships" xmlns:mc="http://schemas.openxmlformats.org/markup-compatibility/2006" xmlns:mv="urn:schemas-microsoft-com:mac:vml" xmlns:p="http://schemas.openxmlformats.org/presentationml/2006/main" xmlns:c="http://schemas.openxmlformats.org/drawingml/2006/chart" xmlns:dgm="http://schemas.openxmlformats.org/drawingml/2006/diagram" xmlns:o="urn:schemas-microsoft-com:office:office" xmlns:v="urn:schemas-microsoft-com:vml" xmlns:pvml="urn:schemas-microsoft-com:office:powerpoint" xmlns:com="http://schemas.openxmlformats.org/drawingml/2006/compatibility" xmlns:p14="http://schemas.microsoft.com/office/powerpoint/2010/main" xmlns:p15="http://schemas.microsoft.com/office/powerpoint/2012/main" xmlns:ahyp="http://schemas.microsoft.com/office/drawing/2018/hyperlinkcolor" showMasterPhAnim="0" showMasterSp="0">
   <p:cSld>
     <p:spTree>
       <p:nvGrpSpPr>
-        <p:cNvPr id="1" name="Shape 148"/>
+        <p:cNvPr id="148" name="Shape 148"/>
         <p:cNvGrpSpPr/>
         <p:nvPr/>
       </p:nvGrpSpPr>
@@ -857,27 +833,21 @@
       </p:grpSpPr>
       <p:sp>
         <p:nvSpPr>
-          <p:cNvPr id="149" name="Google Shape;149;g1377381b3f4_1_0:notes"/>
-          <p:cNvSpPr>
-            <a:spLocks noGrp="1" noRot="1" noChangeAspect="1"/>
-          </p:cNvSpPr>
+          <p:cNvPr id="149" name="Google Shape;149;g12fc15f2a08_0_0:notes"/>
+          <p:cNvSpPr/>
           <p:nvPr>
-            <p:ph type="sldImg" idx="2"/>
+            <p:ph idx="2" type="sldImg"/>
           </p:nvPr>
         </p:nvSpPr>
         <p:spPr>
           <a:xfrm>
-            <a:off x="381000" y="685800"/>
+            <a:off x="381300" y="685800"/>
             <a:ext cx="6096000" cy="3429000"/>
           </a:xfrm>
           <a:custGeom>
-            <a:avLst/>
-            <a:gdLst/>
-            <a:ahLst/>
-            <a:cxnLst/>
-            <a:rect l="l" t="t" r="r" b="b"/>
+            <a:rect b="b" l="l" r="r" t="t"/>
             <a:pathLst>
-              <a:path w="120000" h="120000" extrusionOk="0">
+              <a:path extrusionOk="0" h="120000" w="120000">
                 <a:moveTo>
                   <a:pt x="0" y="0"/>
                 </a:moveTo>
@@ -898,12 +868,10 @@
       </p:sp>
       <p:sp>
         <p:nvSpPr>
-          <p:cNvPr id="150" name="Google Shape;150;g1377381b3f4_1_0:notes"/>
-          <p:cNvSpPr txBox="1">
-            <a:spLocks noGrp="1"/>
-          </p:cNvSpPr>
+          <p:cNvPr id="150" name="Google Shape;150;g12fc15f2a08_0_0:notes"/>
+          <p:cNvSpPr txBox="1"/>
           <p:nvPr>
-            <p:ph type="body" idx="1"/>
+            <p:ph idx="1" type="body"/>
           </p:nvPr>
         </p:nvSpPr>
         <p:spPr>
@@ -916,12 +884,12 @@
           </a:prstGeom>
         </p:spPr>
         <p:txBody>
-          <a:bodyPr spcFirstLastPara="1" wrap="square" lIns="91425" tIns="91425" rIns="91425" bIns="91425" anchor="t" anchorCtr="0">
+          <a:bodyPr anchorCtr="0" anchor="t" bIns="91425" lIns="91425" spcFirstLastPara="1" rIns="91425" wrap="square" tIns="91425">
             <a:noAutofit/>
           </a:bodyPr>
           <a:lstStyle/>
           <a:p>
-            <a:pPr marL="0" lvl="0" indent="0" algn="l" rtl="0">
+            <a:pPr indent="0" lvl="0" marL="0" rtl="0" algn="l">
               <a:spcBef>
                 <a:spcPts val="0"/>
               </a:spcBef>
@@ -930,6 +898,9 @@
               </a:spcAft>
               <a:buNone/>
             </a:pPr>
+            <a:r>
+              <a:t/>
+            </a:r>
             <a:endParaRPr/>
           </a:p>
         </p:txBody>
@@ -943,11 +914,11 @@
 </file>
 
 <file path=ppt/notesSlides/notesSlide11.xml><?xml version="1.0" encoding="utf-8"?>
-<p:notes xmlns:a="http://schemas.openxmlformats.org/drawingml/2006/main" xmlns:r="http://schemas.openxmlformats.org/officeDocument/2006/relationships" xmlns:p="http://schemas.openxmlformats.org/presentationml/2006/main" showMasterSp="0" showMasterPhAnim="0">
+<p:notes xmlns:a="http://schemas.openxmlformats.org/drawingml/2006/main" xmlns:r="http://schemas.openxmlformats.org/officeDocument/2006/relationships" xmlns:mc="http://schemas.openxmlformats.org/markup-compatibility/2006" xmlns:mv="urn:schemas-microsoft-com:mac:vml" xmlns:p="http://schemas.openxmlformats.org/presentationml/2006/main" xmlns:c="http://schemas.openxmlformats.org/drawingml/2006/chart" xmlns:dgm="http://schemas.openxmlformats.org/drawingml/2006/diagram" xmlns:o="urn:schemas-microsoft-com:office:office" xmlns:v="urn:schemas-microsoft-com:vml" xmlns:pvml="urn:schemas-microsoft-com:office:powerpoint" xmlns:com="http://schemas.openxmlformats.org/drawingml/2006/compatibility" xmlns:p14="http://schemas.microsoft.com/office/powerpoint/2010/main" xmlns:p15="http://schemas.microsoft.com/office/powerpoint/2012/main" xmlns:ahyp="http://schemas.microsoft.com/office/drawing/2018/hyperlinkcolor" showMasterPhAnim="0" showMasterSp="0">
   <p:cSld>
     <p:spTree>
       <p:nvGrpSpPr>
-        <p:cNvPr id="1" name="Shape 154"/>
+        <p:cNvPr id="154" name="Shape 154"/>
         <p:cNvGrpSpPr/>
         <p:nvPr/>
       </p:nvGrpSpPr>
@@ -961,12 +932,10 @@
       </p:grpSpPr>
       <p:sp>
         <p:nvSpPr>
-          <p:cNvPr id="155" name="Google Shape;155;g135a00edfc1_0_0:notes"/>
-          <p:cNvSpPr>
-            <a:spLocks noGrp="1" noRot="1" noChangeAspect="1"/>
-          </p:cNvSpPr>
+          <p:cNvPr id="155" name="Google Shape;155;g1377381b3f4_1_0:notes"/>
+          <p:cNvSpPr/>
           <p:nvPr>
-            <p:ph type="sldImg" idx="2"/>
+            <p:ph idx="2" type="sldImg"/>
           </p:nvPr>
         </p:nvSpPr>
         <p:spPr>
@@ -975,13 +944,9 @@
             <a:ext cx="6096000" cy="3429000"/>
           </a:xfrm>
           <a:custGeom>
-            <a:avLst/>
-            <a:gdLst/>
-            <a:ahLst/>
-            <a:cxnLst/>
-            <a:rect l="l" t="t" r="r" b="b"/>
+            <a:rect b="b" l="l" r="r" t="t"/>
             <a:pathLst>
-              <a:path w="120000" h="120000" extrusionOk="0">
+              <a:path extrusionOk="0" h="120000" w="120000">
                 <a:moveTo>
                   <a:pt x="0" y="0"/>
                 </a:moveTo>
@@ -1002,12 +967,10 @@
       </p:sp>
       <p:sp>
         <p:nvSpPr>
-          <p:cNvPr id="156" name="Google Shape;156;g135a00edfc1_0_0:notes"/>
-          <p:cNvSpPr txBox="1">
-            <a:spLocks noGrp="1"/>
-          </p:cNvSpPr>
+          <p:cNvPr id="156" name="Google Shape;156;g1377381b3f4_1_0:notes"/>
+          <p:cNvSpPr txBox="1"/>
           <p:nvPr>
-            <p:ph type="body" idx="1"/>
+            <p:ph idx="1" type="body"/>
           </p:nvPr>
         </p:nvSpPr>
         <p:spPr>
@@ -1020,12 +983,12 @@
           </a:prstGeom>
         </p:spPr>
         <p:txBody>
-          <a:bodyPr spcFirstLastPara="1" wrap="square" lIns="91425" tIns="91425" rIns="91425" bIns="91425" anchor="t" anchorCtr="0">
+          <a:bodyPr anchorCtr="0" anchor="t" bIns="91425" lIns="91425" spcFirstLastPara="1" rIns="91425" wrap="square" tIns="91425">
             <a:noAutofit/>
           </a:bodyPr>
           <a:lstStyle/>
           <a:p>
-            <a:pPr marL="0" lvl="0" indent="0" algn="l" rtl="0">
+            <a:pPr indent="0" lvl="0" marL="0" rtl="0" algn="l">
               <a:spcBef>
                 <a:spcPts val="0"/>
               </a:spcBef>
@@ -1034,6 +997,9 @@
               </a:spcAft>
               <a:buNone/>
             </a:pPr>
+            <a:r>
+              <a:t/>
+            </a:r>
             <a:endParaRPr/>
           </a:p>
         </p:txBody>
@@ -1047,11 +1013,11 @@
 </file>
 
 <file path=ppt/notesSlides/notesSlide12.xml><?xml version="1.0" encoding="utf-8"?>
-<p:notes xmlns:a="http://schemas.openxmlformats.org/drawingml/2006/main" xmlns:r="http://schemas.openxmlformats.org/officeDocument/2006/relationships" xmlns:p="http://schemas.openxmlformats.org/presentationml/2006/main" showMasterSp="0" showMasterPhAnim="0">
+<p:notes xmlns:a="http://schemas.openxmlformats.org/drawingml/2006/main" xmlns:r="http://schemas.openxmlformats.org/officeDocument/2006/relationships" xmlns:mc="http://schemas.openxmlformats.org/markup-compatibility/2006" xmlns:mv="urn:schemas-microsoft-com:mac:vml" xmlns:p="http://schemas.openxmlformats.org/presentationml/2006/main" xmlns:c="http://schemas.openxmlformats.org/drawingml/2006/chart" xmlns:dgm="http://schemas.openxmlformats.org/drawingml/2006/diagram" xmlns:o="urn:schemas-microsoft-com:office:office" xmlns:v="urn:schemas-microsoft-com:vml" xmlns:pvml="urn:schemas-microsoft-com:office:powerpoint" xmlns:com="http://schemas.openxmlformats.org/drawingml/2006/compatibility" xmlns:p14="http://schemas.microsoft.com/office/powerpoint/2010/main" xmlns:p15="http://schemas.microsoft.com/office/powerpoint/2012/main" xmlns:ahyp="http://schemas.microsoft.com/office/drawing/2018/hyperlinkcolor" showMasterPhAnim="0" showMasterSp="0">
   <p:cSld>
     <p:spTree>
       <p:nvGrpSpPr>
-        <p:cNvPr id="1" name="Shape 160"/>
+        <p:cNvPr id="160" name="Shape 160"/>
         <p:cNvGrpSpPr/>
         <p:nvPr/>
       </p:nvGrpSpPr>
@@ -1065,12 +1031,10 @@
       </p:grpSpPr>
       <p:sp>
         <p:nvSpPr>
-          <p:cNvPr id="161" name="Google Shape;161;g13a95960121_0_7:notes"/>
-          <p:cNvSpPr>
-            <a:spLocks noGrp="1" noRot="1" noChangeAspect="1"/>
-          </p:cNvSpPr>
+          <p:cNvPr id="161" name="Google Shape;161;g135a00edfc1_0_0:notes"/>
+          <p:cNvSpPr/>
           <p:nvPr>
-            <p:ph type="sldImg" idx="2"/>
+            <p:ph idx="2" type="sldImg"/>
           </p:nvPr>
         </p:nvSpPr>
         <p:spPr>
@@ -1079,13 +1043,9 @@
             <a:ext cx="6096000" cy="3429000"/>
           </a:xfrm>
           <a:custGeom>
-            <a:avLst/>
-            <a:gdLst/>
-            <a:ahLst/>
-            <a:cxnLst/>
-            <a:rect l="l" t="t" r="r" b="b"/>
+            <a:rect b="b" l="l" r="r" t="t"/>
             <a:pathLst>
-              <a:path w="120000" h="120000" extrusionOk="0">
+              <a:path extrusionOk="0" h="120000" w="120000">
                 <a:moveTo>
                   <a:pt x="0" y="0"/>
                 </a:moveTo>
@@ -1106,12 +1066,10 @@
       </p:sp>
       <p:sp>
         <p:nvSpPr>
-          <p:cNvPr id="162" name="Google Shape;162;g13a95960121_0_7:notes"/>
-          <p:cNvSpPr txBox="1">
-            <a:spLocks noGrp="1"/>
-          </p:cNvSpPr>
+          <p:cNvPr id="162" name="Google Shape;162;g135a00edfc1_0_0:notes"/>
+          <p:cNvSpPr txBox="1"/>
           <p:nvPr>
-            <p:ph type="body" idx="1"/>
+            <p:ph idx="1" type="body"/>
           </p:nvPr>
         </p:nvSpPr>
         <p:spPr>
@@ -1124,12 +1082,12 @@
           </a:prstGeom>
         </p:spPr>
         <p:txBody>
-          <a:bodyPr spcFirstLastPara="1" wrap="square" lIns="91425" tIns="91425" rIns="91425" bIns="91425" anchor="t" anchorCtr="0">
+          <a:bodyPr anchorCtr="0" anchor="t" bIns="91425" lIns="91425" spcFirstLastPara="1" rIns="91425" wrap="square" tIns="91425">
             <a:noAutofit/>
           </a:bodyPr>
           <a:lstStyle/>
           <a:p>
-            <a:pPr marL="0" lvl="0" indent="0" algn="l" rtl="0">
+            <a:pPr indent="0" lvl="0" marL="0" rtl="0" algn="l">
               <a:spcBef>
                 <a:spcPts val="0"/>
               </a:spcBef>
@@ -1138,6 +1096,9 @@
               </a:spcAft>
               <a:buNone/>
             </a:pPr>
+            <a:r>
+              <a:t/>
+            </a:r>
             <a:endParaRPr/>
           </a:p>
         </p:txBody>
@@ -1151,11 +1112,11 @@
 </file>
 
 <file path=ppt/notesSlides/notesSlide13.xml><?xml version="1.0" encoding="utf-8"?>
-<p:notes xmlns:a="http://schemas.openxmlformats.org/drawingml/2006/main" xmlns:r="http://schemas.openxmlformats.org/officeDocument/2006/relationships" xmlns:p="http://schemas.openxmlformats.org/presentationml/2006/main" showMasterSp="0" showMasterPhAnim="0">
+<p:notes xmlns:a="http://schemas.openxmlformats.org/drawingml/2006/main" xmlns:r="http://schemas.openxmlformats.org/officeDocument/2006/relationships" xmlns:mc="http://schemas.openxmlformats.org/markup-compatibility/2006" xmlns:mv="urn:schemas-microsoft-com:mac:vml" xmlns:p="http://schemas.openxmlformats.org/presentationml/2006/main" xmlns:c="http://schemas.openxmlformats.org/drawingml/2006/chart" xmlns:dgm="http://schemas.openxmlformats.org/drawingml/2006/diagram" xmlns:o="urn:schemas-microsoft-com:office:office" xmlns:v="urn:schemas-microsoft-com:vml" xmlns:pvml="urn:schemas-microsoft-com:office:powerpoint" xmlns:com="http://schemas.openxmlformats.org/drawingml/2006/compatibility" xmlns:p14="http://schemas.microsoft.com/office/powerpoint/2010/main" xmlns:p15="http://schemas.microsoft.com/office/powerpoint/2012/main" xmlns:ahyp="http://schemas.microsoft.com/office/drawing/2018/hyperlinkcolor" showMasterPhAnim="0" showMasterSp="0">
   <p:cSld>
     <p:spTree>
       <p:nvGrpSpPr>
-        <p:cNvPr id="1" name="Shape 166"/>
+        <p:cNvPr id="166" name="Shape 166"/>
         <p:cNvGrpSpPr/>
         <p:nvPr/>
       </p:nvGrpSpPr>
@@ -1169,12 +1130,10 @@
       </p:grpSpPr>
       <p:sp>
         <p:nvSpPr>
-          <p:cNvPr id="167" name="Google Shape;167;g13437f1d43b_0_0:notes"/>
-          <p:cNvSpPr>
-            <a:spLocks noGrp="1" noRot="1" noChangeAspect="1"/>
-          </p:cNvSpPr>
+          <p:cNvPr id="167" name="Google Shape;167;g13a95960121_0_7:notes"/>
+          <p:cNvSpPr/>
           <p:nvPr>
-            <p:ph type="sldImg" idx="2"/>
+            <p:ph idx="2" type="sldImg"/>
           </p:nvPr>
         </p:nvSpPr>
         <p:spPr>
@@ -1183,13 +1142,9 @@
             <a:ext cx="6096000" cy="3429000"/>
           </a:xfrm>
           <a:custGeom>
-            <a:avLst/>
-            <a:gdLst/>
-            <a:ahLst/>
-            <a:cxnLst/>
-            <a:rect l="l" t="t" r="r" b="b"/>
+            <a:rect b="b" l="l" r="r" t="t"/>
             <a:pathLst>
-              <a:path w="120000" h="120000" extrusionOk="0">
+              <a:path extrusionOk="0" h="120000" w="120000">
                 <a:moveTo>
                   <a:pt x="0" y="0"/>
                 </a:moveTo>
@@ -1210,12 +1165,10 @@
       </p:sp>
       <p:sp>
         <p:nvSpPr>
-          <p:cNvPr id="168" name="Google Shape;168;g13437f1d43b_0_0:notes"/>
-          <p:cNvSpPr txBox="1">
-            <a:spLocks noGrp="1"/>
-          </p:cNvSpPr>
+          <p:cNvPr id="168" name="Google Shape;168;g13a95960121_0_7:notes"/>
+          <p:cNvSpPr txBox="1"/>
           <p:nvPr>
-            <p:ph type="body" idx="1"/>
+            <p:ph idx="1" type="body"/>
           </p:nvPr>
         </p:nvSpPr>
         <p:spPr>
@@ -1228,12 +1181,12 @@
           </a:prstGeom>
         </p:spPr>
         <p:txBody>
-          <a:bodyPr spcFirstLastPara="1" wrap="square" lIns="91425" tIns="91425" rIns="91425" bIns="91425" anchor="t" anchorCtr="0">
+          <a:bodyPr anchorCtr="0" anchor="t" bIns="91425" lIns="91425" spcFirstLastPara="1" rIns="91425" wrap="square" tIns="91425">
             <a:noAutofit/>
           </a:bodyPr>
           <a:lstStyle/>
           <a:p>
-            <a:pPr marL="0" lvl="0" indent="0" algn="l" rtl="0">
+            <a:pPr indent="0" lvl="0" marL="0" rtl="0" algn="l">
               <a:spcBef>
                 <a:spcPts val="0"/>
               </a:spcBef>
@@ -1242,6 +1195,9 @@
               </a:spcAft>
               <a:buNone/>
             </a:pPr>
+            <a:r>
+              <a:t/>
+            </a:r>
             <a:endParaRPr/>
           </a:p>
         </p:txBody>
@@ -1255,11 +1211,11 @@
 </file>
 
 <file path=ppt/notesSlides/notesSlide14.xml><?xml version="1.0" encoding="utf-8"?>
-<p:notes xmlns:a="http://schemas.openxmlformats.org/drawingml/2006/main" xmlns:r="http://schemas.openxmlformats.org/officeDocument/2006/relationships" xmlns:p="http://schemas.openxmlformats.org/presentationml/2006/main" showMasterSp="0" showMasterPhAnim="0">
+<p:notes xmlns:a="http://schemas.openxmlformats.org/drawingml/2006/main" xmlns:r="http://schemas.openxmlformats.org/officeDocument/2006/relationships" xmlns:mc="http://schemas.openxmlformats.org/markup-compatibility/2006" xmlns:mv="urn:schemas-microsoft-com:mac:vml" xmlns:p="http://schemas.openxmlformats.org/presentationml/2006/main" xmlns:c="http://schemas.openxmlformats.org/drawingml/2006/chart" xmlns:dgm="http://schemas.openxmlformats.org/drawingml/2006/diagram" xmlns:o="urn:schemas-microsoft-com:office:office" xmlns:v="urn:schemas-microsoft-com:vml" xmlns:pvml="urn:schemas-microsoft-com:office:powerpoint" xmlns:com="http://schemas.openxmlformats.org/drawingml/2006/compatibility" xmlns:p14="http://schemas.microsoft.com/office/powerpoint/2010/main" xmlns:p15="http://schemas.microsoft.com/office/powerpoint/2012/main" xmlns:ahyp="http://schemas.microsoft.com/office/drawing/2018/hyperlinkcolor" showMasterPhAnim="0" showMasterSp="0">
   <p:cSld>
     <p:spTree>
       <p:nvGrpSpPr>
-        <p:cNvPr id="1" name="Shape 172"/>
+        <p:cNvPr id="172" name="Shape 172"/>
         <p:cNvGrpSpPr/>
         <p:nvPr/>
       </p:nvGrpSpPr>
@@ -1273,12 +1229,10 @@
       </p:grpSpPr>
       <p:sp>
         <p:nvSpPr>
-          <p:cNvPr id="173" name="Google Shape;173;g1322f34452d_0_0:notes"/>
-          <p:cNvSpPr>
-            <a:spLocks noGrp="1" noRot="1" noChangeAspect="1"/>
-          </p:cNvSpPr>
+          <p:cNvPr id="173" name="Google Shape;173;g13b2b527659_0_6:notes"/>
+          <p:cNvSpPr/>
           <p:nvPr>
-            <p:ph type="sldImg" idx="2"/>
+            <p:ph idx="2" type="sldImg"/>
           </p:nvPr>
         </p:nvSpPr>
         <p:spPr>
@@ -1287,13 +1241,9 @@
             <a:ext cx="6096000" cy="3429000"/>
           </a:xfrm>
           <a:custGeom>
-            <a:avLst/>
-            <a:gdLst/>
-            <a:ahLst/>
-            <a:cxnLst/>
-            <a:rect l="l" t="t" r="r" b="b"/>
+            <a:rect b="b" l="l" r="r" t="t"/>
             <a:pathLst>
-              <a:path w="120000" h="120000" extrusionOk="0">
+              <a:path extrusionOk="0" h="120000" w="120000">
                 <a:moveTo>
                   <a:pt x="0" y="0"/>
                 </a:moveTo>
@@ -1314,12 +1264,10 @@
       </p:sp>
       <p:sp>
         <p:nvSpPr>
-          <p:cNvPr id="174" name="Google Shape;174;g1322f34452d_0_0:notes"/>
-          <p:cNvSpPr txBox="1">
-            <a:spLocks noGrp="1"/>
-          </p:cNvSpPr>
+          <p:cNvPr id="174" name="Google Shape;174;g13b2b527659_0_6:notes"/>
+          <p:cNvSpPr txBox="1"/>
           <p:nvPr>
-            <p:ph type="body" idx="1"/>
+            <p:ph idx="1" type="body"/>
           </p:nvPr>
         </p:nvSpPr>
         <p:spPr>
@@ -1332,12 +1280,12 @@
           </a:prstGeom>
         </p:spPr>
         <p:txBody>
-          <a:bodyPr spcFirstLastPara="1" wrap="square" lIns="91425" tIns="91425" rIns="91425" bIns="91425" anchor="t" anchorCtr="0">
+          <a:bodyPr anchorCtr="0" anchor="t" bIns="91425" lIns="91425" spcFirstLastPara="1" rIns="91425" wrap="square" tIns="91425">
             <a:noAutofit/>
           </a:bodyPr>
           <a:lstStyle/>
           <a:p>
-            <a:pPr marL="0" lvl="0" indent="0" algn="l" rtl="0">
+            <a:pPr indent="0" lvl="0" marL="0" rtl="0" algn="l">
               <a:spcBef>
                 <a:spcPts val="0"/>
               </a:spcBef>
@@ -1346,422 +1294,9 @@
               </a:spcAft>
               <a:buNone/>
             </a:pPr>
-            <a:endParaRPr/>
-          </a:p>
-        </p:txBody>
-      </p:sp>
-    </p:spTree>
-  </p:cSld>
-  <p:clrMapOvr>
-    <a:masterClrMapping/>
-  </p:clrMapOvr>
-</p:notes>
-</file>
-
-<file path=ppt/notesSlides/notesSlide15.xml><?xml version="1.0" encoding="utf-8"?>
-<p:notes xmlns:a="http://schemas.openxmlformats.org/drawingml/2006/main" xmlns:r="http://schemas.openxmlformats.org/officeDocument/2006/relationships" xmlns:p="http://schemas.openxmlformats.org/presentationml/2006/main" showMasterSp="0" showMasterPhAnim="0">
-  <p:cSld>
-    <p:spTree>
-      <p:nvGrpSpPr>
-        <p:cNvPr id="1" name="Shape 178"/>
-        <p:cNvGrpSpPr/>
-        <p:nvPr/>
-      </p:nvGrpSpPr>
-      <p:grpSpPr>
-        <a:xfrm>
-          <a:off x="0" y="0"/>
-          <a:ext cx="0" cy="0"/>
-          <a:chOff x="0" y="0"/>
-          <a:chExt cx="0" cy="0"/>
-        </a:xfrm>
-      </p:grpSpPr>
-      <p:sp>
-        <p:nvSpPr>
-          <p:cNvPr id="179" name="Google Shape;179;g11c53c527c1_0_11:notes"/>
-          <p:cNvSpPr>
-            <a:spLocks noGrp="1" noRot="1" noChangeAspect="1"/>
-          </p:cNvSpPr>
-          <p:nvPr>
-            <p:ph type="sldImg" idx="2"/>
-          </p:nvPr>
-        </p:nvSpPr>
-        <p:spPr>
-          <a:xfrm>
-            <a:off x="381300" y="685800"/>
-            <a:ext cx="6096000" cy="3429000"/>
-          </a:xfrm>
-          <a:custGeom>
-            <a:avLst/>
-            <a:gdLst/>
-            <a:ahLst/>
-            <a:cxnLst/>
-            <a:rect l="l" t="t" r="r" b="b"/>
-            <a:pathLst>
-              <a:path w="120000" h="120000" extrusionOk="0">
-                <a:moveTo>
-                  <a:pt x="0" y="0"/>
-                </a:moveTo>
-                <a:lnTo>
-                  <a:pt x="120000" y="0"/>
-                </a:lnTo>
-                <a:lnTo>
-                  <a:pt x="120000" y="120000"/>
-                </a:lnTo>
-                <a:lnTo>
-                  <a:pt x="0" y="120000"/>
-                </a:lnTo>
-                <a:close/>
-              </a:path>
-            </a:pathLst>
-          </a:custGeom>
-        </p:spPr>
-      </p:sp>
-      <p:sp>
-        <p:nvSpPr>
-          <p:cNvPr id="180" name="Google Shape;180;g11c53c527c1_0_11:notes"/>
-          <p:cNvSpPr txBox="1">
-            <a:spLocks noGrp="1"/>
-          </p:cNvSpPr>
-          <p:nvPr>
-            <p:ph type="body" idx="1"/>
-          </p:nvPr>
-        </p:nvSpPr>
-        <p:spPr>
-          <a:xfrm>
-            <a:off x="685800" y="4343400"/>
-            <a:ext cx="5486400" cy="4114800"/>
-          </a:xfrm>
-          <a:prstGeom prst="rect">
-            <a:avLst/>
-          </a:prstGeom>
-        </p:spPr>
-        <p:txBody>
-          <a:bodyPr spcFirstLastPara="1" wrap="square" lIns="91425" tIns="91425" rIns="91425" bIns="91425" anchor="t" anchorCtr="0">
-            <a:noAutofit/>
-          </a:bodyPr>
-          <a:lstStyle/>
-          <a:p>
-            <a:pPr marL="0" lvl="0" indent="0" algn="l" rtl="0">
-              <a:spcBef>
-                <a:spcPts val="0"/>
-              </a:spcBef>
-              <a:spcAft>
-                <a:spcPts val="0"/>
-              </a:spcAft>
-              <a:buNone/>
-            </a:pPr>
-            <a:endParaRPr/>
-          </a:p>
-        </p:txBody>
-      </p:sp>
-    </p:spTree>
-  </p:cSld>
-  <p:clrMapOvr>
-    <a:masterClrMapping/>
-  </p:clrMapOvr>
-</p:notes>
-</file>
-
-<file path=ppt/notesSlides/notesSlide16.xml><?xml version="1.0" encoding="utf-8"?>
-<p:notes xmlns:a="http://schemas.openxmlformats.org/drawingml/2006/main" xmlns:r="http://schemas.openxmlformats.org/officeDocument/2006/relationships" xmlns:p="http://schemas.openxmlformats.org/presentationml/2006/main" showMasterSp="0" showMasterPhAnim="0">
-  <p:cSld>
-    <p:spTree>
-      <p:nvGrpSpPr>
-        <p:cNvPr id="1" name="Shape 184"/>
-        <p:cNvGrpSpPr/>
-        <p:nvPr/>
-      </p:nvGrpSpPr>
-      <p:grpSpPr>
-        <a:xfrm>
-          <a:off x="0" y="0"/>
-          <a:ext cx="0" cy="0"/>
-          <a:chOff x="0" y="0"/>
-          <a:chExt cx="0" cy="0"/>
-        </a:xfrm>
-      </p:grpSpPr>
-      <p:sp>
-        <p:nvSpPr>
-          <p:cNvPr id="185" name="Google Shape;185;g11c53c527c1_0_6:notes"/>
-          <p:cNvSpPr>
-            <a:spLocks noGrp="1" noRot="1" noChangeAspect="1"/>
-          </p:cNvSpPr>
-          <p:nvPr>
-            <p:ph type="sldImg" idx="2"/>
-          </p:nvPr>
-        </p:nvSpPr>
-        <p:spPr>
-          <a:xfrm>
-            <a:off x="381300" y="685800"/>
-            <a:ext cx="6096000" cy="3429000"/>
-          </a:xfrm>
-          <a:custGeom>
-            <a:avLst/>
-            <a:gdLst/>
-            <a:ahLst/>
-            <a:cxnLst/>
-            <a:rect l="l" t="t" r="r" b="b"/>
-            <a:pathLst>
-              <a:path w="120000" h="120000" extrusionOk="0">
-                <a:moveTo>
-                  <a:pt x="0" y="0"/>
-                </a:moveTo>
-                <a:lnTo>
-                  <a:pt x="120000" y="0"/>
-                </a:lnTo>
-                <a:lnTo>
-                  <a:pt x="120000" y="120000"/>
-                </a:lnTo>
-                <a:lnTo>
-                  <a:pt x="0" y="120000"/>
-                </a:lnTo>
-                <a:close/>
-              </a:path>
-            </a:pathLst>
-          </a:custGeom>
-        </p:spPr>
-      </p:sp>
-      <p:sp>
-        <p:nvSpPr>
-          <p:cNvPr id="186" name="Google Shape;186;g11c53c527c1_0_6:notes"/>
-          <p:cNvSpPr txBox="1">
-            <a:spLocks noGrp="1"/>
-          </p:cNvSpPr>
-          <p:nvPr>
-            <p:ph type="body" idx="1"/>
-          </p:nvPr>
-        </p:nvSpPr>
-        <p:spPr>
-          <a:xfrm>
-            <a:off x="685800" y="4343400"/>
-            <a:ext cx="5486400" cy="4114800"/>
-          </a:xfrm>
-          <a:prstGeom prst="rect">
-            <a:avLst/>
-          </a:prstGeom>
-        </p:spPr>
-        <p:txBody>
-          <a:bodyPr spcFirstLastPara="1" wrap="square" lIns="91425" tIns="91425" rIns="91425" bIns="91425" anchor="t" anchorCtr="0">
-            <a:noAutofit/>
-          </a:bodyPr>
-          <a:lstStyle/>
-          <a:p>
-            <a:pPr marL="0" lvl="0" indent="0" algn="l" rtl="0">
-              <a:spcBef>
-                <a:spcPts val="0"/>
-              </a:spcBef>
-              <a:spcAft>
-                <a:spcPts val="0"/>
-              </a:spcAft>
-              <a:buNone/>
-            </a:pPr>
-            <a:endParaRPr/>
-          </a:p>
-        </p:txBody>
-      </p:sp>
-    </p:spTree>
-  </p:cSld>
-  <p:clrMapOvr>
-    <a:masterClrMapping/>
-  </p:clrMapOvr>
-</p:notes>
-</file>
-
-<file path=ppt/notesSlides/notesSlide17.xml><?xml version="1.0" encoding="utf-8"?>
-<p:notes xmlns:a="http://schemas.openxmlformats.org/drawingml/2006/main" xmlns:r="http://schemas.openxmlformats.org/officeDocument/2006/relationships" xmlns:p="http://schemas.openxmlformats.org/presentationml/2006/main" showMasterSp="0" showMasterPhAnim="0">
-  <p:cSld>
-    <p:spTree>
-      <p:nvGrpSpPr>
-        <p:cNvPr id="1" name="Shape 190"/>
-        <p:cNvGrpSpPr/>
-        <p:nvPr/>
-      </p:nvGrpSpPr>
-      <p:grpSpPr>
-        <a:xfrm>
-          <a:off x="0" y="0"/>
-          <a:ext cx="0" cy="0"/>
-          <a:chOff x="0" y="0"/>
-          <a:chExt cx="0" cy="0"/>
-        </a:xfrm>
-      </p:grpSpPr>
-      <p:sp>
-        <p:nvSpPr>
-          <p:cNvPr id="191" name="Google Shape;191;g130dc12af1c_0_1:notes"/>
-          <p:cNvSpPr>
-            <a:spLocks noGrp="1" noRot="1" noChangeAspect="1"/>
-          </p:cNvSpPr>
-          <p:nvPr>
-            <p:ph type="sldImg" idx="2"/>
-          </p:nvPr>
-        </p:nvSpPr>
-        <p:spPr>
-          <a:xfrm>
-            <a:off x="381300" y="685800"/>
-            <a:ext cx="6096000" cy="3429000"/>
-          </a:xfrm>
-          <a:custGeom>
-            <a:avLst/>
-            <a:gdLst/>
-            <a:ahLst/>
-            <a:cxnLst/>
-            <a:rect l="l" t="t" r="r" b="b"/>
-            <a:pathLst>
-              <a:path w="120000" h="120000" extrusionOk="0">
-                <a:moveTo>
-                  <a:pt x="0" y="0"/>
-                </a:moveTo>
-                <a:lnTo>
-                  <a:pt x="120000" y="0"/>
-                </a:lnTo>
-                <a:lnTo>
-                  <a:pt x="120000" y="120000"/>
-                </a:lnTo>
-                <a:lnTo>
-                  <a:pt x="0" y="120000"/>
-                </a:lnTo>
-                <a:close/>
-              </a:path>
-            </a:pathLst>
-          </a:custGeom>
-        </p:spPr>
-      </p:sp>
-      <p:sp>
-        <p:nvSpPr>
-          <p:cNvPr id="192" name="Google Shape;192;g130dc12af1c_0_1:notes"/>
-          <p:cNvSpPr txBox="1">
-            <a:spLocks noGrp="1"/>
-          </p:cNvSpPr>
-          <p:nvPr>
-            <p:ph type="body" idx="1"/>
-          </p:nvPr>
-        </p:nvSpPr>
-        <p:spPr>
-          <a:xfrm>
-            <a:off x="685800" y="4343400"/>
-            <a:ext cx="5486400" cy="4114800"/>
-          </a:xfrm>
-          <a:prstGeom prst="rect">
-            <a:avLst/>
-          </a:prstGeom>
-        </p:spPr>
-        <p:txBody>
-          <a:bodyPr spcFirstLastPara="1" wrap="square" lIns="91425" tIns="91425" rIns="91425" bIns="91425" anchor="t" anchorCtr="0">
-            <a:noAutofit/>
-          </a:bodyPr>
-          <a:lstStyle/>
-          <a:p>
-            <a:pPr marL="0" lvl="0" indent="0" algn="l" rtl="0">
-              <a:spcBef>
-                <a:spcPts val="0"/>
-              </a:spcBef>
-              <a:spcAft>
-                <a:spcPts val="0"/>
-              </a:spcAft>
-              <a:buNone/>
-            </a:pPr>
-            <a:endParaRPr/>
-          </a:p>
-        </p:txBody>
-      </p:sp>
-    </p:spTree>
-  </p:cSld>
-  <p:clrMapOvr>
-    <a:masterClrMapping/>
-  </p:clrMapOvr>
-</p:notes>
-</file>
-
-<file path=ppt/notesSlides/notesSlide18.xml><?xml version="1.0" encoding="utf-8"?>
-<p:notes xmlns:a="http://schemas.openxmlformats.org/drawingml/2006/main" xmlns:r="http://schemas.openxmlformats.org/officeDocument/2006/relationships" xmlns:p="http://schemas.openxmlformats.org/presentationml/2006/main" showMasterSp="0" showMasterPhAnim="0">
-  <p:cSld>
-    <p:spTree>
-      <p:nvGrpSpPr>
-        <p:cNvPr id="1" name="Shape 196"/>
-        <p:cNvGrpSpPr/>
-        <p:nvPr/>
-      </p:nvGrpSpPr>
-      <p:grpSpPr>
-        <a:xfrm>
-          <a:off x="0" y="0"/>
-          <a:ext cx="0" cy="0"/>
-          <a:chOff x="0" y="0"/>
-          <a:chExt cx="0" cy="0"/>
-        </a:xfrm>
-      </p:grpSpPr>
-      <p:sp>
-        <p:nvSpPr>
-          <p:cNvPr id="197" name="Google Shape;197;g131ba650740_0_5:notes"/>
-          <p:cNvSpPr>
-            <a:spLocks noGrp="1" noRot="1" noChangeAspect="1"/>
-          </p:cNvSpPr>
-          <p:nvPr>
-            <p:ph type="sldImg" idx="2"/>
-          </p:nvPr>
-        </p:nvSpPr>
-        <p:spPr>
-          <a:xfrm>
-            <a:off x="381300" y="685800"/>
-            <a:ext cx="6096000" cy="3429000"/>
-          </a:xfrm>
-          <a:custGeom>
-            <a:avLst/>
-            <a:gdLst/>
-            <a:ahLst/>
-            <a:cxnLst/>
-            <a:rect l="l" t="t" r="r" b="b"/>
-            <a:pathLst>
-              <a:path w="120000" h="120000" extrusionOk="0">
-                <a:moveTo>
-                  <a:pt x="0" y="0"/>
-                </a:moveTo>
-                <a:lnTo>
-                  <a:pt x="120000" y="0"/>
-                </a:lnTo>
-                <a:lnTo>
-                  <a:pt x="120000" y="120000"/>
-                </a:lnTo>
-                <a:lnTo>
-                  <a:pt x="0" y="120000"/>
-                </a:lnTo>
-                <a:close/>
-              </a:path>
-            </a:pathLst>
-          </a:custGeom>
-        </p:spPr>
-      </p:sp>
-      <p:sp>
-        <p:nvSpPr>
-          <p:cNvPr id="198" name="Google Shape;198;g131ba650740_0_5:notes"/>
-          <p:cNvSpPr txBox="1">
-            <a:spLocks noGrp="1"/>
-          </p:cNvSpPr>
-          <p:nvPr>
-            <p:ph type="body" idx="1"/>
-          </p:nvPr>
-        </p:nvSpPr>
-        <p:spPr>
-          <a:xfrm>
-            <a:off x="685800" y="4343400"/>
-            <a:ext cx="5486400" cy="4114800"/>
-          </a:xfrm>
-          <a:prstGeom prst="rect">
-            <a:avLst/>
-          </a:prstGeom>
-        </p:spPr>
-        <p:txBody>
-          <a:bodyPr spcFirstLastPara="1" wrap="square" lIns="91425" tIns="91425" rIns="91425" bIns="91425" anchor="t" anchorCtr="0">
-            <a:noAutofit/>
-          </a:bodyPr>
-          <a:lstStyle/>
-          <a:p>
-            <a:pPr marL="0" lvl="0" indent="0" algn="l" rtl="0">
-              <a:spcBef>
-                <a:spcPts val="0"/>
-              </a:spcBef>
-              <a:spcAft>
-                <a:spcPts val="0"/>
-              </a:spcAft>
-              <a:buNone/>
-            </a:pPr>
+            <a:r>
+              <a:t/>
+            </a:r>
             <a:endParaRPr/>
           </a:p>
         </p:txBody>
@@ -1775,11 +1310,11 @@
 </file>
 
 <file path=ppt/notesSlides/notesSlide2.xml><?xml version="1.0" encoding="utf-8"?>
-<p:notes xmlns:a="http://schemas.openxmlformats.org/drawingml/2006/main" xmlns:r="http://schemas.openxmlformats.org/officeDocument/2006/relationships" xmlns:p="http://schemas.openxmlformats.org/presentationml/2006/main" showMasterSp="0" showMasterPhAnim="0">
+<p:notes xmlns:a="http://schemas.openxmlformats.org/drawingml/2006/main" xmlns:r="http://schemas.openxmlformats.org/officeDocument/2006/relationships" xmlns:mc="http://schemas.openxmlformats.org/markup-compatibility/2006" xmlns:mv="urn:schemas-microsoft-com:mac:vml" xmlns:p="http://schemas.openxmlformats.org/presentationml/2006/main" xmlns:c="http://schemas.openxmlformats.org/drawingml/2006/chart" xmlns:dgm="http://schemas.openxmlformats.org/drawingml/2006/diagram" xmlns:o="urn:schemas-microsoft-com:office:office" xmlns:v="urn:schemas-microsoft-com:vml" xmlns:pvml="urn:schemas-microsoft-com:office:powerpoint" xmlns:com="http://schemas.openxmlformats.org/drawingml/2006/compatibility" xmlns:p14="http://schemas.microsoft.com/office/powerpoint/2010/main" xmlns:p15="http://schemas.microsoft.com/office/powerpoint/2012/main" xmlns:ahyp="http://schemas.microsoft.com/office/drawing/2018/hyperlinkcolor" showMasterPhAnim="0" showMasterSp="0">
   <p:cSld>
     <p:spTree>
       <p:nvGrpSpPr>
-        <p:cNvPr id="1" name="Shape 87"/>
+        <p:cNvPr id="87" name="Shape 87"/>
         <p:cNvGrpSpPr/>
         <p:nvPr/>
       </p:nvGrpSpPr>
@@ -1794,26 +1329,20 @@
       <p:sp>
         <p:nvSpPr>
           <p:cNvPr id="88" name="Google Shape;88;g11c53c527c1_2_0:notes"/>
-          <p:cNvSpPr>
-            <a:spLocks noGrp="1" noRot="1" noChangeAspect="1"/>
-          </p:cNvSpPr>
+          <p:cNvSpPr/>
           <p:nvPr>
-            <p:ph type="sldImg" idx="2"/>
+            <p:ph idx="2" type="sldImg"/>
           </p:nvPr>
         </p:nvSpPr>
         <p:spPr>
           <a:xfrm>
-            <a:off x="381000" y="685800"/>
+            <a:off x="381300" y="685800"/>
             <a:ext cx="6096000" cy="3429000"/>
           </a:xfrm>
           <a:custGeom>
-            <a:avLst/>
-            <a:gdLst/>
-            <a:ahLst/>
-            <a:cxnLst/>
-            <a:rect l="l" t="t" r="r" b="b"/>
+            <a:rect b="b" l="l" r="r" t="t"/>
             <a:pathLst>
-              <a:path w="120000" h="120000" extrusionOk="0">
+              <a:path extrusionOk="0" h="120000" w="120000">
                 <a:moveTo>
                   <a:pt x="0" y="0"/>
                 </a:moveTo>
@@ -1835,11 +1364,9 @@
       <p:sp>
         <p:nvSpPr>
           <p:cNvPr id="89" name="Google Shape;89;g11c53c527c1_2_0:notes"/>
-          <p:cNvSpPr txBox="1">
-            <a:spLocks noGrp="1"/>
-          </p:cNvSpPr>
+          <p:cNvSpPr txBox="1"/>
           <p:nvPr>
-            <p:ph type="body" idx="1"/>
+            <p:ph idx="1" type="body"/>
           </p:nvPr>
         </p:nvSpPr>
         <p:spPr>
@@ -1852,12 +1379,12 @@
           </a:prstGeom>
         </p:spPr>
         <p:txBody>
-          <a:bodyPr spcFirstLastPara="1" wrap="square" lIns="91425" tIns="91425" rIns="91425" bIns="91425" anchor="t" anchorCtr="0">
+          <a:bodyPr anchorCtr="0" anchor="t" bIns="91425" lIns="91425" spcFirstLastPara="1" rIns="91425" wrap="square" tIns="91425">
             <a:noAutofit/>
           </a:bodyPr>
           <a:lstStyle/>
           <a:p>
-            <a:pPr marL="0" lvl="0" indent="0" algn="l" rtl="0">
+            <a:pPr indent="0" lvl="0" marL="0" rtl="0" algn="l">
               <a:lnSpc>
                 <a:spcPct val="115000"/>
               </a:lnSpc>
@@ -1874,6 +1401,9 @@
               <a:buFont typeface="Arial"/>
               <a:buNone/>
             </a:pPr>
+            <a:r>
+              <a:t/>
+            </a:r>
             <a:endParaRPr sz="1800">
               <a:solidFill>
                 <a:srgbClr val="434343"/>
@@ -1885,7 +1415,7 @@
             </a:endParaRPr>
           </a:p>
           <a:p>
-            <a:pPr marL="0" lvl="0" indent="0" algn="l" rtl="0">
+            <a:pPr indent="0" lvl="0" marL="0" rtl="0" algn="l">
               <a:lnSpc>
                 <a:spcPct val="115000"/>
               </a:lnSpc>
@@ -1925,7 +1455,7 @@
             </a:endParaRPr>
           </a:p>
           <a:p>
-            <a:pPr marL="0" lvl="0" indent="0" algn="l" rtl="0">
+            <a:pPr indent="0" lvl="0" marL="0" rtl="0" algn="l">
               <a:lnSpc>
                 <a:spcPct val="115000"/>
               </a:lnSpc>
@@ -1965,7 +1495,7 @@
             </a:endParaRPr>
           </a:p>
           <a:p>
-            <a:pPr marL="0" lvl="0" indent="0" algn="l" rtl="0">
+            <a:pPr indent="0" lvl="0" marL="0" rtl="0" algn="l">
               <a:lnSpc>
                 <a:spcPct val="115000"/>
               </a:lnSpc>
@@ -2005,7 +1535,7 @@
             </a:endParaRPr>
           </a:p>
           <a:p>
-            <a:pPr marL="0" lvl="0" indent="0" algn="l" rtl="0">
+            <a:pPr indent="0" lvl="0" marL="0" rtl="0" algn="l">
               <a:spcBef>
                 <a:spcPts val="1200"/>
               </a:spcBef>
@@ -2014,6 +1544,9 @@
               </a:spcAft>
               <a:buNone/>
             </a:pPr>
+            <a:r>
+              <a:t/>
+            </a:r>
             <a:endParaRPr/>
           </a:p>
         </p:txBody>
@@ -2027,11 +1560,11 @@
 </file>
 
 <file path=ppt/notesSlides/notesSlide3.xml><?xml version="1.0" encoding="utf-8"?>
-<p:notes xmlns:a="http://schemas.openxmlformats.org/drawingml/2006/main" xmlns:r="http://schemas.openxmlformats.org/officeDocument/2006/relationships" xmlns:p="http://schemas.openxmlformats.org/presentationml/2006/main" showMasterSp="0" showMasterPhAnim="0">
+<p:notes xmlns:a="http://schemas.openxmlformats.org/drawingml/2006/main" xmlns:r="http://schemas.openxmlformats.org/officeDocument/2006/relationships" xmlns:mc="http://schemas.openxmlformats.org/markup-compatibility/2006" xmlns:mv="urn:schemas-microsoft-com:mac:vml" xmlns:p="http://schemas.openxmlformats.org/presentationml/2006/main" xmlns:c="http://schemas.openxmlformats.org/drawingml/2006/chart" xmlns:dgm="http://schemas.openxmlformats.org/drawingml/2006/diagram" xmlns:o="urn:schemas-microsoft-com:office:office" xmlns:v="urn:schemas-microsoft-com:vml" xmlns:pvml="urn:schemas-microsoft-com:office:powerpoint" xmlns:com="http://schemas.openxmlformats.org/drawingml/2006/compatibility" xmlns:p14="http://schemas.microsoft.com/office/powerpoint/2010/main" xmlns:p15="http://schemas.microsoft.com/office/powerpoint/2012/main" xmlns:ahyp="http://schemas.microsoft.com/office/drawing/2018/hyperlinkcolor" showMasterPhAnim="0" showMasterSp="0">
   <p:cSld>
     <p:spTree>
       <p:nvGrpSpPr>
-        <p:cNvPr id="1" name="Shape 96"/>
+        <p:cNvPr id="96" name="Shape 96"/>
         <p:cNvGrpSpPr/>
         <p:nvPr/>
       </p:nvGrpSpPr>
@@ -2046,11 +1579,9 @@
       <p:sp>
         <p:nvSpPr>
           <p:cNvPr id="97" name="Google Shape;97;g132fcef538a_0_6:notes"/>
-          <p:cNvSpPr>
-            <a:spLocks noGrp="1" noRot="1" noChangeAspect="1"/>
-          </p:cNvSpPr>
+          <p:cNvSpPr/>
           <p:nvPr>
-            <p:ph type="sldImg" idx="2"/>
+            <p:ph idx="2" type="sldImg"/>
           </p:nvPr>
         </p:nvSpPr>
         <p:spPr>
@@ -2059,13 +1590,9 @@
             <a:ext cx="6096000" cy="3429000"/>
           </a:xfrm>
           <a:custGeom>
-            <a:avLst/>
-            <a:gdLst/>
-            <a:ahLst/>
-            <a:cxnLst/>
-            <a:rect l="l" t="t" r="r" b="b"/>
+            <a:rect b="b" l="l" r="r" t="t"/>
             <a:pathLst>
-              <a:path w="120000" h="120000" extrusionOk="0">
+              <a:path extrusionOk="0" h="120000" w="120000">
                 <a:moveTo>
                   <a:pt x="0" y="0"/>
                 </a:moveTo>
@@ -2087,11 +1614,9 @@
       <p:sp>
         <p:nvSpPr>
           <p:cNvPr id="98" name="Google Shape;98;g132fcef538a_0_6:notes"/>
-          <p:cNvSpPr txBox="1">
-            <a:spLocks noGrp="1"/>
-          </p:cNvSpPr>
+          <p:cNvSpPr txBox="1"/>
           <p:nvPr>
-            <p:ph type="body" idx="1"/>
+            <p:ph idx="1" type="body"/>
           </p:nvPr>
         </p:nvSpPr>
         <p:spPr>
@@ -2104,12 +1629,12 @@
           </a:prstGeom>
         </p:spPr>
         <p:txBody>
-          <a:bodyPr spcFirstLastPara="1" wrap="square" lIns="91425" tIns="91425" rIns="91425" bIns="91425" anchor="t" anchorCtr="0">
+          <a:bodyPr anchorCtr="0" anchor="t" bIns="91425" lIns="91425" spcFirstLastPara="1" rIns="91425" wrap="square" tIns="91425">
             <a:noAutofit/>
           </a:bodyPr>
           <a:lstStyle/>
           <a:p>
-            <a:pPr marL="0" lvl="0" indent="0" algn="l" rtl="0">
+            <a:pPr indent="0" lvl="0" marL="0" rtl="0" algn="l">
               <a:spcBef>
                 <a:spcPts val="0"/>
               </a:spcBef>
@@ -2118,6 +1643,9 @@
               </a:spcAft>
               <a:buNone/>
             </a:pPr>
+            <a:r>
+              <a:t/>
+            </a:r>
             <a:endParaRPr/>
           </a:p>
         </p:txBody>
@@ -2131,11 +1659,11 @@
 </file>
 
 <file path=ppt/notesSlides/notesSlide4.xml><?xml version="1.0" encoding="utf-8"?>
-<p:notes xmlns:a="http://schemas.openxmlformats.org/drawingml/2006/main" xmlns:r="http://schemas.openxmlformats.org/officeDocument/2006/relationships" xmlns:p="http://schemas.openxmlformats.org/presentationml/2006/main" showMasterSp="0" showMasterPhAnim="0">
+<p:notes xmlns:a="http://schemas.openxmlformats.org/drawingml/2006/main" xmlns:r="http://schemas.openxmlformats.org/officeDocument/2006/relationships" xmlns:mc="http://schemas.openxmlformats.org/markup-compatibility/2006" xmlns:mv="urn:schemas-microsoft-com:mac:vml" xmlns:p="http://schemas.openxmlformats.org/presentationml/2006/main" xmlns:c="http://schemas.openxmlformats.org/drawingml/2006/chart" xmlns:dgm="http://schemas.openxmlformats.org/drawingml/2006/diagram" xmlns:o="urn:schemas-microsoft-com:office:office" xmlns:v="urn:schemas-microsoft-com:vml" xmlns:pvml="urn:schemas-microsoft-com:office:powerpoint" xmlns:com="http://schemas.openxmlformats.org/drawingml/2006/compatibility" xmlns:p14="http://schemas.microsoft.com/office/powerpoint/2010/main" xmlns:p15="http://schemas.microsoft.com/office/powerpoint/2012/main" xmlns:ahyp="http://schemas.microsoft.com/office/drawing/2018/hyperlinkcolor" showMasterPhAnim="0" showMasterSp="0">
   <p:cSld>
     <p:spTree>
       <p:nvGrpSpPr>
-        <p:cNvPr id="1" name="Shape 102"/>
+        <p:cNvPr id="102" name="Shape 102"/>
         <p:cNvGrpSpPr/>
         <p:nvPr/>
       </p:nvGrpSpPr>
@@ -2150,11 +1678,9 @@
       <p:sp>
         <p:nvSpPr>
           <p:cNvPr id="103" name="Google Shape;103;g1315f812c8e_1_0:notes"/>
-          <p:cNvSpPr>
-            <a:spLocks noGrp="1" noRot="1" noChangeAspect="1"/>
-          </p:cNvSpPr>
+          <p:cNvSpPr/>
           <p:nvPr>
-            <p:ph type="sldImg" idx="2"/>
+            <p:ph idx="2" type="sldImg"/>
           </p:nvPr>
         </p:nvSpPr>
         <p:spPr>
@@ -2163,13 +1689,9 @@
             <a:ext cx="6096000" cy="3429000"/>
           </a:xfrm>
           <a:custGeom>
-            <a:avLst/>
-            <a:gdLst/>
-            <a:ahLst/>
-            <a:cxnLst/>
-            <a:rect l="l" t="t" r="r" b="b"/>
+            <a:rect b="b" l="l" r="r" t="t"/>
             <a:pathLst>
-              <a:path w="120000" h="120000" extrusionOk="0">
+              <a:path extrusionOk="0" h="120000" w="120000">
                 <a:moveTo>
                   <a:pt x="0" y="0"/>
                 </a:moveTo>
@@ -2191,11 +1713,9 @@
       <p:sp>
         <p:nvSpPr>
           <p:cNvPr id="104" name="Google Shape;104;g1315f812c8e_1_0:notes"/>
-          <p:cNvSpPr txBox="1">
-            <a:spLocks noGrp="1"/>
-          </p:cNvSpPr>
+          <p:cNvSpPr txBox="1"/>
           <p:nvPr>
-            <p:ph type="body" idx="1"/>
+            <p:ph idx="1" type="body"/>
           </p:nvPr>
         </p:nvSpPr>
         <p:spPr>
@@ -2208,12 +1728,12 @@
           </a:prstGeom>
         </p:spPr>
         <p:txBody>
-          <a:bodyPr spcFirstLastPara="1" wrap="square" lIns="91425" tIns="91425" rIns="91425" bIns="91425" anchor="t" anchorCtr="0">
+          <a:bodyPr anchorCtr="0" anchor="t" bIns="91425" lIns="91425" spcFirstLastPara="1" rIns="91425" wrap="square" tIns="91425">
             <a:noAutofit/>
           </a:bodyPr>
           <a:lstStyle/>
           <a:p>
-            <a:pPr marL="0" lvl="0" indent="0" algn="l" rtl="0">
+            <a:pPr indent="0" lvl="0" marL="0" rtl="0" algn="l">
               <a:spcBef>
                 <a:spcPts val="0"/>
               </a:spcBef>
@@ -2222,6 +1742,9 @@
               </a:spcAft>
               <a:buNone/>
             </a:pPr>
+            <a:r>
+              <a:t/>
+            </a:r>
             <a:endParaRPr/>
           </a:p>
         </p:txBody>
@@ -2235,11 +1758,11 @@
 </file>
 
 <file path=ppt/notesSlides/notesSlide5.xml><?xml version="1.0" encoding="utf-8"?>
-<p:notes xmlns:a="http://schemas.openxmlformats.org/drawingml/2006/main" xmlns:r="http://schemas.openxmlformats.org/officeDocument/2006/relationships" xmlns:p="http://schemas.openxmlformats.org/presentationml/2006/main" showMasterSp="0" showMasterPhAnim="0">
+<p:notes xmlns:a="http://schemas.openxmlformats.org/drawingml/2006/main" xmlns:r="http://schemas.openxmlformats.org/officeDocument/2006/relationships" xmlns:mc="http://schemas.openxmlformats.org/markup-compatibility/2006" xmlns:mv="urn:schemas-microsoft-com:mac:vml" xmlns:p="http://schemas.openxmlformats.org/presentationml/2006/main" xmlns:c="http://schemas.openxmlformats.org/drawingml/2006/chart" xmlns:dgm="http://schemas.openxmlformats.org/drawingml/2006/diagram" xmlns:o="urn:schemas-microsoft-com:office:office" xmlns:v="urn:schemas-microsoft-com:vml" xmlns:pvml="urn:schemas-microsoft-com:office:powerpoint" xmlns:com="http://schemas.openxmlformats.org/drawingml/2006/compatibility" xmlns:p14="http://schemas.microsoft.com/office/powerpoint/2010/main" xmlns:p15="http://schemas.microsoft.com/office/powerpoint/2012/main" xmlns:ahyp="http://schemas.microsoft.com/office/drawing/2018/hyperlinkcolor" showMasterPhAnim="0" showMasterSp="0">
   <p:cSld>
     <p:spTree>
       <p:nvGrpSpPr>
-        <p:cNvPr id="1" name="Shape 108"/>
+        <p:cNvPr id="108" name="Shape 108"/>
         <p:cNvGrpSpPr/>
         <p:nvPr/>
       </p:nvGrpSpPr>
@@ -2254,11 +1777,9 @@
       <p:sp>
         <p:nvSpPr>
           <p:cNvPr id="109" name="Google Shape;109;g135a00edfc1_0_8:notes"/>
-          <p:cNvSpPr>
-            <a:spLocks noGrp="1" noRot="1" noChangeAspect="1"/>
-          </p:cNvSpPr>
+          <p:cNvSpPr/>
           <p:nvPr>
-            <p:ph type="sldImg" idx="2"/>
+            <p:ph idx="2" type="sldImg"/>
           </p:nvPr>
         </p:nvSpPr>
         <p:spPr>
@@ -2267,13 +1788,9 @@
             <a:ext cx="6096000" cy="3429000"/>
           </a:xfrm>
           <a:custGeom>
-            <a:avLst/>
-            <a:gdLst/>
-            <a:ahLst/>
-            <a:cxnLst/>
-            <a:rect l="l" t="t" r="r" b="b"/>
+            <a:rect b="b" l="l" r="r" t="t"/>
             <a:pathLst>
-              <a:path w="120000" h="120000" extrusionOk="0">
+              <a:path extrusionOk="0" h="120000" w="120000">
                 <a:moveTo>
                   <a:pt x="0" y="0"/>
                 </a:moveTo>
@@ -2295,11 +1812,9 @@
       <p:sp>
         <p:nvSpPr>
           <p:cNvPr id="110" name="Google Shape;110;g135a00edfc1_0_8:notes"/>
-          <p:cNvSpPr txBox="1">
-            <a:spLocks noGrp="1"/>
-          </p:cNvSpPr>
+          <p:cNvSpPr txBox="1"/>
           <p:nvPr>
-            <p:ph type="body" idx="1"/>
+            <p:ph idx="1" type="body"/>
           </p:nvPr>
         </p:nvSpPr>
         <p:spPr>
@@ -2312,12 +1827,12 @@
           </a:prstGeom>
         </p:spPr>
         <p:txBody>
-          <a:bodyPr spcFirstLastPara="1" wrap="square" lIns="91425" tIns="91425" rIns="91425" bIns="91425" anchor="t" anchorCtr="0">
+          <a:bodyPr anchorCtr="0" anchor="t" bIns="91425" lIns="91425" spcFirstLastPara="1" rIns="91425" wrap="square" tIns="91425">
             <a:noAutofit/>
           </a:bodyPr>
           <a:lstStyle/>
           <a:p>
-            <a:pPr marL="0" lvl="0" indent="0" algn="l" rtl="0">
+            <a:pPr indent="0" lvl="0" marL="0" rtl="0" algn="l">
               <a:spcBef>
                 <a:spcPts val="0"/>
               </a:spcBef>
@@ -2326,6 +1841,9 @@
               </a:spcAft>
               <a:buNone/>
             </a:pPr>
+            <a:r>
+              <a:t/>
+            </a:r>
             <a:endParaRPr/>
           </a:p>
         </p:txBody>
@@ -2339,11 +1857,11 @@
 </file>
 
 <file path=ppt/notesSlides/notesSlide6.xml><?xml version="1.0" encoding="utf-8"?>
-<p:notes xmlns:a="http://schemas.openxmlformats.org/drawingml/2006/main" xmlns:r="http://schemas.openxmlformats.org/officeDocument/2006/relationships" xmlns:p="http://schemas.openxmlformats.org/presentationml/2006/main" showMasterSp="0" showMasterPhAnim="0">
+<p:notes xmlns:a="http://schemas.openxmlformats.org/drawingml/2006/main" xmlns:r="http://schemas.openxmlformats.org/officeDocument/2006/relationships" xmlns:mc="http://schemas.openxmlformats.org/markup-compatibility/2006" xmlns:mv="urn:schemas-microsoft-com:mac:vml" xmlns:p="http://schemas.openxmlformats.org/presentationml/2006/main" xmlns:c="http://schemas.openxmlformats.org/drawingml/2006/chart" xmlns:dgm="http://schemas.openxmlformats.org/drawingml/2006/diagram" xmlns:o="urn:schemas-microsoft-com:office:office" xmlns:v="urn:schemas-microsoft-com:vml" xmlns:pvml="urn:schemas-microsoft-com:office:powerpoint" xmlns:com="http://schemas.openxmlformats.org/drawingml/2006/compatibility" xmlns:p14="http://schemas.microsoft.com/office/powerpoint/2010/main" xmlns:p15="http://schemas.microsoft.com/office/powerpoint/2012/main" xmlns:ahyp="http://schemas.microsoft.com/office/drawing/2018/hyperlinkcolor" showMasterPhAnim="0" showMasterSp="0">
   <p:cSld>
     <p:spTree>
       <p:nvGrpSpPr>
-        <p:cNvPr id="1" name="Shape 117"/>
+        <p:cNvPr id="117" name="Shape 117"/>
         <p:cNvGrpSpPr/>
         <p:nvPr/>
       </p:nvGrpSpPr>
@@ -2358,11 +1876,9 @@
       <p:sp>
         <p:nvSpPr>
           <p:cNvPr id="118" name="Google Shape;118;g1316da0551c_0_0:notes"/>
-          <p:cNvSpPr>
-            <a:spLocks noGrp="1" noRot="1" noChangeAspect="1"/>
-          </p:cNvSpPr>
+          <p:cNvSpPr/>
           <p:nvPr>
-            <p:ph type="sldImg" idx="2"/>
+            <p:ph idx="2" type="sldImg"/>
           </p:nvPr>
         </p:nvSpPr>
         <p:spPr>
@@ -2371,13 +1887,9 @@
             <a:ext cx="6096000" cy="3429000"/>
           </a:xfrm>
           <a:custGeom>
-            <a:avLst/>
-            <a:gdLst/>
-            <a:ahLst/>
-            <a:cxnLst/>
-            <a:rect l="l" t="t" r="r" b="b"/>
+            <a:rect b="b" l="l" r="r" t="t"/>
             <a:pathLst>
-              <a:path w="120000" h="120000" extrusionOk="0">
+              <a:path extrusionOk="0" h="120000" w="120000">
                 <a:moveTo>
                   <a:pt x="0" y="0"/>
                 </a:moveTo>
@@ -2399,11 +1911,9 @@
       <p:sp>
         <p:nvSpPr>
           <p:cNvPr id="119" name="Google Shape;119;g1316da0551c_0_0:notes"/>
-          <p:cNvSpPr txBox="1">
-            <a:spLocks noGrp="1"/>
-          </p:cNvSpPr>
+          <p:cNvSpPr txBox="1"/>
           <p:nvPr>
-            <p:ph type="body" idx="1"/>
+            <p:ph idx="1" type="body"/>
           </p:nvPr>
         </p:nvSpPr>
         <p:spPr>
@@ -2416,12 +1926,12 @@
           </a:prstGeom>
         </p:spPr>
         <p:txBody>
-          <a:bodyPr spcFirstLastPara="1" wrap="square" lIns="91425" tIns="91425" rIns="91425" bIns="91425" anchor="t" anchorCtr="0">
+          <a:bodyPr anchorCtr="0" anchor="t" bIns="91425" lIns="91425" spcFirstLastPara="1" rIns="91425" wrap="square" tIns="91425">
             <a:noAutofit/>
           </a:bodyPr>
           <a:lstStyle/>
           <a:p>
-            <a:pPr marL="0" lvl="0" indent="0" algn="l" rtl="0">
+            <a:pPr indent="0" lvl="0" marL="0" rtl="0" algn="l">
               <a:spcBef>
                 <a:spcPts val="0"/>
               </a:spcBef>
@@ -2430,6 +1940,9 @@
               </a:spcAft>
               <a:buNone/>
             </a:pPr>
+            <a:r>
+              <a:t/>
+            </a:r>
             <a:endParaRPr/>
           </a:p>
         </p:txBody>
@@ -2443,11 +1956,11 @@
 </file>
 
 <file path=ppt/notesSlides/notesSlide7.xml><?xml version="1.0" encoding="utf-8"?>
-<p:notes xmlns:a="http://schemas.openxmlformats.org/drawingml/2006/main" xmlns:r="http://schemas.openxmlformats.org/officeDocument/2006/relationships" xmlns:p="http://schemas.openxmlformats.org/presentationml/2006/main" showMasterSp="0" showMasterPhAnim="0">
+<p:notes xmlns:a="http://schemas.openxmlformats.org/drawingml/2006/main" xmlns:r="http://schemas.openxmlformats.org/officeDocument/2006/relationships" xmlns:mc="http://schemas.openxmlformats.org/markup-compatibility/2006" xmlns:mv="urn:schemas-microsoft-com:mac:vml" xmlns:p="http://schemas.openxmlformats.org/presentationml/2006/main" xmlns:c="http://schemas.openxmlformats.org/drawingml/2006/chart" xmlns:dgm="http://schemas.openxmlformats.org/drawingml/2006/diagram" xmlns:o="urn:schemas-microsoft-com:office:office" xmlns:v="urn:schemas-microsoft-com:vml" xmlns:pvml="urn:schemas-microsoft-com:office:powerpoint" xmlns:com="http://schemas.openxmlformats.org/drawingml/2006/compatibility" xmlns:p14="http://schemas.microsoft.com/office/powerpoint/2010/main" xmlns:p15="http://schemas.microsoft.com/office/powerpoint/2012/main" xmlns:ahyp="http://schemas.microsoft.com/office/drawing/2018/hyperlinkcolor" showMasterPhAnim="0" showMasterSp="0">
   <p:cSld>
     <p:spTree>
       <p:nvGrpSpPr>
-        <p:cNvPr id="1" name="Shape 124"/>
+        <p:cNvPr id="124" name="Shape 124"/>
         <p:cNvGrpSpPr/>
         <p:nvPr/>
       </p:nvGrpSpPr>
@@ -2462,11 +1975,9 @@
       <p:sp>
         <p:nvSpPr>
           <p:cNvPr id="125" name="Google Shape;125;g132fcef538a_0_0:notes"/>
-          <p:cNvSpPr>
-            <a:spLocks noGrp="1" noRot="1" noChangeAspect="1"/>
-          </p:cNvSpPr>
+          <p:cNvSpPr/>
           <p:nvPr>
-            <p:ph type="sldImg" idx="2"/>
+            <p:ph idx="2" type="sldImg"/>
           </p:nvPr>
         </p:nvSpPr>
         <p:spPr>
@@ -2475,13 +1986,9 @@
             <a:ext cx="6096000" cy="3429000"/>
           </a:xfrm>
           <a:custGeom>
-            <a:avLst/>
-            <a:gdLst/>
-            <a:ahLst/>
-            <a:cxnLst/>
-            <a:rect l="l" t="t" r="r" b="b"/>
+            <a:rect b="b" l="l" r="r" t="t"/>
             <a:pathLst>
-              <a:path w="120000" h="120000" extrusionOk="0">
+              <a:path extrusionOk="0" h="120000" w="120000">
                 <a:moveTo>
                   <a:pt x="0" y="0"/>
                 </a:moveTo>
@@ -2503,11 +2010,9 @@
       <p:sp>
         <p:nvSpPr>
           <p:cNvPr id="126" name="Google Shape;126;g132fcef538a_0_0:notes"/>
-          <p:cNvSpPr txBox="1">
-            <a:spLocks noGrp="1"/>
-          </p:cNvSpPr>
+          <p:cNvSpPr txBox="1"/>
           <p:nvPr>
-            <p:ph type="body" idx="1"/>
+            <p:ph idx="1" type="body"/>
           </p:nvPr>
         </p:nvSpPr>
         <p:spPr>
@@ -2520,12 +2025,12 @@
           </a:prstGeom>
         </p:spPr>
         <p:txBody>
-          <a:bodyPr spcFirstLastPara="1" wrap="square" lIns="91425" tIns="91425" rIns="91425" bIns="91425" anchor="t" anchorCtr="0">
+          <a:bodyPr anchorCtr="0" anchor="t" bIns="91425" lIns="91425" spcFirstLastPara="1" rIns="91425" wrap="square" tIns="91425">
             <a:noAutofit/>
           </a:bodyPr>
           <a:lstStyle/>
           <a:p>
-            <a:pPr marL="0" lvl="0" indent="0" algn="l" rtl="0">
+            <a:pPr indent="0" lvl="0" marL="0" rtl="0" algn="l">
               <a:spcBef>
                 <a:spcPts val="0"/>
               </a:spcBef>
@@ -2534,6 +2039,9 @@
               </a:spcAft>
               <a:buNone/>
             </a:pPr>
+            <a:r>
+              <a:t/>
+            </a:r>
             <a:endParaRPr/>
           </a:p>
         </p:txBody>
@@ -2547,11 +2055,11 @@
 </file>
 
 <file path=ppt/notesSlides/notesSlide8.xml><?xml version="1.0" encoding="utf-8"?>
-<p:notes xmlns:a="http://schemas.openxmlformats.org/drawingml/2006/main" xmlns:r="http://schemas.openxmlformats.org/officeDocument/2006/relationships" xmlns:p="http://schemas.openxmlformats.org/presentationml/2006/main" showMasterSp="0" showMasterPhAnim="0">
+<p:notes xmlns:a="http://schemas.openxmlformats.org/drawingml/2006/main" xmlns:r="http://schemas.openxmlformats.org/officeDocument/2006/relationships" xmlns:mc="http://schemas.openxmlformats.org/markup-compatibility/2006" xmlns:mv="urn:schemas-microsoft-com:mac:vml" xmlns:p="http://schemas.openxmlformats.org/presentationml/2006/main" xmlns:c="http://schemas.openxmlformats.org/drawingml/2006/chart" xmlns:dgm="http://schemas.openxmlformats.org/drawingml/2006/diagram" xmlns:o="urn:schemas-microsoft-com:office:office" xmlns:v="urn:schemas-microsoft-com:vml" xmlns:pvml="urn:schemas-microsoft-com:office:powerpoint" xmlns:com="http://schemas.openxmlformats.org/drawingml/2006/compatibility" xmlns:p14="http://schemas.microsoft.com/office/powerpoint/2010/main" xmlns:p15="http://schemas.microsoft.com/office/powerpoint/2012/main" xmlns:ahyp="http://schemas.microsoft.com/office/drawing/2018/hyperlinkcolor" showMasterPhAnim="0" showMasterSp="0">
   <p:cSld>
     <p:spTree>
       <p:nvGrpSpPr>
-        <p:cNvPr id="1" name="Shape 133"/>
+        <p:cNvPr id="133" name="Shape 133"/>
         <p:cNvGrpSpPr/>
         <p:nvPr/>
       </p:nvGrpSpPr>
@@ -2566,11 +2074,9 @@
       <p:sp>
         <p:nvSpPr>
           <p:cNvPr id="134" name="Google Shape;134;g1315f812c8e_1_6:notes"/>
-          <p:cNvSpPr>
-            <a:spLocks noGrp="1" noRot="1" noChangeAspect="1"/>
-          </p:cNvSpPr>
+          <p:cNvSpPr/>
           <p:nvPr>
-            <p:ph type="sldImg" idx="2"/>
+            <p:ph idx="2" type="sldImg"/>
           </p:nvPr>
         </p:nvSpPr>
         <p:spPr>
@@ -2579,13 +2085,9 @@
             <a:ext cx="6096000" cy="3429000"/>
           </a:xfrm>
           <a:custGeom>
-            <a:avLst/>
-            <a:gdLst/>
-            <a:ahLst/>
-            <a:cxnLst/>
-            <a:rect l="l" t="t" r="r" b="b"/>
+            <a:rect b="b" l="l" r="r" t="t"/>
             <a:pathLst>
-              <a:path w="120000" h="120000" extrusionOk="0">
+              <a:path extrusionOk="0" h="120000" w="120000">
                 <a:moveTo>
                   <a:pt x="0" y="0"/>
                 </a:moveTo>
@@ -2607,11 +2109,9 @@
       <p:sp>
         <p:nvSpPr>
           <p:cNvPr id="135" name="Google Shape;135;g1315f812c8e_1_6:notes"/>
-          <p:cNvSpPr txBox="1">
-            <a:spLocks noGrp="1"/>
-          </p:cNvSpPr>
+          <p:cNvSpPr txBox="1"/>
           <p:nvPr>
-            <p:ph type="body" idx="1"/>
+            <p:ph idx="1" type="body"/>
           </p:nvPr>
         </p:nvSpPr>
         <p:spPr>
@@ -2624,12 +2124,12 @@
           </a:prstGeom>
         </p:spPr>
         <p:txBody>
-          <a:bodyPr spcFirstLastPara="1" wrap="square" lIns="91425" tIns="91425" rIns="91425" bIns="91425" anchor="t" anchorCtr="0">
+          <a:bodyPr anchorCtr="0" anchor="t" bIns="91425" lIns="91425" spcFirstLastPara="1" rIns="91425" wrap="square" tIns="91425">
             <a:noAutofit/>
           </a:bodyPr>
           <a:lstStyle/>
           <a:p>
-            <a:pPr marL="0" lvl="0" indent="0" algn="l" rtl="0">
+            <a:pPr indent="0" lvl="0" marL="0" rtl="0" algn="l">
               <a:spcBef>
                 <a:spcPts val="0"/>
               </a:spcBef>
@@ -2638,6 +2138,9 @@
               </a:spcAft>
               <a:buNone/>
             </a:pPr>
+            <a:r>
+              <a:t/>
+            </a:r>
             <a:endParaRPr/>
           </a:p>
         </p:txBody>
@@ -2651,11 +2154,11 @@
 </file>
 
 <file path=ppt/notesSlides/notesSlide9.xml><?xml version="1.0" encoding="utf-8"?>
-<p:notes xmlns:a="http://schemas.openxmlformats.org/drawingml/2006/main" xmlns:r="http://schemas.openxmlformats.org/officeDocument/2006/relationships" xmlns:p="http://schemas.openxmlformats.org/presentationml/2006/main" showMasterSp="0" showMasterPhAnim="0">
+<p:notes xmlns:a="http://schemas.openxmlformats.org/drawingml/2006/main" xmlns:r="http://schemas.openxmlformats.org/officeDocument/2006/relationships" xmlns:mc="http://schemas.openxmlformats.org/markup-compatibility/2006" xmlns:mv="urn:schemas-microsoft-com:mac:vml" xmlns:p="http://schemas.openxmlformats.org/presentationml/2006/main" xmlns:c="http://schemas.openxmlformats.org/drawingml/2006/chart" xmlns:dgm="http://schemas.openxmlformats.org/drawingml/2006/diagram" xmlns:o="urn:schemas-microsoft-com:office:office" xmlns:v="urn:schemas-microsoft-com:vml" xmlns:pvml="urn:schemas-microsoft-com:office:powerpoint" xmlns:com="http://schemas.openxmlformats.org/drawingml/2006/compatibility" xmlns:p14="http://schemas.microsoft.com/office/powerpoint/2010/main" xmlns:p15="http://schemas.microsoft.com/office/powerpoint/2012/main" xmlns:ahyp="http://schemas.microsoft.com/office/drawing/2018/hyperlinkcolor" showMasterPhAnim="0" showMasterSp="0">
   <p:cSld>
     <p:spTree>
       <p:nvGrpSpPr>
-        <p:cNvPr id="1" name="Shape 142"/>
+        <p:cNvPr id="142" name="Shape 142"/>
         <p:cNvGrpSpPr/>
         <p:nvPr/>
       </p:nvGrpSpPr>
@@ -2669,12 +2172,10 @@
       </p:grpSpPr>
       <p:sp>
         <p:nvSpPr>
-          <p:cNvPr id="143" name="Google Shape;143;g12fc15f2a08_0_0:notes"/>
-          <p:cNvSpPr>
-            <a:spLocks noGrp="1" noRot="1" noChangeAspect="1"/>
-          </p:cNvSpPr>
+          <p:cNvPr id="143" name="Google Shape;143;g13b2b527659_0_0:notes"/>
+          <p:cNvSpPr/>
           <p:nvPr>
-            <p:ph type="sldImg" idx="2"/>
+            <p:ph idx="2" type="sldImg"/>
           </p:nvPr>
         </p:nvSpPr>
         <p:spPr>
@@ -2683,13 +2184,9 @@
             <a:ext cx="6096000" cy="3429000"/>
           </a:xfrm>
           <a:custGeom>
-            <a:avLst/>
-            <a:gdLst/>
-            <a:ahLst/>
-            <a:cxnLst/>
-            <a:rect l="l" t="t" r="r" b="b"/>
+            <a:rect b="b" l="l" r="r" t="t"/>
             <a:pathLst>
-              <a:path w="120000" h="120000" extrusionOk="0">
+              <a:path extrusionOk="0" h="120000" w="120000">
                 <a:moveTo>
                   <a:pt x="0" y="0"/>
                 </a:moveTo>
@@ -2710,12 +2207,10 @@
       </p:sp>
       <p:sp>
         <p:nvSpPr>
-          <p:cNvPr id="144" name="Google Shape;144;g12fc15f2a08_0_0:notes"/>
-          <p:cNvSpPr txBox="1">
-            <a:spLocks noGrp="1"/>
-          </p:cNvSpPr>
+          <p:cNvPr id="144" name="Google Shape;144;g13b2b527659_0_0:notes"/>
+          <p:cNvSpPr txBox="1"/>
           <p:nvPr>
-            <p:ph type="body" idx="1"/>
+            <p:ph idx="1" type="body"/>
           </p:nvPr>
         </p:nvSpPr>
         <p:spPr>
@@ -2728,12 +2223,12 @@
           </a:prstGeom>
         </p:spPr>
         <p:txBody>
-          <a:bodyPr spcFirstLastPara="1" wrap="square" lIns="91425" tIns="91425" rIns="91425" bIns="91425" anchor="t" anchorCtr="0">
+          <a:bodyPr anchorCtr="0" anchor="t" bIns="91425" lIns="91425" spcFirstLastPara="1" rIns="91425" wrap="square" tIns="91425">
             <a:noAutofit/>
           </a:bodyPr>
           <a:lstStyle/>
           <a:p>
-            <a:pPr marL="0" lvl="0" indent="0" algn="l" rtl="0">
+            <a:pPr indent="0" lvl="0" marL="0" rtl="0" algn="l">
               <a:spcBef>
                 <a:spcPts val="0"/>
               </a:spcBef>
@@ -2742,6 +2237,9 @@
               </a:spcAft>
               <a:buNone/>
             </a:pPr>
+            <a:r>
+              <a:t/>
+            </a:r>
             <a:endParaRPr/>
           </a:p>
         </p:txBody>
@@ -2755,19 +2253,18 @@
 </file>
 
 <file path=ppt/slideLayouts/slideLayout1.xml><?xml version="1.0" encoding="utf-8"?>
-<p:sldLayout xmlns:a="http://schemas.openxmlformats.org/drawingml/2006/main" xmlns:r="http://schemas.openxmlformats.org/officeDocument/2006/relationships" xmlns:p="http://schemas.openxmlformats.org/presentationml/2006/main" matchingName="Title slide" type="title">
+<p:sldLayout xmlns:a="http://schemas.openxmlformats.org/drawingml/2006/main" xmlns:r="http://schemas.openxmlformats.org/officeDocument/2006/relationships" xmlns:mc="http://schemas.openxmlformats.org/markup-compatibility/2006" xmlns:mv="urn:schemas-microsoft-com:mac:vml" xmlns:p="http://schemas.openxmlformats.org/presentationml/2006/main" xmlns:c="http://schemas.openxmlformats.org/drawingml/2006/chart" xmlns:dgm="http://schemas.openxmlformats.org/drawingml/2006/diagram" xmlns:o="urn:schemas-microsoft-com:office:office" xmlns:v="urn:schemas-microsoft-com:vml" xmlns:pvml="urn:schemas-microsoft-com:office:powerpoint" xmlns:com="http://schemas.openxmlformats.org/drawingml/2006/compatibility" xmlns:p14="http://schemas.microsoft.com/office/powerpoint/2010/main" xmlns:p15="http://schemas.microsoft.com/office/powerpoint/2012/main" xmlns:ahyp="http://schemas.microsoft.com/office/drawing/2018/hyperlinkcolor" matchingName="Title slide" type="title">
   <p:cSld name="TITLE">
     <p:bg>
       <p:bgPr>
         <a:solidFill>
           <a:schemeClr val="dk1"/>
         </a:solidFill>
-        <a:effectLst/>
       </p:bgPr>
     </p:bg>
     <p:spTree>
       <p:nvGrpSpPr>
-        <p:cNvPr id="1" name="Shape 9"/>
+        <p:cNvPr id="9" name="Shape 9"/>
         <p:cNvGrpSpPr/>
         <p:nvPr/>
       </p:nvGrpSpPr>
@@ -2815,12 +2312,12 @@
             </a:ln>
           </p:spPr>
           <p:txBody>
-            <a:bodyPr spcFirstLastPara="1" wrap="square" lIns="91425" tIns="91425" rIns="91425" bIns="91425" anchor="ctr" anchorCtr="0">
+            <a:bodyPr anchorCtr="0" anchor="ctr" bIns="91425" lIns="91425" spcFirstLastPara="1" rIns="91425" wrap="square" tIns="91425">
               <a:noAutofit/>
             </a:bodyPr>
             <a:lstStyle/>
             <a:p>
-              <a:pPr marL="0" lvl="0" indent="0" algn="l" rtl="0">
+              <a:pPr indent="0" lvl="0" marL="0" rtl="0" algn="l">
                 <a:spcBef>
                   <a:spcPts val="0"/>
                 </a:spcBef>
@@ -2829,6 +2326,9 @@
                 </a:spcAft>
                 <a:buNone/>
               </a:pPr>
+              <a:r>
+                <a:t/>
+              </a:r>
               <a:endParaRPr/>
             </a:p>
           </p:txBody>
@@ -2855,12 +2355,12 @@
             </a:ln>
           </p:spPr>
           <p:txBody>
-            <a:bodyPr spcFirstLastPara="1" wrap="square" lIns="91425" tIns="91425" rIns="91425" bIns="91425" anchor="ctr" anchorCtr="0">
+            <a:bodyPr anchorCtr="0" anchor="ctr" bIns="91425" lIns="91425" spcFirstLastPara="1" rIns="91425" wrap="square" tIns="91425">
               <a:noAutofit/>
             </a:bodyPr>
             <a:lstStyle/>
             <a:p>
-              <a:pPr marL="0" lvl="0" indent="0" algn="l" rtl="0">
+              <a:pPr indent="0" lvl="0" marL="0" rtl="0" algn="l">
                 <a:spcBef>
                   <a:spcPts val="0"/>
                 </a:spcBef>
@@ -2869,6 +2369,9 @@
                 </a:spcAft>
                 <a:buNone/>
               </a:pPr>
+              <a:r>
+                <a:t/>
+              </a:r>
               <a:endParaRPr/>
             </a:p>
           </p:txBody>
@@ -2880,7 +2383,7 @@
             <p:nvPr/>
           </p:nvSpPr>
           <p:spPr>
-            <a:xfrm rot="10800000" flipH="1">
+            <a:xfrm flipH="1" rot="10800000">
               <a:off x="7113588" y="107"/>
               <a:ext cx="1015200" cy="1015200"/>
             </a:xfrm>
@@ -2895,12 +2398,12 @@
             </a:ln>
           </p:spPr>
           <p:txBody>
-            <a:bodyPr spcFirstLastPara="1" wrap="square" lIns="91425" tIns="91425" rIns="91425" bIns="91425" anchor="ctr" anchorCtr="0">
+            <a:bodyPr anchorCtr="0" anchor="ctr" bIns="91425" lIns="91425" spcFirstLastPara="1" rIns="91425" wrap="square" tIns="91425">
               <a:noAutofit/>
             </a:bodyPr>
             <a:lstStyle/>
             <a:p>
-              <a:pPr marL="0" lvl="0" indent="0" algn="l" rtl="0">
+              <a:pPr indent="0" lvl="0" marL="0" rtl="0" algn="l">
                 <a:spcBef>
                   <a:spcPts val="0"/>
                 </a:spcBef>
@@ -2909,6 +2412,9 @@
                 </a:spcAft>
                 <a:buNone/>
               </a:pPr>
+              <a:r>
+                <a:t/>
+              </a:r>
               <a:endParaRPr/>
             </a:p>
           </p:txBody>
@@ -2935,12 +2441,12 @@
             </a:ln>
           </p:spPr>
           <p:txBody>
-            <a:bodyPr spcFirstLastPara="1" wrap="square" lIns="91425" tIns="91425" rIns="91425" bIns="91425" anchor="ctr" anchorCtr="0">
+            <a:bodyPr anchorCtr="0" anchor="ctr" bIns="91425" lIns="91425" spcFirstLastPara="1" rIns="91425" wrap="square" tIns="91425">
               <a:noAutofit/>
             </a:bodyPr>
             <a:lstStyle/>
             <a:p>
-              <a:pPr marL="0" lvl="0" indent="0" algn="l" rtl="0">
+              <a:pPr indent="0" lvl="0" marL="0" rtl="0" algn="l">
                 <a:spcBef>
                   <a:spcPts val="0"/>
                 </a:spcBef>
@@ -2949,6 +2455,9 @@
                 </a:spcAft>
                 <a:buNone/>
               </a:pPr>
+              <a:r>
+                <a:t/>
+              </a:r>
               <a:endParaRPr/>
             </a:p>
           </p:txBody>
@@ -2975,12 +2484,12 @@
             </a:ln>
           </p:spPr>
           <p:txBody>
-            <a:bodyPr spcFirstLastPara="1" wrap="square" lIns="91425" tIns="91425" rIns="91425" bIns="91425" anchor="ctr" anchorCtr="0">
+            <a:bodyPr anchorCtr="0" anchor="ctr" bIns="91425" lIns="91425" spcFirstLastPara="1" rIns="91425" wrap="square" tIns="91425">
               <a:noAutofit/>
             </a:bodyPr>
             <a:lstStyle/>
             <a:p>
-              <a:pPr marL="0" lvl="0" indent="0" algn="l" rtl="0">
+              <a:pPr indent="0" lvl="0" marL="0" rtl="0" algn="l">
                 <a:spcBef>
                   <a:spcPts val="0"/>
                 </a:spcBef>
@@ -2989,6 +2498,9 @@
                 </a:spcAft>
                 <a:buNone/>
               </a:pPr>
+              <a:r>
+                <a:t/>
+              </a:r>
               <a:endParaRPr/>
             </a:p>
           </p:txBody>
@@ -2997,9 +2509,7 @@
       <p:sp>
         <p:nvSpPr>
           <p:cNvPr id="16" name="Google Shape;16;p2"/>
-          <p:cNvSpPr txBox="1">
-            <a:spLocks noGrp="1"/>
-          </p:cNvSpPr>
+          <p:cNvSpPr txBox="1"/>
           <p:nvPr>
             <p:ph type="ctrTitle"/>
           </p:nvPr>
@@ -3014,7 +2524,7 @@
           </a:prstGeom>
         </p:spPr>
         <p:txBody>
-          <a:bodyPr spcFirstLastPara="1" wrap="square" lIns="91425" tIns="91425" rIns="91425" bIns="91425" anchor="b" anchorCtr="0">
+          <a:bodyPr anchorCtr="0" anchor="b" bIns="91425" lIns="91425" spcFirstLastPara="1" rIns="91425" wrap="square" tIns="91425">
             <a:normAutofit/>
           </a:bodyPr>
           <a:lstStyle>
@@ -3181,19 +2691,15 @@
               </a:defRPr>
             </a:lvl9pPr>
           </a:lstStyle>
-          <a:p>
-            <a:endParaRPr/>
-          </a:p>
+          <a:p/>
         </p:txBody>
       </p:sp>
       <p:sp>
         <p:nvSpPr>
           <p:cNvPr id="17" name="Google Shape;17;p2"/>
-          <p:cNvSpPr txBox="1">
-            <a:spLocks noGrp="1"/>
-          </p:cNvSpPr>
+          <p:cNvSpPr txBox="1"/>
           <p:nvPr>
-            <p:ph type="subTitle" idx="1"/>
+            <p:ph idx="1" type="subTitle"/>
           </p:nvPr>
         </p:nvSpPr>
         <p:spPr>
@@ -3206,7 +2712,7 @@
           </a:prstGeom>
         </p:spPr>
         <p:txBody>
-          <a:bodyPr spcFirstLastPara="1" wrap="square" lIns="91425" tIns="91425" rIns="91425" bIns="91425" anchor="t" anchorCtr="0">
+          <a:bodyPr anchorCtr="0" anchor="t" bIns="91425" lIns="91425" spcFirstLastPara="1" rIns="91425" wrap="square" tIns="91425">
             <a:normAutofit/>
           </a:bodyPr>
           <a:lstStyle>
@@ -3400,19 +2906,15 @@
               </a:defRPr>
             </a:lvl9pPr>
           </a:lstStyle>
-          <a:p>
-            <a:endParaRPr/>
-          </a:p>
+          <a:p/>
         </p:txBody>
       </p:sp>
       <p:sp>
         <p:nvSpPr>
           <p:cNvPr id="18" name="Google Shape;18;p2"/>
-          <p:cNvSpPr txBox="1">
-            <a:spLocks noGrp="1"/>
-          </p:cNvSpPr>
+          <p:cNvSpPr txBox="1"/>
           <p:nvPr>
-            <p:ph type="sldNum" idx="12"/>
+            <p:ph idx="12" type="sldNum"/>
           </p:nvPr>
         </p:nvSpPr>
         <p:spPr>
@@ -3425,7 +2927,7 @@
           </a:prstGeom>
         </p:spPr>
         <p:txBody>
-          <a:bodyPr spcFirstLastPara="1" wrap="square" lIns="91425" tIns="91425" rIns="91425" bIns="91425" anchor="ctr" anchorCtr="0">
+          <a:bodyPr anchorCtr="0" anchor="ctr" bIns="91425" lIns="91425" spcFirstLastPara="1" rIns="91425" wrap="square" tIns="91425">
             <a:normAutofit/>
           </a:bodyPr>
           <a:lstStyle>
@@ -3467,7 +2969,7 @@
             </a:lvl9pPr>
           </a:lstStyle>
           <a:p>
-            <a:pPr marL="0" lvl="0" indent="0" algn="r" rtl="0">
+            <a:pPr indent="0" lvl="0" marL="0" rtl="0" algn="r">
               <a:spcBef>
                 <a:spcPts val="0"/>
               </a:spcBef>
@@ -3493,19 +2995,18 @@
 </file>
 
 <file path=ppt/slideLayouts/slideLayout10.xml><?xml version="1.0" encoding="utf-8"?>
-<p:sldLayout xmlns:a="http://schemas.openxmlformats.org/drawingml/2006/main" xmlns:r="http://schemas.openxmlformats.org/officeDocument/2006/relationships" xmlns:p="http://schemas.openxmlformats.org/presentationml/2006/main" matchingName="Big number">
+<p:sldLayout xmlns:a="http://schemas.openxmlformats.org/drawingml/2006/main" xmlns:r="http://schemas.openxmlformats.org/officeDocument/2006/relationships" xmlns:mc="http://schemas.openxmlformats.org/markup-compatibility/2006" xmlns:mv="urn:schemas-microsoft-com:mac:vml" xmlns:p="http://schemas.openxmlformats.org/presentationml/2006/main" xmlns:c="http://schemas.openxmlformats.org/drawingml/2006/chart" xmlns:dgm="http://schemas.openxmlformats.org/drawingml/2006/diagram" xmlns:o="urn:schemas-microsoft-com:office:office" xmlns:v="urn:schemas-microsoft-com:vml" xmlns:pvml="urn:schemas-microsoft-com:office:powerpoint" xmlns:com="http://schemas.openxmlformats.org/drawingml/2006/compatibility" xmlns:p14="http://schemas.microsoft.com/office/powerpoint/2010/main" xmlns:p15="http://schemas.microsoft.com/office/powerpoint/2012/main" xmlns:ahyp="http://schemas.microsoft.com/office/drawing/2018/hyperlinkcolor" matchingName="Big number">
   <p:cSld name="BIG_NUMBER">
     <p:bg>
       <p:bgPr>
         <a:solidFill>
           <a:schemeClr val="dk1"/>
         </a:solidFill>
-        <a:effectLst/>
       </p:bgPr>
     </p:bg>
     <p:spTree>
       <p:nvGrpSpPr>
-        <p:cNvPr id="1" name="Shape 69"/>
+        <p:cNvPr id="69" name="Shape 69"/>
         <p:cNvGrpSpPr/>
         <p:nvPr/>
       </p:nvGrpSpPr>
@@ -3553,12 +3054,12 @@
             </a:ln>
           </p:spPr>
           <p:txBody>
-            <a:bodyPr spcFirstLastPara="1" wrap="square" lIns="91425" tIns="91425" rIns="91425" bIns="91425" anchor="ctr" anchorCtr="0">
+            <a:bodyPr anchorCtr="0" anchor="ctr" bIns="91425" lIns="91425" spcFirstLastPara="1" rIns="91425" wrap="square" tIns="91425">
               <a:noAutofit/>
             </a:bodyPr>
             <a:lstStyle/>
             <a:p>
-              <a:pPr marL="0" lvl="0" indent="0" algn="l" rtl="0">
+              <a:pPr indent="0" lvl="0" marL="0" rtl="0" algn="l">
                 <a:spcBef>
                   <a:spcPts val="0"/>
                 </a:spcBef>
@@ -3567,6 +3068,9 @@
                 </a:spcAft>
                 <a:buNone/>
               </a:pPr>
+              <a:r>
+                <a:t/>
+              </a:r>
               <a:endParaRPr/>
             </a:p>
           </p:txBody>
@@ -3593,12 +3097,12 @@
             </a:ln>
           </p:spPr>
           <p:txBody>
-            <a:bodyPr spcFirstLastPara="1" wrap="square" lIns="91425" tIns="91425" rIns="91425" bIns="91425" anchor="ctr" anchorCtr="0">
+            <a:bodyPr anchorCtr="0" anchor="ctr" bIns="91425" lIns="91425" spcFirstLastPara="1" rIns="91425" wrap="square" tIns="91425">
               <a:noAutofit/>
             </a:bodyPr>
             <a:lstStyle/>
             <a:p>
-              <a:pPr marL="0" lvl="0" indent="0" algn="l" rtl="0">
+              <a:pPr indent="0" lvl="0" marL="0" rtl="0" algn="l">
                 <a:spcBef>
                   <a:spcPts val="0"/>
                 </a:spcBef>
@@ -3607,6 +3111,9 @@
                 </a:spcAft>
                 <a:buNone/>
               </a:pPr>
+              <a:r>
+                <a:t/>
+              </a:r>
               <a:endParaRPr/>
             </a:p>
           </p:txBody>
@@ -3618,7 +3125,7 @@
             <p:nvPr/>
           </p:nvSpPr>
           <p:spPr>
-            <a:xfrm rot="10800000" flipH="1">
+            <a:xfrm flipH="1" rot="10800000">
               <a:off x="7113588" y="107"/>
               <a:ext cx="1015200" cy="1015200"/>
             </a:xfrm>
@@ -3633,12 +3140,12 @@
             </a:ln>
           </p:spPr>
           <p:txBody>
-            <a:bodyPr spcFirstLastPara="1" wrap="square" lIns="91425" tIns="91425" rIns="91425" bIns="91425" anchor="ctr" anchorCtr="0">
+            <a:bodyPr anchorCtr="0" anchor="ctr" bIns="91425" lIns="91425" spcFirstLastPara="1" rIns="91425" wrap="square" tIns="91425">
               <a:noAutofit/>
             </a:bodyPr>
             <a:lstStyle/>
             <a:p>
-              <a:pPr marL="0" lvl="0" indent="0" algn="l" rtl="0">
+              <a:pPr indent="0" lvl="0" marL="0" rtl="0" algn="l">
                 <a:spcBef>
                   <a:spcPts val="0"/>
                 </a:spcBef>
@@ -3647,6 +3154,9 @@
                 </a:spcAft>
                 <a:buNone/>
               </a:pPr>
+              <a:r>
+                <a:t/>
+              </a:r>
               <a:endParaRPr/>
             </a:p>
           </p:txBody>
@@ -3673,12 +3183,12 @@
             </a:ln>
           </p:spPr>
           <p:txBody>
-            <a:bodyPr spcFirstLastPara="1" wrap="square" lIns="91425" tIns="91425" rIns="91425" bIns="91425" anchor="ctr" anchorCtr="0">
+            <a:bodyPr anchorCtr="0" anchor="ctr" bIns="91425" lIns="91425" spcFirstLastPara="1" rIns="91425" wrap="square" tIns="91425">
               <a:noAutofit/>
             </a:bodyPr>
             <a:lstStyle/>
             <a:p>
-              <a:pPr marL="0" lvl="0" indent="0" algn="l" rtl="0">
+              <a:pPr indent="0" lvl="0" marL="0" rtl="0" algn="l">
                 <a:spcBef>
                   <a:spcPts val="0"/>
                 </a:spcBef>
@@ -3687,6 +3197,9 @@
                 </a:spcAft>
                 <a:buNone/>
               </a:pPr>
+              <a:r>
+                <a:t/>
+              </a:r>
               <a:endParaRPr/>
             </a:p>
           </p:txBody>
@@ -3713,12 +3226,12 @@
             </a:ln>
           </p:spPr>
           <p:txBody>
-            <a:bodyPr spcFirstLastPara="1" wrap="square" lIns="91425" tIns="91425" rIns="91425" bIns="91425" anchor="ctr" anchorCtr="0">
+            <a:bodyPr anchorCtr="0" anchor="ctr" bIns="91425" lIns="91425" spcFirstLastPara="1" rIns="91425" wrap="square" tIns="91425">
               <a:noAutofit/>
             </a:bodyPr>
             <a:lstStyle/>
             <a:p>
-              <a:pPr marL="0" lvl="0" indent="0" algn="l" rtl="0">
+              <a:pPr indent="0" lvl="0" marL="0" rtl="0" algn="l">
                 <a:spcBef>
                   <a:spcPts val="0"/>
                 </a:spcBef>
@@ -3727,6 +3240,9 @@
                 </a:spcAft>
                 <a:buNone/>
               </a:pPr>
+              <a:r>
+                <a:t/>
+              </a:r>
               <a:endParaRPr/>
             </a:p>
           </p:txBody>
@@ -3735,11 +3251,9 @@
       <p:sp>
         <p:nvSpPr>
           <p:cNvPr id="76" name="Google Shape;76;p11"/>
-          <p:cNvSpPr txBox="1">
-            <a:spLocks noGrp="1"/>
-          </p:cNvSpPr>
+          <p:cNvSpPr txBox="1"/>
           <p:nvPr>
-            <p:ph type="title" hasCustomPrompt="1"/>
+            <p:ph hasCustomPrompt="1" type="title"/>
           </p:nvPr>
         </p:nvSpPr>
         <p:spPr>
@@ -3752,7 +3266,7 @@
           </a:prstGeom>
         </p:spPr>
         <p:txBody>
-          <a:bodyPr spcFirstLastPara="1" wrap="square" lIns="91425" tIns="91425" rIns="91425" bIns="91425" anchor="b" anchorCtr="0">
+          <a:bodyPr anchorCtr="0" anchor="b" bIns="91425" lIns="91425" spcFirstLastPara="1" rIns="91425" wrap="square" tIns="91425">
             <a:normAutofit/>
           </a:bodyPr>
           <a:lstStyle>
@@ -3929,11 +3443,9 @@
       <p:sp>
         <p:nvSpPr>
           <p:cNvPr id="77" name="Google Shape;77;p11"/>
-          <p:cNvSpPr txBox="1">
-            <a:spLocks noGrp="1"/>
-          </p:cNvSpPr>
+          <p:cNvSpPr txBox="1"/>
           <p:nvPr>
-            <p:ph type="body" idx="1"/>
+            <p:ph idx="1" type="body"/>
           </p:nvPr>
         </p:nvSpPr>
         <p:spPr>
@@ -3946,11 +3458,11 @@
           </a:prstGeom>
         </p:spPr>
         <p:txBody>
-          <a:bodyPr spcFirstLastPara="1" wrap="square" lIns="91425" tIns="91425" rIns="91425" bIns="91425" anchor="t" anchorCtr="0">
+          <a:bodyPr anchorCtr="0" anchor="t" bIns="91425" lIns="91425" spcFirstLastPara="1" rIns="91425" wrap="square" tIns="91425">
             <a:normAutofit/>
           </a:bodyPr>
           <a:lstStyle>
-            <a:lvl1pPr marL="457200" lvl="0" indent="-342900" algn="ctr">
+            <a:lvl1pPr indent="-342900" lvl="0" marL="457200" algn="ctr">
               <a:spcBef>
                 <a:spcPts val="0"/>
               </a:spcBef>
@@ -3968,7 +3480,7 @@
                 </a:solidFill>
               </a:defRPr>
             </a:lvl1pPr>
-            <a:lvl2pPr marL="914400" lvl="1" indent="-317500" algn="ctr">
+            <a:lvl2pPr indent="-317500" lvl="1" marL="914400" algn="ctr">
               <a:spcBef>
                 <a:spcPts val="0"/>
               </a:spcBef>
@@ -3986,7 +3498,7 @@
                 </a:solidFill>
               </a:defRPr>
             </a:lvl2pPr>
-            <a:lvl3pPr marL="1371600" lvl="2" indent="-317500" algn="ctr">
+            <a:lvl3pPr indent="-317500" lvl="2" marL="1371600" algn="ctr">
               <a:spcBef>
                 <a:spcPts val="0"/>
               </a:spcBef>
@@ -4004,7 +3516,7 @@
                 </a:solidFill>
               </a:defRPr>
             </a:lvl3pPr>
-            <a:lvl4pPr marL="1828800" lvl="3" indent="-317500" algn="ctr">
+            <a:lvl4pPr indent="-317500" lvl="3" marL="1828800" algn="ctr">
               <a:spcBef>
                 <a:spcPts val="0"/>
               </a:spcBef>
@@ -4022,7 +3534,7 @@
                 </a:solidFill>
               </a:defRPr>
             </a:lvl4pPr>
-            <a:lvl5pPr marL="2286000" lvl="4" indent="-317500" algn="ctr">
+            <a:lvl5pPr indent="-317500" lvl="4" marL="2286000" algn="ctr">
               <a:spcBef>
                 <a:spcPts val="0"/>
               </a:spcBef>
@@ -4040,7 +3552,7 @@
                 </a:solidFill>
               </a:defRPr>
             </a:lvl5pPr>
-            <a:lvl6pPr marL="2743200" lvl="5" indent="-317500" algn="ctr">
+            <a:lvl6pPr indent="-317500" lvl="5" marL="2743200" algn="ctr">
               <a:spcBef>
                 <a:spcPts val="0"/>
               </a:spcBef>
@@ -4058,7 +3570,7 @@
                 </a:solidFill>
               </a:defRPr>
             </a:lvl6pPr>
-            <a:lvl7pPr marL="3200400" lvl="6" indent="-317500" algn="ctr">
+            <a:lvl7pPr indent="-317500" lvl="6" marL="3200400" algn="ctr">
               <a:spcBef>
                 <a:spcPts val="0"/>
               </a:spcBef>
@@ -4076,7 +3588,7 @@
                 </a:solidFill>
               </a:defRPr>
             </a:lvl7pPr>
-            <a:lvl8pPr marL="3657600" lvl="7" indent="-317500" algn="ctr">
+            <a:lvl8pPr indent="-317500" lvl="7" marL="3657600" algn="ctr">
               <a:spcBef>
                 <a:spcPts val="0"/>
               </a:spcBef>
@@ -4094,7 +3606,7 @@
                 </a:solidFill>
               </a:defRPr>
             </a:lvl8pPr>
-            <a:lvl9pPr marL="4114800" lvl="8" indent="-317500" algn="ctr">
+            <a:lvl9pPr indent="-317500" lvl="8" marL="4114800" algn="ctr">
               <a:spcBef>
                 <a:spcPts val="0"/>
               </a:spcBef>
@@ -4113,19 +3625,15 @@
               </a:defRPr>
             </a:lvl9pPr>
           </a:lstStyle>
-          <a:p>
-            <a:endParaRPr/>
-          </a:p>
+          <a:p/>
         </p:txBody>
       </p:sp>
       <p:sp>
         <p:nvSpPr>
           <p:cNvPr id="78" name="Google Shape;78;p11"/>
-          <p:cNvSpPr txBox="1">
-            <a:spLocks noGrp="1"/>
-          </p:cNvSpPr>
+          <p:cNvSpPr txBox="1"/>
           <p:nvPr>
-            <p:ph type="sldNum" idx="12"/>
+            <p:ph idx="12" type="sldNum"/>
           </p:nvPr>
         </p:nvSpPr>
         <p:spPr>
@@ -4138,7 +3646,7 @@
           </a:prstGeom>
         </p:spPr>
         <p:txBody>
-          <a:bodyPr spcFirstLastPara="1" wrap="square" lIns="91425" tIns="91425" rIns="91425" bIns="91425" anchor="ctr" anchorCtr="0">
+          <a:bodyPr anchorCtr="0" anchor="ctr" bIns="91425" lIns="91425" spcFirstLastPara="1" rIns="91425" wrap="square" tIns="91425">
             <a:normAutofit/>
           </a:bodyPr>
           <a:lstStyle>
@@ -4180,7 +3688,7 @@
             </a:lvl9pPr>
           </a:lstStyle>
           <a:p>
-            <a:pPr marL="0" lvl="0" indent="0" algn="r" rtl="0">
+            <a:pPr indent="0" lvl="0" marL="0" rtl="0" algn="r">
               <a:spcBef>
                 <a:spcPts val="0"/>
               </a:spcBef>
@@ -4206,11 +3714,11 @@
 </file>
 
 <file path=ppt/slideLayouts/slideLayout11.xml><?xml version="1.0" encoding="utf-8"?>
-<p:sldLayout xmlns:a="http://schemas.openxmlformats.org/drawingml/2006/main" xmlns:r="http://schemas.openxmlformats.org/officeDocument/2006/relationships" xmlns:p="http://schemas.openxmlformats.org/presentationml/2006/main" matchingName="Blank" type="blank">
+<p:sldLayout xmlns:a="http://schemas.openxmlformats.org/drawingml/2006/main" xmlns:r="http://schemas.openxmlformats.org/officeDocument/2006/relationships" xmlns:mc="http://schemas.openxmlformats.org/markup-compatibility/2006" xmlns:mv="urn:schemas-microsoft-com:mac:vml" xmlns:p="http://schemas.openxmlformats.org/presentationml/2006/main" xmlns:c="http://schemas.openxmlformats.org/drawingml/2006/chart" xmlns:dgm="http://schemas.openxmlformats.org/drawingml/2006/diagram" xmlns:o="urn:schemas-microsoft-com:office:office" xmlns:v="urn:schemas-microsoft-com:vml" xmlns:pvml="urn:schemas-microsoft-com:office:powerpoint" xmlns:com="http://schemas.openxmlformats.org/drawingml/2006/compatibility" xmlns:p14="http://schemas.microsoft.com/office/powerpoint/2010/main" xmlns:p15="http://schemas.microsoft.com/office/powerpoint/2012/main" xmlns:ahyp="http://schemas.microsoft.com/office/drawing/2018/hyperlinkcolor" matchingName="Blank" type="blank">
   <p:cSld name="BLANK">
     <p:spTree>
       <p:nvGrpSpPr>
-        <p:cNvPr id="1" name="Shape 79"/>
+        <p:cNvPr id="79" name="Shape 79"/>
         <p:cNvGrpSpPr/>
         <p:nvPr/>
       </p:nvGrpSpPr>
@@ -4225,11 +3733,9 @@
       <p:sp>
         <p:nvSpPr>
           <p:cNvPr id="80" name="Google Shape;80;p12"/>
-          <p:cNvSpPr txBox="1">
-            <a:spLocks noGrp="1"/>
-          </p:cNvSpPr>
+          <p:cNvSpPr txBox="1"/>
           <p:nvPr>
-            <p:ph type="sldNum" idx="12"/>
+            <p:ph idx="12" type="sldNum"/>
           </p:nvPr>
         </p:nvSpPr>
         <p:spPr>
@@ -4242,7 +3748,7 @@
           </a:prstGeom>
         </p:spPr>
         <p:txBody>
-          <a:bodyPr spcFirstLastPara="1" wrap="square" lIns="91425" tIns="91425" rIns="91425" bIns="91425" anchor="ctr" anchorCtr="0">
+          <a:bodyPr anchorCtr="0" anchor="ctr" bIns="91425" lIns="91425" spcFirstLastPara="1" rIns="91425" wrap="square" tIns="91425">
             <a:normAutofit/>
           </a:bodyPr>
           <a:lstStyle>
@@ -4320,7 +3826,7 @@
             </a:lvl9pPr>
           </a:lstStyle>
           <a:p>
-            <a:pPr marL="0" lvl="0" indent="0" algn="r" rtl="0">
+            <a:pPr indent="0" lvl="0" marL="0" rtl="0" algn="r">
               <a:spcBef>
                 <a:spcPts val="0"/>
               </a:spcBef>
@@ -4346,19 +3852,18 @@
 </file>
 
 <file path=ppt/slideLayouts/slideLayout2.xml><?xml version="1.0" encoding="utf-8"?>
-<p:sldLayout xmlns:a="http://schemas.openxmlformats.org/drawingml/2006/main" xmlns:r="http://schemas.openxmlformats.org/officeDocument/2006/relationships" xmlns:p="http://schemas.openxmlformats.org/presentationml/2006/main" matchingName="Section header" type="secHead">
+<p:sldLayout xmlns:a="http://schemas.openxmlformats.org/drawingml/2006/main" xmlns:r="http://schemas.openxmlformats.org/officeDocument/2006/relationships" xmlns:mc="http://schemas.openxmlformats.org/markup-compatibility/2006" xmlns:mv="urn:schemas-microsoft-com:mac:vml" xmlns:p="http://schemas.openxmlformats.org/presentationml/2006/main" xmlns:c="http://schemas.openxmlformats.org/drawingml/2006/chart" xmlns:dgm="http://schemas.openxmlformats.org/drawingml/2006/diagram" xmlns:o="urn:schemas-microsoft-com:office:office" xmlns:v="urn:schemas-microsoft-com:vml" xmlns:pvml="urn:schemas-microsoft-com:office:powerpoint" xmlns:com="http://schemas.openxmlformats.org/drawingml/2006/compatibility" xmlns:p14="http://schemas.microsoft.com/office/powerpoint/2010/main" xmlns:p15="http://schemas.microsoft.com/office/powerpoint/2012/main" xmlns:ahyp="http://schemas.microsoft.com/office/drawing/2018/hyperlinkcolor" matchingName="Section header" type="secHead">
   <p:cSld name="SECTION_HEADER">
     <p:bg>
       <p:bgPr>
         <a:solidFill>
           <a:schemeClr val="dk1"/>
         </a:solidFill>
-        <a:effectLst/>
       </p:bgPr>
     </p:bg>
     <p:spTree>
       <p:nvGrpSpPr>
-        <p:cNvPr id="1" name="Shape 19"/>
+        <p:cNvPr id="19" name="Shape 19"/>
         <p:cNvGrpSpPr/>
         <p:nvPr/>
       </p:nvGrpSpPr>
@@ -4406,12 +3911,12 @@
             </a:ln>
           </p:spPr>
           <p:txBody>
-            <a:bodyPr spcFirstLastPara="1" wrap="square" lIns="91425" tIns="91425" rIns="91425" bIns="91425" anchor="ctr" anchorCtr="0">
+            <a:bodyPr anchorCtr="0" anchor="ctr" bIns="91425" lIns="91425" spcFirstLastPara="1" rIns="91425" wrap="square" tIns="91425">
               <a:noAutofit/>
             </a:bodyPr>
             <a:lstStyle/>
             <a:p>
-              <a:pPr marL="0" lvl="0" indent="0" algn="l" rtl="0">
+              <a:pPr indent="0" lvl="0" marL="0" rtl="0" algn="l">
                 <a:spcBef>
                   <a:spcPts val="0"/>
                 </a:spcBef>
@@ -4420,6 +3925,9 @@
                 </a:spcAft>
                 <a:buNone/>
               </a:pPr>
+              <a:r>
+                <a:t/>
+              </a:r>
               <a:endParaRPr/>
             </a:p>
           </p:txBody>
@@ -4446,12 +3954,12 @@
             </a:ln>
           </p:spPr>
           <p:txBody>
-            <a:bodyPr spcFirstLastPara="1" wrap="square" lIns="91425" tIns="91425" rIns="91425" bIns="91425" anchor="ctr" anchorCtr="0">
+            <a:bodyPr anchorCtr="0" anchor="ctr" bIns="91425" lIns="91425" spcFirstLastPara="1" rIns="91425" wrap="square" tIns="91425">
               <a:noAutofit/>
             </a:bodyPr>
             <a:lstStyle/>
             <a:p>
-              <a:pPr marL="0" lvl="0" indent="0" algn="l" rtl="0">
+              <a:pPr indent="0" lvl="0" marL="0" rtl="0" algn="l">
                 <a:spcBef>
                   <a:spcPts val="0"/>
                 </a:spcBef>
@@ -4460,6 +3968,9 @@
                 </a:spcAft>
                 <a:buNone/>
               </a:pPr>
+              <a:r>
+                <a:t/>
+              </a:r>
               <a:endParaRPr/>
             </a:p>
           </p:txBody>
@@ -4471,7 +3982,7 @@
             <p:nvPr/>
           </p:nvSpPr>
           <p:spPr>
-            <a:xfrm rot="10800000" flipH="1">
+            <a:xfrm flipH="1" rot="10800000">
               <a:off x="7113588" y="107"/>
               <a:ext cx="1015200" cy="1015200"/>
             </a:xfrm>
@@ -4486,12 +3997,12 @@
             </a:ln>
           </p:spPr>
           <p:txBody>
-            <a:bodyPr spcFirstLastPara="1" wrap="square" lIns="91425" tIns="91425" rIns="91425" bIns="91425" anchor="ctr" anchorCtr="0">
+            <a:bodyPr anchorCtr="0" anchor="ctr" bIns="91425" lIns="91425" spcFirstLastPara="1" rIns="91425" wrap="square" tIns="91425">
               <a:noAutofit/>
             </a:bodyPr>
             <a:lstStyle/>
             <a:p>
-              <a:pPr marL="0" lvl="0" indent="0" algn="l" rtl="0">
+              <a:pPr indent="0" lvl="0" marL="0" rtl="0" algn="l">
                 <a:spcBef>
                   <a:spcPts val="0"/>
                 </a:spcBef>
@@ -4500,6 +4011,9 @@
                 </a:spcAft>
                 <a:buNone/>
               </a:pPr>
+              <a:r>
+                <a:t/>
+              </a:r>
               <a:endParaRPr/>
             </a:p>
           </p:txBody>
@@ -4526,12 +4040,12 @@
             </a:ln>
           </p:spPr>
           <p:txBody>
-            <a:bodyPr spcFirstLastPara="1" wrap="square" lIns="91425" tIns="91425" rIns="91425" bIns="91425" anchor="ctr" anchorCtr="0">
+            <a:bodyPr anchorCtr="0" anchor="ctr" bIns="91425" lIns="91425" spcFirstLastPara="1" rIns="91425" wrap="square" tIns="91425">
               <a:noAutofit/>
             </a:bodyPr>
             <a:lstStyle/>
             <a:p>
-              <a:pPr marL="0" lvl="0" indent="0" algn="l" rtl="0">
+              <a:pPr indent="0" lvl="0" marL="0" rtl="0" algn="l">
                 <a:spcBef>
                   <a:spcPts val="0"/>
                 </a:spcBef>
@@ -4540,6 +4054,9 @@
                 </a:spcAft>
                 <a:buNone/>
               </a:pPr>
+              <a:r>
+                <a:t/>
+              </a:r>
               <a:endParaRPr/>
             </a:p>
           </p:txBody>
@@ -4566,12 +4083,12 @@
             </a:ln>
           </p:spPr>
           <p:txBody>
-            <a:bodyPr spcFirstLastPara="1" wrap="square" lIns="91425" tIns="91425" rIns="91425" bIns="91425" anchor="ctr" anchorCtr="0">
+            <a:bodyPr anchorCtr="0" anchor="ctr" bIns="91425" lIns="91425" spcFirstLastPara="1" rIns="91425" wrap="square" tIns="91425">
               <a:noAutofit/>
             </a:bodyPr>
             <a:lstStyle/>
             <a:p>
-              <a:pPr marL="0" lvl="0" indent="0" algn="l" rtl="0">
+              <a:pPr indent="0" lvl="0" marL="0" rtl="0" algn="l">
                 <a:spcBef>
                   <a:spcPts val="0"/>
                 </a:spcBef>
@@ -4580,6 +4097,9 @@
                 </a:spcAft>
                 <a:buNone/>
               </a:pPr>
+              <a:r>
+                <a:t/>
+              </a:r>
               <a:endParaRPr/>
             </a:p>
           </p:txBody>
@@ -4588,9 +4108,7 @@
       <p:sp>
         <p:nvSpPr>
           <p:cNvPr id="26" name="Google Shape;26;p3"/>
-          <p:cNvSpPr txBox="1">
-            <a:spLocks noGrp="1"/>
-          </p:cNvSpPr>
+          <p:cNvSpPr txBox="1"/>
           <p:nvPr>
             <p:ph type="title"/>
           </p:nvPr>
@@ -4605,7 +4123,7 @@
           </a:prstGeom>
         </p:spPr>
         <p:txBody>
-          <a:bodyPr spcFirstLastPara="1" wrap="square" lIns="91425" tIns="91425" rIns="91425" bIns="91425" anchor="ctr" anchorCtr="0">
+          <a:bodyPr anchorCtr="0" anchor="ctr" bIns="91425" lIns="91425" spcFirstLastPara="1" rIns="91425" wrap="square" tIns="91425">
             <a:normAutofit/>
           </a:bodyPr>
           <a:lstStyle>
@@ -4772,19 +4290,15 @@
               </a:defRPr>
             </a:lvl9pPr>
           </a:lstStyle>
-          <a:p>
-            <a:endParaRPr/>
-          </a:p>
+          <a:p/>
         </p:txBody>
       </p:sp>
       <p:sp>
         <p:nvSpPr>
           <p:cNvPr id="27" name="Google Shape;27;p3"/>
-          <p:cNvSpPr txBox="1">
-            <a:spLocks noGrp="1"/>
-          </p:cNvSpPr>
+          <p:cNvSpPr txBox="1"/>
           <p:nvPr>
-            <p:ph type="sldNum" idx="12"/>
+            <p:ph idx="12" type="sldNum"/>
           </p:nvPr>
         </p:nvSpPr>
         <p:spPr>
@@ -4797,7 +4311,7 @@
           </a:prstGeom>
         </p:spPr>
         <p:txBody>
-          <a:bodyPr spcFirstLastPara="1" wrap="square" lIns="91425" tIns="91425" rIns="91425" bIns="91425" anchor="ctr" anchorCtr="0">
+          <a:bodyPr anchorCtr="0" anchor="ctr" bIns="91425" lIns="91425" spcFirstLastPara="1" rIns="91425" wrap="square" tIns="91425">
             <a:normAutofit/>
           </a:bodyPr>
           <a:lstStyle>
@@ -4839,7 +4353,7 @@
             </a:lvl9pPr>
           </a:lstStyle>
           <a:p>
-            <a:pPr marL="0" lvl="0" indent="0" algn="r" rtl="0">
+            <a:pPr indent="0" lvl="0" marL="0" rtl="0" algn="r">
               <a:spcBef>
                 <a:spcPts val="0"/>
               </a:spcBef>
@@ -4865,11 +4379,11 @@
 </file>
 
 <file path=ppt/slideLayouts/slideLayout3.xml><?xml version="1.0" encoding="utf-8"?>
-<p:sldLayout xmlns:a="http://schemas.openxmlformats.org/drawingml/2006/main" xmlns:r="http://schemas.openxmlformats.org/officeDocument/2006/relationships" xmlns:p="http://schemas.openxmlformats.org/presentationml/2006/main" matchingName="Title and body" type="tx">
+<p:sldLayout xmlns:a="http://schemas.openxmlformats.org/drawingml/2006/main" xmlns:r="http://schemas.openxmlformats.org/officeDocument/2006/relationships" xmlns:mc="http://schemas.openxmlformats.org/markup-compatibility/2006" xmlns:mv="urn:schemas-microsoft-com:mac:vml" xmlns:p="http://schemas.openxmlformats.org/presentationml/2006/main" xmlns:c="http://schemas.openxmlformats.org/drawingml/2006/chart" xmlns:dgm="http://schemas.openxmlformats.org/drawingml/2006/diagram" xmlns:o="urn:schemas-microsoft-com:office:office" xmlns:v="urn:schemas-microsoft-com:vml" xmlns:pvml="urn:schemas-microsoft-com:office:powerpoint" xmlns:com="http://schemas.openxmlformats.org/drawingml/2006/compatibility" xmlns:p14="http://schemas.microsoft.com/office/powerpoint/2010/main" xmlns:p15="http://schemas.microsoft.com/office/powerpoint/2012/main" xmlns:ahyp="http://schemas.microsoft.com/office/drawing/2018/hyperlinkcolor" matchingName="Title and body" type="tx">
   <p:cSld name="TITLE_AND_BODY">
     <p:spTree>
       <p:nvGrpSpPr>
-        <p:cNvPr id="1" name="Shape 28"/>
+        <p:cNvPr id="28" name="Shape 28"/>
         <p:cNvGrpSpPr/>
         <p:nvPr/>
       </p:nvGrpSpPr>
@@ -4917,12 +4431,12 @@
             </a:ln>
           </p:spPr>
           <p:txBody>
-            <a:bodyPr spcFirstLastPara="1" wrap="square" lIns="91425" tIns="91425" rIns="91425" bIns="91425" anchor="ctr" anchorCtr="0">
+            <a:bodyPr anchorCtr="0" anchor="ctr" bIns="91425" lIns="91425" spcFirstLastPara="1" rIns="91425" wrap="square" tIns="91425">
               <a:noAutofit/>
             </a:bodyPr>
             <a:lstStyle/>
             <a:p>
-              <a:pPr marL="0" lvl="0" indent="0" algn="l" rtl="0">
+              <a:pPr indent="0" lvl="0" marL="0" rtl="0" algn="l">
                 <a:spcBef>
                   <a:spcPts val="0"/>
                 </a:spcBef>
@@ -4931,6 +4445,9 @@
                 </a:spcAft>
                 <a:buNone/>
               </a:pPr>
+              <a:r>
+                <a:t/>
+              </a:r>
               <a:endParaRPr/>
             </a:p>
           </p:txBody>
@@ -4957,12 +4474,12 @@
             </a:ln>
           </p:spPr>
           <p:txBody>
-            <a:bodyPr spcFirstLastPara="1" wrap="square" lIns="91425" tIns="91425" rIns="91425" bIns="91425" anchor="ctr" anchorCtr="0">
+            <a:bodyPr anchorCtr="0" anchor="ctr" bIns="91425" lIns="91425" spcFirstLastPara="1" rIns="91425" wrap="square" tIns="91425">
               <a:noAutofit/>
             </a:bodyPr>
             <a:lstStyle/>
             <a:p>
-              <a:pPr marL="0" lvl="0" indent="0" algn="l" rtl="0">
+              <a:pPr indent="0" lvl="0" marL="0" rtl="0" algn="l">
                 <a:spcBef>
                   <a:spcPts val="0"/>
                 </a:spcBef>
@@ -4971,6 +4488,9 @@
                 </a:spcAft>
                 <a:buNone/>
               </a:pPr>
+              <a:r>
+                <a:t/>
+              </a:r>
               <a:endParaRPr/>
             </a:p>
           </p:txBody>
@@ -4997,12 +4517,12 @@
             </a:ln>
           </p:spPr>
           <p:txBody>
-            <a:bodyPr spcFirstLastPara="1" wrap="square" lIns="91425" tIns="91425" rIns="91425" bIns="91425" anchor="ctr" anchorCtr="0">
+            <a:bodyPr anchorCtr="0" anchor="ctr" bIns="91425" lIns="91425" spcFirstLastPara="1" rIns="91425" wrap="square" tIns="91425">
               <a:noAutofit/>
             </a:bodyPr>
             <a:lstStyle/>
             <a:p>
-              <a:pPr marL="0" lvl="0" indent="0" algn="l" rtl="0">
+              <a:pPr indent="0" lvl="0" marL="0" rtl="0" algn="l">
                 <a:spcBef>
                   <a:spcPts val="0"/>
                 </a:spcBef>
@@ -5011,6 +4531,9 @@
                 </a:spcAft>
                 <a:buNone/>
               </a:pPr>
+              <a:r>
+                <a:t/>
+              </a:r>
               <a:endParaRPr/>
             </a:p>
           </p:txBody>
@@ -5037,12 +4560,12 @@
             </a:ln>
           </p:spPr>
           <p:txBody>
-            <a:bodyPr spcFirstLastPara="1" wrap="square" lIns="91425" tIns="91425" rIns="91425" bIns="91425" anchor="ctr" anchorCtr="0">
+            <a:bodyPr anchorCtr="0" anchor="ctr" bIns="91425" lIns="91425" spcFirstLastPara="1" rIns="91425" wrap="square" tIns="91425">
               <a:noAutofit/>
             </a:bodyPr>
             <a:lstStyle/>
             <a:p>
-              <a:pPr marL="0" lvl="0" indent="0" algn="l" rtl="0">
+              <a:pPr indent="0" lvl="0" marL="0" rtl="0" algn="l">
                 <a:spcBef>
                   <a:spcPts val="0"/>
                 </a:spcBef>
@@ -5051,6 +4574,9 @@
                 </a:spcAft>
                 <a:buNone/>
               </a:pPr>
+              <a:r>
+                <a:t/>
+              </a:r>
               <a:endParaRPr/>
             </a:p>
           </p:txBody>
@@ -5077,12 +4603,12 @@
             </a:ln>
           </p:spPr>
           <p:txBody>
-            <a:bodyPr spcFirstLastPara="1" wrap="square" lIns="91425" tIns="91425" rIns="91425" bIns="91425" anchor="ctr" anchorCtr="0">
+            <a:bodyPr anchorCtr="0" anchor="ctr" bIns="91425" lIns="91425" spcFirstLastPara="1" rIns="91425" wrap="square" tIns="91425">
               <a:noAutofit/>
             </a:bodyPr>
             <a:lstStyle/>
             <a:p>
-              <a:pPr marL="0" lvl="0" indent="0" algn="l" rtl="0">
+              <a:pPr indent="0" lvl="0" marL="0" rtl="0" algn="l">
                 <a:spcBef>
                   <a:spcPts val="0"/>
                 </a:spcBef>
@@ -5091,6 +4617,9 @@
                 </a:spcAft>
                 <a:buNone/>
               </a:pPr>
+              <a:r>
+                <a:t/>
+              </a:r>
               <a:endParaRPr/>
             </a:p>
           </p:txBody>
@@ -5099,9 +4628,7 @@
       <p:sp>
         <p:nvSpPr>
           <p:cNvPr id="35" name="Google Shape;35;p4"/>
-          <p:cNvSpPr txBox="1">
-            <a:spLocks noGrp="1"/>
-          </p:cNvSpPr>
+          <p:cNvSpPr txBox="1"/>
           <p:nvPr>
             <p:ph type="title"/>
           </p:nvPr>
@@ -5116,7 +4643,7 @@
           </a:prstGeom>
         </p:spPr>
         <p:txBody>
-          <a:bodyPr spcFirstLastPara="1" wrap="square" lIns="91425" tIns="91425" rIns="91425" bIns="91425" anchor="t" anchorCtr="0">
+          <a:bodyPr anchorCtr="0" anchor="t" bIns="91425" lIns="91425" spcFirstLastPara="1" rIns="91425" wrap="square" tIns="91425">
             <a:normAutofit/>
           </a:bodyPr>
           <a:lstStyle>
@@ -5220,19 +4747,15 @@
               <a:defRPr/>
             </a:lvl9pPr>
           </a:lstStyle>
-          <a:p>
-            <a:endParaRPr/>
-          </a:p>
+          <a:p/>
         </p:txBody>
       </p:sp>
       <p:sp>
         <p:nvSpPr>
           <p:cNvPr id="36" name="Google Shape;36;p4"/>
-          <p:cNvSpPr txBox="1">
-            <a:spLocks noGrp="1"/>
-          </p:cNvSpPr>
+          <p:cNvSpPr txBox="1"/>
           <p:nvPr>
-            <p:ph type="body" idx="1"/>
+            <p:ph idx="1" type="body"/>
           </p:nvPr>
         </p:nvSpPr>
         <p:spPr>
@@ -5245,11 +4768,11 @@
           </a:prstGeom>
         </p:spPr>
         <p:txBody>
-          <a:bodyPr spcFirstLastPara="1" wrap="square" lIns="91425" tIns="91425" rIns="91425" bIns="91425" anchor="t" anchorCtr="0">
+          <a:bodyPr anchorCtr="0" anchor="t" bIns="91425" lIns="91425" spcFirstLastPara="1" rIns="91425" wrap="square" tIns="91425">
             <a:normAutofit/>
           </a:bodyPr>
           <a:lstStyle>
-            <a:lvl1pPr marL="457200" lvl="0" indent="-342900">
+            <a:lvl1pPr indent="-342900" lvl="0" marL="457200">
               <a:spcBef>
                 <a:spcPts val="0"/>
               </a:spcBef>
@@ -5260,7 +4783,7 @@
               <a:buChar char="●"/>
               <a:defRPr/>
             </a:lvl1pPr>
-            <a:lvl2pPr marL="914400" lvl="1" indent="-317500">
+            <a:lvl2pPr indent="-317500" lvl="1" marL="914400">
               <a:spcBef>
                 <a:spcPts val="0"/>
               </a:spcBef>
@@ -5271,7 +4794,7 @@
               <a:buChar char="○"/>
               <a:defRPr/>
             </a:lvl2pPr>
-            <a:lvl3pPr marL="1371600" lvl="2" indent="-317500">
+            <a:lvl3pPr indent="-317500" lvl="2" marL="1371600">
               <a:spcBef>
                 <a:spcPts val="0"/>
               </a:spcBef>
@@ -5282,7 +4805,7 @@
               <a:buChar char="■"/>
               <a:defRPr/>
             </a:lvl3pPr>
-            <a:lvl4pPr marL="1828800" lvl="3" indent="-317500">
+            <a:lvl4pPr indent="-317500" lvl="3" marL="1828800">
               <a:spcBef>
                 <a:spcPts val="0"/>
               </a:spcBef>
@@ -5293,7 +4816,7 @@
               <a:buChar char="●"/>
               <a:defRPr/>
             </a:lvl4pPr>
-            <a:lvl5pPr marL="2286000" lvl="4" indent="-317500">
+            <a:lvl5pPr indent="-317500" lvl="4" marL="2286000">
               <a:spcBef>
                 <a:spcPts val="0"/>
               </a:spcBef>
@@ -5304,7 +4827,7 @@
               <a:buChar char="○"/>
               <a:defRPr/>
             </a:lvl5pPr>
-            <a:lvl6pPr marL="2743200" lvl="5" indent="-317500">
+            <a:lvl6pPr indent="-317500" lvl="5" marL="2743200">
               <a:spcBef>
                 <a:spcPts val="0"/>
               </a:spcBef>
@@ -5315,7 +4838,7 @@
               <a:buChar char="■"/>
               <a:defRPr/>
             </a:lvl6pPr>
-            <a:lvl7pPr marL="3200400" lvl="6" indent="-317500">
+            <a:lvl7pPr indent="-317500" lvl="6" marL="3200400">
               <a:spcBef>
                 <a:spcPts val="0"/>
               </a:spcBef>
@@ -5326,7 +4849,7 @@
               <a:buChar char="●"/>
               <a:defRPr/>
             </a:lvl7pPr>
-            <a:lvl8pPr marL="3657600" lvl="7" indent="-317500">
+            <a:lvl8pPr indent="-317500" lvl="7" marL="3657600">
               <a:spcBef>
                 <a:spcPts val="0"/>
               </a:spcBef>
@@ -5337,7 +4860,7 @@
               <a:buChar char="○"/>
               <a:defRPr/>
             </a:lvl8pPr>
-            <a:lvl9pPr marL="4114800" lvl="8" indent="-317500">
+            <a:lvl9pPr indent="-317500" lvl="8" marL="4114800">
               <a:spcBef>
                 <a:spcPts val="0"/>
               </a:spcBef>
@@ -5349,19 +4872,15 @@
               <a:defRPr/>
             </a:lvl9pPr>
           </a:lstStyle>
-          <a:p>
-            <a:endParaRPr/>
-          </a:p>
+          <a:p/>
         </p:txBody>
       </p:sp>
       <p:sp>
         <p:nvSpPr>
           <p:cNvPr id="37" name="Google Shape;37;p4"/>
-          <p:cNvSpPr txBox="1">
-            <a:spLocks noGrp="1"/>
-          </p:cNvSpPr>
+          <p:cNvSpPr txBox="1"/>
           <p:nvPr>
-            <p:ph type="sldNum" idx="12"/>
+            <p:ph idx="12" type="sldNum"/>
           </p:nvPr>
         </p:nvSpPr>
         <p:spPr>
@@ -5374,7 +4893,7 @@
           </a:prstGeom>
         </p:spPr>
         <p:txBody>
-          <a:bodyPr spcFirstLastPara="1" wrap="square" lIns="91425" tIns="91425" rIns="91425" bIns="91425" anchor="ctr" anchorCtr="0">
+          <a:bodyPr anchorCtr="0" anchor="ctr" bIns="91425" lIns="91425" spcFirstLastPara="1" rIns="91425" wrap="square" tIns="91425">
             <a:normAutofit/>
           </a:bodyPr>
           <a:lstStyle>
@@ -5416,7 +4935,7 @@
             </a:lvl9pPr>
           </a:lstStyle>
           <a:p>
-            <a:pPr marL="0" lvl="0" indent="0" algn="r" rtl="0">
+            <a:pPr indent="0" lvl="0" marL="0" rtl="0" algn="r">
               <a:spcBef>
                 <a:spcPts val="0"/>
               </a:spcBef>
@@ -5442,11 +4961,11 @@
 </file>
 
 <file path=ppt/slideLayouts/slideLayout4.xml><?xml version="1.0" encoding="utf-8"?>
-<p:sldLayout xmlns:a="http://schemas.openxmlformats.org/drawingml/2006/main" xmlns:r="http://schemas.openxmlformats.org/officeDocument/2006/relationships" xmlns:p="http://schemas.openxmlformats.org/presentationml/2006/main" matchingName="Title and two columns" type="twoColTx">
+<p:sldLayout xmlns:a="http://schemas.openxmlformats.org/drawingml/2006/main" xmlns:r="http://schemas.openxmlformats.org/officeDocument/2006/relationships" xmlns:mc="http://schemas.openxmlformats.org/markup-compatibility/2006" xmlns:mv="urn:schemas-microsoft-com:mac:vml" xmlns:p="http://schemas.openxmlformats.org/presentationml/2006/main" xmlns:c="http://schemas.openxmlformats.org/drawingml/2006/chart" xmlns:dgm="http://schemas.openxmlformats.org/drawingml/2006/diagram" xmlns:o="urn:schemas-microsoft-com:office:office" xmlns:v="urn:schemas-microsoft-com:vml" xmlns:pvml="urn:schemas-microsoft-com:office:powerpoint" xmlns:com="http://schemas.openxmlformats.org/drawingml/2006/compatibility" xmlns:p14="http://schemas.microsoft.com/office/powerpoint/2010/main" xmlns:p15="http://schemas.microsoft.com/office/powerpoint/2012/main" xmlns:ahyp="http://schemas.microsoft.com/office/drawing/2018/hyperlinkcolor" matchingName="Title and two columns" type="twoColTx">
   <p:cSld name="TITLE_AND_TWO_COLUMNS">
     <p:spTree>
       <p:nvGrpSpPr>
-        <p:cNvPr id="1" name="Shape 38"/>
+        <p:cNvPr id="38" name="Shape 38"/>
         <p:cNvGrpSpPr/>
         <p:nvPr/>
       </p:nvGrpSpPr>
@@ -5461,9 +4980,7 @@
       <p:sp>
         <p:nvSpPr>
           <p:cNvPr id="39" name="Google Shape;39;p5"/>
-          <p:cNvSpPr txBox="1">
-            <a:spLocks noGrp="1"/>
-          </p:cNvSpPr>
+          <p:cNvSpPr txBox="1"/>
           <p:nvPr>
             <p:ph type="title"/>
           </p:nvPr>
@@ -5478,7 +4995,7 @@
           </a:prstGeom>
         </p:spPr>
         <p:txBody>
-          <a:bodyPr spcFirstLastPara="1" wrap="square" lIns="91425" tIns="91425" rIns="91425" bIns="91425" anchor="t" anchorCtr="0">
+          <a:bodyPr anchorCtr="0" anchor="t" bIns="91425" lIns="91425" spcFirstLastPara="1" rIns="91425" wrap="square" tIns="91425">
             <a:normAutofit/>
           </a:bodyPr>
           <a:lstStyle>
@@ -5582,19 +5099,15 @@
               <a:defRPr/>
             </a:lvl9pPr>
           </a:lstStyle>
-          <a:p>
-            <a:endParaRPr/>
-          </a:p>
+          <a:p/>
         </p:txBody>
       </p:sp>
       <p:sp>
         <p:nvSpPr>
           <p:cNvPr id="40" name="Google Shape;40;p5"/>
-          <p:cNvSpPr txBox="1">
-            <a:spLocks noGrp="1"/>
-          </p:cNvSpPr>
+          <p:cNvSpPr txBox="1"/>
           <p:nvPr>
-            <p:ph type="body" idx="1"/>
+            <p:ph idx="1" type="body"/>
           </p:nvPr>
         </p:nvSpPr>
         <p:spPr>
@@ -5607,11 +5120,11 @@
           </a:prstGeom>
         </p:spPr>
         <p:txBody>
-          <a:bodyPr spcFirstLastPara="1" wrap="square" lIns="91425" tIns="91425" rIns="91425" bIns="91425" anchor="t" anchorCtr="0">
+          <a:bodyPr anchorCtr="0" anchor="t" bIns="91425" lIns="91425" spcFirstLastPara="1" rIns="91425" wrap="square" tIns="91425">
             <a:normAutofit/>
           </a:bodyPr>
           <a:lstStyle>
-            <a:lvl1pPr marL="457200" lvl="0" indent="-317500">
+            <a:lvl1pPr indent="-317500" lvl="0" marL="457200">
               <a:spcBef>
                 <a:spcPts val="0"/>
               </a:spcBef>
@@ -5622,7 +5135,7 @@
               <a:buChar char="●"/>
               <a:defRPr sz="1400"/>
             </a:lvl1pPr>
-            <a:lvl2pPr marL="914400" lvl="1" indent="-304800">
+            <a:lvl2pPr indent="-304800" lvl="1" marL="914400">
               <a:spcBef>
                 <a:spcPts val="0"/>
               </a:spcBef>
@@ -5633,7 +5146,7 @@
               <a:buChar char="○"/>
               <a:defRPr sz="1200"/>
             </a:lvl2pPr>
-            <a:lvl3pPr marL="1371600" lvl="2" indent="-304800">
+            <a:lvl3pPr indent="-304800" lvl="2" marL="1371600">
               <a:spcBef>
                 <a:spcPts val="0"/>
               </a:spcBef>
@@ -5644,7 +5157,7 @@
               <a:buChar char="■"/>
               <a:defRPr sz="1200"/>
             </a:lvl3pPr>
-            <a:lvl4pPr marL="1828800" lvl="3" indent="-304800">
+            <a:lvl4pPr indent="-304800" lvl="3" marL="1828800">
               <a:spcBef>
                 <a:spcPts val="0"/>
               </a:spcBef>
@@ -5655,7 +5168,7 @@
               <a:buChar char="●"/>
               <a:defRPr sz="1200"/>
             </a:lvl4pPr>
-            <a:lvl5pPr marL="2286000" lvl="4" indent="-304800">
+            <a:lvl5pPr indent="-304800" lvl="4" marL="2286000">
               <a:spcBef>
                 <a:spcPts val="0"/>
               </a:spcBef>
@@ -5666,7 +5179,7 @@
               <a:buChar char="○"/>
               <a:defRPr sz="1200"/>
             </a:lvl5pPr>
-            <a:lvl6pPr marL="2743200" lvl="5" indent="-304800">
+            <a:lvl6pPr indent="-304800" lvl="5" marL="2743200">
               <a:spcBef>
                 <a:spcPts val="0"/>
               </a:spcBef>
@@ -5677,7 +5190,7 @@
               <a:buChar char="■"/>
               <a:defRPr sz="1200"/>
             </a:lvl6pPr>
-            <a:lvl7pPr marL="3200400" lvl="6" indent="-304800">
+            <a:lvl7pPr indent="-304800" lvl="6" marL="3200400">
               <a:spcBef>
                 <a:spcPts val="0"/>
               </a:spcBef>
@@ -5688,7 +5201,7 @@
               <a:buChar char="●"/>
               <a:defRPr sz="1200"/>
             </a:lvl7pPr>
-            <a:lvl8pPr marL="3657600" lvl="7" indent="-304800">
+            <a:lvl8pPr indent="-304800" lvl="7" marL="3657600">
               <a:spcBef>
                 <a:spcPts val="0"/>
               </a:spcBef>
@@ -5699,7 +5212,7 @@
               <a:buChar char="○"/>
               <a:defRPr sz="1200"/>
             </a:lvl8pPr>
-            <a:lvl9pPr marL="4114800" lvl="8" indent="-304800">
+            <a:lvl9pPr indent="-304800" lvl="8" marL="4114800">
               <a:spcBef>
                 <a:spcPts val="0"/>
               </a:spcBef>
@@ -5711,19 +5224,15 @@
               <a:defRPr sz="1200"/>
             </a:lvl9pPr>
           </a:lstStyle>
-          <a:p>
-            <a:endParaRPr/>
-          </a:p>
+          <a:p/>
         </p:txBody>
       </p:sp>
       <p:sp>
         <p:nvSpPr>
           <p:cNvPr id="41" name="Google Shape;41;p5"/>
-          <p:cNvSpPr txBox="1">
-            <a:spLocks noGrp="1"/>
-          </p:cNvSpPr>
+          <p:cNvSpPr txBox="1"/>
           <p:nvPr>
-            <p:ph type="body" idx="2"/>
+            <p:ph idx="2" type="body"/>
           </p:nvPr>
         </p:nvSpPr>
         <p:spPr>
@@ -5736,11 +5245,11 @@
           </a:prstGeom>
         </p:spPr>
         <p:txBody>
-          <a:bodyPr spcFirstLastPara="1" wrap="square" lIns="91425" tIns="91425" rIns="91425" bIns="91425" anchor="t" anchorCtr="0">
+          <a:bodyPr anchorCtr="0" anchor="t" bIns="91425" lIns="91425" spcFirstLastPara="1" rIns="91425" wrap="square" tIns="91425">
             <a:normAutofit/>
           </a:bodyPr>
           <a:lstStyle>
-            <a:lvl1pPr marL="457200" lvl="0" indent="-317500">
+            <a:lvl1pPr indent="-317500" lvl="0" marL="457200">
               <a:spcBef>
                 <a:spcPts val="0"/>
               </a:spcBef>
@@ -5751,7 +5260,7 @@
               <a:buChar char="●"/>
               <a:defRPr sz="1400"/>
             </a:lvl1pPr>
-            <a:lvl2pPr marL="914400" lvl="1" indent="-304800">
+            <a:lvl2pPr indent="-304800" lvl="1" marL="914400">
               <a:spcBef>
                 <a:spcPts val="0"/>
               </a:spcBef>
@@ -5762,7 +5271,7 @@
               <a:buChar char="○"/>
               <a:defRPr sz="1200"/>
             </a:lvl2pPr>
-            <a:lvl3pPr marL="1371600" lvl="2" indent="-304800">
+            <a:lvl3pPr indent="-304800" lvl="2" marL="1371600">
               <a:spcBef>
                 <a:spcPts val="0"/>
               </a:spcBef>
@@ -5773,7 +5282,7 @@
               <a:buChar char="■"/>
               <a:defRPr sz="1200"/>
             </a:lvl3pPr>
-            <a:lvl4pPr marL="1828800" lvl="3" indent="-304800">
+            <a:lvl4pPr indent="-304800" lvl="3" marL="1828800">
               <a:spcBef>
                 <a:spcPts val="0"/>
               </a:spcBef>
@@ -5784,7 +5293,7 @@
               <a:buChar char="●"/>
               <a:defRPr sz="1200"/>
             </a:lvl4pPr>
-            <a:lvl5pPr marL="2286000" lvl="4" indent="-304800">
+            <a:lvl5pPr indent="-304800" lvl="4" marL="2286000">
               <a:spcBef>
                 <a:spcPts val="0"/>
               </a:spcBef>
@@ -5795,7 +5304,7 @@
               <a:buChar char="○"/>
               <a:defRPr sz="1200"/>
             </a:lvl5pPr>
-            <a:lvl6pPr marL="2743200" lvl="5" indent="-304800">
+            <a:lvl6pPr indent="-304800" lvl="5" marL="2743200">
               <a:spcBef>
                 <a:spcPts val="0"/>
               </a:spcBef>
@@ -5806,7 +5315,7 @@
               <a:buChar char="■"/>
               <a:defRPr sz="1200"/>
             </a:lvl6pPr>
-            <a:lvl7pPr marL="3200400" lvl="6" indent="-304800">
+            <a:lvl7pPr indent="-304800" lvl="6" marL="3200400">
               <a:spcBef>
                 <a:spcPts val="0"/>
               </a:spcBef>
@@ -5817,7 +5326,7 @@
               <a:buChar char="●"/>
               <a:defRPr sz="1200"/>
             </a:lvl7pPr>
-            <a:lvl8pPr marL="3657600" lvl="7" indent="-304800">
+            <a:lvl8pPr indent="-304800" lvl="7" marL="3657600">
               <a:spcBef>
                 <a:spcPts val="0"/>
               </a:spcBef>
@@ -5828,7 +5337,7 @@
               <a:buChar char="○"/>
               <a:defRPr sz="1200"/>
             </a:lvl8pPr>
-            <a:lvl9pPr marL="4114800" lvl="8" indent="-304800">
+            <a:lvl9pPr indent="-304800" lvl="8" marL="4114800">
               <a:spcBef>
                 <a:spcPts val="0"/>
               </a:spcBef>
@@ -5840,19 +5349,15 @@
               <a:defRPr sz="1200"/>
             </a:lvl9pPr>
           </a:lstStyle>
-          <a:p>
-            <a:endParaRPr/>
-          </a:p>
+          <a:p/>
         </p:txBody>
       </p:sp>
       <p:sp>
         <p:nvSpPr>
           <p:cNvPr id="42" name="Google Shape;42;p5"/>
-          <p:cNvSpPr txBox="1">
-            <a:spLocks noGrp="1"/>
-          </p:cNvSpPr>
+          <p:cNvSpPr txBox="1"/>
           <p:nvPr>
-            <p:ph type="sldNum" idx="12"/>
+            <p:ph idx="12" type="sldNum"/>
           </p:nvPr>
         </p:nvSpPr>
         <p:spPr>
@@ -5865,7 +5370,7 @@
           </a:prstGeom>
         </p:spPr>
         <p:txBody>
-          <a:bodyPr spcFirstLastPara="1" wrap="square" lIns="91425" tIns="91425" rIns="91425" bIns="91425" anchor="ctr" anchorCtr="0">
+          <a:bodyPr anchorCtr="0" anchor="ctr" bIns="91425" lIns="91425" spcFirstLastPara="1" rIns="91425" wrap="square" tIns="91425">
             <a:normAutofit/>
           </a:bodyPr>
           <a:lstStyle>
@@ -5943,7 +5448,7 @@
             </a:lvl9pPr>
           </a:lstStyle>
           <a:p>
-            <a:pPr marL="0" lvl="0" indent="0" algn="r" rtl="0">
+            <a:pPr indent="0" lvl="0" marL="0" rtl="0" algn="r">
               <a:spcBef>
                 <a:spcPts val="0"/>
               </a:spcBef>
@@ -5969,11 +5474,11 @@
 </file>
 
 <file path=ppt/slideLayouts/slideLayout5.xml><?xml version="1.0" encoding="utf-8"?>
-<p:sldLayout xmlns:a="http://schemas.openxmlformats.org/drawingml/2006/main" xmlns:r="http://schemas.openxmlformats.org/officeDocument/2006/relationships" xmlns:p="http://schemas.openxmlformats.org/presentationml/2006/main" matchingName="Title only" type="titleOnly">
+<p:sldLayout xmlns:a="http://schemas.openxmlformats.org/drawingml/2006/main" xmlns:r="http://schemas.openxmlformats.org/officeDocument/2006/relationships" xmlns:mc="http://schemas.openxmlformats.org/markup-compatibility/2006" xmlns:mv="urn:schemas-microsoft-com:mac:vml" xmlns:p="http://schemas.openxmlformats.org/presentationml/2006/main" xmlns:c="http://schemas.openxmlformats.org/drawingml/2006/chart" xmlns:dgm="http://schemas.openxmlformats.org/drawingml/2006/diagram" xmlns:o="urn:schemas-microsoft-com:office:office" xmlns:v="urn:schemas-microsoft-com:vml" xmlns:pvml="urn:schemas-microsoft-com:office:powerpoint" xmlns:com="http://schemas.openxmlformats.org/drawingml/2006/compatibility" xmlns:p14="http://schemas.microsoft.com/office/powerpoint/2010/main" xmlns:p15="http://schemas.microsoft.com/office/powerpoint/2012/main" xmlns:ahyp="http://schemas.microsoft.com/office/drawing/2018/hyperlinkcolor" matchingName="Title only" type="titleOnly">
   <p:cSld name="TITLE_ONLY">
     <p:spTree>
       <p:nvGrpSpPr>
-        <p:cNvPr id="1" name="Shape 43"/>
+        <p:cNvPr id="43" name="Shape 43"/>
         <p:cNvGrpSpPr/>
         <p:nvPr/>
       </p:nvGrpSpPr>
@@ -5988,9 +5493,7 @@
       <p:sp>
         <p:nvSpPr>
           <p:cNvPr id="44" name="Google Shape;44;p6"/>
-          <p:cNvSpPr txBox="1">
-            <a:spLocks noGrp="1"/>
-          </p:cNvSpPr>
+          <p:cNvSpPr txBox="1"/>
           <p:nvPr>
             <p:ph type="title"/>
           </p:nvPr>
@@ -6005,7 +5508,7 @@
           </a:prstGeom>
         </p:spPr>
         <p:txBody>
-          <a:bodyPr spcFirstLastPara="1" wrap="square" lIns="91425" tIns="91425" rIns="91425" bIns="91425" anchor="t" anchorCtr="0">
+          <a:bodyPr anchorCtr="0" anchor="t" bIns="91425" lIns="91425" spcFirstLastPara="1" rIns="91425" wrap="square" tIns="91425">
             <a:normAutofit/>
           </a:bodyPr>
           <a:lstStyle>
@@ -6109,19 +5612,15 @@
               <a:defRPr/>
             </a:lvl9pPr>
           </a:lstStyle>
-          <a:p>
-            <a:endParaRPr/>
-          </a:p>
+          <a:p/>
         </p:txBody>
       </p:sp>
       <p:sp>
         <p:nvSpPr>
           <p:cNvPr id="45" name="Google Shape;45;p6"/>
-          <p:cNvSpPr txBox="1">
-            <a:spLocks noGrp="1"/>
-          </p:cNvSpPr>
+          <p:cNvSpPr txBox="1"/>
           <p:nvPr>
-            <p:ph type="sldNum" idx="12"/>
+            <p:ph idx="12" type="sldNum"/>
           </p:nvPr>
         </p:nvSpPr>
         <p:spPr>
@@ -6134,7 +5633,7 @@
           </a:prstGeom>
         </p:spPr>
         <p:txBody>
-          <a:bodyPr spcFirstLastPara="1" wrap="square" lIns="91425" tIns="91425" rIns="91425" bIns="91425" anchor="ctr" anchorCtr="0">
+          <a:bodyPr anchorCtr="0" anchor="ctr" bIns="91425" lIns="91425" spcFirstLastPara="1" rIns="91425" wrap="square" tIns="91425">
             <a:normAutofit/>
           </a:bodyPr>
           <a:lstStyle>
@@ -6212,7 +5711,7 @@
             </a:lvl9pPr>
           </a:lstStyle>
           <a:p>
-            <a:pPr marL="0" lvl="0" indent="0" algn="r" rtl="0">
+            <a:pPr indent="0" lvl="0" marL="0" rtl="0" algn="r">
               <a:spcBef>
                 <a:spcPts val="0"/>
               </a:spcBef>
@@ -6238,11 +5737,11 @@
 </file>
 
 <file path=ppt/slideLayouts/slideLayout6.xml><?xml version="1.0" encoding="utf-8"?>
-<p:sldLayout xmlns:a="http://schemas.openxmlformats.org/drawingml/2006/main" xmlns:r="http://schemas.openxmlformats.org/officeDocument/2006/relationships" xmlns:p="http://schemas.openxmlformats.org/presentationml/2006/main" matchingName="One column text">
+<p:sldLayout xmlns:a="http://schemas.openxmlformats.org/drawingml/2006/main" xmlns:r="http://schemas.openxmlformats.org/officeDocument/2006/relationships" xmlns:mc="http://schemas.openxmlformats.org/markup-compatibility/2006" xmlns:mv="urn:schemas-microsoft-com:mac:vml" xmlns:p="http://schemas.openxmlformats.org/presentationml/2006/main" xmlns:c="http://schemas.openxmlformats.org/drawingml/2006/chart" xmlns:dgm="http://schemas.openxmlformats.org/drawingml/2006/diagram" xmlns:o="urn:schemas-microsoft-com:office:office" xmlns:v="urn:schemas-microsoft-com:vml" xmlns:pvml="urn:schemas-microsoft-com:office:powerpoint" xmlns:com="http://schemas.openxmlformats.org/drawingml/2006/compatibility" xmlns:p14="http://schemas.microsoft.com/office/powerpoint/2010/main" xmlns:p15="http://schemas.microsoft.com/office/powerpoint/2012/main" xmlns:ahyp="http://schemas.microsoft.com/office/drawing/2018/hyperlinkcolor" matchingName="One column text">
   <p:cSld name="ONE_COLUMN_TEXT">
     <p:spTree>
       <p:nvGrpSpPr>
-        <p:cNvPr id="1" name="Shape 46"/>
+        <p:cNvPr id="46" name="Shape 46"/>
         <p:cNvGrpSpPr/>
         <p:nvPr/>
       </p:nvGrpSpPr>
@@ -6257,9 +5756,7 @@
       <p:sp>
         <p:nvSpPr>
           <p:cNvPr id="47" name="Google Shape;47;p7"/>
-          <p:cNvSpPr txBox="1">
-            <a:spLocks noGrp="1"/>
-          </p:cNvSpPr>
+          <p:cNvSpPr txBox="1"/>
           <p:nvPr>
             <p:ph type="title"/>
           </p:nvPr>
@@ -6274,7 +5771,7 @@
           </a:prstGeom>
         </p:spPr>
         <p:txBody>
-          <a:bodyPr spcFirstLastPara="1" wrap="square" lIns="91425" tIns="91425" rIns="91425" bIns="91425" anchor="b" anchorCtr="0">
+          <a:bodyPr anchorCtr="0" anchor="b" bIns="91425" lIns="91425" spcFirstLastPara="1" rIns="91425" wrap="square" tIns="91425">
             <a:normAutofit/>
           </a:bodyPr>
           <a:lstStyle>
@@ -6378,19 +5875,15 @@
               <a:defRPr sz="2400"/>
             </a:lvl9pPr>
           </a:lstStyle>
-          <a:p>
-            <a:endParaRPr/>
-          </a:p>
+          <a:p/>
         </p:txBody>
       </p:sp>
       <p:sp>
         <p:nvSpPr>
           <p:cNvPr id="48" name="Google Shape;48;p7"/>
-          <p:cNvSpPr txBox="1">
-            <a:spLocks noGrp="1"/>
-          </p:cNvSpPr>
+          <p:cNvSpPr txBox="1"/>
           <p:nvPr>
-            <p:ph type="body" idx="1"/>
+            <p:ph idx="1" type="body"/>
           </p:nvPr>
         </p:nvSpPr>
         <p:spPr>
@@ -6403,11 +5896,11 @@
           </a:prstGeom>
         </p:spPr>
         <p:txBody>
-          <a:bodyPr spcFirstLastPara="1" wrap="square" lIns="91425" tIns="91425" rIns="91425" bIns="91425" anchor="t" anchorCtr="0">
+          <a:bodyPr anchorCtr="0" anchor="t" bIns="91425" lIns="91425" spcFirstLastPara="1" rIns="91425" wrap="square" tIns="91425">
             <a:normAutofit/>
           </a:bodyPr>
           <a:lstStyle>
-            <a:lvl1pPr marL="457200" lvl="0" indent="-304800">
+            <a:lvl1pPr indent="-304800" lvl="0" marL="457200">
               <a:spcBef>
                 <a:spcPts val="0"/>
               </a:spcBef>
@@ -6418,7 +5911,7 @@
               <a:buChar char="●"/>
               <a:defRPr sz="1200"/>
             </a:lvl1pPr>
-            <a:lvl2pPr marL="914400" lvl="1" indent="-304800">
+            <a:lvl2pPr indent="-304800" lvl="1" marL="914400">
               <a:spcBef>
                 <a:spcPts val="0"/>
               </a:spcBef>
@@ -6429,7 +5922,7 @@
               <a:buChar char="○"/>
               <a:defRPr sz="1200"/>
             </a:lvl2pPr>
-            <a:lvl3pPr marL="1371600" lvl="2" indent="-304800">
+            <a:lvl3pPr indent="-304800" lvl="2" marL="1371600">
               <a:spcBef>
                 <a:spcPts val="0"/>
               </a:spcBef>
@@ -6440,7 +5933,7 @@
               <a:buChar char="■"/>
               <a:defRPr sz="1200"/>
             </a:lvl3pPr>
-            <a:lvl4pPr marL="1828800" lvl="3" indent="-304800">
+            <a:lvl4pPr indent="-304800" lvl="3" marL="1828800">
               <a:spcBef>
                 <a:spcPts val="0"/>
               </a:spcBef>
@@ -6451,7 +5944,7 @@
               <a:buChar char="●"/>
               <a:defRPr sz="1200"/>
             </a:lvl4pPr>
-            <a:lvl5pPr marL="2286000" lvl="4" indent="-304800">
+            <a:lvl5pPr indent="-304800" lvl="4" marL="2286000">
               <a:spcBef>
                 <a:spcPts val="0"/>
               </a:spcBef>
@@ -6462,7 +5955,7 @@
               <a:buChar char="○"/>
               <a:defRPr sz="1200"/>
             </a:lvl5pPr>
-            <a:lvl6pPr marL="2743200" lvl="5" indent="-304800">
+            <a:lvl6pPr indent="-304800" lvl="5" marL="2743200">
               <a:spcBef>
                 <a:spcPts val="0"/>
               </a:spcBef>
@@ -6473,7 +5966,7 @@
               <a:buChar char="■"/>
               <a:defRPr sz="1200"/>
             </a:lvl6pPr>
-            <a:lvl7pPr marL="3200400" lvl="6" indent="-304800">
+            <a:lvl7pPr indent="-304800" lvl="6" marL="3200400">
               <a:spcBef>
                 <a:spcPts val="0"/>
               </a:spcBef>
@@ -6484,7 +5977,7 @@
               <a:buChar char="●"/>
               <a:defRPr sz="1200"/>
             </a:lvl7pPr>
-            <a:lvl8pPr marL="3657600" lvl="7" indent="-304800">
+            <a:lvl8pPr indent="-304800" lvl="7" marL="3657600">
               <a:spcBef>
                 <a:spcPts val="0"/>
               </a:spcBef>
@@ -6495,7 +5988,7 @@
               <a:buChar char="○"/>
               <a:defRPr sz="1200"/>
             </a:lvl8pPr>
-            <a:lvl9pPr marL="4114800" lvl="8" indent="-304800">
+            <a:lvl9pPr indent="-304800" lvl="8" marL="4114800">
               <a:spcBef>
                 <a:spcPts val="0"/>
               </a:spcBef>
@@ -6507,19 +6000,15 @@
               <a:defRPr sz="1200"/>
             </a:lvl9pPr>
           </a:lstStyle>
-          <a:p>
-            <a:endParaRPr/>
-          </a:p>
+          <a:p/>
         </p:txBody>
       </p:sp>
       <p:sp>
         <p:nvSpPr>
           <p:cNvPr id="49" name="Google Shape;49;p7"/>
-          <p:cNvSpPr txBox="1">
-            <a:spLocks noGrp="1"/>
-          </p:cNvSpPr>
+          <p:cNvSpPr txBox="1"/>
           <p:nvPr>
-            <p:ph type="sldNum" idx="12"/>
+            <p:ph idx="12" type="sldNum"/>
           </p:nvPr>
         </p:nvSpPr>
         <p:spPr>
@@ -6532,7 +6021,7 @@
           </a:prstGeom>
         </p:spPr>
         <p:txBody>
-          <a:bodyPr spcFirstLastPara="1" wrap="square" lIns="91425" tIns="91425" rIns="91425" bIns="91425" anchor="ctr" anchorCtr="0">
+          <a:bodyPr anchorCtr="0" anchor="ctr" bIns="91425" lIns="91425" spcFirstLastPara="1" rIns="91425" wrap="square" tIns="91425">
             <a:normAutofit/>
           </a:bodyPr>
           <a:lstStyle>
@@ -6610,7 +6099,7 @@
             </a:lvl9pPr>
           </a:lstStyle>
           <a:p>
-            <a:pPr marL="0" lvl="0" indent="0" algn="r" rtl="0">
+            <a:pPr indent="0" lvl="0" marL="0" rtl="0" algn="r">
               <a:spcBef>
                 <a:spcPts val="0"/>
               </a:spcBef>
@@ -6636,19 +6125,18 @@
 </file>
 
 <file path=ppt/slideLayouts/slideLayout7.xml><?xml version="1.0" encoding="utf-8"?>
-<p:sldLayout xmlns:a="http://schemas.openxmlformats.org/drawingml/2006/main" xmlns:r="http://schemas.openxmlformats.org/officeDocument/2006/relationships" xmlns:p="http://schemas.openxmlformats.org/presentationml/2006/main" matchingName="Main point">
+<p:sldLayout xmlns:a="http://schemas.openxmlformats.org/drawingml/2006/main" xmlns:r="http://schemas.openxmlformats.org/officeDocument/2006/relationships" xmlns:mc="http://schemas.openxmlformats.org/markup-compatibility/2006" xmlns:mv="urn:schemas-microsoft-com:mac:vml" xmlns:p="http://schemas.openxmlformats.org/presentationml/2006/main" xmlns:c="http://schemas.openxmlformats.org/drawingml/2006/chart" xmlns:dgm="http://schemas.openxmlformats.org/drawingml/2006/diagram" xmlns:o="urn:schemas-microsoft-com:office:office" xmlns:v="urn:schemas-microsoft-com:vml" xmlns:pvml="urn:schemas-microsoft-com:office:powerpoint" xmlns:com="http://schemas.openxmlformats.org/drawingml/2006/compatibility" xmlns:p14="http://schemas.microsoft.com/office/powerpoint/2010/main" xmlns:p15="http://schemas.microsoft.com/office/powerpoint/2012/main" xmlns:ahyp="http://schemas.microsoft.com/office/drawing/2018/hyperlinkcolor" matchingName="Main point">
   <p:cSld name="MAIN_POINT">
     <p:bg>
       <p:bgPr>
         <a:solidFill>
           <a:schemeClr val="accent4"/>
         </a:solidFill>
-        <a:effectLst/>
       </p:bgPr>
     </p:bg>
     <p:spTree>
       <p:nvGrpSpPr>
-        <p:cNvPr id="1" name="Shape 50"/>
+        <p:cNvPr id="50" name="Shape 50"/>
         <p:cNvGrpSpPr/>
         <p:nvPr/>
       </p:nvGrpSpPr>
@@ -6696,12 +6184,12 @@
             </a:ln>
           </p:spPr>
           <p:txBody>
-            <a:bodyPr spcFirstLastPara="1" wrap="square" lIns="91425" tIns="91425" rIns="91425" bIns="91425" anchor="ctr" anchorCtr="0">
+            <a:bodyPr anchorCtr="0" anchor="ctr" bIns="91425" lIns="91425" spcFirstLastPara="1" rIns="91425" wrap="square" tIns="91425">
               <a:noAutofit/>
             </a:bodyPr>
             <a:lstStyle/>
             <a:p>
-              <a:pPr marL="0" lvl="0" indent="0" algn="l" rtl="0">
+              <a:pPr indent="0" lvl="0" marL="0" rtl="0" algn="l">
                 <a:spcBef>
                   <a:spcPts val="0"/>
                 </a:spcBef>
@@ -6710,6 +6198,9 @@
                 </a:spcAft>
                 <a:buNone/>
               </a:pPr>
+              <a:r>
+                <a:t/>
+              </a:r>
               <a:endParaRPr/>
             </a:p>
           </p:txBody>
@@ -6736,12 +6227,12 @@
             </a:ln>
           </p:spPr>
           <p:txBody>
-            <a:bodyPr spcFirstLastPara="1" wrap="square" lIns="91425" tIns="91425" rIns="91425" bIns="91425" anchor="ctr" anchorCtr="0">
+            <a:bodyPr anchorCtr="0" anchor="ctr" bIns="91425" lIns="91425" spcFirstLastPara="1" rIns="91425" wrap="square" tIns="91425">
               <a:noAutofit/>
             </a:bodyPr>
             <a:lstStyle/>
             <a:p>
-              <a:pPr marL="0" lvl="0" indent="0" algn="l" rtl="0">
+              <a:pPr indent="0" lvl="0" marL="0" rtl="0" algn="l">
                 <a:spcBef>
                   <a:spcPts val="0"/>
                 </a:spcBef>
@@ -6750,6 +6241,9 @@
                 </a:spcAft>
                 <a:buNone/>
               </a:pPr>
+              <a:r>
+                <a:t/>
+              </a:r>
               <a:endParaRPr/>
             </a:p>
           </p:txBody>
@@ -6761,7 +6255,7 @@
             <p:nvPr/>
           </p:nvSpPr>
           <p:spPr>
-            <a:xfrm rot="10800000" flipH="1">
+            <a:xfrm flipH="1" rot="10800000">
               <a:off x="7113588" y="107"/>
               <a:ext cx="1015200" cy="1015200"/>
             </a:xfrm>
@@ -6776,12 +6270,12 @@
             </a:ln>
           </p:spPr>
           <p:txBody>
-            <a:bodyPr spcFirstLastPara="1" wrap="square" lIns="91425" tIns="91425" rIns="91425" bIns="91425" anchor="ctr" anchorCtr="0">
+            <a:bodyPr anchorCtr="0" anchor="ctr" bIns="91425" lIns="91425" spcFirstLastPara="1" rIns="91425" wrap="square" tIns="91425">
               <a:noAutofit/>
             </a:bodyPr>
             <a:lstStyle/>
             <a:p>
-              <a:pPr marL="0" lvl="0" indent="0" algn="l" rtl="0">
+              <a:pPr indent="0" lvl="0" marL="0" rtl="0" algn="l">
                 <a:spcBef>
                   <a:spcPts val="0"/>
                 </a:spcBef>
@@ -6790,6 +6284,9 @@
                 </a:spcAft>
                 <a:buNone/>
               </a:pPr>
+              <a:r>
+                <a:t/>
+              </a:r>
               <a:endParaRPr/>
             </a:p>
           </p:txBody>
@@ -6816,12 +6313,12 @@
             </a:ln>
           </p:spPr>
           <p:txBody>
-            <a:bodyPr spcFirstLastPara="1" wrap="square" lIns="91425" tIns="91425" rIns="91425" bIns="91425" anchor="ctr" anchorCtr="0">
+            <a:bodyPr anchorCtr="0" anchor="ctr" bIns="91425" lIns="91425" spcFirstLastPara="1" rIns="91425" wrap="square" tIns="91425">
               <a:noAutofit/>
             </a:bodyPr>
             <a:lstStyle/>
             <a:p>
-              <a:pPr marL="0" lvl="0" indent="0" algn="l" rtl="0">
+              <a:pPr indent="0" lvl="0" marL="0" rtl="0" algn="l">
                 <a:spcBef>
                   <a:spcPts val="0"/>
                 </a:spcBef>
@@ -6830,6 +6327,9 @@
                 </a:spcAft>
                 <a:buNone/>
               </a:pPr>
+              <a:r>
+                <a:t/>
+              </a:r>
               <a:endParaRPr/>
             </a:p>
           </p:txBody>
@@ -6856,12 +6356,12 @@
             </a:ln>
           </p:spPr>
           <p:txBody>
-            <a:bodyPr spcFirstLastPara="1" wrap="square" lIns="91425" tIns="91425" rIns="91425" bIns="91425" anchor="ctr" anchorCtr="0">
+            <a:bodyPr anchorCtr="0" anchor="ctr" bIns="91425" lIns="91425" spcFirstLastPara="1" rIns="91425" wrap="square" tIns="91425">
               <a:noAutofit/>
             </a:bodyPr>
             <a:lstStyle/>
             <a:p>
-              <a:pPr marL="0" lvl="0" indent="0" algn="l" rtl="0">
+              <a:pPr indent="0" lvl="0" marL="0" rtl="0" algn="l">
                 <a:spcBef>
                   <a:spcPts val="0"/>
                 </a:spcBef>
@@ -6870,6 +6370,9 @@
                 </a:spcAft>
                 <a:buNone/>
               </a:pPr>
+              <a:r>
+                <a:t/>
+              </a:r>
               <a:endParaRPr/>
             </a:p>
           </p:txBody>
@@ -6878,9 +6381,7 @@
       <p:sp>
         <p:nvSpPr>
           <p:cNvPr id="57" name="Google Shape;57;p8"/>
-          <p:cNvSpPr txBox="1">
-            <a:spLocks noGrp="1"/>
-          </p:cNvSpPr>
+          <p:cNvSpPr txBox="1"/>
           <p:nvPr>
             <p:ph type="title"/>
           </p:nvPr>
@@ -6895,7 +6396,7 @@
           </a:prstGeom>
         </p:spPr>
         <p:txBody>
-          <a:bodyPr spcFirstLastPara="1" wrap="square" lIns="91425" tIns="91425" rIns="91425" bIns="91425" anchor="ctr" anchorCtr="0">
+          <a:bodyPr anchorCtr="0" anchor="ctr" bIns="91425" lIns="91425" spcFirstLastPara="1" rIns="91425" wrap="square" tIns="91425">
             <a:normAutofit/>
           </a:bodyPr>
           <a:lstStyle>
@@ -7062,19 +6563,15 @@
               </a:defRPr>
             </a:lvl9pPr>
           </a:lstStyle>
-          <a:p>
-            <a:endParaRPr/>
-          </a:p>
+          <a:p/>
         </p:txBody>
       </p:sp>
       <p:sp>
         <p:nvSpPr>
           <p:cNvPr id="58" name="Google Shape;58;p8"/>
-          <p:cNvSpPr txBox="1">
-            <a:spLocks noGrp="1"/>
-          </p:cNvSpPr>
+          <p:cNvSpPr txBox="1"/>
           <p:nvPr>
-            <p:ph type="sldNum" idx="12"/>
+            <p:ph idx="12" type="sldNum"/>
           </p:nvPr>
         </p:nvSpPr>
         <p:spPr>
@@ -7087,7 +6584,7 @@
           </a:prstGeom>
         </p:spPr>
         <p:txBody>
-          <a:bodyPr spcFirstLastPara="1" wrap="square" lIns="91425" tIns="91425" rIns="91425" bIns="91425" anchor="ctr" anchorCtr="0">
+          <a:bodyPr anchorCtr="0" anchor="ctr" bIns="91425" lIns="91425" spcFirstLastPara="1" rIns="91425" wrap="square" tIns="91425">
             <a:normAutofit/>
           </a:bodyPr>
           <a:lstStyle>
@@ -7129,7 +6626,7 @@
             </a:lvl9pPr>
           </a:lstStyle>
           <a:p>
-            <a:pPr marL="0" lvl="0" indent="0" algn="r" rtl="0">
+            <a:pPr indent="0" lvl="0" marL="0" rtl="0" algn="r">
               <a:spcBef>
                 <a:spcPts val="0"/>
               </a:spcBef>
@@ -7155,11 +6652,11 @@
 </file>
 
 <file path=ppt/slideLayouts/slideLayout8.xml><?xml version="1.0" encoding="utf-8"?>
-<p:sldLayout xmlns:a="http://schemas.openxmlformats.org/drawingml/2006/main" xmlns:r="http://schemas.openxmlformats.org/officeDocument/2006/relationships" xmlns:p="http://schemas.openxmlformats.org/presentationml/2006/main" matchingName="Section title and description">
+<p:sldLayout xmlns:a="http://schemas.openxmlformats.org/drawingml/2006/main" xmlns:r="http://schemas.openxmlformats.org/officeDocument/2006/relationships" xmlns:mc="http://schemas.openxmlformats.org/markup-compatibility/2006" xmlns:mv="urn:schemas-microsoft-com:mac:vml" xmlns:p="http://schemas.openxmlformats.org/presentationml/2006/main" xmlns:c="http://schemas.openxmlformats.org/drawingml/2006/chart" xmlns:dgm="http://schemas.openxmlformats.org/drawingml/2006/diagram" xmlns:o="urn:schemas-microsoft-com:office:office" xmlns:v="urn:schemas-microsoft-com:vml" xmlns:pvml="urn:schemas-microsoft-com:office:powerpoint" xmlns:com="http://schemas.openxmlformats.org/drawingml/2006/compatibility" xmlns:p14="http://schemas.microsoft.com/office/powerpoint/2010/main" xmlns:p15="http://schemas.microsoft.com/office/powerpoint/2012/main" xmlns:ahyp="http://schemas.microsoft.com/office/drawing/2018/hyperlinkcolor" matchingName="Section title and description">
   <p:cSld name="SECTION_TITLE_AND_DESCRIPTION">
     <p:spTree>
       <p:nvGrpSpPr>
-        <p:cNvPr id="1" name="Shape 59"/>
+        <p:cNvPr id="59" name="Shape 59"/>
         <p:cNvGrpSpPr/>
         <p:nvPr/>
       </p:nvGrpSpPr>
@@ -7193,12 +6690,12 @@
           </a:ln>
         </p:spPr>
         <p:txBody>
-          <a:bodyPr spcFirstLastPara="1" wrap="square" lIns="91425" tIns="91425" rIns="91425" bIns="91425" anchor="ctr" anchorCtr="0">
+          <a:bodyPr anchorCtr="0" anchor="ctr" bIns="91425" lIns="91425" spcFirstLastPara="1" rIns="91425" wrap="square" tIns="91425">
             <a:noAutofit/>
           </a:bodyPr>
           <a:lstStyle/>
           <a:p>
-            <a:pPr marL="0" lvl="0" indent="0" algn="l" rtl="0">
+            <a:pPr indent="0" lvl="0" marL="0" rtl="0" algn="l">
               <a:spcBef>
                 <a:spcPts val="0"/>
               </a:spcBef>
@@ -7207,6 +6704,9 @@
               </a:spcAft>
               <a:buNone/>
             </a:pPr>
+            <a:r>
+              <a:t/>
+            </a:r>
             <a:endParaRPr/>
           </a:p>
         </p:txBody>
@@ -7226,23 +6726,21 @@
             <a:avLst/>
           </a:prstGeom>
           <a:noFill/>
-          <a:ln w="19050" cap="flat" cmpd="sng">
+          <a:ln cap="flat" cmpd="sng" w="19050">
             <a:solidFill>
               <a:schemeClr val="lt1"/>
             </a:solidFill>
             <a:prstDash val="solid"/>
             <a:round/>
-            <a:headEnd type="none" w="sm" len="sm"/>
-            <a:tailEnd type="none" w="sm" len="sm"/>
+            <a:headEnd len="sm" w="sm" type="none"/>
+            <a:tailEnd len="sm" w="sm" type="none"/>
           </a:ln>
         </p:spPr>
       </p:cxnSp>
       <p:sp>
         <p:nvSpPr>
           <p:cNvPr id="62" name="Google Shape;62;p9"/>
-          <p:cNvSpPr txBox="1">
-            <a:spLocks noGrp="1"/>
-          </p:cNvSpPr>
+          <p:cNvSpPr txBox="1"/>
           <p:nvPr>
             <p:ph type="title"/>
           </p:nvPr>
@@ -7257,7 +6755,7 @@
           </a:prstGeom>
         </p:spPr>
         <p:txBody>
-          <a:bodyPr spcFirstLastPara="1" wrap="square" lIns="91425" tIns="91425" rIns="91425" bIns="91425" anchor="b" anchorCtr="0">
+          <a:bodyPr anchorCtr="0" anchor="b" bIns="91425" lIns="91425" spcFirstLastPara="1" rIns="91425" wrap="square" tIns="91425">
             <a:normAutofit/>
           </a:bodyPr>
           <a:lstStyle>
@@ -7361,19 +6859,15 @@
               <a:defRPr sz="4200"/>
             </a:lvl9pPr>
           </a:lstStyle>
-          <a:p>
-            <a:endParaRPr/>
-          </a:p>
+          <a:p/>
         </p:txBody>
       </p:sp>
       <p:sp>
         <p:nvSpPr>
           <p:cNvPr id="63" name="Google Shape;63;p9"/>
-          <p:cNvSpPr txBox="1">
-            <a:spLocks noGrp="1"/>
-          </p:cNvSpPr>
+          <p:cNvSpPr txBox="1"/>
           <p:nvPr>
-            <p:ph type="subTitle" idx="1"/>
+            <p:ph idx="1" type="subTitle"/>
           </p:nvPr>
         </p:nvSpPr>
         <p:spPr>
@@ -7386,7 +6880,7 @@
           </a:prstGeom>
         </p:spPr>
         <p:txBody>
-          <a:bodyPr spcFirstLastPara="1" wrap="square" lIns="91425" tIns="91425" rIns="91425" bIns="91425" anchor="t" anchorCtr="0">
+          <a:bodyPr anchorCtr="0" anchor="t" bIns="91425" lIns="91425" spcFirstLastPara="1" rIns="91425" wrap="square" tIns="91425">
             <a:normAutofit/>
           </a:bodyPr>
           <a:lstStyle>
@@ -7517,19 +7011,15 @@
               <a:defRPr sz="2100"/>
             </a:lvl9pPr>
           </a:lstStyle>
-          <a:p>
-            <a:endParaRPr/>
-          </a:p>
+          <a:p/>
         </p:txBody>
       </p:sp>
       <p:sp>
         <p:nvSpPr>
           <p:cNvPr id="64" name="Google Shape;64;p9"/>
-          <p:cNvSpPr txBox="1">
-            <a:spLocks noGrp="1"/>
-          </p:cNvSpPr>
+          <p:cNvSpPr txBox="1"/>
           <p:nvPr>
-            <p:ph type="body" idx="2"/>
+            <p:ph idx="2" type="body"/>
           </p:nvPr>
         </p:nvSpPr>
         <p:spPr>
@@ -7542,11 +7032,11 @@
           </a:prstGeom>
         </p:spPr>
         <p:txBody>
-          <a:bodyPr spcFirstLastPara="1" wrap="square" lIns="91425" tIns="91425" rIns="91425" bIns="91425" anchor="ctr" anchorCtr="0">
+          <a:bodyPr anchorCtr="0" anchor="ctr" bIns="91425" lIns="91425" spcFirstLastPara="1" rIns="91425" wrap="square" tIns="91425">
             <a:normAutofit/>
           </a:bodyPr>
           <a:lstStyle>
-            <a:lvl1pPr marL="457200" lvl="0" indent="-342900">
+            <a:lvl1pPr indent="-342900" lvl="0" marL="457200">
               <a:spcBef>
                 <a:spcPts val="0"/>
               </a:spcBef>
@@ -7564,7 +7054,7 @@
                 </a:solidFill>
               </a:defRPr>
             </a:lvl1pPr>
-            <a:lvl2pPr marL="914400" lvl="1" indent="-317500">
+            <a:lvl2pPr indent="-317500" lvl="1" marL="914400">
               <a:spcBef>
                 <a:spcPts val="0"/>
               </a:spcBef>
@@ -7582,7 +7072,7 @@
                 </a:solidFill>
               </a:defRPr>
             </a:lvl2pPr>
-            <a:lvl3pPr marL="1371600" lvl="2" indent="-317500">
+            <a:lvl3pPr indent="-317500" lvl="2" marL="1371600">
               <a:spcBef>
                 <a:spcPts val="0"/>
               </a:spcBef>
@@ -7600,7 +7090,7 @@
                 </a:solidFill>
               </a:defRPr>
             </a:lvl3pPr>
-            <a:lvl4pPr marL="1828800" lvl="3" indent="-317500">
+            <a:lvl4pPr indent="-317500" lvl="3" marL="1828800">
               <a:spcBef>
                 <a:spcPts val="0"/>
               </a:spcBef>
@@ -7618,7 +7108,7 @@
                 </a:solidFill>
               </a:defRPr>
             </a:lvl4pPr>
-            <a:lvl5pPr marL="2286000" lvl="4" indent="-317500">
+            <a:lvl5pPr indent="-317500" lvl="4" marL="2286000">
               <a:spcBef>
                 <a:spcPts val="0"/>
               </a:spcBef>
@@ -7636,7 +7126,7 @@
                 </a:solidFill>
               </a:defRPr>
             </a:lvl5pPr>
-            <a:lvl6pPr marL="2743200" lvl="5" indent="-317500">
+            <a:lvl6pPr indent="-317500" lvl="5" marL="2743200">
               <a:spcBef>
                 <a:spcPts val="0"/>
               </a:spcBef>
@@ -7654,7 +7144,7 @@
                 </a:solidFill>
               </a:defRPr>
             </a:lvl6pPr>
-            <a:lvl7pPr marL="3200400" lvl="6" indent="-317500">
+            <a:lvl7pPr indent="-317500" lvl="6" marL="3200400">
               <a:spcBef>
                 <a:spcPts val="0"/>
               </a:spcBef>
@@ -7672,7 +7162,7 @@
                 </a:solidFill>
               </a:defRPr>
             </a:lvl7pPr>
-            <a:lvl8pPr marL="3657600" lvl="7" indent="-317500">
+            <a:lvl8pPr indent="-317500" lvl="7" marL="3657600">
               <a:spcBef>
                 <a:spcPts val="0"/>
               </a:spcBef>
@@ -7690,7 +7180,7 @@
                 </a:solidFill>
               </a:defRPr>
             </a:lvl8pPr>
-            <a:lvl9pPr marL="4114800" lvl="8" indent="-317500">
+            <a:lvl9pPr indent="-317500" lvl="8" marL="4114800">
               <a:spcBef>
                 <a:spcPts val="0"/>
               </a:spcBef>
@@ -7709,19 +7199,15 @@
               </a:defRPr>
             </a:lvl9pPr>
           </a:lstStyle>
-          <a:p>
-            <a:endParaRPr/>
-          </a:p>
+          <a:p/>
         </p:txBody>
       </p:sp>
       <p:sp>
         <p:nvSpPr>
           <p:cNvPr id="65" name="Google Shape;65;p9"/>
-          <p:cNvSpPr txBox="1">
-            <a:spLocks noGrp="1"/>
-          </p:cNvSpPr>
+          <p:cNvSpPr txBox="1"/>
           <p:nvPr>
-            <p:ph type="sldNum" idx="12"/>
+            <p:ph idx="12" type="sldNum"/>
           </p:nvPr>
         </p:nvSpPr>
         <p:spPr>
@@ -7734,7 +7220,7 @@
           </a:prstGeom>
         </p:spPr>
         <p:txBody>
-          <a:bodyPr spcFirstLastPara="1" wrap="square" lIns="91425" tIns="91425" rIns="91425" bIns="91425" anchor="ctr" anchorCtr="0">
+          <a:bodyPr anchorCtr="0" anchor="ctr" bIns="91425" lIns="91425" spcFirstLastPara="1" rIns="91425" wrap="square" tIns="91425">
             <a:normAutofit/>
           </a:bodyPr>
           <a:lstStyle>
@@ -7776,7 +7262,7 @@
             </a:lvl9pPr>
           </a:lstStyle>
           <a:p>
-            <a:pPr marL="0" lvl="0" indent="0" algn="r" rtl="0">
+            <a:pPr indent="0" lvl="0" marL="0" rtl="0" algn="r">
               <a:spcBef>
                 <a:spcPts val="0"/>
               </a:spcBef>
@@ -7802,11 +7288,11 @@
 </file>
 
 <file path=ppt/slideLayouts/slideLayout9.xml><?xml version="1.0" encoding="utf-8"?>
-<p:sldLayout xmlns:a="http://schemas.openxmlformats.org/drawingml/2006/main" xmlns:r="http://schemas.openxmlformats.org/officeDocument/2006/relationships" xmlns:p="http://schemas.openxmlformats.org/presentationml/2006/main" matchingName="Caption">
+<p:sldLayout xmlns:a="http://schemas.openxmlformats.org/drawingml/2006/main" xmlns:r="http://schemas.openxmlformats.org/officeDocument/2006/relationships" xmlns:mc="http://schemas.openxmlformats.org/markup-compatibility/2006" xmlns:mv="urn:schemas-microsoft-com:mac:vml" xmlns:p="http://schemas.openxmlformats.org/presentationml/2006/main" xmlns:c="http://schemas.openxmlformats.org/drawingml/2006/chart" xmlns:dgm="http://schemas.openxmlformats.org/drawingml/2006/diagram" xmlns:o="urn:schemas-microsoft-com:office:office" xmlns:v="urn:schemas-microsoft-com:vml" xmlns:pvml="urn:schemas-microsoft-com:office:powerpoint" xmlns:com="http://schemas.openxmlformats.org/drawingml/2006/compatibility" xmlns:p14="http://schemas.microsoft.com/office/powerpoint/2010/main" xmlns:p15="http://schemas.microsoft.com/office/powerpoint/2012/main" xmlns:ahyp="http://schemas.microsoft.com/office/drawing/2018/hyperlinkcolor" matchingName="Caption">
   <p:cSld name="CAPTION_ONLY">
     <p:spTree>
       <p:nvGrpSpPr>
-        <p:cNvPr id="1" name="Shape 66"/>
+        <p:cNvPr id="66" name="Shape 66"/>
         <p:cNvGrpSpPr/>
         <p:nvPr/>
       </p:nvGrpSpPr>
@@ -7821,11 +7307,9 @@
       <p:sp>
         <p:nvSpPr>
           <p:cNvPr id="67" name="Google Shape;67;p10"/>
-          <p:cNvSpPr txBox="1">
-            <a:spLocks noGrp="1"/>
-          </p:cNvSpPr>
+          <p:cNvSpPr txBox="1"/>
           <p:nvPr>
-            <p:ph type="body" idx="1"/>
+            <p:ph idx="1" type="body"/>
           </p:nvPr>
         </p:nvSpPr>
         <p:spPr>
@@ -7838,11 +7322,11 @@
           </a:prstGeom>
         </p:spPr>
         <p:txBody>
-          <a:bodyPr spcFirstLastPara="1" wrap="square" lIns="91425" tIns="91425" rIns="91425" bIns="91425" anchor="ctr" anchorCtr="0">
+          <a:bodyPr anchorCtr="0" anchor="ctr" bIns="91425" lIns="91425" spcFirstLastPara="1" rIns="91425" wrap="square" tIns="91425">
             <a:normAutofit/>
           </a:bodyPr>
           <a:lstStyle>
-            <a:lvl1pPr marL="457200" lvl="0" indent="-228600">
+            <a:lvl1pPr indent="-228600" lvl="0" marL="457200">
               <a:lnSpc>
                 <a:spcPct val="100000"/>
               </a:lnSpc>
@@ -7857,19 +7341,15 @@
               <a:defRPr/>
             </a:lvl1pPr>
           </a:lstStyle>
-          <a:p>
-            <a:endParaRPr/>
-          </a:p>
+          <a:p/>
         </p:txBody>
       </p:sp>
       <p:sp>
         <p:nvSpPr>
           <p:cNvPr id="68" name="Google Shape;68;p10"/>
-          <p:cNvSpPr txBox="1">
-            <a:spLocks noGrp="1"/>
-          </p:cNvSpPr>
+          <p:cNvSpPr txBox="1"/>
           <p:nvPr>
-            <p:ph type="sldNum" idx="12"/>
+            <p:ph idx="12" type="sldNum"/>
           </p:nvPr>
         </p:nvSpPr>
         <p:spPr>
@@ -7882,7 +7362,7 @@
           </a:prstGeom>
         </p:spPr>
         <p:txBody>
-          <a:bodyPr spcFirstLastPara="1" wrap="square" lIns="91425" tIns="91425" rIns="91425" bIns="91425" anchor="ctr" anchorCtr="0">
+          <a:bodyPr anchorCtr="0" anchor="ctr" bIns="91425" lIns="91425" spcFirstLastPara="1" rIns="91425" wrap="square" tIns="91425">
             <a:normAutofit/>
           </a:bodyPr>
           <a:lstStyle>
@@ -7960,7 +7440,7 @@
             </a:lvl9pPr>
           </a:lstStyle>
           <a:p>
-            <a:pPr marL="0" lvl="0" indent="0" algn="r" rtl="0">
+            <a:pPr indent="0" lvl="0" marL="0" rtl="0" algn="r">
               <a:spcBef>
                 <a:spcPts val="0"/>
               </a:spcBef>
@@ -7986,19 +7466,18 @@
 </file>
 
 <file path=ppt/slideMasters/slideMaster1.xml><?xml version="1.0" encoding="utf-8"?>
-<p:sldMaster xmlns:a="http://schemas.openxmlformats.org/drawingml/2006/main" xmlns:r="http://schemas.openxmlformats.org/officeDocument/2006/relationships" xmlns:p="http://schemas.openxmlformats.org/presentationml/2006/main">
+<p:sldMaster xmlns:a="http://schemas.openxmlformats.org/drawingml/2006/main" xmlns:r="http://schemas.openxmlformats.org/officeDocument/2006/relationships" xmlns:mc="http://schemas.openxmlformats.org/markup-compatibility/2006" xmlns:mv="urn:schemas-microsoft-com:mac:vml" xmlns:p="http://schemas.openxmlformats.org/presentationml/2006/main" xmlns:c="http://schemas.openxmlformats.org/drawingml/2006/chart" xmlns:dgm="http://schemas.openxmlformats.org/drawingml/2006/diagram" xmlns:o="urn:schemas-microsoft-com:office:office" xmlns:v="urn:schemas-microsoft-com:vml" xmlns:pvml="urn:schemas-microsoft-com:office:powerpoint" xmlns:com="http://schemas.openxmlformats.org/drawingml/2006/compatibility" xmlns:p14="http://schemas.microsoft.com/office/powerpoint/2010/main" xmlns:p15="http://schemas.microsoft.com/office/powerpoint/2012/main" xmlns:ahyp="http://schemas.microsoft.com/office/drawing/2018/hyperlinkcolor">
   <p:cSld name="geometric">
     <p:bg>
       <p:bgPr>
         <a:solidFill>
           <a:schemeClr val="lt1"/>
         </a:solidFill>
-        <a:effectLst/>
       </p:bgPr>
     </p:bg>
     <p:spTree>
       <p:nvGrpSpPr>
-        <p:cNvPr id="1" name="Shape 5"/>
+        <p:cNvPr id="5" name="Shape 5"/>
         <p:cNvGrpSpPr/>
         <p:nvPr/>
       </p:nvGrpSpPr>
@@ -8013,9 +7492,7 @@
       <p:sp>
         <p:nvSpPr>
           <p:cNvPr id="6" name="Google Shape;6;p1"/>
-          <p:cNvSpPr txBox="1">
-            <a:spLocks noGrp="1"/>
-          </p:cNvSpPr>
+          <p:cNvSpPr txBox="1"/>
           <p:nvPr>
             <p:ph type="title"/>
           </p:nvPr>
@@ -8034,7 +7511,7 @@
           </a:ln>
         </p:spPr>
         <p:txBody>
-          <a:bodyPr spcFirstLastPara="1" wrap="square" lIns="91425" tIns="91425" rIns="91425" bIns="91425" anchor="t" anchorCtr="0">
+          <a:bodyPr anchorCtr="0" anchor="t" bIns="91425" lIns="91425" spcFirstLastPara="1" rIns="91425" wrap="square" tIns="91425">
             <a:normAutofit/>
           </a:bodyPr>
           <a:lstStyle>
@@ -8246,19 +7723,15 @@
               </a:defRPr>
             </a:lvl9pPr>
           </a:lstStyle>
-          <a:p>
-            <a:endParaRPr/>
-          </a:p>
+          <a:p/>
         </p:txBody>
       </p:sp>
       <p:sp>
         <p:nvSpPr>
           <p:cNvPr id="7" name="Google Shape;7;p1"/>
-          <p:cNvSpPr txBox="1">
-            <a:spLocks noGrp="1"/>
-          </p:cNvSpPr>
+          <p:cNvSpPr txBox="1"/>
           <p:nvPr>
-            <p:ph type="body" idx="1"/>
+            <p:ph idx="1" type="body"/>
           </p:nvPr>
         </p:nvSpPr>
         <p:spPr>
@@ -8275,11 +7748,11 @@
           </a:ln>
         </p:spPr>
         <p:txBody>
-          <a:bodyPr spcFirstLastPara="1" wrap="square" lIns="91425" tIns="91425" rIns="91425" bIns="91425" anchor="t" anchorCtr="0">
+          <a:bodyPr anchorCtr="0" anchor="t" bIns="91425" lIns="91425" spcFirstLastPara="1" rIns="91425" wrap="square" tIns="91425">
             <a:normAutofit/>
           </a:bodyPr>
           <a:lstStyle>
-            <a:lvl1pPr marL="457200" lvl="0" indent="-342900">
+            <a:lvl1pPr indent="-342900" lvl="0" marL="457200">
               <a:lnSpc>
                 <a:spcPct val="115000"/>
               </a:lnSpc>
@@ -8305,7 +7778,7 @@
                 <a:sym typeface="Roboto"/>
               </a:defRPr>
             </a:lvl1pPr>
-            <a:lvl2pPr marL="914400" lvl="1" indent="-317500">
+            <a:lvl2pPr indent="-317500" lvl="1" marL="914400">
               <a:lnSpc>
                 <a:spcPct val="115000"/>
               </a:lnSpc>
@@ -8331,7 +7804,7 @@
                 <a:sym typeface="Roboto"/>
               </a:defRPr>
             </a:lvl2pPr>
-            <a:lvl3pPr marL="1371600" lvl="2" indent="-317500">
+            <a:lvl3pPr indent="-317500" lvl="2" marL="1371600">
               <a:lnSpc>
                 <a:spcPct val="115000"/>
               </a:lnSpc>
@@ -8357,7 +7830,7 @@
                 <a:sym typeface="Roboto"/>
               </a:defRPr>
             </a:lvl3pPr>
-            <a:lvl4pPr marL="1828800" lvl="3" indent="-317500">
+            <a:lvl4pPr indent="-317500" lvl="3" marL="1828800">
               <a:lnSpc>
                 <a:spcPct val="115000"/>
               </a:lnSpc>
@@ -8383,7 +7856,7 @@
                 <a:sym typeface="Roboto"/>
               </a:defRPr>
             </a:lvl4pPr>
-            <a:lvl5pPr marL="2286000" lvl="4" indent="-317500">
+            <a:lvl5pPr indent="-317500" lvl="4" marL="2286000">
               <a:lnSpc>
                 <a:spcPct val="115000"/>
               </a:lnSpc>
@@ -8409,7 +7882,7 @@
                 <a:sym typeface="Roboto"/>
               </a:defRPr>
             </a:lvl5pPr>
-            <a:lvl6pPr marL="2743200" lvl="5" indent="-317500">
+            <a:lvl6pPr indent="-317500" lvl="5" marL="2743200">
               <a:lnSpc>
                 <a:spcPct val="115000"/>
               </a:lnSpc>
@@ -8435,7 +7908,7 @@
                 <a:sym typeface="Roboto"/>
               </a:defRPr>
             </a:lvl6pPr>
-            <a:lvl7pPr marL="3200400" lvl="6" indent="-317500">
+            <a:lvl7pPr indent="-317500" lvl="6" marL="3200400">
               <a:lnSpc>
                 <a:spcPct val="115000"/>
               </a:lnSpc>
@@ -8461,7 +7934,7 @@
                 <a:sym typeface="Roboto"/>
               </a:defRPr>
             </a:lvl7pPr>
-            <a:lvl8pPr marL="3657600" lvl="7" indent="-317500">
+            <a:lvl8pPr indent="-317500" lvl="7" marL="3657600">
               <a:lnSpc>
                 <a:spcPct val="115000"/>
               </a:lnSpc>
@@ -8487,7 +7960,7 @@
                 <a:sym typeface="Roboto"/>
               </a:defRPr>
             </a:lvl8pPr>
-            <a:lvl9pPr marL="4114800" lvl="8" indent="-317500">
+            <a:lvl9pPr indent="-317500" lvl="8" marL="4114800">
               <a:lnSpc>
                 <a:spcPct val="115000"/>
               </a:lnSpc>
@@ -8514,19 +7987,15 @@
               </a:defRPr>
             </a:lvl9pPr>
           </a:lstStyle>
-          <a:p>
-            <a:endParaRPr/>
-          </a:p>
+          <a:p/>
         </p:txBody>
       </p:sp>
       <p:sp>
         <p:nvSpPr>
           <p:cNvPr id="8" name="Google Shape;8;p1"/>
-          <p:cNvSpPr txBox="1">
-            <a:spLocks noGrp="1"/>
-          </p:cNvSpPr>
+          <p:cNvSpPr txBox="1"/>
           <p:nvPr>
-            <p:ph type="sldNum" idx="12"/>
+            <p:ph idx="12" type="sldNum"/>
           </p:nvPr>
         </p:nvSpPr>
         <p:spPr>
@@ -8543,7 +8012,7 @@
           </a:ln>
         </p:spPr>
         <p:txBody>
-          <a:bodyPr spcFirstLastPara="1" wrap="square" lIns="91425" tIns="91425" rIns="91425" bIns="91425" anchor="ctr" anchorCtr="0">
+          <a:bodyPr anchorCtr="0" anchor="ctr" bIns="91425" lIns="91425" spcFirstLastPara="1" rIns="91425" wrap="square" tIns="91425">
             <a:normAutofit/>
           </a:bodyPr>
           <a:lstStyle>
@@ -8657,7 +8126,7 @@
             </a:lvl9pPr>
           </a:lstStyle>
           <a:p>
-            <a:pPr marL="0" lvl="0" indent="0" algn="r" rtl="0">
+            <a:pPr indent="0" lvl="0" marL="0" rtl="0" algn="r">
               <a:spcBef>
                 <a:spcPts val="0"/>
               </a:spcBef>
@@ -8676,7 +8145,7 @@
       </p:sp>
     </p:spTree>
   </p:cSld>
-  <p:clrMap bg1="lt1" tx1="dk1" bg2="dk2" tx2="lt2" accent1="accent1" accent2="accent2" accent3="accent3" accent4="accent4" accent5="accent5" accent6="accent6" hlink="hlink" folHlink="folHlink"/>
+  <p:clrMap accent1="accent1" accent2="accent2" accent3="accent3" accent4="accent4" accent5="accent5" accent6="accent6" bg1="lt1" bg2="dk2" tx1="dk1" tx2="lt2" folHlink="folHlink" hlink="hlink"/>
   <p:sldLayoutIdLst>
     <p:sldLayoutId id="2147483648" r:id="rId1"/>
     <p:sldLayoutId id="2147483649" r:id="rId2"/>
@@ -8690,10 +8159,10 @@
     <p:sldLayoutId id="2147483657" r:id="rId10"/>
     <p:sldLayoutId id="2147483658" r:id="rId11"/>
   </p:sldLayoutIdLst>
-  <p:hf sldNum="0" hdr="0" ftr="0" dt="0"/>
+  <p:hf dt="0" ftr="0" hdr="0" sldNum="0"/>
   <p:txStyles>
     <p:titleStyle>
-      <a:defPPr marR="0" lvl="0" algn="l" rtl="0">
+      <a:defPPr lvl="0" marR="0" rtl="0" algn="l">
         <a:lnSpc>
           <a:spcPct val="100000"/>
         </a:lnSpc>
@@ -8704,7 +8173,7 @@
           <a:spcPts val="0"/>
         </a:spcAft>
       </a:defPPr>
-      <a:lvl1pPr marR="0" lvl="0" algn="l" rtl="0">
+      <a:lvl1pPr lvl="0" marR="0" rtl="0" algn="l">
         <a:lnSpc>
           <a:spcPct val="100000"/>
         </a:lnSpc>
@@ -8718,7 +8187,7 @@
           <a:srgbClr val="000000"/>
         </a:buClr>
         <a:buFont typeface="Arial"/>
-        <a:defRPr sz="1400" b="0" i="0" u="none" strike="noStrike" cap="none">
+        <a:defRPr b="0" i="0" sz="1400" u="none" cap="none" strike="noStrike">
           <a:solidFill>
             <a:srgbClr val="000000"/>
           </a:solidFill>
@@ -8728,7 +8197,7 @@
           <a:sym typeface="Arial"/>
         </a:defRPr>
       </a:lvl1pPr>
-      <a:lvl2pPr marR="0" lvl="1" algn="l" rtl="0">
+      <a:lvl2pPr lvl="1" marR="0" rtl="0" algn="l">
         <a:lnSpc>
           <a:spcPct val="100000"/>
         </a:lnSpc>
@@ -8742,7 +8211,7 @@
           <a:srgbClr val="000000"/>
         </a:buClr>
         <a:buFont typeface="Arial"/>
-        <a:defRPr sz="1400" b="0" i="0" u="none" strike="noStrike" cap="none">
+        <a:defRPr b="0" i="0" sz="1400" u="none" cap="none" strike="noStrike">
           <a:solidFill>
             <a:srgbClr val="000000"/>
           </a:solidFill>
@@ -8752,7 +8221,7 @@
           <a:sym typeface="Arial"/>
         </a:defRPr>
       </a:lvl2pPr>
-      <a:lvl3pPr marR="0" lvl="2" algn="l" rtl="0">
+      <a:lvl3pPr lvl="2" marR="0" rtl="0" algn="l">
         <a:lnSpc>
           <a:spcPct val="100000"/>
         </a:lnSpc>
@@ -8766,7 +8235,7 @@
           <a:srgbClr val="000000"/>
         </a:buClr>
         <a:buFont typeface="Arial"/>
-        <a:defRPr sz="1400" b="0" i="0" u="none" strike="noStrike" cap="none">
+        <a:defRPr b="0" i="0" sz="1400" u="none" cap="none" strike="noStrike">
           <a:solidFill>
             <a:srgbClr val="000000"/>
           </a:solidFill>
@@ -8776,7 +8245,7 @@
           <a:sym typeface="Arial"/>
         </a:defRPr>
       </a:lvl3pPr>
-      <a:lvl4pPr marR="0" lvl="3" algn="l" rtl="0">
+      <a:lvl4pPr lvl="3" marR="0" rtl="0" algn="l">
         <a:lnSpc>
           <a:spcPct val="100000"/>
         </a:lnSpc>
@@ -8790,7 +8259,7 @@
           <a:srgbClr val="000000"/>
         </a:buClr>
         <a:buFont typeface="Arial"/>
-        <a:defRPr sz="1400" b="0" i="0" u="none" strike="noStrike" cap="none">
+        <a:defRPr b="0" i="0" sz="1400" u="none" cap="none" strike="noStrike">
           <a:solidFill>
             <a:srgbClr val="000000"/>
           </a:solidFill>
@@ -8800,7 +8269,7 @@
           <a:sym typeface="Arial"/>
         </a:defRPr>
       </a:lvl4pPr>
-      <a:lvl5pPr marR="0" lvl="4" algn="l" rtl="0">
+      <a:lvl5pPr lvl="4" marR="0" rtl="0" algn="l">
         <a:lnSpc>
           <a:spcPct val="100000"/>
         </a:lnSpc>
@@ -8814,7 +8283,7 @@
           <a:srgbClr val="000000"/>
         </a:buClr>
         <a:buFont typeface="Arial"/>
-        <a:defRPr sz="1400" b="0" i="0" u="none" strike="noStrike" cap="none">
+        <a:defRPr b="0" i="0" sz="1400" u="none" cap="none" strike="noStrike">
           <a:solidFill>
             <a:srgbClr val="000000"/>
           </a:solidFill>
@@ -8824,7 +8293,7 @@
           <a:sym typeface="Arial"/>
         </a:defRPr>
       </a:lvl5pPr>
-      <a:lvl6pPr marR="0" lvl="5" algn="l" rtl="0">
+      <a:lvl6pPr lvl="5" marR="0" rtl="0" algn="l">
         <a:lnSpc>
           <a:spcPct val="100000"/>
         </a:lnSpc>
@@ -8838,7 +8307,7 @@
           <a:srgbClr val="000000"/>
         </a:buClr>
         <a:buFont typeface="Arial"/>
-        <a:defRPr sz="1400" b="0" i="0" u="none" strike="noStrike" cap="none">
+        <a:defRPr b="0" i="0" sz="1400" u="none" cap="none" strike="noStrike">
           <a:solidFill>
             <a:srgbClr val="000000"/>
           </a:solidFill>
@@ -8848,7 +8317,7 @@
           <a:sym typeface="Arial"/>
         </a:defRPr>
       </a:lvl6pPr>
-      <a:lvl7pPr marR="0" lvl="6" algn="l" rtl="0">
+      <a:lvl7pPr lvl="6" marR="0" rtl="0" algn="l">
         <a:lnSpc>
           <a:spcPct val="100000"/>
         </a:lnSpc>
@@ -8862,7 +8331,7 @@
           <a:srgbClr val="000000"/>
         </a:buClr>
         <a:buFont typeface="Arial"/>
-        <a:defRPr sz="1400" b="0" i="0" u="none" strike="noStrike" cap="none">
+        <a:defRPr b="0" i="0" sz="1400" u="none" cap="none" strike="noStrike">
           <a:solidFill>
             <a:srgbClr val="000000"/>
           </a:solidFill>
@@ -8872,7 +8341,7 @@
           <a:sym typeface="Arial"/>
         </a:defRPr>
       </a:lvl7pPr>
-      <a:lvl8pPr marR="0" lvl="7" algn="l" rtl="0">
+      <a:lvl8pPr lvl="7" marR="0" rtl="0" algn="l">
         <a:lnSpc>
           <a:spcPct val="100000"/>
         </a:lnSpc>
@@ -8886,7 +8355,7 @@
           <a:srgbClr val="000000"/>
         </a:buClr>
         <a:buFont typeface="Arial"/>
-        <a:defRPr sz="1400" b="0" i="0" u="none" strike="noStrike" cap="none">
+        <a:defRPr b="0" i="0" sz="1400" u="none" cap="none" strike="noStrike">
           <a:solidFill>
             <a:srgbClr val="000000"/>
           </a:solidFill>
@@ -8896,7 +8365,7 @@
           <a:sym typeface="Arial"/>
         </a:defRPr>
       </a:lvl8pPr>
-      <a:lvl9pPr marR="0" lvl="8" algn="l" rtl="0">
+      <a:lvl9pPr lvl="8" marR="0" rtl="0" algn="l">
         <a:lnSpc>
           <a:spcPct val="100000"/>
         </a:lnSpc>
@@ -8910,7 +8379,7 @@
           <a:srgbClr val="000000"/>
         </a:buClr>
         <a:buFont typeface="Arial"/>
-        <a:defRPr sz="1400" b="0" i="0" u="none" strike="noStrike" cap="none">
+        <a:defRPr b="0" i="0" sz="1400" u="none" cap="none" strike="noStrike">
           <a:solidFill>
             <a:srgbClr val="000000"/>
           </a:solidFill>
@@ -8922,7 +8391,7 @@
       </a:lvl9pPr>
     </p:titleStyle>
     <p:bodyStyle>
-      <a:defPPr marR="0" lvl="0" algn="l" rtl="0">
+      <a:defPPr lvl="0" marR="0" rtl="0" algn="l">
         <a:lnSpc>
           <a:spcPct val="100000"/>
         </a:lnSpc>
@@ -8933,7 +8402,7 @@
           <a:spcPts val="0"/>
         </a:spcAft>
       </a:defPPr>
-      <a:lvl1pPr marR="0" lvl="0" algn="l" rtl="0">
+      <a:lvl1pPr lvl="0" marR="0" rtl="0" algn="l">
         <a:lnSpc>
           <a:spcPct val="100000"/>
         </a:lnSpc>
@@ -8947,7 +8416,7 @@
           <a:srgbClr val="000000"/>
         </a:buClr>
         <a:buFont typeface="Arial"/>
-        <a:defRPr sz="1400" b="0" i="0" u="none" strike="noStrike" cap="none">
+        <a:defRPr b="0" i="0" sz="1400" u="none" cap="none" strike="noStrike">
           <a:solidFill>
             <a:srgbClr val="000000"/>
           </a:solidFill>
@@ -8957,7 +8426,7 @@
           <a:sym typeface="Arial"/>
         </a:defRPr>
       </a:lvl1pPr>
-      <a:lvl2pPr marR="0" lvl="1" algn="l" rtl="0">
+      <a:lvl2pPr lvl="1" marR="0" rtl="0" algn="l">
         <a:lnSpc>
           <a:spcPct val="100000"/>
         </a:lnSpc>
@@ -8971,7 +8440,7 @@
           <a:srgbClr val="000000"/>
         </a:buClr>
         <a:buFont typeface="Arial"/>
-        <a:defRPr sz="1400" b="0" i="0" u="none" strike="noStrike" cap="none">
+        <a:defRPr b="0" i="0" sz="1400" u="none" cap="none" strike="noStrike">
           <a:solidFill>
             <a:srgbClr val="000000"/>
           </a:solidFill>
@@ -8981,7 +8450,7 @@
           <a:sym typeface="Arial"/>
         </a:defRPr>
       </a:lvl2pPr>
-      <a:lvl3pPr marR="0" lvl="2" algn="l" rtl="0">
+      <a:lvl3pPr lvl="2" marR="0" rtl="0" algn="l">
         <a:lnSpc>
           <a:spcPct val="100000"/>
         </a:lnSpc>
@@ -8995,7 +8464,7 @@
           <a:srgbClr val="000000"/>
         </a:buClr>
         <a:buFont typeface="Arial"/>
-        <a:defRPr sz="1400" b="0" i="0" u="none" strike="noStrike" cap="none">
+        <a:defRPr b="0" i="0" sz="1400" u="none" cap="none" strike="noStrike">
           <a:solidFill>
             <a:srgbClr val="000000"/>
           </a:solidFill>
@@ -9005,7 +8474,7 @@
           <a:sym typeface="Arial"/>
         </a:defRPr>
       </a:lvl3pPr>
-      <a:lvl4pPr marR="0" lvl="3" algn="l" rtl="0">
+      <a:lvl4pPr lvl="3" marR="0" rtl="0" algn="l">
         <a:lnSpc>
           <a:spcPct val="100000"/>
         </a:lnSpc>
@@ -9019,7 +8488,7 @@
           <a:srgbClr val="000000"/>
         </a:buClr>
         <a:buFont typeface="Arial"/>
-        <a:defRPr sz="1400" b="0" i="0" u="none" strike="noStrike" cap="none">
+        <a:defRPr b="0" i="0" sz="1400" u="none" cap="none" strike="noStrike">
           <a:solidFill>
             <a:srgbClr val="000000"/>
           </a:solidFill>
@@ -9029,7 +8498,7 @@
           <a:sym typeface="Arial"/>
         </a:defRPr>
       </a:lvl4pPr>
-      <a:lvl5pPr marR="0" lvl="4" algn="l" rtl="0">
+      <a:lvl5pPr lvl="4" marR="0" rtl="0" algn="l">
         <a:lnSpc>
           <a:spcPct val="100000"/>
         </a:lnSpc>
@@ -9043,7 +8512,7 @@
           <a:srgbClr val="000000"/>
         </a:buClr>
         <a:buFont typeface="Arial"/>
-        <a:defRPr sz="1400" b="0" i="0" u="none" strike="noStrike" cap="none">
+        <a:defRPr b="0" i="0" sz="1400" u="none" cap="none" strike="noStrike">
           <a:solidFill>
             <a:srgbClr val="000000"/>
           </a:solidFill>
@@ -9053,7 +8522,7 @@
           <a:sym typeface="Arial"/>
         </a:defRPr>
       </a:lvl5pPr>
-      <a:lvl6pPr marR="0" lvl="5" algn="l" rtl="0">
+      <a:lvl6pPr lvl="5" marR="0" rtl="0" algn="l">
         <a:lnSpc>
           <a:spcPct val="100000"/>
         </a:lnSpc>
@@ -9067,7 +8536,7 @@
           <a:srgbClr val="000000"/>
         </a:buClr>
         <a:buFont typeface="Arial"/>
-        <a:defRPr sz="1400" b="0" i="0" u="none" strike="noStrike" cap="none">
+        <a:defRPr b="0" i="0" sz="1400" u="none" cap="none" strike="noStrike">
           <a:solidFill>
             <a:srgbClr val="000000"/>
           </a:solidFill>
@@ -9077,7 +8546,7 @@
           <a:sym typeface="Arial"/>
         </a:defRPr>
       </a:lvl6pPr>
-      <a:lvl7pPr marR="0" lvl="6" algn="l" rtl="0">
+      <a:lvl7pPr lvl="6" marR="0" rtl="0" algn="l">
         <a:lnSpc>
           <a:spcPct val="100000"/>
         </a:lnSpc>
@@ -9091,7 +8560,7 @@
           <a:srgbClr val="000000"/>
         </a:buClr>
         <a:buFont typeface="Arial"/>
-        <a:defRPr sz="1400" b="0" i="0" u="none" strike="noStrike" cap="none">
+        <a:defRPr b="0" i="0" sz="1400" u="none" cap="none" strike="noStrike">
           <a:solidFill>
             <a:srgbClr val="000000"/>
           </a:solidFill>
@@ -9101,7 +8570,7 @@
           <a:sym typeface="Arial"/>
         </a:defRPr>
       </a:lvl7pPr>
-      <a:lvl8pPr marR="0" lvl="7" algn="l" rtl="0">
+      <a:lvl8pPr lvl="7" marR="0" rtl="0" algn="l">
         <a:lnSpc>
           <a:spcPct val="100000"/>
         </a:lnSpc>
@@ -9115,7 +8584,7 @@
           <a:srgbClr val="000000"/>
         </a:buClr>
         <a:buFont typeface="Arial"/>
-        <a:defRPr sz="1400" b="0" i="0" u="none" strike="noStrike" cap="none">
+        <a:defRPr b="0" i="0" sz="1400" u="none" cap="none" strike="noStrike">
           <a:solidFill>
             <a:srgbClr val="000000"/>
           </a:solidFill>
@@ -9125,7 +8594,7 @@
           <a:sym typeface="Arial"/>
         </a:defRPr>
       </a:lvl8pPr>
-      <a:lvl9pPr marR="0" lvl="8" algn="l" rtl="0">
+      <a:lvl9pPr lvl="8" marR="0" rtl="0" algn="l">
         <a:lnSpc>
           <a:spcPct val="100000"/>
         </a:lnSpc>
@@ -9139,7 +8608,7 @@
           <a:srgbClr val="000000"/>
         </a:buClr>
         <a:buFont typeface="Arial"/>
-        <a:defRPr sz="1400" b="0" i="0" u="none" strike="noStrike" cap="none">
+        <a:defRPr b="0" i="0" sz="1400" u="none" cap="none" strike="noStrike">
           <a:solidFill>
             <a:srgbClr val="000000"/>
           </a:solidFill>
@@ -9151,7 +8620,7 @@
       </a:lvl9pPr>
     </p:bodyStyle>
     <p:otherStyle>
-      <a:defPPr marR="0" lvl="0" algn="l" rtl="0">
+      <a:defPPr lvl="0" marR="0" rtl="0" algn="l">
         <a:lnSpc>
           <a:spcPct val="100000"/>
         </a:lnSpc>
@@ -9162,7 +8631,7 @@
           <a:spcPts val="0"/>
         </a:spcAft>
       </a:defPPr>
-      <a:lvl1pPr marR="0" lvl="0" algn="l" rtl="0">
+      <a:lvl1pPr lvl="0" marR="0" rtl="0" algn="l">
         <a:lnSpc>
           <a:spcPct val="100000"/>
         </a:lnSpc>
@@ -9176,7 +8645,7 @@
           <a:srgbClr val="000000"/>
         </a:buClr>
         <a:buFont typeface="Arial"/>
-        <a:defRPr sz="1400" b="0" i="0" u="none" strike="noStrike" cap="none">
+        <a:defRPr b="0" i="0" sz="1400" u="none" cap="none" strike="noStrike">
           <a:solidFill>
             <a:srgbClr val="000000"/>
           </a:solidFill>
@@ -9186,7 +8655,7 @@
           <a:sym typeface="Arial"/>
         </a:defRPr>
       </a:lvl1pPr>
-      <a:lvl2pPr marR="0" lvl="1" algn="l" rtl="0">
+      <a:lvl2pPr lvl="1" marR="0" rtl="0" algn="l">
         <a:lnSpc>
           <a:spcPct val="100000"/>
         </a:lnSpc>
@@ -9200,7 +8669,7 @@
           <a:srgbClr val="000000"/>
         </a:buClr>
         <a:buFont typeface="Arial"/>
-        <a:defRPr sz="1400" b="0" i="0" u="none" strike="noStrike" cap="none">
+        <a:defRPr b="0" i="0" sz="1400" u="none" cap="none" strike="noStrike">
           <a:solidFill>
             <a:srgbClr val="000000"/>
           </a:solidFill>
@@ -9210,7 +8679,7 @@
           <a:sym typeface="Arial"/>
         </a:defRPr>
       </a:lvl2pPr>
-      <a:lvl3pPr marR="0" lvl="2" algn="l" rtl="0">
+      <a:lvl3pPr lvl="2" marR="0" rtl="0" algn="l">
         <a:lnSpc>
           <a:spcPct val="100000"/>
         </a:lnSpc>
@@ -9224,7 +8693,7 @@
           <a:srgbClr val="000000"/>
         </a:buClr>
         <a:buFont typeface="Arial"/>
-        <a:defRPr sz="1400" b="0" i="0" u="none" strike="noStrike" cap="none">
+        <a:defRPr b="0" i="0" sz="1400" u="none" cap="none" strike="noStrike">
           <a:solidFill>
             <a:srgbClr val="000000"/>
           </a:solidFill>
@@ -9234,7 +8703,7 @@
           <a:sym typeface="Arial"/>
         </a:defRPr>
       </a:lvl3pPr>
-      <a:lvl4pPr marR="0" lvl="3" algn="l" rtl="0">
+      <a:lvl4pPr lvl="3" marR="0" rtl="0" algn="l">
         <a:lnSpc>
           <a:spcPct val="100000"/>
         </a:lnSpc>
@@ -9248,7 +8717,7 @@
           <a:srgbClr val="000000"/>
         </a:buClr>
         <a:buFont typeface="Arial"/>
-        <a:defRPr sz="1400" b="0" i="0" u="none" strike="noStrike" cap="none">
+        <a:defRPr b="0" i="0" sz="1400" u="none" cap="none" strike="noStrike">
           <a:solidFill>
             <a:srgbClr val="000000"/>
           </a:solidFill>
@@ -9258,7 +8727,7 @@
           <a:sym typeface="Arial"/>
         </a:defRPr>
       </a:lvl4pPr>
-      <a:lvl5pPr marR="0" lvl="4" algn="l" rtl="0">
+      <a:lvl5pPr lvl="4" marR="0" rtl="0" algn="l">
         <a:lnSpc>
           <a:spcPct val="100000"/>
         </a:lnSpc>
@@ -9272,7 +8741,7 @@
           <a:srgbClr val="000000"/>
         </a:buClr>
         <a:buFont typeface="Arial"/>
-        <a:defRPr sz="1400" b="0" i="0" u="none" strike="noStrike" cap="none">
+        <a:defRPr b="0" i="0" sz="1400" u="none" cap="none" strike="noStrike">
           <a:solidFill>
             <a:srgbClr val="000000"/>
           </a:solidFill>
@@ -9282,7 +8751,7 @@
           <a:sym typeface="Arial"/>
         </a:defRPr>
       </a:lvl5pPr>
-      <a:lvl6pPr marR="0" lvl="5" algn="l" rtl="0">
+      <a:lvl6pPr lvl="5" marR="0" rtl="0" algn="l">
         <a:lnSpc>
           <a:spcPct val="100000"/>
         </a:lnSpc>
@@ -9296,7 +8765,7 @@
           <a:srgbClr val="000000"/>
         </a:buClr>
         <a:buFont typeface="Arial"/>
-        <a:defRPr sz="1400" b="0" i="0" u="none" strike="noStrike" cap="none">
+        <a:defRPr b="0" i="0" sz="1400" u="none" cap="none" strike="noStrike">
           <a:solidFill>
             <a:srgbClr val="000000"/>
           </a:solidFill>
@@ -9306,7 +8775,7 @@
           <a:sym typeface="Arial"/>
         </a:defRPr>
       </a:lvl6pPr>
-      <a:lvl7pPr marR="0" lvl="6" algn="l" rtl="0">
+      <a:lvl7pPr lvl="6" marR="0" rtl="0" algn="l">
         <a:lnSpc>
           <a:spcPct val="100000"/>
         </a:lnSpc>
@@ -9320,7 +8789,7 @@
           <a:srgbClr val="000000"/>
         </a:buClr>
         <a:buFont typeface="Arial"/>
-        <a:defRPr sz="1400" b="0" i="0" u="none" strike="noStrike" cap="none">
+        <a:defRPr b="0" i="0" sz="1400" u="none" cap="none" strike="noStrike">
           <a:solidFill>
             <a:srgbClr val="000000"/>
           </a:solidFill>
@@ -9330,7 +8799,7 @@
           <a:sym typeface="Arial"/>
         </a:defRPr>
       </a:lvl7pPr>
-      <a:lvl8pPr marR="0" lvl="7" algn="l" rtl="0">
+      <a:lvl8pPr lvl="7" marR="0" rtl="0" algn="l">
         <a:lnSpc>
           <a:spcPct val="100000"/>
         </a:lnSpc>
@@ -9344,7 +8813,7 @@
           <a:srgbClr val="000000"/>
         </a:buClr>
         <a:buFont typeface="Arial"/>
-        <a:defRPr sz="1400" b="0" i="0" u="none" strike="noStrike" cap="none">
+        <a:defRPr b="0" i="0" sz="1400" u="none" cap="none" strike="noStrike">
           <a:solidFill>
             <a:srgbClr val="000000"/>
           </a:solidFill>
@@ -9354,7 +8823,7 @@
           <a:sym typeface="Arial"/>
         </a:defRPr>
       </a:lvl8pPr>
-      <a:lvl9pPr marR="0" lvl="8" algn="l" rtl="0">
+      <a:lvl9pPr lvl="8" marR="0" rtl="0" algn="l">
         <a:lnSpc>
           <a:spcPct val="100000"/>
         </a:lnSpc>
@@ -9368,7 +8837,7 @@
           <a:srgbClr val="000000"/>
         </a:buClr>
         <a:buFont typeface="Arial"/>
-        <a:defRPr sz="1400" b="0" i="0" u="none" strike="noStrike" cap="none">
+        <a:defRPr b="0" i="0" sz="1400" u="none" cap="none" strike="noStrike">
           <a:solidFill>
             <a:srgbClr val="000000"/>
           </a:solidFill>
@@ -9384,11 +8853,11 @@
 </file>
 
 <file path=ppt/slides/slide1.xml><?xml version="1.0" encoding="utf-8"?>
-<p:sld xmlns:a="http://schemas.openxmlformats.org/drawingml/2006/main" xmlns:r="http://schemas.openxmlformats.org/officeDocument/2006/relationships" xmlns:p="http://schemas.openxmlformats.org/presentationml/2006/main">
+<p:sld xmlns:a="http://schemas.openxmlformats.org/drawingml/2006/main" xmlns:r="http://schemas.openxmlformats.org/officeDocument/2006/relationships" xmlns:mc="http://schemas.openxmlformats.org/markup-compatibility/2006" xmlns:mv="urn:schemas-microsoft-com:mac:vml" xmlns:p="http://schemas.openxmlformats.org/presentationml/2006/main" xmlns:c="http://schemas.openxmlformats.org/drawingml/2006/chart" xmlns:dgm="http://schemas.openxmlformats.org/drawingml/2006/diagram" xmlns:o="urn:schemas-microsoft-com:office:office" xmlns:v="urn:schemas-microsoft-com:vml" xmlns:pvml="urn:schemas-microsoft-com:office:powerpoint" xmlns:com="http://schemas.openxmlformats.org/drawingml/2006/compatibility" xmlns:p14="http://schemas.microsoft.com/office/powerpoint/2010/main" xmlns:p15="http://schemas.microsoft.com/office/powerpoint/2012/main" xmlns:ahyp="http://schemas.microsoft.com/office/drawing/2018/hyperlinkcolor">
   <p:cSld>
     <p:spTree>
       <p:nvGrpSpPr>
-        <p:cNvPr id="1" name="Shape 84"/>
+        <p:cNvPr id="84" name="Shape 84"/>
         <p:cNvGrpSpPr/>
         <p:nvPr/>
       </p:nvGrpSpPr>
@@ -9403,9 +8872,7 @@
       <p:sp>
         <p:nvSpPr>
           <p:cNvPr id="85" name="Google Shape;85;p13"/>
-          <p:cNvSpPr txBox="1">
-            <a:spLocks noGrp="1"/>
-          </p:cNvSpPr>
+          <p:cNvSpPr txBox="1"/>
           <p:nvPr>
             <p:ph type="ctrTitle"/>
           </p:nvPr>
@@ -9420,12 +8887,12 @@
           </a:prstGeom>
         </p:spPr>
         <p:txBody>
-          <a:bodyPr spcFirstLastPara="1" wrap="square" lIns="91425" tIns="91425" rIns="91425" bIns="91425" anchor="b" anchorCtr="0">
+          <a:bodyPr anchorCtr="0" anchor="b" bIns="91425" lIns="91425" spcFirstLastPara="1" rIns="91425" wrap="square" tIns="91425">
             <a:noAutofit/>
           </a:bodyPr>
           <a:lstStyle/>
           <a:p>
-            <a:pPr marL="457200" lvl="0" indent="0" algn="l" rtl="0">
+            <a:pPr indent="0" lvl="0" marL="457200" rtl="0" algn="l">
               <a:lnSpc>
                 <a:spcPct val="115000"/>
               </a:lnSpc>
@@ -9449,7 +8916,7 @@
             <a:endParaRPr sz="3000"/>
           </a:p>
           <a:p>
-            <a:pPr marL="457200" lvl="0" indent="0" algn="l" rtl="0">
+            <a:pPr indent="0" lvl="0" marL="457200" rtl="0" algn="l">
               <a:lnSpc>
                 <a:spcPct val="115000"/>
               </a:lnSpc>
@@ -9473,7 +8940,7 @@
             <a:endParaRPr sz="2000"/>
           </a:p>
           <a:p>
-            <a:pPr marL="457200" lvl="0" indent="0" algn="l" rtl="0">
+            <a:pPr indent="0" lvl="0" marL="457200" rtl="0" algn="l">
               <a:lnSpc>
                 <a:spcPct val="115000"/>
               </a:lnSpc>
@@ -9501,11 +8968,9 @@
       <p:sp>
         <p:nvSpPr>
           <p:cNvPr id="86" name="Google Shape;86;p13"/>
-          <p:cNvSpPr txBox="1">
-            <a:spLocks noGrp="1"/>
-          </p:cNvSpPr>
+          <p:cNvSpPr txBox="1"/>
           <p:nvPr>
-            <p:ph type="subTitle" idx="1"/>
+            <p:ph idx="1" type="subTitle"/>
           </p:nvPr>
         </p:nvSpPr>
         <p:spPr>
@@ -9518,12 +8983,12 @@
           </a:prstGeom>
         </p:spPr>
         <p:txBody>
-          <a:bodyPr spcFirstLastPara="1" wrap="square" lIns="91425" tIns="91425" rIns="91425" bIns="91425" anchor="t" anchorCtr="0">
+          <a:bodyPr anchorCtr="0" anchor="t" bIns="91425" lIns="91425" spcFirstLastPara="1" rIns="91425" wrap="square" tIns="91425">
             <a:normAutofit fontScale="25000" lnSpcReduction="20000"/>
           </a:bodyPr>
           <a:lstStyle/>
           <a:p>
-            <a:pPr marL="457200" lvl="0" indent="457200" algn="l" rtl="0">
+            <a:pPr indent="457200" lvl="0" marL="457200" rtl="0" algn="l">
               <a:lnSpc>
                 <a:spcPct val="115000"/>
               </a:lnSpc>
@@ -9540,6 +9005,9 @@
               <a:buFont typeface="Arial"/>
               <a:buNone/>
             </a:pPr>
+            <a:r>
+              <a:t/>
+            </a:r>
             <a:endParaRPr sz="1000">
               <a:solidFill>
                 <a:schemeClr val="dk1"/>
@@ -9547,7 +9015,7 @@
             </a:endParaRPr>
           </a:p>
           <a:p>
-            <a:pPr marL="0" lvl="0" indent="0" algn="l" rtl="0">
+            <a:pPr indent="0" lvl="0" marL="0" rtl="0" algn="l">
               <a:lnSpc>
                 <a:spcPct val="115000"/>
               </a:lnSpc>
@@ -9571,7 +9039,7 @@
             <a:endParaRPr sz="6000"/>
           </a:p>
           <a:p>
-            <a:pPr marL="914400" lvl="0" indent="457200" algn="l" rtl="0">
+            <a:pPr indent="457200" lvl="0" marL="914400" rtl="0" algn="l">
               <a:lnSpc>
                 <a:spcPct val="115000"/>
               </a:lnSpc>
@@ -9595,7 +9063,7 @@
             <a:endParaRPr sz="6000"/>
           </a:p>
           <a:p>
-            <a:pPr marL="1828800" lvl="0" indent="0" algn="l" rtl="0">
+            <a:pPr indent="0" lvl="0" marL="1828800" rtl="0" algn="l">
               <a:lnSpc>
                 <a:spcPct val="115000"/>
               </a:lnSpc>
@@ -9619,7 +9087,7 @@
             <a:endParaRPr sz="6000"/>
           </a:p>
           <a:p>
-            <a:pPr marL="1828800" lvl="0" indent="0" algn="l" rtl="0">
+            <a:pPr indent="0" lvl="0" marL="1828800" rtl="0" algn="l">
               <a:lnSpc>
                 <a:spcPct val="115000"/>
               </a:lnSpc>
@@ -9643,7 +9111,7 @@
             <a:endParaRPr sz="6000"/>
           </a:p>
           <a:p>
-            <a:pPr marL="457200" lvl="0" indent="457200" algn="l" rtl="0">
+            <a:pPr indent="457200" lvl="0" marL="457200" rtl="0" algn="l">
               <a:lnSpc>
                 <a:spcPct val="115000"/>
               </a:lnSpc>
@@ -9667,7 +9135,7 @@
             <a:endParaRPr sz="6000"/>
           </a:p>
           <a:p>
-            <a:pPr marL="0" lvl="0" indent="0" algn="l" rtl="0">
+            <a:pPr indent="0" lvl="0" marL="0" rtl="0" algn="l">
               <a:spcBef>
                 <a:spcPts val="1200"/>
               </a:spcBef>
@@ -9676,6 +9144,9 @@
               </a:spcAft>
               <a:buNone/>
             </a:pPr>
+            <a:r>
+              <a:t/>
+            </a:r>
             <a:endParaRPr/>
           </a:p>
         </p:txBody>
@@ -9689,11 +9160,11 @@
 </file>
 
 <file path=ppt/slides/slide10.xml><?xml version="1.0" encoding="utf-8"?>
-<p:sld xmlns:a="http://schemas.openxmlformats.org/drawingml/2006/main" xmlns:r="http://schemas.openxmlformats.org/officeDocument/2006/relationships" xmlns:p="http://schemas.openxmlformats.org/presentationml/2006/main">
+<p:sld xmlns:a="http://schemas.openxmlformats.org/drawingml/2006/main" xmlns:r="http://schemas.openxmlformats.org/officeDocument/2006/relationships" xmlns:mc="http://schemas.openxmlformats.org/markup-compatibility/2006" xmlns:mv="urn:schemas-microsoft-com:mac:vml" xmlns:p="http://schemas.openxmlformats.org/presentationml/2006/main" xmlns:c="http://schemas.openxmlformats.org/drawingml/2006/chart" xmlns:dgm="http://schemas.openxmlformats.org/drawingml/2006/diagram" xmlns:o="urn:schemas-microsoft-com:office:office" xmlns:v="urn:schemas-microsoft-com:vml" xmlns:pvml="urn:schemas-microsoft-com:office:powerpoint" xmlns:com="http://schemas.openxmlformats.org/drawingml/2006/compatibility" xmlns:p14="http://schemas.microsoft.com/office/powerpoint/2010/main" xmlns:p15="http://schemas.microsoft.com/office/powerpoint/2012/main" xmlns:ahyp="http://schemas.microsoft.com/office/drawing/2018/hyperlinkcolor">
   <p:cSld>
     <p:spTree>
       <p:nvGrpSpPr>
-        <p:cNvPr id="1" name="Shape 151"/>
+        <p:cNvPr id="151" name="Shape 151"/>
         <p:cNvGrpSpPr/>
         <p:nvPr/>
       </p:nvGrpSpPr>
@@ -9708,9 +9179,7 @@
       <p:sp>
         <p:nvSpPr>
           <p:cNvPr id="152" name="Google Shape;152;p22"/>
-          <p:cNvSpPr txBox="1">
-            <a:spLocks noGrp="1"/>
-          </p:cNvSpPr>
+          <p:cNvSpPr txBox="1"/>
           <p:nvPr>
             <p:ph type="title"/>
           </p:nvPr>
@@ -9725,12 +9194,121 @@
           </a:prstGeom>
         </p:spPr>
         <p:txBody>
-          <a:bodyPr spcFirstLastPara="1" wrap="square" lIns="91425" tIns="91425" rIns="91425" bIns="91425" anchor="t" anchorCtr="0">
+          <a:bodyPr anchorCtr="0" anchor="t" bIns="91425" lIns="91425" spcFirstLastPara="1" rIns="91425" wrap="square" tIns="91425">
             <a:normAutofit fontScale="90000"/>
           </a:bodyPr>
           <a:lstStyle/>
           <a:p>
-            <a:pPr marL="0" lvl="0" indent="0" algn="l" rtl="0">
+            <a:pPr indent="0" lvl="0" marL="0" rtl="0" algn="l">
+              <a:spcBef>
+                <a:spcPts val="0"/>
+              </a:spcBef>
+              <a:spcAft>
+                <a:spcPts val="0"/>
+              </a:spcAft>
+              <a:buNone/>
+            </a:pPr>
+            <a:r>
+              <a:rPr lang="zh-HK"/>
+              <a:t>總結</a:t>
+            </a:r>
+            <a:endParaRPr/>
+          </a:p>
+        </p:txBody>
+      </p:sp>
+      <p:sp>
+        <p:nvSpPr>
+          <p:cNvPr id="153" name="Google Shape;153;p22"/>
+          <p:cNvSpPr txBox="1"/>
+          <p:nvPr>
+            <p:ph idx="1" type="body"/>
+          </p:nvPr>
+        </p:nvSpPr>
+        <p:spPr>
+          <a:xfrm>
+            <a:off x="311700" y="1229875"/>
+            <a:ext cx="8520600" cy="3339000"/>
+          </a:xfrm>
+          <a:prstGeom prst="rect">
+            <a:avLst/>
+          </a:prstGeom>
+        </p:spPr>
+        <p:txBody>
+          <a:bodyPr anchorCtr="0" anchor="t" bIns="91425" lIns="91425" spcFirstLastPara="1" rIns="91425" wrap="square" tIns="91425">
+            <a:normAutofit/>
+          </a:bodyPr>
+          <a:lstStyle/>
+          <a:p>
+            <a:pPr indent="0" lvl="0" marL="0" rtl="0" algn="l">
+              <a:spcBef>
+                <a:spcPts val="0"/>
+              </a:spcBef>
+              <a:spcAft>
+                <a:spcPts val="1200"/>
+              </a:spcAft>
+              <a:buNone/>
+            </a:pPr>
+            <a:r>
+              <a:rPr lang="zh-HK"/>
+              <a:t>我們在製作這個遊戲過程中，所學到的知識有助於我們未來在IT行業方面的發展。例如學會了如何用</a:t>
+            </a:r>
+            <a:r>
+              <a:rPr lang="zh-HK"/>
+              <a:t>JavaScript寫遊戲、畫畫工具去設計logo等。而我們發現JavaScript比Swift各個方面都方便，因為更容易投放到各個平台中。在這個過程中我們亦學會了團隊合作。</a:t>
+            </a:r>
+            <a:endParaRPr/>
+          </a:p>
+        </p:txBody>
+      </p:sp>
+    </p:spTree>
+  </p:cSld>
+  <p:clrMapOvr>
+    <a:masterClrMapping/>
+  </p:clrMapOvr>
+</p:sld>
+</file>
+
+<file path=ppt/slides/slide11.xml><?xml version="1.0" encoding="utf-8"?>
+<p:sld xmlns:a="http://schemas.openxmlformats.org/drawingml/2006/main" xmlns:r="http://schemas.openxmlformats.org/officeDocument/2006/relationships" xmlns:mc="http://schemas.openxmlformats.org/markup-compatibility/2006" xmlns:mv="urn:schemas-microsoft-com:mac:vml" xmlns:p="http://schemas.openxmlformats.org/presentationml/2006/main" xmlns:c="http://schemas.openxmlformats.org/drawingml/2006/chart" xmlns:dgm="http://schemas.openxmlformats.org/drawingml/2006/diagram" xmlns:o="urn:schemas-microsoft-com:office:office" xmlns:v="urn:schemas-microsoft-com:vml" xmlns:pvml="urn:schemas-microsoft-com:office:powerpoint" xmlns:com="http://schemas.openxmlformats.org/drawingml/2006/compatibility" xmlns:p14="http://schemas.microsoft.com/office/powerpoint/2010/main" xmlns:p15="http://schemas.microsoft.com/office/powerpoint/2012/main" xmlns:ahyp="http://schemas.microsoft.com/office/drawing/2018/hyperlinkcolor">
+  <p:cSld>
+    <p:spTree>
+      <p:nvGrpSpPr>
+        <p:cNvPr id="157" name="Shape 157"/>
+        <p:cNvGrpSpPr/>
+        <p:nvPr/>
+      </p:nvGrpSpPr>
+      <p:grpSpPr>
+        <a:xfrm>
+          <a:off x="0" y="0"/>
+          <a:ext cx="0" cy="0"/>
+          <a:chOff x="0" y="0"/>
+          <a:chExt cx="0" cy="0"/>
+        </a:xfrm>
+      </p:grpSpPr>
+      <p:sp>
+        <p:nvSpPr>
+          <p:cNvPr id="158" name="Google Shape;158;p23"/>
+          <p:cNvSpPr txBox="1"/>
+          <p:nvPr>
+            <p:ph type="title"/>
+          </p:nvPr>
+        </p:nvSpPr>
+        <p:spPr>
+          <a:xfrm>
+            <a:off x="311700" y="410000"/>
+            <a:ext cx="8520600" cy="607800"/>
+          </a:xfrm>
+          <a:prstGeom prst="rect">
+            <a:avLst/>
+          </a:prstGeom>
+        </p:spPr>
+        <p:txBody>
+          <a:bodyPr anchorCtr="0" anchor="t" bIns="91425" lIns="91425" spcFirstLastPara="1" rIns="91425" wrap="square" tIns="91425">
+            <a:normAutofit fontScale="90000"/>
+          </a:bodyPr>
+          <a:lstStyle/>
+          <a:p>
+            <a:pPr indent="0" lvl="0" marL="0" rtl="0" algn="l">
               <a:spcBef>
                 <a:spcPts val="0"/>
               </a:spcBef>
@@ -9749,43 +9327,25 @@
       </p:sp>
       <p:graphicFrame>
         <p:nvGraphicFramePr>
-          <p:cNvPr id="153" name="Google Shape;153;p22"/>
+          <p:cNvPr id="159" name="Google Shape;159;p23"/>
           <p:cNvGraphicFramePr/>
           <p:nvPr/>
         </p:nvGraphicFramePr>
         <p:xfrm>
           <a:off x="196275" y="1185013"/>
-          <a:ext cx="6961875" cy="2773470"/>
+          <a:ext cx="3000000" cy="3000000"/>
         </p:xfrm>
         <a:graphic>
           <a:graphicData uri="http://schemas.openxmlformats.org/drawingml/2006/table">
             <a:tbl>
               <a:tblPr>
                 <a:noFill/>
-                <a:tableStyleId>{A39BF551-7AB0-441E-9FA1-E399B4755FD1}</a:tableStyleId>
+                <a:tableStyleId>{9A3C3AA3-D25C-4ECD-9092-3C23993BB119}</a:tableStyleId>
               </a:tblPr>
               <a:tblGrid>
-                <a:gridCol w="2389500">
-                  <a:extLst>
-                    <a:ext uri="{9D8B030D-6E8A-4147-A177-3AD203B41FA5}">
-                      <a16:colId xmlns:a16="http://schemas.microsoft.com/office/drawing/2014/main" val="20000"/>
-                    </a:ext>
-                  </a:extLst>
-                </a:gridCol>
-                <a:gridCol w="2389500">
-                  <a:extLst>
-                    <a:ext uri="{9D8B030D-6E8A-4147-A177-3AD203B41FA5}">
-                      <a16:colId xmlns:a16="http://schemas.microsoft.com/office/drawing/2014/main" val="20001"/>
-                    </a:ext>
-                  </a:extLst>
-                </a:gridCol>
-                <a:gridCol w="2182875">
-                  <a:extLst>
-                    <a:ext uri="{9D8B030D-6E8A-4147-A177-3AD203B41FA5}">
-                      <a16:colId xmlns:a16="http://schemas.microsoft.com/office/drawing/2014/main" val="20002"/>
-                    </a:ext>
-                  </a:extLst>
-                </a:gridCol>
+                <a:gridCol w="2389500"/>
+                <a:gridCol w="2389500"/>
+                <a:gridCol w="2182875"/>
               </a:tblGrid>
               <a:tr h="392650">
                 <a:tc>
@@ -9793,7 +9353,7 @@
                     <a:bodyPr/>
                     <a:lstStyle/>
                     <a:p>
-                      <a:pPr marL="0" lvl="0" indent="0" algn="l" rtl="0">
+                      <a:pPr indent="0" lvl="0" marL="0" rtl="0" algn="l">
                         <a:spcBef>
                           <a:spcPts val="0"/>
                         </a:spcBef>
@@ -9804,19 +9364,23 @@
                       </a:pPr>
                       <a:r>
                         <a:rPr lang="zh-HK"/>
-                        <a:t>          分工項目</a:t>
+                        <a:t>          </a:t>
+                      </a:r>
+                      <a:r>
+                        <a:rPr lang="zh-HK"/>
+                        <a:t>分工項目</a:t>
                       </a:r>
                       <a:endParaRPr/>
                     </a:p>
                   </a:txBody>
-                  <a:tcPr marL="91425" marR="91425" marT="91425" marB="91425"/>
+                  <a:tcPr marT="91425" marB="91425" marR="91425" marL="91425"/>
                 </a:tc>
                 <a:tc>
                   <a:txBody>
                     <a:bodyPr/>
                     <a:lstStyle/>
                     <a:p>
-                      <a:pPr marL="0" lvl="0" indent="0" algn="l" rtl="0">
+                      <a:pPr indent="0" lvl="0" marL="0" rtl="0" algn="l">
                         <a:spcBef>
                           <a:spcPts val="0"/>
                         </a:spcBef>
@@ -9827,19 +9391,23 @@
                       </a:pPr>
                       <a:r>
                         <a:rPr lang="zh-HK"/>
-                        <a:t>        組員分工安排</a:t>
+                        <a:t>        </a:t>
+                      </a:r>
+                      <a:r>
+                        <a:rPr lang="zh-HK"/>
+                        <a:t>組員分工安排</a:t>
                       </a:r>
                       <a:endParaRPr/>
                     </a:p>
                   </a:txBody>
-                  <a:tcPr marL="91425" marR="91425" marT="91425" marB="91425"/>
+                  <a:tcPr marT="91425" marB="91425" marR="91425" marL="91425"/>
                 </a:tc>
                 <a:tc>
                   <a:txBody>
                     <a:bodyPr/>
                     <a:lstStyle/>
                     <a:p>
-                      <a:pPr marL="0" lvl="0" indent="0" algn="l" rtl="0">
+                      <a:pPr indent="0" lvl="0" marL="0" rtl="0" algn="l">
                         <a:spcBef>
                           <a:spcPts val="0"/>
                         </a:spcBef>
@@ -9850,18 +9418,17 @@
                       </a:pPr>
                       <a:r>
                         <a:rPr lang="zh-HK"/>
-                        <a:t>       最後負責組員</a:t>
+                        <a:t>       </a:t>
+                      </a:r>
+                      <a:r>
+                        <a:rPr lang="zh-HK"/>
+                        <a:t>最後負責組員</a:t>
                       </a:r>
                       <a:endParaRPr/>
                     </a:p>
                   </a:txBody>
-                  <a:tcPr marL="91425" marR="91425" marT="91425" marB="91425"/>
+                  <a:tcPr marT="91425" marB="91425" marR="91425" marL="91425"/>
                 </a:tc>
-                <a:extLst>
-                  <a:ext uri="{0D108BD9-81ED-4DB2-BD59-A6C34878D82A}">
-                    <a16:rowId xmlns:a16="http://schemas.microsoft.com/office/drawing/2014/main" val="10000"/>
-                  </a:ext>
-                </a:extLst>
               </a:tr>
               <a:tr h="392650">
                 <a:tc>
@@ -9869,7 +9436,7 @@
                     <a:bodyPr/>
                     <a:lstStyle/>
                     <a:p>
-                      <a:pPr marL="0" lvl="0" indent="0" algn="l" rtl="0">
+                      <a:pPr indent="0" lvl="0" marL="0" rtl="0" algn="l">
                         <a:spcBef>
                           <a:spcPts val="0"/>
                         </a:spcBef>
@@ -9880,19 +9447,23 @@
                       </a:pPr>
                       <a:r>
                         <a:rPr lang="zh-HK"/>
-                        <a:t>關於我们</a:t>
+                        <a:t>關於</a:t>
+                      </a:r>
+                      <a:r>
+                        <a:rPr lang="zh-HK"/>
+                        <a:t>我们</a:t>
                       </a:r>
                       <a:endParaRPr/>
                     </a:p>
                   </a:txBody>
-                  <a:tcPr marL="91425" marR="91425" marT="91425" marB="91425"/>
+                  <a:tcPr marT="91425" marB="91425" marR="91425" marL="91425"/>
                 </a:tc>
                 <a:tc>
                   <a:txBody>
                     <a:bodyPr/>
                     <a:lstStyle/>
                     <a:p>
-                      <a:pPr marL="0" lvl="0" indent="0" algn="l" rtl="0">
+                      <a:pPr indent="0" lvl="0" marL="0" rtl="0" algn="l">
                         <a:spcBef>
                           <a:spcPts val="0"/>
                         </a:spcBef>
@@ -9908,14 +9479,14 @@
                       <a:endParaRPr/>
                     </a:p>
                   </a:txBody>
-                  <a:tcPr marL="91425" marR="91425" marT="91425" marB="91425"/>
+                  <a:tcPr marT="91425" marB="91425" marR="91425" marL="91425"/>
                 </a:tc>
                 <a:tc>
                   <a:txBody>
                     <a:bodyPr/>
                     <a:lstStyle/>
                     <a:p>
-                      <a:pPr marL="0" lvl="0" indent="0" algn="l" rtl="0">
+                      <a:pPr indent="0" lvl="0" marL="0" rtl="0" algn="l">
                         <a:spcBef>
                           <a:spcPts val="0"/>
                         </a:spcBef>
@@ -9931,13 +9502,8 @@
                       <a:endParaRPr/>
                     </a:p>
                   </a:txBody>
-                  <a:tcPr marL="91425" marR="91425" marT="91425" marB="91425"/>
+                  <a:tcPr marT="91425" marB="91425" marR="91425" marL="91425"/>
                 </a:tc>
-                <a:extLst>
-                  <a:ext uri="{0D108BD9-81ED-4DB2-BD59-A6C34878D82A}">
-                    <a16:rowId xmlns:a16="http://schemas.microsoft.com/office/drawing/2014/main" val="10001"/>
-                  </a:ext>
-                </a:extLst>
               </a:tr>
               <a:tr h="392650">
                 <a:tc>
@@ -9945,7 +9511,7 @@
                     <a:bodyPr/>
                     <a:lstStyle/>
                     <a:p>
-                      <a:pPr marL="0" lvl="0" indent="0" algn="l" rtl="0">
+                      <a:pPr indent="0" lvl="0" marL="0" rtl="0" algn="l">
                         <a:spcBef>
                           <a:spcPts val="0"/>
                         </a:spcBef>
@@ -9961,14 +9527,14 @@
                       <a:endParaRPr/>
                     </a:p>
                   </a:txBody>
-                  <a:tcPr marL="91425" marR="91425" marT="91425" marB="91425"/>
+                  <a:tcPr marT="91425" marB="91425" marR="91425" marL="91425"/>
                 </a:tc>
                 <a:tc>
                   <a:txBody>
                     <a:bodyPr/>
                     <a:lstStyle/>
                     <a:p>
-                      <a:pPr marL="0" lvl="0" indent="0" algn="l" rtl="0">
+                      <a:pPr indent="0" lvl="0" marL="0" rtl="0" algn="l">
                         <a:spcBef>
                           <a:spcPts val="0"/>
                         </a:spcBef>
@@ -9984,14 +9550,14 @@
                       <a:endParaRPr/>
                     </a:p>
                   </a:txBody>
-                  <a:tcPr marL="91425" marR="91425" marT="91425" marB="91425"/>
+                  <a:tcPr marT="91425" marB="91425" marR="91425" marL="91425"/>
                 </a:tc>
                 <a:tc>
                   <a:txBody>
                     <a:bodyPr/>
                     <a:lstStyle/>
                     <a:p>
-                      <a:pPr marL="0" lvl="0" indent="0" algn="l" rtl="0">
+                      <a:pPr indent="0" lvl="0" marL="0" rtl="0" algn="l">
                         <a:spcBef>
                           <a:spcPts val="0"/>
                         </a:spcBef>
@@ -10007,13 +9573,8 @@
                       <a:endParaRPr/>
                     </a:p>
                   </a:txBody>
-                  <a:tcPr marL="91425" marR="91425" marT="91425" marB="91425"/>
+                  <a:tcPr marT="91425" marB="91425" marR="91425" marL="91425"/>
                 </a:tc>
-                <a:extLst>
-                  <a:ext uri="{0D108BD9-81ED-4DB2-BD59-A6C34878D82A}">
-                    <a16:rowId xmlns:a16="http://schemas.microsoft.com/office/drawing/2014/main" val="10002"/>
-                  </a:ext>
-                </a:extLst>
               </a:tr>
               <a:tr h="392650">
                 <a:tc>
@@ -10021,7 +9582,7 @@
                     <a:bodyPr/>
                     <a:lstStyle/>
                     <a:p>
-                      <a:pPr marL="0" lvl="0" indent="0" algn="l" rtl="0">
+                      <a:pPr indent="0" lvl="0" marL="0" rtl="0" algn="l">
                         <a:spcBef>
                           <a:spcPts val="0"/>
                         </a:spcBef>
@@ -10037,14 +9598,14 @@
                       <a:endParaRPr/>
                     </a:p>
                   </a:txBody>
-                  <a:tcPr marL="91425" marR="91425" marT="91425" marB="91425"/>
+                  <a:tcPr marT="91425" marB="91425" marR="91425" marL="91425"/>
                 </a:tc>
                 <a:tc>
                   <a:txBody>
                     <a:bodyPr/>
                     <a:lstStyle/>
                     <a:p>
-                      <a:pPr marL="0" lvl="0" indent="0" algn="l" rtl="0">
+                      <a:pPr indent="0" lvl="0" marL="0" rtl="0" algn="l">
                         <a:spcBef>
                           <a:spcPts val="0"/>
                         </a:spcBef>
@@ -10060,14 +9621,14 @@
                       <a:endParaRPr/>
                     </a:p>
                   </a:txBody>
-                  <a:tcPr marL="91425" marR="91425" marT="91425" marB="91425"/>
+                  <a:tcPr marT="91425" marB="91425" marR="91425" marL="91425"/>
                 </a:tc>
                 <a:tc>
                   <a:txBody>
                     <a:bodyPr/>
                     <a:lstStyle/>
                     <a:p>
-                      <a:pPr marL="0" lvl="0" indent="0" algn="l" rtl="0">
+                      <a:pPr indent="0" lvl="0" marL="0" rtl="0" algn="l">
                         <a:spcBef>
                           <a:spcPts val="0"/>
                         </a:spcBef>
@@ -10083,13 +9644,8 @@
                       <a:endParaRPr/>
                     </a:p>
                   </a:txBody>
-                  <a:tcPr marL="91425" marR="91425" marT="91425" marB="91425"/>
+                  <a:tcPr marT="91425" marB="91425" marR="91425" marL="91425"/>
                 </a:tc>
-                <a:extLst>
-                  <a:ext uri="{0D108BD9-81ED-4DB2-BD59-A6C34878D82A}">
-                    <a16:rowId xmlns:a16="http://schemas.microsoft.com/office/drawing/2014/main" val="10003"/>
-                  </a:ext>
-                </a:extLst>
               </a:tr>
               <a:tr h="392650">
                 <a:tc>
@@ -10097,7 +9653,7 @@
                     <a:bodyPr/>
                     <a:lstStyle/>
                     <a:p>
-                      <a:pPr marL="0" lvl="0" indent="0" algn="l" rtl="0">
+                      <a:pPr indent="0" lvl="0" marL="0" rtl="0" algn="l">
                         <a:spcBef>
                           <a:spcPts val="0"/>
                         </a:spcBef>
@@ -10113,14 +9669,14 @@
                       <a:endParaRPr/>
                     </a:p>
                   </a:txBody>
-                  <a:tcPr marL="91425" marR="91425" marT="91425" marB="91425"/>
+                  <a:tcPr marT="91425" marB="91425" marR="91425" marL="91425"/>
                 </a:tc>
                 <a:tc>
                   <a:txBody>
                     <a:bodyPr/>
                     <a:lstStyle/>
                     <a:p>
-                      <a:pPr marL="0" lvl="0" indent="0" algn="l" rtl="0">
+                      <a:pPr indent="0" lvl="0" marL="0" rtl="0" algn="l">
                         <a:spcBef>
                           <a:spcPts val="0"/>
                         </a:spcBef>
@@ -10136,14 +9692,14 @@
                       <a:endParaRPr/>
                     </a:p>
                   </a:txBody>
-                  <a:tcPr marL="91425" marR="91425" marT="91425" marB="91425"/>
+                  <a:tcPr marT="91425" marB="91425" marR="91425" marL="91425"/>
                 </a:tc>
                 <a:tc>
                   <a:txBody>
                     <a:bodyPr/>
                     <a:lstStyle/>
                     <a:p>
-                      <a:pPr marL="0" lvl="0" indent="0" algn="l" rtl="0">
+                      <a:pPr indent="0" lvl="0" marL="0" rtl="0" algn="l">
                         <a:spcBef>
                           <a:spcPts val="0"/>
                         </a:spcBef>
@@ -10159,13 +9715,8 @@
                       <a:endParaRPr/>
                     </a:p>
                   </a:txBody>
-                  <a:tcPr marL="91425" marR="91425" marT="91425" marB="91425"/>
+                  <a:tcPr marT="91425" marB="91425" marR="91425" marL="91425"/>
                 </a:tc>
-                <a:extLst>
-                  <a:ext uri="{0D108BD9-81ED-4DB2-BD59-A6C34878D82A}">
-                    <a16:rowId xmlns:a16="http://schemas.microsoft.com/office/drawing/2014/main" val="10004"/>
-                  </a:ext>
-                </a:extLst>
               </a:tr>
               <a:tr h="392650">
                 <a:tc>
@@ -10173,7 +9724,7 @@
                     <a:bodyPr/>
                     <a:lstStyle/>
                     <a:p>
-                      <a:pPr marL="0" lvl="0" indent="0" algn="l" rtl="0">
+                      <a:pPr indent="0" lvl="0" marL="0" rtl="0" algn="l">
                         <a:spcBef>
                           <a:spcPts val="0"/>
                         </a:spcBef>
@@ -10189,14 +9740,14 @@
                       <a:endParaRPr/>
                     </a:p>
                   </a:txBody>
-                  <a:tcPr marL="91425" marR="91425" marT="91425" marB="91425"/>
+                  <a:tcPr marT="91425" marB="91425" marR="91425" marL="91425"/>
                 </a:tc>
                 <a:tc>
                   <a:txBody>
                     <a:bodyPr/>
                     <a:lstStyle/>
                     <a:p>
-                      <a:pPr marL="0" lvl="0" indent="0" algn="l" rtl="0">
+                      <a:pPr indent="0" lvl="0" marL="0" rtl="0" algn="l">
                         <a:spcBef>
                           <a:spcPts val="0"/>
                         </a:spcBef>
@@ -10212,14 +9763,14 @@
                       <a:endParaRPr/>
                     </a:p>
                   </a:txBody>
-                  <a:tcPr marL="91425" marR="91425" marT="91425" marB="91425"/>
+                  <a:tcPr marT="91425" marB="91425" marR="91425" marL="91425"/>
                 </a:tc>
                 <a:tc>
                   <a:txBody>
                     <a:bodyPr/>
                     <a:lstStyle/>
                     <a:p>
-                      <a:pPr marL="0" lvl="0" indent="0" algn="l" rtl="0">
+                      <a:pPr indent="0" lvl="0" marL="0" rtl="0" algn="l">
                         <a:spcBef>
                           <a:spcPts val="0"/>
                         </a:spcBef>
@@ -10235,13 +9786,8 @@
                       <a:endParaRPr/>
                     </a:p>
                   </a:txBody>
-                  <a:tcPr marL="91425" marR="91425" marT="91425" marB="91425"/>
+                  <a:tcPr marT="91425" marB="91425" marR="91425" marL="91425"/>
                 </a:tc>
-                <a:extLst>
-                  <a:ext uri="{0D108BD9-81ED-4DB2-BD59-A6C34878D82A}">
-                    <a16:rowId xmlns:a16="http://schemas.microsoft.com/office/drawing/2014/main" val="10005"/>
-                  </a:ext>
-                </a:extLst>
               </a:tr>
               <a:tr h="392650">
                 <a:tc>
@@ -10249,7 +9795,7 @@
                     <a:bodyPr/>
                     <a:lstStyle/>
                     <a:p>
-                      <a:pPr marL="0" lvl="0" indent="0" algn="l" rtl="0">
+                      <a:pPr indent="0" lvl="0" marL="0" rtl="0" algn="l">
                         <a:spcBef>
                           <a:spcPts val="0"/>
                         </a:spcBef>
@@ -10265,14 +9811,14 @@
                       <a:endParaRPr/>
                     </a:p>
                   </a:txBody>
-                  <a:tcPr marL="91425" marR="91425" marT="91425" marB="91425"/>
+                  <a:tcPr marT="91425" marB="91425" marR="91425" marL="91425"/>
                 </a:tc>
                 <a:tc>
                   <a:txBody>
                     <a:bodyPr/>
                     <a:lstStyle/>
                     <a:p>
-                      <a:pPr marL="0" lvl="0" indent="0" algn="l" rtl="0">
+                      <a:pPr indent="0" lvl="0" marL="0" rtl="0" algn="l">
                         <a:spcBef>
                           <a:spcPts val="0"/>
                         </a:spcBef>
@@ -10288,14 +9834,14 @@
                       <a:endParaRPr/>
                     </a:p>
                   </a:txBody>
-                  <a:tcPr marL="91425" marR="91425" marT="91425" marB="91425"/>
+                  <a:tcPr marT="91425" marB="91425" marR="91425" marL="91425"/>
                 </a:tc>
                 <a:tc>
                   <a:txBody>
                     <a:bodyPr/>
                     <a:lstStyle/>
                     <a:p>
-                      <a:pPr marL="0" lvl="0" indent="0" algn="l" rtl="0">
+                      <a:pPr indent="0" lvl="0" marL="0" rtl="0" algn="l">
                         <a:spcBef>
                           <a:spcPts val="0"/>
                         </a:spcBef>
@@ -10311,13 +9857,8 @@
                       <a:endParaRPr/>
                     </a:p>
                   </a:txBody>
-                  <a:tcPr marL="91425" marR="91425" marT="91425" marB="91425"/>
+                  <a:tcPr marT="91425" marB="91425" marR="91425" marL="91425"/>
                 </a:tc>
-                <a:extLst>
-                  <a:ext uri="{0D108BD9-81ED-4DB2-BD59-A6C34878D82A}">
-                    <a16:rowId xmlns:a16="http://schemas.microsoft.com/office/drawing/2014/main" val="10006"/>
-                  </a:ext>
-                </a:extLst>
               </a:tr>
             </a:tbl>
           </a:graphicData>
@@ -10331,12 +9872,12 @@
 </p:sld>
 </file>
 
-<file path=ppt/slides/slide11.xml><?xml version="1.0" encoding="utf-8"?>
-<p:sld xmlns:a="http://schemas.openxmlformats.org/drawingml/2006/main" xmlns:r="http://schemas.openxmlformats.org/officeDocument/2006/relationships" xmlns:p="http://schemas.openxmlformats.org/presentationml/2006/main">
+<file path=ppt/slides/slide12.xml><?xml version="1.0" encoding="utf-8"?>
+<p:sld xmlns:a="http://schemas.openxmlformats.org/drawingml/2006/main" xmlns:r="http://schemas.openxmlformats.org/officeDocument/2006/relationships" xmlns:mc="http://schemas.openxmlformats.org/markup-compatibility/2006" xmlns:mv="urn:schemas-microsoft-com:mac:vml" xmlns:p="http://schemas.openxmlformats.org/presentationml/2006/main" xmlns:c="http://schemas.openxmlformats.org/drawingml/2006/chart" xmlns:dgm="http://schemas.openxmlformats.org/drawingml/2006/diagram" xmlns:o="urn:schemas-microsoft-com:office:office" xmlns:v="urn:schemas-microsoft-com:vml" xmlns:pvml="urn:schemas-microsoft-com:office:powerpoint" xmlns:com="http://schemas.openxmlformats.org/drawingml/2006/compatibility" xmlns:p14="http://schemas.microsoft.com/office/powerpoint/2010/main" xmlns:p15="http://schemas.microsoft.com/office/powerpoint/2012/main" xmlns:ahyp="http://schemas.microsoft.com/office/drawing/2018/hyperlinkcolor">
   <p:cSld>
     <p:spTree>
       <p:nvGrpSpPr>
-        <p:cNvPr id="1" name="Shape 157"/>
+        <p:cNvPr id="163" name="Shape 163"/>
         <p:cNvGrpSpPr/>
         <p:nvPr/>
       </p:nvGrpSpPr>
@@ -10350,10 +9891,8 @@
       </p:grpSpPr>
       <p:sp>
         <p:nvSpPr>
-          <p:cNvPr id="158" name="Google Shape;158;p23"/>
-          <p:cNvSpPr txBox="1">
-            <a:spLocks noGrp="1"/>
-          </p:cNvSpPr>
+          <p:cNvPr id="164" name="Google Shape;164;p24"/>
+          <p:cNvSpPr txBox="1"/>
           <p:nvPr>
             <p:ph type="title"/>
           </p:nvPr>
@@ -10368,12 +9907,12 @@
           </a:prstGeom>
         </p:spPr>
         <p:txBody>
-          <a:bodyPr spcFirstLastPara="1" wrap="square" lIns="91425" tIns="91425" rIns="91425" bIns="91425" anchor="t" anchorCtr="0">
+          <a:bodyPr anchorCtr="0" anchor="t" bIns="91425" lIns="91425" spcFirstLastPara="1" rIns="91425" wrap="square" tIns="91425">
             <a:normAutofit fontScale="90000"/>
           </a:bodyPr>
           <a:lstStyle/>
           <a:p>
-            <a:pPr marL="0" lvl="0" indent="0" algn="l" rtl="0">
+            <a:pPr indent="0" lvl="0" marL="0" rtl="0" algn="l">
               <a:spcBef>
                 <a:spcPts val="0"/>
               </a:spcBef>
@@ -10392,12 +9931,10 @@
       </p:sp>
       <p:sp>
         <p:nvSpPr>
-          <p:cNvPr id="159" name="Google Shape;159;p23"/>
-          <p:cNvSpPr txBox="1">
-            <a:spLocks noGrp="1"/>
-          </p:cNvSpPr>
+          <p:cNvPr id="165" name="Google Shape;165;p24"/>
+          <p:cNvSpPr txBox="1"/>
           <p:nvPr>
-            <p:ph type="body" idx="1"/>
+            <p:ph idx="1" type="body"/>
           </p:nvPr>
         </p:nvSpPr>
         <p:spPr>
@@ -10410,12 +9947,12 @@
           </a:prstGeom>
         </p:spPr>
         <p:txBody>
-          <a:bodyPr spcFirstLastPara="1" wrap="square" lIns="91425" tIns="91425" rIns="91425" bIns="91425" anchor="t" anchorCtr="0">
+          <a:bodyPr anchorCtr="0" anchor="t" bIns="91425" lIns="91425" spcFirstLastPara="1" rIns="91425" wrap="square" tIns="91425">
             <a:normAutofit fontScale="62500" lnSpcReduction="10000"/>
           </a:bodyPr>
           <a:lstStyle/>
           <a:p>
-            <a:pPr marL="0" lvl="0" indent="0" algn="l" rtl="0">
+            <a:pPr indent="0" lvl="0" marL="0" rtl="0" algn="l">
               <a:spcBef>
                 <a:spcPts val="0"/>
               </a:spcBef>
@@ -10436,7 +9973,7 @@
             <a:endParaRPr/>
           </a:p>
           <a:p>
-            <a:pPr marL="0" lvl="0" indent="0" algn="l" rtl="0">
+            <a:pPr indent="0" lvl="0" marL="0" rtl="0" algn="l">
               <a:spcBef>
                 <a:spcPts val="1200"/>
               </a:spcBef>
@@ -10445,10 +9982,13 @@
               </a:spcAft>
               <a:buNone/>
             </a:pPr>
+            <a:r>
+              <a:t/>
+            </a:r>
             <a:endParaRPr/>
           </a:p>
           <a:p>
-            <a:pPr marL="0" lvl="0" indent="0" algn="l" rtl="0">
+            <a:pPr indent="0" lvl="0" marL="0" rtl="0" algn="l">
               <a:spcBef>
                 <a:spcPts val="1200"/>
               </a:spcBef>
@@ -10464,7 +10004,7 @@
             <a:endParaRPr/>
           </a:p>
           <a:p>
-            <a:pPr marL="0" lvl="0" indent="0" algn="l" rtl="0">
+            <a:pPr indent="0" lvl="0" marL="0" rtl="0" algn="l">
               <a:spcBef>
                 <a:spcPts val="1200"/>
               </a:spcBef>
@@ -10480,7 +10020,7 @@
             <a:endParaRPr/>
           </a:p>
           <a:p>
-            <a:pPr marL="0" lvl="0" indent="0" algn="l" rtl="0">
+            <a:pPr indent="0" lvl="0" marL="0" rtl="0" algn="l">
               <a:spcBef>
                 <a:spcPts val="1200"/>
               </a:spcBef>
@@ -10489,10 +10029,13 @@
               </a:spcAft>
               <a:buNone/>
             </a:pPr>
+            <a:r>
+              <a:t/>
+            </a:r>
             <a:endParaRPr/>
           </a:p>
           <a:p>
-            <a:pPr marL="0" lvl="0" indent="0" algn="l" rtl="0">
+            <a:pPr indent="0" lvl="0" marL="0" rtl="0" algn="l">
               <a:spcBef>
                 <a:spcPts val="1200"/>
               </a:spcBef>
@@ -10508,7 +10051,7 @@
             <a:endParaRPr/>
           </a:p>
           <a:p>
-            <a:pPr marL="0" lvl="0" indent="0" algn="l" rtl="0">
+            <a:pPr indent="0" lvl="0" marL="0" rtl="0" algn="l">
               <a:spcBef>
                 <a:spcPts val="1200"/>
               </a:spcBef>
@@ -10533,7 +10076,7 @@
             <a:endParaRPr/>
           </a:p>
           <a:p>
-            <a:pPr marL="0" lvl="0" indent="0" algn="l" rtl="0">
+            <a:pPr indent="0" lvl="0" marL="0" rtl="0" algn="l">
               <a:spcBef>
                 <a:spcPts val="1200"/>
               </a:spcBef>
@@ -10542,10 +10085,13 @@
               </a:spcAft>
               <a:buNone/>
             </a:pPr>
+            <a:r>
+              <a:t/>
+            </a:r>
             <a:endParaRPr/>
           </a:p>
           <a:p>
-            <a:pPr marL="0" lvl="0" indent="0" algn="l" rtl="0">
+            <a:pPr indent="0" lvl="0" marL="0" rtl="0" algn="l">
               <a:spcBef>
                 <a:spcPts val="1200"/>
               </a:spcBef>
@@ -10554,10 +10100,13 @@
               </a:spcAft>
               <a:buNone/>
             </a:pPr>
+            <a:r>
+              <a:t/>
+            </a:r>
             <a:endParaRPr sz="1600"/>
           </a:p>
           <a:p>
-            <a:pPr marL="0" lvl="0" indent="0" algn="l" rtl="0">
+            <a:pPr indent="0" lvl="0" marL="0" rtl="0" algn="l">
               <a:spcBef>
                 <a:spcPts val="1200"/>
               </a:spcBef>
@@ -10566,6 +10115,9 @@
               </a:spcAft>
               <a:buNone/>
             </a:pPr>
+            <a:r>
+              <a:t/>
+            </a:r>
             <a:endParaRPr/>
           </a:p>
         </p:txBody>
@@ -10578,12 +10130,12 @@
 </p:sld>
 </file>
 
-<file path=ppt/slides/slide12.xml><?xml version="1.0" encoding="utf-8"?>
-<p:sld xmlns:a="http://schemas.openxmlformats.org/drawingml/2006/main" xmlns:r="http://schemas.openxmlformats.org/officeDocument/2006/relationships" xmlns:p="http://schemas.openxmlformats.org/presentationml/2006/main">
+<file path=ppt/slides/slide13.xml><?xml version="1.0" encoding="utf-8"?>
+<p:sld xmlns:a="http://schemas.openxmlformats.org/drawingml/2006/main" xmlns:r="http://schemas.openxmlformats.org/officeDocument/2006/relationships" xmlns:mc="http://schemas.openxmlformats.org/markup-compatibility/2006" xmlns:mv="urn:schemas-microsoft-com:mac:vml" xmlns:p="http://schemas.openxmlformats.org/presentationml/2006/main" xmlns:c="http://schemas.openxmlformats.org/drawingml/2006/chart" xmlns:dgm="http://schemas.openxmlformats.org/drawingml/2006/diagram" xmlns:o="urn:schemas-microsoft-com:office:office" xmlns:v="urn:schemas-microsoft-com:vml" xmlns:pvml="urn:schemas-microsoft-com:office:powerpoint" xmlns:com="http://schemas.openxmlformats.org/drawingml/2006/compatibility" xmlns:p14="http://schemas.microsoft.com/office/powerpoint/2010/main" xmlns:p15="http://schemas.microsoft.com/office/powerpoint/2012/main" xmlns:ahyp="http://schemas.microsoft.com/office/drawing/2018/hyperlinkcolor">
   <p:cSld>
     <p:spTree>
       <p:nvGrpSpPr>
-        <p:cNvPr id="1" name="Shape 163"/>
+        <p:cNvPr id="169" name="Shape 169"/>
         <p:cNvGrpSpPr/>
         <p:nvPr/>
       </p:nvGrpSpPr>
@@ -10597,10 +10149,8 @@
       </p:grpSpPr>
       <p:sp>
         <p:nvSpPr>
-          <p:cNvPr id="164" name="Google Shape;164;p24"/>
-          <p:cNvSpPr txBox="1">
-            <a:spLocks noGrp="1"/>
-          </p:cNvSpPr>
+          <p:cNvPr id="170" name="Google Shape;170;p25"/>
+          <p:cNvSpPr txBox="1"/>
           <p:nvPr>
             <p:ph type="title"/>
           </p:nvPr>
@@ -10615,12 +10165,12 @@
           </a:prstGeom>
         </p:spPr>
         <p:txBody>
-          <a:bodyPr spcFirstLastPara="1" wrap="square" lIns="91425" tIns="91425" rIns="91425" bIns="91425" anchor="t" anchorCtr="0">
+          <a:bodyPr anchorCtr="0" anchor="t" bIns="91425" lIns="91425" spcFirstLastPara="1" rIns="91425" wrap="square" tIns="91425">
             <a:normAutofit fontScale="90000"/>
           </a:bodyPr>
           <a:lstStyle/>
           <a:p>
-            <a:pPr marL="0" lvl="0" indent="0" algn="l" rtl="0">
+            <a:pPr indent="0" lvl="0" marL="0" rtl="0" algn="l">
               <a:spcBef>
                 <a:spcPts val="0"/>
               </a:spcBef>
@@ -10629,18 +10179,19 @@
               </a:spcAft>
               <a:buNone/>
             </a:pPr>
+            <a:r>
+              <a:t/>
+            </a:r>
             <a:endParaRPr/>
           </a:p>
         </p:txBody>
       </p:sp>
       <p:sp>
         <p:nvSpPr>
-          <p:cNvPr id="165" name="Google Shape;165;p24"/>
-          <p:cNvSpPr txBox="1">
-            <a:spLocks noGrp="1"/>
-          </p:cNvSpPr>
+          <p:cNvPr id="171" name="Google Shape;171;p25"/>
+          <p:cNvSpPr txBox="1"/>
           <p:nvPr>
-            <p:ph type="body" idx="1"/>
+            <p:ph idx="1" type="body"/>
           </p:nvPr>
         </p:nvSpPr>
         <p:spPr>
@@ -10653,12 +10204,12 @@
           </a:prstGeom>
         </p:spPr>
         <p:txBody>
-          <a:bodyPr spcFirstLastPara="1" wrap="square" lIns="91425" tIns="91425" rIns="91425" bIns="91425" anchor="t" anchorCtr="0">
+          <a:bodyPr anchorCtr="0" anchor="t" bIns="91425" lIns="91425" spcFirstLastPara="1" rIns="91425" wrap="square" tIns="91425">
             <a:noAutofit/>
           </a:bodyPr>
           <a:lstStyle/>
           <a:p>
-            <a:pPr marL="0" lvl="0" indent="0" algn="l" rtl="0">
+            <a:pPr indent="0" lvl="0" marL="0" rtl="0" algn="l">
               <a:spcBef>
                 <a:spcPts val="0"/>
               </a:spcBef>
@@ -10668,10 +10219,10 @@
               <a:buNone/>
             </a:pPr>
             <a:r>
-              <a:rPr lang="zh-HK" sz="3000" b="1"/>
+              <a:rPr b="1" lang="zh-HK" sz="3000"/>
               <a:t>感謝聆聽！</a:t>
             </a:r>
-            <a:endParaRPr sz="3000" b="1"/>
+            <a:endParaRPr b="1" sz="3000"/>
           </a:p>
         </p:txBody>
       </p:sp>
@@ -10683,12 +10234,12 @@
 </p:sld>
 </file>
 
-<file path=ppt/slides/slide13.xml><?xml version="1.0" encoding="utf-8"?>
-<p:sld xmlns:a="http://schemas.openxmlformats.org/drawingml/2006/main" xmlns:r="http://schemas.openxmlformats.org/officeDocument/2006/relationships" xmlns:p="http://schemas.openxmlformats.org/presentationml/2006/main">
+<file path=ppt/slides/slide14.xml><?xml version="1.0" encoding="utf-8"?>
+<p:sld xmlns:a="http://schemas.openxmlformats.org/drawingml/2006/main" xmlns:r="http://schemas.openxmlformats.org/officeDocument/2006/relationships" xmlns:mc="http://schemas.openxmlformats.org/markup-compatibility/2006" xmlns:mv="urn:schemas-microsoft-com:mac:vml" xmlns:p="http://schemas.openxmlformats.org/presentationml/2006/main" xmlns:c="http://schemas.openxmlformats.org/drawingml/2006/chart" xmlns:dgm="http://schemas.openxmlformats.org/drawingml/2006/diagram" xmlns:o="urn:schemas-microsoft-com:office:office" xmlns:v="urn:schemas-microsoft-com:vml" xmlns:pvml="urn:schemas-microsoft-com:office:powerpoint" xmlns:com="http://schemas.openxmlformats.org/drawingml/2006/compatibility" xmlns:p14="http://schemas.microsoft.com/office/powerpoint/2010/main" xmlns:p15="http://schemas.microsoft.com/office/powerpoint/2012/main" xmlns:ahyp="http://schemas.microsoft.com/office/drawing/2018/hyperlinkcolor">
   <p:cSld>
     <p:spTree>
       <p:nvGrpSpPr>
-        <p:cNvPr id="1" name="Shape 169"/>
+        <p:cNvPr id="175" name="Shape 175"/>
         <p:cNvGrpSpPr/>
         <p:nvPr/>
       </p:nvGrpSpPr>
@@ -10702,10 +10253,73 @@
       </p:grpSpPr>
       <p:sp>
         <p:nvSpPr>
-          <p:cNvPr id="170" name="Google Shape;170;p25"/>
-          <p:cNvSpPr txBox="1">
-            <a:spLocks noGrp="1"/>
-          </p:cNvSpPr>
+          <p:cNvPr id="176" name="Google Shape;176;p26"/>
+          <p:cNvSpPr txBox="1"/>
+          <p:nvPr>
+            <p:ph type="title"/>
+          </p:nvPr>
+        </p:nvSpPr>
+        <p:spPr>
+          <a:xfrm>
+            <a:off x="3698100" y="2022825"/>
+            <a:ext cx="1747800" cy="607800"/>
+          </a:xfrm>
+          <a:prstGeom prst="rect">
+            <a:avLst/>
+          </a:prstGeom>
+        </p:spPr>
+        <p:txBody>
+          <a:bodyPr anchorCtr="0" anchor="t" bIns="91425" lIns="91425" spcFirstLastPara="1" rIns="91425" wrap="square" tIns="91425">
+            <a:normAutofit fontScale="90000"/>
+          </a:bodyPr>
+          <a:lstStyle/>
+          <a:p>
+            <a:pPr indent="0" lvl="0" marL="0" rtl="0" algn="l">
+              <a:spcBef>
+                <a:spcPts val="0"/>
+              </a:spcBef>
+              <a:spcAft>
+                <a:spcPts val="0"/>
+              </a:spcAft>
+              <a:buNone/>
+            </a:pPr>
+            <a:r>
+              <a:rPr lang="zh-HK"/>
+              <a:t>問題時間</a:t>
+            </a:r>
+            <a:endParaRPr/>
+          </a:p>
+        </p:txBody>
+      </p:sp>
+    </p:spTree>
+  </p:cSld>
+  <p:clrMapOvr>
+    <a:masterClrMapping/>
+  </p:clrMapOvr>
+</p:sld>
+</file>
+
+<file path=ppt/slides/slide2.xml><?xml version="1.0" encoding="utf-8"?>
+<p:sld xmlns:a="http://schemas.openxmlformats.org/drawingml/2006/main" xmlns:r="http://schemas.openxmlformats.org/officeDocument/2006/relationships" xmlns:mc="http://schemas.openxmlformats.org/markup-compatibility/2006" xmlns:mv="urn:schemas-microsoft-com:mac:vml" xmlns:p="http://schemas.openxmlformats.org/presentationml/2006/main" xmlns:c="http://schemas.openxmlformats.org/drawingml/2006/chart" xmlns:dgm="http://schemas.openxmlformats.org/drawingml/2006/diagram" xmlns:o="urn:schemas-microsoft-com:office:office" xmlns:v="urn:schemas-microsoft-com:vml" xmlns:pvml="urn:schemas-microsoft-com:office:powerpoint" xmlns:com="http://schemas.openxmlformats.org/drawingml/2006/compatibility" xmlns:p14="http://schemas.microsoft.com/office/powerpoint/2010/main" xmlns:p15="http://schemas.microsoft.com/office/powerpoint/2012/main" xmlns:ahyp="http://schemas.microsoft.com/office/drawing/2018/hyperlinkcolor">
+  <p:cSld>
+    <p:spTree>
+      <p:nvGrpSpPr>
+        <p:cNvPr id="90" name="Shape 90"/>
+        <p:cNvGrpSpPr/>
+        <p:nvPr/>
+      </p:nvGrpSpPr>
+      <p:grpSpPr>
+        <a:xfrm>
+          <a:off x="0" y="0"/>
+          <a:ext cx="0" cy="0"/>
+          <a:chOff x="0" y="0"/>
+          <a:chExt cx="0" cy="0"/>
+        </a:xfrm>
+      </p:grpSpPr>
+      <p:sp>
+        <p:nvSpPr>
+          <p:cNvPr id="91" name="Google Shape;91;p14"/>
+          <p:cNvSpPr txBox="1"/>
           <p:nvPr>
             <p:ph type="title"/>
           </p:nvPr>
@@ -10720,12 +10334,12 @@
           </a:prstGeom>
         </p:spPr>
         <p:txBody>
-          <a:bodyPr spcFirstLastPara="1" wrap="square" lIns="91425" tIns="91425" rIns="91425" bIns="91425" anchor="t" anchorCtr="0">
+          <a:bodyPr anchorCtr="0" anchor="t" bIns="91425" lIns="91425" spcFirstLastPara="1" rIns="91425" wrap="square" tIns="91425">
             <a:normAutofit fontScale="90000"/>
           </a:bodyPr>
           <a:lstStyle/>
           <a:p>
-            <a:pPr marL="0" lvl="0" indent="0" algn="l" rtl="0">
+            <a:pPr indent="0" lvl="0" marL="0" rtl="0" algn="l">
               <a:spcBef>
                 <a:spcPts val="0"/>
               </a:spcBef>
@@ -10736,7 +10350,7 @@
             </a:pPr>
             <a:r>
               <a:rPr lang="zh-HK"/>
-              <a:t>講稿</a:t>
+              <a:t>簡介</a:t>
             </a:r>
             <a:endParaRPr/>
           </a:p>
@@ -10744,12 +10358,10 @@
       </p:sp>
       <p:sp>
         <p:nvSpPr>
-          <p:cNvPr id="171" name="Google Shape;171;p25"/>
-          <p:cNvSpPr txBox="1">
-            <a:spLocks noGrp="1"/>
-          </p:cNvSpPr>
+          <p:cNvPr id="92" name="Google Shape;92;p14"/>
+          <p:cNvSpPr txBox="1"/>
           <p:nvPr>
-            <p:ph type="body" idx="1"/>
+            <p:ph idx="1" type="body"/>
           </p:nvPr>
         </p:nvSpPr>
         <p:spPr>
@@ -10762,1343 +10374,28 @@
           </a:prstGeom>
         </p:spPr>
         <p:txBody>
-          <a:bodyPr spcFirstLastPara="1" wrap="square" lIns="91425" tIns="91425" rIns="91425" bIns="91425" anchor="t" anchorCtr="0">
-            <a:normAutofit fontScale="62500" lnSpcReduction="10000"/>
-          </a:bodyPr>
-          <a:lstStyle/>
-          <a:p>
-            <a:pPr marL="0" lvl="0" indent="0" algn="l" rtl="0">
-              <a:spcBef>
-                <a:spcPts val="0"/>
-              </a:spcBef>
-              <a:spcAft>
-                <a:spcPts val="0"/>
-              </a:spcAft>
-              <a:buNone/>
-            </a:pPr>
-            <a:r>
-              <a:rPr lang="zh-HK">
-                <a:latin typeface="Arial"/>
-                <a:ea typeface="Arial"/>
-                <a:cs typeface="Arial"/>
-                <a:sym typeface="Arial"/>
-              </a:rPr>
-              <a:t>（余送文）大家好</a:t>
-            </a:r>
-            <a:r>
-              <a:rPr lang="zh-HK"/>
-              <a:t>,</a:t>
-            </a:r>
-            <a:r>
-              <a:rPr lang="zh-HK">
-                <a:latin typeface="Arial"/>
-                <a:ea typeface="Arial"/>
-                <a:cs typeface="Arial"/>
-                <a:sym typeface="Arial"/>
-              </a:rPr>
-              <a:t>我哋喺第一組，我哋</a:t>
-            </a:r>
-            <a:r>
-              <a:rPr lang="zh-HK">
-                <a:solidFill>
-                  <a:srgbClr val="4D5156"/>
-                </a:solidFill>
-                <a:latin typeface="Arial"/>
-                <a:ea typeface="Arial"/>
-                <a:cs typeface="Arial"/>
-                <a:sym typeface="Arial"/>
-              </a:rPr>
-              <a:t>揀咗</a:t>
-            </a:r>
-            <a:r>
-              <a:rPr lang="zh-HK">
-                <a:latin typeface="Arial"/>
-                <a:ea typeface="Arial"/>
-                <a:cs typeface="Arial"/>
-                <a:sym typeface="Arial"/>
-              </a:rPr>
-              <a:t>了</a:t>
-            </a:r>
-            <a:r>
-              <a:rPr lang="zh-HK"/>
-              <a:t>JavaScript</a:t>
-            </a:r>
-            <a:r>
-              <a:rPr lang="zh-HK">
-                <a:latin typeface="Arial"/>
-                <a:ea typeface="Arial"/>
-                <a:cs typeface="Arial"/>
-                <a:sym typeface="Arial"/>
-              </a:rPr>
-              <a:t>去做呢個小遊戲，揀</a:t>
-            </a:r>
-            <a:r>
-              <a:rPr lang="zh-HK"/>
-              <a:t>JavaScript</a:t>
-            </a:r>
-            <a:r>
-              <a:rPr lang="zh-HK">
-                <a:latin typeface="Arial"/>
-                <a:ea typeface="Arial"/>
-                <a:cs typeface="Arial"/>
-                <a:sym typeface="Arial"/>
-              </a:rPr>
-              <a:t>係因為佢提供咗好多功能俾我哋去製作呢個小遊戲，我哋揀JavaScript以及HTML原因係可以令網頁乾淨、整潔，也可以跨平台使用以及可以方便協作。</a:t>
-            </a:r>
-            <a:endParaRPr>
-              <a:latin typeface="Arial"/>
-              <a:ea typeface="Arial"/>
-              <a:cs typeface="Arial"/>
-              <a:sym typeface="Arial"/>
-            </a:endParaRPr>
-          </a:p>
-          <a:p>
-            <a:pPr marL="0" lvl="0" indent="0" algn="l" rtl="0">
-              <a:spcBef>
-                <a:spcPts val="1200"/>
-              </a:spcBef>
-              <a:spcAft>
-                <a:spcPts val="0"/>
-              </a:spcAft>
-              <a:buNone/>
-            </a:pPr>
-            <a:r>
-              <a:rPr lang="zh-HK">
-                <a:latin typeface="Arial"/>
-                <a:ea typeface="Arial"/>
-                <a:cs typeface="Arial"/>
-                <a:sym typeface="Arial"/>
-              </a:rPr>
-              <a:t>（司徒翹慧）現在我哋將會展示我哋組製作的遊戲</a:t>
-            </a:r>
-            <a:r>
-              <a:rPr lang="zh-HK"/>
-              <a:t>.....</a:t>
-            </a:r>
-            <a:endParaRPr/>
-          </a:p>
-          <a:p>
-            <a:pPr marL="0" lvl="0" indent="0" algn="l" rtl="0">
-              <a:spcBef>
-                <a:spcPts val="1200"/>
-              </a:spcBef>
-              <a:spcAft>
-                <a:spcPts val="0"/>
-              </a:spcAft>
-              <a:buNone/>
-            </a:pPr>
-            <a:r>
-              <a:rPr lang="zh-HK">
-                <a:latin typeface="Arial"/>
-                <a:ea typeface="Arial"/>
-                <a:cs typeface="Arial"/>
-                <a:sym typeface="Arial"/>
-              </a:rPr>
-              <a:t>（楊信堯）額外功能</a:t>
-            </a:r>
-            <a:endParaRPr>
-              <a:latin typeface="Arial"/>
-              <a:ea typeface="Arial"/>
-              <a:cs typeface="Arial"/>
-              <a:sym typeface="Arial"/>
-            </a:endParaRPr>
-          </a:p>
-          <a:p>
-            <a:pPr marL="0" lvl="0" indent="0" algn="l" rtl="0">
-              <a:spcBef>
-                <a:spcPts val="1200"/>
-              </a:spcBef>
-              <a:spcAft>
-                <a:spcPts val="0"/>
-              </a:spcAft>
-              <a:buNone/>
-            </a:pPr>
-            <a:r>
-              <a:rPr lang="zh-HK">
-                <a:latin typeface="Arial"/>
-                <a:ea typeface="Arial"/>
-                <a:cs typeface="Arial"/>
-                <a:sym typeface="Arial"/>
-              </a:rPr>
-              <a:t>（蕭俊傑）我哋在製作過程中遇到許多困難的同時也學到一啲嘢，遇到嘅困難有：寫完代碼之後遊戲不能正常運行，導致只會贏不會輸也不會掉血的情況出現，到了終點不能開始新一輪。在製作選擇難度這版的時候在完成</a:t>
-            </a:r>
-            <a:r>
-              <a:rPr lang="zh-HK"/>
-              <a:t>HTML</a:t>
-            </a:r>
-            <a:r>
-              <a:rPr lang="zh-HK">
-                <a:latin typeface="Arial"/>
-                <a:ea typeface="Arial"/>
-                <a:cs typeface="Arial"/>
-                <a:sym typeface="Arial"/>
-              </a:rPr>
-              <a:t>後對</a:t>
-            </a:r>
-            <a:r>
-              <a:rPr lang="zh-HK"/>
-              <a:t>JavaScript</a:t>
-            </a:r>
-            <a:r>
-              <a:rPr lang="zh-HK">
-                <a:latin typeface="Arial"/>
-                <a:ea typeface="Arial"/>
-                <a:cs typeface="Arial"/>
-                <a:sym typeface="Arial"/>
-              </a:rPr>
-              <a:t>無從下手，特別是開頭的時候，其次在製作完之後選擇咗難度但沒有反應。</a:t>
-            </a:r>
-            <a:endParaRPr>
-              <a:latin typeface="Arial"/>
-              <a:ea typeface="Arial"/>
-              <a:cs typeface="Arial"/>
-              <a:sym typeface="Arial"/>
-            </a:endParaRPr>
-          </a:p>
-          <a:p>
-            <a:pPr marL="0" lvl="0" indent="0" algn="l" rtl="0">
-              <a:spcBef>
-                <a:spcPts val="0"/>
-              </a:spcBef>
-              <a:spcAft>
-                <a:spcPts val="0"/>
-              </a:spcAft>
-              <a:buNone/>
-            </a:pPr>
-            <a:r>
-              <a:rPr lang="zh-HK">
-                <a:latin typeface="Arial"/>
-                <a:ea typeface="Arial"/>
-                <a:cs typeface="Arial"/>
-                <a:sym typeface="Arial"/>
-              </a:rPr>
-              <a:t>（楊信堯）解決方法（自行發揮）</a:t>
-            </a:r>
-            <a:endParaRPr>
-              <a:latin typeface="Arial"/>
-              <a:ea typeface="Arial"/>
-              <a:cs typeface="Arial"/>
-              <a:sym typeface="Arial"/>
-            </a:endParaRPr>
-          </a:p>
-          <a:p>
-            <a:pPr marL="0" lvl="0" indent="0" algn="l" rtl="0">
-              <a:spcBef>
-                <a:spcPts val="0"/>
-              </a:spcBef>
-              <a:spcAft>
-                <a:spcPts val="0"/>
-              </a:spcAft>
-              <a:buNone/>
-            </a:pPr>
-            <a:r>
-              <a:rPr lang="zh-HK">
-                <a:latin typeface="Arial"/>
-                <a:ea typeface="Arial"/>
-                <a:cs typeface="Arial"/>
-                <a:sym typeface="Arial"/>
-              </a:rPr>
-              <a:t>（司徒翹慧）我哋在過程中學到嘅嘢，例如如何設計網頁、如何去用畫圖程式去畫標誌、如何去處理困難以及学到團隊合作，每一個人都有为完善呢個遊戲提供意见。</a:t>
-            </a:r>
-            <a:endParaRPr>
-              <a:latin typeface="Arial"/>
-              <a:ea typeface="Arial"/>
-              <a:cs typeface="Arial"/>
-              <a:sym typeface="Arial"/>
-            </a:endParaRPr>
-          </a:p>
-          <a:p>
-            <a:pPr marL="0" lvl="0" indent="0" algn="l" rtl="0">
-              <a:spcBef>
-                <a:spcPts val="0"/>
-              </a:spcBef>
-              <a:spcAft>
-                <a:spcPts val="0"/>
-              </a:spcAft>
-              <a:buNone/>
-            </a:pPr>
-            <a:endParaRPr/>
-          </a:p>
-          <a:p>
-            <a:pPr marL="0" lvl="0" indent="0" algn="l" rtl="0">
-              <a:spcBef>
-                <a:spcPts val="1200"/>
-              </a:spcBef>
-              <a:spcAft>
-                <a:spcPts val="0"/>
-              </a:spcAft>
-              <a:buNone/>
-            </a:pPr>
-            <a:endParaRPr/>
-          </a:p>
-          <a:p>
-            <a:pPr marL="0" lvl="0" indent="0" algn="l" rtl="0">
-              <a:spcBef>
-                <a:spcPts val="1200"/>
-              </a:spcBef>
-              <a:spcAft>
-                <a:spcPts val="1200"/>
-              </a:spcAft>
-              <a:buNone/>
-            </a:pPr>
-            <a:endParaRPr/>
-          </a:p>
-        </p:txBody>
-      </p:sp>
-    </p:spTree>
-  </p:cSld>
-  <p:clrMapOvr>
-    <a:masterClrMapping/>
-  </p:clrMapOvr>
-</p:sld>
-</file>
-
-<file path=ppt/slides/slide14.xml><?xml version="1.0" encoding="utf-8"?>
-<p:sld xmlns:a="http://schemas.openxmlformats.org/drawingml/2006/main" xmlns:r="http://schemas.openxmlformats.org/officeDocument/2006/relationships" xmlns:p="http://schemas.openxmlformats.org/presentationml/2006/main">
-  <p:cSld>
-    <p:spTree>
-      <p:nvGrpSpPr>
-        <p:cNvPr id="1" name="Shape 175"/>
-        <p:cNvGrpSpPr/>
-        <p:nvPr/>
-      </p:nvGrpSpPr>
-      <p:grpSpPr>
-        <a:xfrm>
-          <a:off x="0" y="0"/>
-          <a:ext cx="0" cy="0"/>
-          <a:chOff x="0" y="0"/>
-          <a:chExt cx="0" cy="0"/>
-        </a:xfrm>
-      </p:grpSpPr>
-      <p:sp>
-        <p:nvSpPr>
-          <p:cNvPr id="176" name="Google Shape;176;p26"/>
-          <p:cNvSpPr txBox="1">
-            <a:spLocks noGrp="1"/>
-          </p:cNvSpPr>
-          <p:nvPr>
-            <p:ph type="title"/>
-          </p:nvPr>
-        </p:nvSpPr>
-        <p:spPr>
-          <a:xfrm>
-            <a:off x="311700" y="410000"/>
-            <a:ext cx="8520600" cy="607800"/>
-          </a:xfrm>
-          <a:prstGeom prst="rect">
-            <a:avLst/>
-          </a:prstGeom>
-        </p:spPr>
-        <p:txBody>
-          <a:bodyPr spcFirstLastPara="1" wrap="square" lIns="91425" tIns="91425" rIns="91425" bIns="91425" anchor="t" anchorCtr="0">
-            <a:normAutofit fontScale="90000"/>
-          </a:bodyPr>
-          <a:lstStyle/>
-          <a:p>
-            <a:pPr marL="0" lvl="0" indent="0" algn="l" rtl="0">
-              <a:spcBef>
-                <a:spcPts val="0"/>
-              </a:spcBef>
-              <a:spcAft>
-                <a:spcPts val="0"/>
-              </a:spcAft>
-              <a:buNone/>
-            </a:pPr>
-            <a:r>
-              <a:rPr lang="zh-HK"/>
-              <a:t>附加功能</a:t>
-            </a:r>
-            <a:endParaRPr/>
-          </a:p>
-        </p:txBody>
-      </p:sp>
-      <p:sp>
-        <p:nvSpPr>
-          <p:cNvPr id="177" name="Google Shape;177;p26"/>
-          <p:cNvSpPr txBox="1">
-            <a:spLocks noGrp="1"/>
-          </p:cNvSpPr>
-          <p:nvPr>
-            <p:ph type="body" idx="1"/>
-          </p:nvPr>
-        </p:nvSpPr>
-        <p:spPr>
-          <a:xfrm>
-            <a:off x="311700" y="1229875"/>
-            <a:ext cx="8520600" cy="3339000"/>
-          </a:xfrm>
-          <a:prstGeom prst="rect">
-            <a:avLst/>
-          </a:prstGeom>
-        </p:spPr>
-        <p:txBody>
-          <a:bodyPr spcFirstLastPara="1" wrap="square" lIns="91425" tIns="91425" rIns="91425" bIns="91425" anchor="t" anchorCtr="0">
-            <a:normAutofit fontScale="25000" lnSpcReduction="20000"/>
-          </a:bodyPr>
-          <a:lstStyle/>
-          <a:p>
-            <a:pPr marL="0" lvl="0" indent="0" algn="l" rtl="0">
-              <a:spcBef>
-                <a:spcPts val="0"/>
-              </a:spcBef>
-              <a:spcAft>
-                <a:spcPts val="0"/>
-              </a:spcAft>
-              <a:buNone/>
-            </a:pPr>
-            <a:r>
-              <a:rPr lang="zh-HK" sz="6830"/>
-              <a:t>~作弊碼</a:t>
-            </a:r>
-            <a:endParaRPr sz="6830"/>
-          </a:p>
-          <a:p>
-            <a:pPr marL="0" lvl="0" indent="0" algn="l" rtl="0">
-              <a:spcBef>
-                <a:spcPts val="1200"/>
-              </a:spcBef>
-              <a:spcAft>
-                <a:spcPts val="0"/>
-              </a:spcAft>
-              <a:buNone/>
-            </a:pPr>
-            <a:r>
-              <a:rPr lang="zh-HK" sz="6830"/>
-              <a:t>~</a:t>
-            </a:r>
-            <a:r>
-              <a:rPr lang="zh-HK" sz="6830">
-                <a:solidFill>
-                  <a:srgbClr val="24292F"/>
-                </a:solidFill>
-                <a:latin typeface="Arial"/>
-                <a:ea typeface="Arial"/>
-                <a:cs typeface="Arial"/>
-                <a:sym typeface="Arial"/>
-              </a:rPr>
-              <a:t>在落敗時嘲諷玩家(Rick Roll)</a:t>
-            </a:r>
-            <a:endParaRPr sz="6830">
-              <a:solidFill>
-                <a:srgbClr val="24292F"/>
-              </a:solidFill>
-              <a:latin typeface="Arial"/>
-              <a:ea typeface="Arial"/>
-              <a:cs typeface="Arial"/>
-              <a:sym typeface="Arial"/>
-            </a:endParaRPr>
-          </a:p>
-          <a:p>
-            <a:pPr marL="0" lvl="0" indent="0" algn="l" rtl="0">
-              <a:spcBef>
-                <a:spcPts val="1200"/>
-              </a:spcBef>
-              <a:spcAft>
-                <a:spcPts val="0"/>
-              </a:spcAft>
-              <a:buNone/>
-            </a:pPr>
-            <a:r>
-              <a:rPr lang="zh-HK" sz="6830">
-                <a:solidFill>
-                  <a:srgbClr val="24292F"/>
-                </a:solidFill>
-                <a:latin typeface="Arial"/>
-                <a:ea typeface="Arial"/>
-                <a:cs typeface="Arial"/>
-                <a:sym typeface="Arial"/>
-              </a:rPr>
-              <a:t>~在獲勝時給予驚喜(????)</a:t>
-            </a:r>
-            <a:endParaRPr sz="6830">
-              <a:solidFill>
-                <a:srgbClr val="24292F"/>
-              </a:solidFill>
-              <a:latin typeface="Arial"/>
-              <a:ea typeface="Arial"/>
-              <a:cs typeface="Arial"/>
-              <a:sym typeface="Arial"/>
-            </a:endParaRPr>
-          </a:p>
-          <a:p>
-            <a:pPr marL="0" lvl="0" indent="0" algn="l" rtl="0">
-              <a:spcBef>
-                <a:spcPts val="1200"/>
-              </a:spcBef>
-              <a:spcAft>
-                <a:spcPts val="0"/>
-              </a:spcAft>
-              <a:buNone/>
-            </a:pPr>
-            <a:r>
-              <a:rPr lang="zh-HK" sz="6830">
-                <a:solidFill>
-                  <a:srgbClr val="24292F"/>
-                </a:solidFill>
-                <a:latin typeface="Arial"/>
-                <a:ea typeface="Arial"/>
-                <a:cs typeface="Arial"/>
-                <a:sym typeface="Arial"/>
-              </a:rPr>
-              <a:t>~小工具</a:t>
-            </a:r>
-            <a:endParaRPr sz="6830">
-              <a:solidFill>
-                <a:srgbClr val="24292F"/>
-              </a:solidFill>
-              <a:latin typeface="Arial"/>
-              <a:ea typeface="Arial"/>
-              <a:cs typeface="Arial"/>
-              <a:sym typeface="Arial"/>
-            </a:endParaRPr>
-          </a:p>
-          <a:p>
-            <a:pPr marL="0" lvl="0" indent="0" algn="l" rtl="0">
-              <a:spcBef>
-                <a:spcPts val="1200"/>
-              </a:spcBef>
-              <a:spcAft>
-                <a:spcPts val="0"/>
-              </a:spcAft>
-              <a:buNone/>
-            </a:pPr>
-            <a:r>
-              <a:rPr lang="zh-HK" sz="6830">
-                <a:solidFill>
-                  <a:srgbClr val="24292F"/>
-                </a:solidFill>
-                <a:latin typeface="Arial"/>
-                <a:ea typeface="Arial"/>
-                <a:cs typeface="Arial"/>
-                <a:sym typeface="Arial"/>
-              </a:rPr>
-              <a:t>~音樂</a:t>
-            </a:r>
-            <a:endParaRPr sz="6830">
-              <a:solidFill>
-                <a:srgbClr val="24292F"/>
-              </a:solidFill>
-              <a:latin typeface="Arial"/>
-              <a:ea typeface="Arial"/>
-              <a:cs typeface="Arial"/>
-              <a:sym typeface="Arial"/>
-            </a:endParaRPr>
-          </a:p>
-          <a:p>
-            <a:pPr marL="0" lvl="0" indent="0" algn="l" rtl="0">
-              <a:spcBef>
-                <a:spcPts val="1200"/>
-              </a:spcBef>
-              <a:spcAft>
-                <a:spcPts val="0"/>
-              </a:spcAft>
-              <a:buNone/>
-            </a:pPr>
-            <a:r>
-              <a:rPr lang="zh-HK" sz="6830">
-                <a:solidFill>
-                  <a:srgbClr val="24292F"/>
-                </a:solidFill>
-                <a:latin typeface="Arial"/>
-                <a:ea typeface="Arial"/>
-                <a:cs typeface="Arial"/>
-                <a:sym typeface="Arial"/>
-              </a:rPr>
-              <a:t>~我們增加了兩個遊戲難度</a:t>
-            </a:r>
-            <a:endParaRPr sz="6830" b="1">
-              <a:solidFill>
-                <a:srgbClr val="000000"/>
-              </a:solidFill>
-              <a:latin typeface="Arial"/>
-              <a:ea typeface="Arial"/>
-              <a:cs typeface="Arial"/>
-              <a:sym typeface="Arial"/>
-            </a:endParaRPr>
-          </a:p>
-          <a:p>
-            <a:pPr marL="0" lvl="0" indent="0" algn="l" rtl="0">
-              <a:spcBef>
-                <a:spcPts val="1200"/>
-              </a:spcBef>
-              <a:spcAft>
-                <a:spcPts val="0"/>
-              </a:spcAft>
-              <a:buNone/>
-            </a:pPr>
-            <a:endParaRPr sz="1700" b="1">
-              <a:solidFill>
-                <a:srgbClr val="000000"/>
-              </a:solidFill>
-              <a:latin typeface="Arial"/>
-              <a:ea typeface="Arial"/>
-              <a:cs typeface="Arial"/>
-              <a:sym typeface="Arial"/>
-            </a:endParaRPr>
-          </a:p>
-          <a:p>
-            <a:pPr marL="0" lvl="0" indent="0" algn="l" rtl="0">
-              <a:spcBef>
-                <a:spcPts val="1200"/>
-              </a:spcBef>
-              <a:spcAft>
-                <a:spcPts val="0"/>
-              </a:spcAft>
-              <a:buNone/>
-            </a:pPr>
-            <a:endParaRPr sz="1650">
-              <a:solidFill>
-                <a:srgbClr val="24292F"/>
-              </a:solidFill>
-              <a:latin typeface="Arial"/>
-              <a:ea typeface="Arial"/>
-              <a:cs typeface="Arial"/>
-              <a:sym typeface="Arial"/>
-            </a:endParaRPr>
-          </a:p>
-          <a:p>
-            <a:pPr marL="0" lvl="0" indent="0" algn="l" rtl="0">
-              <a:spcBef>
-                <a:spcPts val="1200"/>
-              </a:spcBef>
-              <a:spcAft>
-                <a:spcPts val="0"/>
-              </a:spcAft>
-              <a:buNone/>
-            </a:pPr>
-            <a:endParaRPr/>
-          </a:p>
-          <a:p>
-            <a:pPr marL="0" lvl="0" indent="0" algn="l" rtl="0">
-              <a:spcBef>
-                <a:spcPts val="1200"/>
-              </a:spcBef>
-              <a:spcAft>
-                <a:spcPts val="1200"/>
-              </a:spcAft>
-              <a:buNone/>
-            </a:pPr>
-            <a:endParaRPr/>
-          </a:p>
-        </p:txBody>
-      </p:sp>
-    </p:spTree>
-  </p:cSld>
-  <p:clrMapOvr>
-    <a:masterClrMapping/>
-  </p:clrMapOvr>
-</p:sld>
-</file>
-
-<file path=ppt/slides/slide15.xml><?xml version="1.0" encoding="utf-8"?>
-<p:sld xmlns:a="http://schemas.openxmlformats.org/drawingml/2006/main" xmlns:r="http://schemas.openxmlformats.org/officeDocument/2006/relationships" xmlns:p="http://schemas.openxmlformats.org/presentationml/2006/main">
-  <p:cSld>
-    <p:spTree>
-      <p:nvGrpSpPr>
-        <p:cNvPr id="1" name="Shape 181"/>
-        <p:cNvGrpSpPr/>
-        <p:nvPr/>
-      </p:nvGrpSpPr>
-      <p:grpSpPr>
-        <a:xfrm>
-          <a:off x="0" y="0"/>
-          <a:ext cx="0" cy="0"/>
-          <a:chOff x="0" y="0"/>
-          <a:chExt cx="0" cy="0"/>
-        </a:xfrm>
-      </p:grpSpPr>
-      <p:sp>
-        <p:nvSpPr>
-          <p:cNvPr id="182" name="Google Shape;182;p27"/>
-          <p:cNvSpPr txBox="1">
-            <a:spLocks noGrp="1"/>
-          </p:cNvSpPr>
-          <p:nvPr>
-            <p:ph type="title"/>
-          </p:nvPr>
-        </p:nvSpPr>
-        <p:spPr>
-          <a:xfrm>
-            <a:off x="311700" y="410000"/>
-            <a:ext cx="8520600" cy="607800"/>
-          </a:xfrm>
-          <a:prstGeom prst="rect">
-            <a:avLst/>
-          </a:prstGeom>
-        </p:spPr>
-        <p:txBody>
-          <a:bodyPr spcFirstLastPara="1" wrap="square" lIns="91425" tIns="91425" rIns="91425" bIns="91425" anchor="t" anchorCtr="0">
-            <a:normAutofit fontScale="90000"/>
-          </a:bodyPr>
-          <a:lstStyle/>
-          <a:p>
-            <a:pPr marL="0" lvl="0" indent="0" algn="l" rtl="0">
-              <a:spcBef>
-                <a:spcPts val="0"/>
-              </a:spcBef>
-              <a:spcAft>
-                <a:spcPts val="0"/>
-              </a:spcAft>
-              <a:buNone/>
-            </a:pPr>
-            <a:endParaRPr/>
-          </a:p>
-        </p:txBody>
-      </p:sp>
-      <p:sp>
-        <p:nvSpPr>
-          <p:cNvPr id="183" name="Google Shape;183;p27"/>
-          <p:cNvSpPr txBox="1">
-            <a:spLocks noGrp="1"/>
-          </p:cNvSpPr>
-          <p:nvPr>
-            <p:ph type="body" idx="1"/>
-          </p:nvPr>
-        </p:nvSpPr>
-        <p:spPr>
-          <a:xfrm>
-            <a:off x="311700" y="1229875"/>
-            <a:ext cx="8520600" cy="3339000"/>
-          </a:xfrm>
-          <a:prstGeom prst="rect">
-            <a:avLst/>
-          </a:prstGeom>
-        </p:spPr>
-        <p:txBody>
-          <a:bodyPr spcFirstLastPara="1" wrap="square" lIns="91425" tIns="91425" rIns="91425" bIns="91425" anchor="t" anchorCtr="0">
+          <a:bodyPr anchorCtr="0" anchor="t" bIns="91425" lIns="91425" spcFirstLastPara="1" rIns="91425" wrap="square" tIns="91425">
             <a:normAutofit/>
           </a:bodyPr>
           <a:lstStyle/>
           <a:p>
-            <a:pPr marL="0" lvl="0" indent="0" algn="ctr" rtl="0">
-              <a:lnSpc>
-                <a:spcPct val="100000"/>
-              </a:lnSpc>
-              <a:spcBef>
-                <a:spcPts val="0"/>
-              </a:spcBef>
-              <a:spcAft>
-                <a:spcPts val="0"/>
-              </a:spcAft>
-              <a:buClr>
-                <a:schemeClr val="dk1"/>
-              </a:buClr>
-              <a:buSzPts val="1100"/>
-              <a:buFont typeface="Arial"/>
+            <a:pPr indent="0" lvl="0" marL="0" rtl="0" algn="l">
+              <a:spcBef>
+                <a:spcPts val="0"/>
+              </a:spcBef>
+              <a:spcAft>
+                <a:spcPts val="0"/>
+              </a:spcAft>
               <a:buNone/>
             </a:pPr>
             <a:r>
-              <a:rPr lang="zh-HK" sz="2800"/>
-              <a:t>•	Introduction</a:t>
+              <a:rPr lang="zh-HK" sz="2100"/>
+              <a:t>我們接下來會介紹：</a:t>
             </a:r>
-            <a:endParaRPr sz="2800"/>
+            <a:endParaRPr sz="2100"/>
           </a:p>
           <a:p>
-            <a:pPr marL="0" lvl="0" indent="0" algn="ctr" rtl="0">
-              <a:lnSpc>
-                <a:spcPct val="100000"/>
-              </a:lnSpc>
-              <a:spcBef>
-                <a:spcPts val="0"/>
-              </a:spcBef>
-              <a:spcAft>
-                <a:spcPts val="0"/>
-              </a:spcAft>
-              <a:buClr>
-                <a:schemeClr val="dk1"/>
-              </a:buClr>
-              <a:buSzPts val="1100"/>
-              <a:buFont typeface="Arial"/>
-              <a:buNone/>
-            </a:pPr>
-            <a:r>
-              <a:rPr lang="zh-HK" sz="2800"/>
-              <a:t>•	Reasons to choose and implement the application using web app or mobile app technology</a:t>
-            </a:r>
-            <a:endParaRPr sz="2800"/>
-          </a:p>
-          <a:p>
-            <a:pPr marL="0" lvl="0" indent="0" algn="ctr" rtl="0">
-              <a:lnSpc>
-                <a:spcPct val="100000"/>
-              </a:lnSpc>
-              <a:spcBef>
-                <a:spcPts val="0"/>
-              </a:spcBef>
-              <a:spcAft>
-                <a:spcPts val="0"/>
-              </a:spcAft>
-              <a:buClr>
-                <a:schemeClr val="dk1"/>
-              </a:buClr>
-              <a:buSzPts val="1100"/>
-              <a:buFont typeface="Arial"/>
-              <a:buNone/>
-            </a:pPr>
-            <a:r>
-              <a:rPr lang="zh-HK" sz="2800"/>
-              <a:t>•	Prototype making experience</a:t>
-            </a:r>
-            <a:endParaRPr sz="2800"/>
-          </a:p>
-          <a:p>
-            <a:pPr marL="0" lvl="0" indent="0" algn="ctr" rtl="0">
-              <a:lnSpc>
-                <a:spcPct val="100000"/>
-              </a:lnSpc>
-              <a:spcBef>
-                <a:spcPts val="0"/>
-              </a:spcBef>
-              <a:spcAft>
-                <a:spcPts val="0"/>
-              </a:spcAft>
-              <a:buClr>
-                <a:schemeClr val="dk1"/>
-              </a:buClr>
-              <a:buSzPts val="1100"/>
-              <a:buFont typeface="Arial"/>
-              <a:buNone/>
-            </a:pPr>
-            <a:r>
-              <a:rPr lang="zh-HK" sz="2800"/>
-              <a:t>•	Live demo of the app prototype</a:t>
-            </a:r>
-            <a:endParaRPr sz="2800"/>
-          </a:p>
-          <a:p>
-            <a:pPr marL="0" lvl="0" indent="0" algn="ctr" rtl="0">
-              <a:lnSpc>
-                <a:spcPct val="100000"/>
-              </a:lnSpc>
-              <a:spcBef>
-                <a:spcPts val="0"/>
-              </a:spcBef>
-              <a:spcAft>
-                <a:spcPts val="0"/>
-              </a:spcAft>
-              <a:buClr>
-                <a:schemeClr val="dk1"/>
-              </a:buClr>
-              <a:buSzPts val="1100"/>
-              <a:buFont typeface="Arial"/>
-              <a:buNone/>
-            </a:pPr>
-            <a:r>
-              <a:rPr lang="zh-HK" sz="2800"/>
-              <a:t>•	Difficulties encountered</a:t>
-            </a:r>
-            <a:endParaRPr sz="2800"/>
-          </a:p>
-          <a:p>
-            <a:pPr marL="0" lvl="0" indent="0" algn="ctr" rtl="0">
-              <a:lnSpc>
-                <a:spcPct val="100000"/>
-              </a:lnSpc>
-              <a:spcBef>
-                <a:spcPts val="0"/>
-              </a:spcBef>
-              <a:spcAft>
-                <a:spcPts val="0"/>
-              </a:spcAft>
-              <a:buClr>
-                <a:schemeClr val="dk1"/>
-              </a:buClr>
-              <a:buSzPts val="1100"/>
-              <a:buFont typeface="Arial"/>
-              <a:buNone/>
-            </a:pPr>
-            <a:r>
-              <a:rPr lang="zh-HK" sz="2800"/>
-              <a:t>•	Conclusion</a:t>
-            </a:r>
-            <a:endParaRPr/>
-          </a:p>
-        </p:txBody>
-      </p:sp>
-    </p:spTree>
-  </p:cSld>
-  <p:clrMapOvr>
-    <a:masterClrMapping/>
-  </p:clrMapOvr>
-</p:sld>
-</file>
-
-<file path=ppt/slides/slide16.xml><?xml version="1.0" encoding="utf-8"?>
-<p:sld xmlns:a="http://schemas.openxmlformats.org/drawingml/2006/main" xmlns:r="http://schemas.openxmlformats.org/officeDocument/2006/relationships" xmlns:p="http://schemas.openxmlformats.org/presentationml/2006/main">
-  <p:cSld>
-    <p:spTree>
-      <p:nvGrpSpPr>
-        <p:cNvPr id="1" name="Shape 187"/>
-        <p:cNvGrpSpPr/>
-        <p:nvPr/>
-      </p:nvGrpSpPr>
-      <p:grpSpPr>
-        <a:xfrm>
-          <a:off x="0" y="0"/>
-          <a:ext cx="0" cy="0"/>
-          <a:chOff x="0" y="0"/>
-          <a:chExt cx="0" cy="0"/>
-        </a:xfrm>
-      </p:grpSpPr>
-      <p:sp>
-        <p:nvSpPr>
-          <p:cNvPr id="188" name="Google Shape;188;p28"/>
-          <p:cNvSpPr txBox="1">
-            <a:spLocks noGrp="1"/>
-          </p:cNvSpPr>
-          <p:nvPr>
-            <p:ph type="title"/>
-          </p:nvPr>
-        </p:nvSpPr>
-        <p:spPr>
-          <a:xfrm>
-            <a:off x="311700" y="410000"/>
-            <a:ext cx="8520600" cy="607800"/>
-          </a:xfrm>
-          <a:prstGeom prst="rect">
-            <a:avLst/>
-          </a:prstGeom>
-        </p:spPr>
-        <p:txBody>
-          <a:bodyPr spcFirstLastPara="1" wrap="square" lIns="91425" tIns="91425" rIns="91425" bIns="91425" anchor="t" anchorCtr="0">
-            <a:normAutofit fontScale="90000"/>
-          </a:bodyPr>
-          <a:lstStyle/>
-          <a:p>
-            <a:pPr marL="0" lvl="0" indent="0" algn="l" rtl="0">
-              <a:spcBef>
-                <a:spcPts val="0"/>
-              </a:spcBef>
-              <a:spcAft>
-                <a:spcPts val="0"/>
-              </a:spcAft>
-              <a:buNone/>
-            </a:pPr>
-            <a:r>
-              <a:rPr lang="zh-HK"/>
-              <a:t>遇到的困難</a:t>
-            </a:r>
-            <a:endParaRPr/>
-          </a:p>
-        </p:txBody>
-      </p:sp>
-      <p:sp>
-        <p:nvSpPr>
-          <p:cNvPr id="189" name="Google Shape;189;p28"/>
-          <p:cNvSpPr txBox="1">
-            <a:spLocks noGrp="1"/>
-          </p:cNvSpPr>
-          <p:nvPr>
-            <p:ph type="body" idx="1"/>
-          </p:nvPr>
-        </p:nvSpPr>
-        <p:spPr>
-          <a:xfrm>
-            <a:off x="151025" y="1229875"/>
-            <a:ext cx="8759100" cy="3339000"/>
-          </a:xfrm>
-          <a:prstGeom prst="rect">
-            <a:avLst/>
-          </a:prstGeom>
-        </p:spPr>
-        <p:txBody>
-          <a:bodyPr spcFirstLastPara="1" wrap="square" lIns="91425" tIns="91425" rIns="91425" bIns="91425" anchor="t" anchorCtr="0">
-            <a:normAutofit/>
-          </a:bodyPr>
-          <a:lstStyle/>
-          <a:p>
-            <a:pPr marL="0" lvl="0" indent="0" algn="l" rtl="0">
-              <a:spcBef>
-                <a:spcPts val="0"/>
-              </a:spcBef>
-              <a:spcAft>
-                <a:spcPts val="0"/>
-              </a:spcAft>
-              <a:buNone/>
-            </a:pPr>
-            <a:r>
-              <a:rPr lang="zh-HK"/>
-              <a:t>~組員增加了兩個遊戲難度令我工作量增加</a:t>
-            </a:r>
-            <a:endParaRPr/>
-          </a:p>
-          <a:p>
-            <a:pPr marL="0" lvl="0" indent="0" algn="l" rtl="0">
-              <a:spcBef>
-                <a:spcPts val="1200"/>
-              </a:spcBef>
-              <a:spcAft>
-                <a:spcPts val="0"/>
-              </a:spcAft>
-              <a:buNone/>
-            </a:pPr>
-            <a:r>
-              <a:rPr lang="zh-HK"/>
-              <a:t>~在作弊碼那一部分無從下手。所需的額外功能較多，一時間不知怎麼去做好。</a:t>
-            </a:r>
-            <a:endParaRPr/>
-          </a:p>
-          <a:p>
-            <a:pPr marL="0" lvl="0" indent="0" algn="l" rtl="0">
-              <a:spcBef>
-                <a:spcPts val="1200"/>
-              </a:spcBef>
-              <a:spcAft>
-                <a:spcPts val="0"/>
-              </a:spcAft>
-              <a:buNone/>
-            </a:pPr>
-            <a:r>
-              <a:rPr lang="zh-HK"/>
-              <a:t>~製作完HTML頁面之後不知如何去寫裏面的JavaScript內容，特別是在開頭的時候。</a:t>
-            </a:r>
-            <a:endParaRPr/>
-          </a:p>
-          <a:p>
-            <a:pPr marL="0" lvl="0" indent="0" algn="l" rtl="0">
-              <a:spcBef>
-                <a:spcPts val="1200"/>
-              </a:spcBef>
-              <a:spcAft>
-                <a:spcPts val="1200"/>
-              </a:spcAft>
-              <a:buNone/>
-            </a:pPr>
-            <a:endParaRPr/>
-          </a:p>
-        </p:txBody>
-      </p:sp>
-    </p:spTree>
-  </p:cSld>
-  <p:clrMapOvr>
-    <a:masterClrMapping/>
-  </p:clrMapOvr>
-</p:sld>
-</file>
-
-<file path=ppt/slides/slide17.xml><?xml version="1.0" encoding="utf-8"?>
-<p:sld xmlns:a="http://schemas.openxmlformats.org/drawingml/2006/main" xmlns:r="http://schemas.openxmlformats.org/officeDocument/2006/relationships" xmlns:p="http://schemas.openxmlformats.org/presentationml/2006/main">
-  <p:cSld>
-    <p:spTree>
-      <p:nvGrpSpPr>
-        <p:cNvPr id="1" name="Shape 193"/>
-        <p:cNvGrpSpPr/>
-        <p:nvPr/>
-      </p:nvGrpSpPr>
-      <p:grpSpPr>
-        <a:xfrm>
-          <a:off x="0" y="0"/>
-          <a:ext cx="0" cy="0"/>
-          <a:chOff x="0" y="0"/>
-          <a:chExt cx="0" cy="0"/>
-        </a:xfrm>
-      </p:grpSpPr>
-      <p:sp>
-        <p:nvSpPr>
-          <p:cNvPr id="194" name="Google Shape;194;p29"/>
-          <p:cNvSpPr txBox="1">
-            <a:spLocks noGrp="1"/>
-          </p:cNvSpPr>
-          <p:nvPr>
-            <p:ph type="title"/>
-          </p:nvPr>
-        </p:nvSpPr>
-        <p:spPr>
-          <a:xfrm>
-            <a:off x="311700" y="410000"/>
-            <a:ext cx="8520600" cy="607800"/>
-          </a:xfrm>
-          <a:prstGeom prst="rect">
-            <a:avLst/>
-          </a:prstGeom>
-        </p:spPr>
-        <p:txBody>
-          <a:bodyPr spcFirstLastPara="1" wrap="square" lIns="91425" tIns="91425" rIns="91425" bIns="91425" anchor="t" anchorCtr="0">
-            <a:normAutofit fontScale="90000"/>
-          </a:bodyPr>
-          <a:lstStyle/>
-          <a:p>
-            <a:pPr marL="0" lvl="0" indent="0" algn="l" rtl="0">
-              <a:spcBef>
-                <a:spcPts val="0"/>
-              </a:spcBef>
-              <a:spcAft>
-                <a:spcPts val="0"/>
-              </a:spcAft>
-              <a:buNone/>
-            </a:pPr>
-            <a:endParaRPr/>
-          </a:p>
-        </p:txBody>
-      </p:sp>
-      <p:sp>
-        <p:nvSpPr>
-          <p:cNvPr id="195" name="Google Shape;195;p29"/>
-          <p:cNvSpPr txBox="1">
-            <a:spLocks noGrp="1"/>
-          </p:cNvSpPr>
-          <p:nvPr>
-            <p:ph type="body" idx="1"/>
-          </p:nvPr>
-        </p:nvSpPr>
-        <p:spPr>
-          <a:xfrm>
-            <a:off x="311700" y="1229875"/>
-            <a:ext cx="8520600" cy="3339000"/>
-          </a:xfrm>
-          <a:prstGeom prst="rect">
-            <a:avLst/>
-          </a:prstGeom>
-        </p:spPr>
-        <p:txBody>
-          <a:bodyPr spcFirstLastPara="1" wrap="square" lIns="91425" tIns="91425" rIns="91425" bIns="91425" anchor="t" anchorCtr="0">
-            <a:normAutofit/>
-          </a:bodyPr>
-          <a:lstStyle/>
-          <a:p>
-            <a:pPr marL="0" marR="38100" lvl="0" indent="0" algn="l" rtl="0">
-              <a:lnSpc>
-                <a:spcPct val="133333"/>
-              </a:lnSpc>
-              <a:spcBef>
-                <a:spcPts val="0"/>
-              </a:spcBef>
-              <a:spcAft>
-                <a:spcPts val="0"/>
-              </a:spcAft>
-              <a:buNone/>
-            </a:pPr>
-            <a:r>
-              <a:rPr lang="zh-HK">
-                <a:solidFill>
-                  <a:srgbClr val="303134"/>
-                </a:solidFill>
-                <a:latin typeface="Arial"/>
-                <a:ea typeface="Arial"/>
-                <a:cs typeface="Arial"/>
-                <a:sym typeface="Arial"/>
-              </a:rPr>
-              <a:t>一致、乾淨、整潔 HTML的代碼使其他人更容易閱讀和理解您的代碼。</a:t>
-            </a:r>
-            <a:endParaRPr/>
-          </a:p>
-        </p:txBody>
-      </p:sp>
-    </p:spTree>
-  </p:cSld>
-  <p:clrMapOvr>
-    <a:masterClrMapping/>
-  </p:clrMapOvr>
-</p:sld>
-</file>
-
-<file path=ppt/slides/slide18.xml><?xml version="1.0" encoding="utf-8"?>
-<p:sld xmlns:a="http://schemas.openxmlformats.org/drawingml/2006/main" xmlns:r="http://schemas.openxmlformats.org/officeDocument/2006/relationships" xmlns:p="http://schemas.openxmlformats.org/presentationml/2006/main">
-  <p:cSld>
-    <p:spTree>
-      <p:nvGrpSpPr>
-        <p:cNvPr id="1" name="Shape 199"/>
-        <p:cNvGrpSpPr/>
-        <p:nvPr/>
-      </p:nvGrpSpPr>
-      <p:grpSpPr>
-        <a:xfrm>
-          <a:off x="0" y="0"/>
-          <a:ext cx="0" cy="0"/>
-          <a:chOff x="0" y="0"/>
-          <a:chExt cx="0" cy="0"/>
-        </a:xfrm>
-      </p:grpSpPr>
-      <p:sp>
-        <p:nvSpPr>
-          <p:cNvPr id="200" name="Google Shape;200;p30"/>
-          <p:cNvSpPr txBox="1">
-            <a:spLocks noGrp="1"/>
-          </p:cNvSpPr>
-          <p:nvPr>
-            <p:ph type="title"/>
-          </p:nvPr>
-        </p:nvSpPr>
-        <p:spPr>
-          <a:xfrm>
-            <a:off x="311700" y="410000"/>
-            <a:ext cx="8520600" cy="607800"/>
-          </a:xfrm>
-          <a:prstGeom prst="rect">
-            <a:avLst/>
-          </a:prstGeom>
-        </p:spPr>
-        <p:txBody>
-          <a:bodyPr spcFirstLastPara="1" wrap="square" lIns="91425" tIns="91425" rIns="91425" bIns="91425" anchor="t" anchorCtr="0">
-            <a:normAutofit fontScale="90000"/>
-          </a:bodyPr>
-          <a:lstStyle/>
-          <a:p>
-            <a:pPr marL="0" lvl="0" indent="0" algn="l" rtl="0">
-              <a:spcBef>
-                <a:spcPts val="0"/>
-              </a:spcBef>
-              <a:spcAft>
-                <a:spcPts val="0"/>
-              </a:spcAft>
-              <a:buNone/>
-            </a:pPr>
-            <a:endParaRPr/>
-          </a:p>
-        </p:txBody>
-      </p:sp>
-      <p:sp>
-        <p:nvSpPr>
-          <p:cNvPr id="201" name="Google Shape;201;p30"/>
-          <p:cNvSpPr txBox="1">
-            <a:spLocks noGrp="1"/>
-          </p:cNvSpPr>
-          <p:nvPr>
-            <p:ph type="body" idx="1"/>
-          </p:nvPr>
-        </p:nvSpPr>
-        <p:spPr>
-          <a:xfrm>
-            <a:off x="311700" y="1229875"/>
-            <a:ext cx="8520600" cy="3339000"/>
-          </a:xfrm>
-          <a:prstGeom prst="rect">
-            <a:avLst/>
-          </a:prstGeom>
-        </p:spPr>
-        <p:txBody>
-          <a:bodyPr spcFirstLastPara="1" wrap="square" lIns="91425" tIns="91425" rIns="91425" bIns="91425" anchor="t" anchorCtr="0">
-            <a:normAutofit/>
-          </a:bodyPr>
-          <a:lstStyle/>
-          <a:p>
-            <a:pPr marL="0" lvl="0" indent="0" algn="l" rtl="0">
-              <a:spcBef>
-                <a:spcPts val="0"/>
-              </a:spcBef>
-              <a:spcAft>
-                <a:spcPts val="1200"/>
-              </a:spcAft>
-              <a:buNone/>
-            </a:pPr>
-            <a:endParaRPr/>
-          </a:p>
-        </p:txBody>
-      </p:sp>
-    </p:spTree>
-  </p:cSld>
-  <p:clrMapOvr>
-    <a:masterClrMapping/>
-  </p:clrMapOvr>
-</p:sld>
-</file>
-
-<file path=ppt/slides/slide2.xml><?xml version="1.0" encoding="utf-8"?>
-<p:sld xmlns:a="http://schemas.openxmlformats.org/drawingml/2006/main" xmlns:r="http://schemas.openxmlformats.org/officeDocument/2006/relationships" xmlns:p="http://schemas.openxmlformats.org/presentationml/2006/main">
-  <p:cSld>
-    <p:spTree>
-      <p:nvGrpSpPr>
-        <p:cNvPr id="1" name="Shape 90"/>
-        <p:cNvGrpSpPr/>
-        <p:nvPr/>
-      </p:nvGrpSpPr>
-      <p:grpSpPr>
-        <a:xfrm>
-          <a:off x="0" y="0"/>
-          <a:ext cx="0" cy="0"/>
-          <a:chOff x="0" y="0"/>
-          <a:chExt cx="0" cy="0"/>
-        </a:xfrm>
-      </p:grpSpPr>
-      <p:sp>
-        <p:nvSpPr>
-          <p:cNvPr id="91" name="Google Shape;91;p14"/>
-          <p:cNvSpPr txBox="1">
-            <a:spLocks noGrp="1"/>
-          </p:cNvSpPr>
-          <p:nvPr>
-            <p:ph type="title"/>
-          </p:nvPr>
-        </p:nvSpPr>
-        <p:spPr>
-          <a:xfrm>
-            <a:off x="311700" y="410000"/>
-            <a:ext cx="8520600" cy="607800"/>
-          </a:xfrm>
-          <a:prstGeom prst="rect">
-            <a:avLst/>
-          </a:prstGeom>
-        </p:spPr>
-        <p:txBody>
-          <a:bodyPr spcFirstLastPara="1" wrap="square" lIns="91425" tIns="91425" rIns="91425" bIns="91425" anchor="t" anchorCtr="0">
-            <a:normAutofit fontScale="90000"/>
-          </a:bodyPr>
-          <a:lstStyle/>
-          <a:p>
-            <a:pPr marL="0" lvl="0" indent="0" algn="l" rtl="0">
-              <a:spcBef>
-                <a:spcPts val="0"/>
-              </a:spcBef>
-              <a:spcAft>
-                <a:spcPts val="0"/>
-              </a:spcAft>
-              <a:buNone/>
-            </a:pPr>
-            <a:r>
-              <a:rPr lang="zh-HK"/>
-              <a:t>簡介</a:t>
-            </a:r>
-            <a:endParaRPr/>
-          </a:p>
-        </p:txBody>
-      </p:sp>
-      <p:sp>
-        <p:nvSpPr>
-          <p:cNvPr id="92" name="Google Shape;92;p14"/>
-          <p:cNvSpPr txBox="1">
-            <a:spLocks noGrp="1"/>
-          </p:cNvSpPr>
-          <p:nvPr>
-            <p:ph type="body" idx="1"/>
-          </p:nvPr>
-        </p:nvSpPr>
-        <p:spPr>
-          <a:xfrm>
-            <a:off x="311700" y="1229875"/>
-            <a:ext cx="8520600" cy="3339000"/>
-          </a:xfrm>
-          <a:prstGeom prst="rect">
-            <a:avLst/>
-          </a:prstGeom>
-        </p:spPr>
-        <p:txBody>
-          <a:bodyPr spcFirstLastPara="1" wrap="square" lIns="91425" tIns="91425" rIns="91425" bIns="91425" anchor="t" anchorCtr="0">
-            <a:normAutofit/>
-          </a:bodyPr>
-          <a:lstStyle/>
-          <a:p>
-            <a:pPr marL="0" lvl="0" indent="0" algn="l" rtl="0">
-              <a:spcBef>
-                <a:spcPts val="0"/>
-              </a:spcBef>
-              <a:spcAft>
-                <a:spcPts val="0"/>
-              </a:spcAft>
-              <a:buNone/>
-            </a:pPr>
-            <a:r>
-              <a:rPr lang="zh-HK" sz="2100" dirty="0">
-                <a:latin typeface="Roboto Medium" panose="02000000000000000000" pitchFamily="2" charset="0"/>
-              </a:rPr>
-              <a:t>我們接下來會介紹：</a:t>
-            </a:r>
-            <a:endParaRPr sz="2100" dirty="0">
-              <a:latin typeface="Roboto Medium" panose="02000000000000000000" pitchFamily="2" charset="0"/>
-              <a:ea typeface="Roboto Medium" panose="02000000000000000000" pitchFamily="2" charset="0"/>
-            </a:endParaRPr>
-          </a:p>
-          <a:p>
-            <a:pPr marL="457200" lvl="0" indent="-361950" algn="l" rtl="0">
+            <a:pPr indent="-361950" lvl="0" marL="457200" rtl="0" algn="l">
               <a:lnSpc>
                 <a:spcPct val="150000"/>
               </a:lnSpc>
@@ -12112,18 +10409,13 @@
               <a:buChar char="●"/>
             </a:pPr>
             <a:r>
-              <a:rPr lang="zh-HK" sz="2100" dirty="0">
-                <a:latin typeface="Roboto Medium" panose="02000000000000000000" pitchFamily="2" charset="0"/>
-              </a:rPr>
+              <a:rPr lang="zh-HK" sz="2100"/>
               <a:t>游戲的運作</a:t>
             </a:r>
-            <a:endParaRPr sz="2100" dirty="0">
-              <a:latin typeface="Roboto Medium" panose="02000000000000000000" pitchFamily="2" charset="0"/>
-              <a:ea typeface="Roboto Medium" panose="02000000000000000000" pitchFamily="2" charset="0"/>
-            </a:endParaRPr>
+            <a:endParaRPr sz="2100"/>
           </a:p>
           <a:p>
-            <a:pPr marL="457200" lvl="0" indent="-361950" algn="l" rtl="0">
+            <a:pPr indent="-361950" lvl="0" marL="457200" rtl="0" algn="l">
               <a:lnSpc>
                 <a:spcPct val="150000"/>
               </a:lnSpc>
@@ -12137,24 +10429,17 @@
               <a:buChar char="●"/>
             </a:pPr>
             <a:r>
-              <a:rPr lang="zh-HK" sz="2100" dirty="0">
-                <a:latin typeface="Roboto Medium" panose="02000000000000000000" pitchFamily="2" charset="0"/>
-              </a:rPr>
+              <a:rPr lang="zh-HK" sz="2100"/>
               <a:t>製作時遇到的</a:t>
             </a:r>
             <a:r>
-              <a:rPr lang="zh-HK" sz="2100" b="1" dirty="0">
-                <a:latin typeface="Roboto Medium" panose="02000000000000000000" pitchFamily="2" charset="0"/>
-              </a:rPr>
+              <a:rPr b="1" lang="zh-HK" sz="2100"/>
               <a:t>困難</a:t>
             </a:r>
-            <a:endParaRPr sz="2100" b="1" dirty="0">
-              <a:latin typeface="Roboto Medium" panose="02000000000000000000" pitchFamily="2" charset="0"/>
-              <a:ea typeface="Roboto Medium" panose="02000000000000000000" pitchFamily="2" charset="0"/>
-            </a:endParaRPr>
+            <a:endParaRPr b="1" sz="2100"/>
           </a:p>
           <a:p>
-            <a:pPr marL="457200" lvl="0" indent="-361950" algn="l" rtl="0">
+            <a:pPr indent="-361950" lvl="0" marL="457200" rtl="0" algn="l">
               <a:lnSpc>
                 <a:spcPct val="150000"/>
               </a:lnSpc>
@@ -12168,30 +10453,21 @@
               <a:buChar char="●"/>
             </a:pPr>
             <a:r>
-              <a:rPr lang="zh-HK" sz="2100" dirty="0">
-                <a:latin typeface="Roboto Medium" panose="02000000000000000000" pitchFamily="2" charset="0"/>
-              </a:rPr>
+              <a:rPr lang="zh-HK" sz="2100"/>
               <a:t>爲何使用</a:t>
             </a:r>
             <a:r>
-              <a:rPr lang="zh-HK" sz="2100" b="1" dirty="0">
-                <a:latin typeface="Roboto Medium" panose="02000000000000000000" pitchFamily="2" charset="0"/>
-              </a:rPr>
+              <a:rPr b="1" lang="zh-HK" sz="2100"/>
               <a:t>網頁開發技術</a:t>
             </a:r>
             <a:r>
-              <a:rPr lang="zh-HK" sz="2100" dirty="0">
-                <a:latin typeface="Roboto Medium" panose="02000000000000000000" pitchFamily="2" charset="0"/>
-              </a:rPr>
+              <a:rPr lang="zh-HK" sz="2100"/>
               <a:t>進行開發</a:t>
             </a:r>
-            <a:endParaRPr sz="2100" dirty="0">
-              <a:latin typeface="Roboto Medium" panose="02000000000000000000" pitchFamily="2" charset="0"/>
-              <a:ea typeface="Roboto Medium" panose="02000000000000000000" pitchFamily="2" charset="0"/>
-            </a:endParaRPr>
+            <a:endParaRPr sz="2100"/>
           </a:p>
           <a:p>
-            <a:pPr marL="457200" lvl="0" indent="-361950" algn="l" rtl="0">
+            <a:pPr indent="-361950" lvl="0" marL="457200" rtl="0" algn="l">
               <a:lnSpc>
                 <a:spcPct val="150000"/>
               </a:lnSpc>
@@ -12205,15 +10481,10 @@
               <a:buChar char="●"/>
             </a:pPr>
             <a:r>
-              <a:rPr lang="zh-HK" sz="2100" dirty="0">
-                <a:latin typeface="Roboto Medium" panose="02000000000000000000" pitchFamily="2" charset="0"/>
-              </a:rPr>
+              <a:rPr lang="zh-HK" sz="2100"/>
               <a:t>學習到的經驗</a:t>
             </a:r>
-            <a:endParaRPr sz="2100" dirty="0">
-              <a:latin typeface="Roboto Medium" panose="02000000000000000000" pitchFamily="2" charset="0"/>
-              <a:ea typeface="Roboto Medium" panose="02000000000000000000" pitchFamily="2" charset="0"/>
-            </a:endParaRPr>
+            <a:endParaRPr sz="2100"/>
           </a:p>
         </p:txBody>
       </p:sp>
@@ -12283,7 +10554,7 @@
           <a:blip r:embed="rId5">
             <a:alphaModFix/>
           </a:blip>
-          <a:srcRect l="24699" t="23997" r="23290" b="23992"/>
+          <a:srcRect b="23992" l="24699" r="23290" t="23997"/>
           <a:stretch/>
         </p:blipFill>
         <p:spPr>
@@ -12309,11 +10580,11 @@
 </file>
 
 <file path=ppt/slides/slide3.xml><?xml version="1.0" encoding="utf-8"?>
-<p:sld xmlns:a="http://schemas.openxmlformats.org/drawingml/2006/main" xmlns:r="http://schemas.openxmlformats.org/officeDocument/2006/relationships" xmlns:p="http://schemas.openxmlformats.org/presentationml/2006/main">
+<p:sld xmlns:a="http://schemas.openxmlformats.org/drawingml/2006/main" xmlns:r="http://schemas.openxmlformats.org/officeDocument/2006/relationships" xmlns:mc="http://schemas.openxmlformats.org/markup-compatibility/2006" xmlns:mv="urn:schemas-microsoft-com:mac:vml" xmlns:p="http://schemas.openxmlformats.org/presentationml/2006/main" xmlns:c="http://schemas.openxmlformats.org/drawingml/2006/chart" xmlns:dgm="http://schemas.openxmlformats.org/drawingml/2006/diagram" xmlns:o="urn:schemas-microsoft-com:office:office" xmlns:v="urn:schemas-microsoft-com:vml" xmlns:pvml="urn:schemas-microsoft-com:office:powerpoint" xmlns:com="http://schemas.openxmlformats.org/drawingml/2006/compatibility" xmlns:p14="http://schemas.microsoft.com/office/powerpoint/2010/main" xmlns:p15="http://schemas.microsoft.com/office/powerpoint/2012/main" xmlns:ahyp="http://schemas.microsoft.com/office/drawing/2018/hyperlinkcolor">
   <p:cSld>
     <p:spTree>
       <p:nvGrpSpPr>
-        <p:cNvPr id="1" name="Shape 99"/>
+        <p:cNvPr id="99" name="Shape 99"/>
         <p:cNvGrpSpPr/>
         <p:nvPr/>
       </p:nvGrpSpPr>
@@ -12328,9 +10599,7 @@
       <p:sp>
         <p:nvSpPr>
           <p:cNvPr id="100" name="Google Shape;100;p15"/>
-          <p:cNvSpPr txBox="1">
-            <a:spLocks noGrp="1"/>
-          </p:cNvSpPr>
+          <p:cNvSpPr txBox="1"/>
           <p:nvPr>
             <p:ph type="title"/>
           </p:nvPr>
@@ -12345,12 +10614,12 @@
           </a:prstGeom>
         </p:spPr>
         <p:txBody>
-          <a:bodyPr spcFirstLastPara="1" wrap="square" lIns="91425" tIns="91425" rIns="91425" bIns="91425" anchor="t" anchorCtr="0">
+          <a:bodyPr anchorCtr="0" anchor="t" bIns="91425" lIns="91425" spcFirstLastPara="1" rIns="91425" wrap="square" tIns="91425">
             <a:normAutofit fontScale="90000"/>
           </a:bodyPr>
           <a:lstStyle/>
           <a:p>
-            <a:pPr marL="0" lvl="0" indent="0" algn="l" rtl="0">
+            <a:pPr indent="0" lvl="0" marL="0" rtl="0" algn="l">
               <a:spcBef>
                 <a:spcPts val="0"/>
               </a:spcBef>
@@ -12370,11 +10639,9 @@
       <p:sp>
         <p:nvSpPr>
           <p:cNvPr id="101" name="Google Shape;101;p15"/>
-          <p:cNvSpPr txBox="1">
-            <a:spLocks noGrp="1"/>
-          </p:cNvSpPr>
+          <p:cNvSpPr txBox="1"/>
           <p:nvPr>
-            <p:ph type="body" idx="1"/>
+            <p:ph idx="1" type="body"/>
           </p:nvPr>
         </p:nvSpPr>
         <p:spPr>
@@ -12387,12 +10654,12 @@
           </a:prstGeom>
         </p:spPr>
         <p:txBody>
-          <a:bodyPr spcFirstLastPara="1" wrap="square" lIns="91425" tIns="91425" rIns="91425" bIns="91425" anchor="t" anchorCtr="0">
+          <a:bodyPr anchorCtr="0" anchor="t" bIns="91425" lIns="91425" spcFirstLastPara="1" rIns="91425" wrap="square" tIns="91425">
             <a:normAutofit lnSpcReduction="10000"/>
           </a:bodyPr>
           <a:lstStyle/>
           <a:p>
-            <a:pPr marL="457200" lvl="0" indent="-342900" algn="l" rtl="0">
+            <a:pPr indent="-342900" lvl="0" marL="457200" rtl="0" algn="l">
               <a:lnSpc>
                 <a:spcPct val="150000"/>
               </a:lnSpc>
@@ -12412,7 +10679,7 @@
             <a:endParaRPr/>
           </a:p>
           <a:p>
-            <a:pPr marL="457200" lvl="0" indent="-342900" algn="l" rtl="0">
+            <a:pPr indent="-342900" lvl="0" marL="457200" rtl="0" algn="l">
               <a:lnSpc>
                 <a:spcPct val="150000"/>
               </a:lnSpc>
@@ -12443,7 +10710,7 @@
             </a:endParaRPr>
           </a:p>
           <a:p>
-            <a:pPr marL="457200" marR="38100" lvl="0" indent="-342900" algn="l" rtl="0">
+            <a:pPr indent="-342900" lvl="0" marL="457200" marR="38100" rtl="0" algn="l">
               <a:lnSpc>
                 <a:spcPct val="150000"/>
               </a:lnSpc>
@@ -12474,7 +10741,7 @@
             </a:endParaRPr>
           </a:p>
           <a:p>
-            <a:pPr marL="457200" marR="38100" lvl="0" indent="-342900" algn="l" rtl="0">
+            <a:pPr indent="-342900" lvl="0" marL="457200" marR="38100" rtl="0" algn="l">
               <a:lnSpc>
                 <a:spcPct val="150000"/>
               </a:lnSpc>
@@ -12505,7 +10772,7 @@
             </a:endParaRPr>
           </a:p>
           <a:p>
-            <a:pPr marL="457200" lvl="0" indent="-342900" algn="l" rtl="0">
+            <a:pPr indent="-342900" lvl="0" marL="457200" rtl="0" algn="l">
               <a:lnSpc>
                 <a:spcPct val="150000"/>
               </a:lnSpc>
@@ -12525,7 +10792,7 @@
             <a:endParaRPr/>
           </a:p>
           <a:p>
-            <a:pPr marL="457200" lvl="0" indent="-342900" algn="l" rtl="0">
+            <a:pPr indent="-342900" lvl="0" marL="457200" rtl="0" algn="l">
               <a:lnSpc>
                 <a:spcPct val="150000"/>
               </a:lnSpc>
@@ -12545,7 +10812,7 @@
             <a:endParaRPr/>
           </a:p>
           <a:p>
-            <a:pPr marL="0" marR="38100" lvl="0" indent="0" algn="l" rtl="0">
+            <a:pPr indent="0" lvl="0" marL="0" marR="38100" rtl="0" algn="l">
               <a:lnSpc>
                 <a:spcPct val="133333"/>
               </a:lnSpc>
@@ -12557,6 +10824,9 @@
               </a:spcAft>
               <a:buNone/>
             </a:pPr>
+            <a:r>
+              <a:t/>
+            </a:r>
             <a:endParaRPr>
               <a:solidFill>
                 <a:srgbClr val="303134"/>
@@ -12564,7 +10834,7 @@
             </a:endParaRPr>
           </a:p>
           <a:p>
-            <a:pPr marL="0" marR="38100" lvl="0" indent="0" algn="l" rtl="0">
+            <a:pPr indent="0" lvl="0" marL="0" marR="38100" rtl="0" algn="l">
               <a:lnSpc>
                 <a:spcPct val="133333"/>
               </a:lnSpc>
@@ -12576,6 +10846,9 @@
               </a:spcAft>
               <a:buNone/>
             </a:pPr>
+            <a:r>
+              <a:t/>
+            </a:r>
             <a:endParaRPr>
               <a:solidFill>
                 <a:srgbClr val="303134"/>
@@ -12593,11 +10866,11 @@
 </file>
 
 <file path=ppt/slides/slide4.xml><?xml version="1.0" encoding="utf-8"?>
-<p:sld xmlns:a="http://schemas.openxmlformats.org/drawingml/2006/main" xmlns:r="http://schemas.openxmlformats.org/officeDocument/2006/relationships" xmlns:p="http://schemas.openxmlformats.org/presentationml/2006/main">
+<p:sld xmlns:a="http://schemas.openxmlformats.org/drawingml/2006/main" xmlns:r="http://schemas.openxmlformats.org/officeDocument/2006/relationships" xmlns:mc="http://schemas.openxmlformats.org/markup-compatibility/2006" xmlns:mv="urn:schemas-microsoft-com:mac:vml" xmlns:p="http://schemas.openxmlformats.org/presentationml/2006/main" xmlns:c="http://schemas.openxmlformats.org/drawingml/2006/chart" xmlns:dgm="http://schemas.openxmlformats.org/drawingml/2006/diagram" xmlns:o="urn:schemas-microsoft-com:office:office" xmlns:v="urn:schemas-microsoft-com:vml" xmlns:pvml="urn:schemas-microsoft-com:office:powerpoint" xmlns:com="http://schemas.openxmlformats.org/drawingml/2006/compatibility" xmlns:p14="http://schemas.microsoft.com/office/powerpoint/2010/main" xmlns:p15="http://schemas.microsoft.com/office/powerpoint/2012/main" xmlns:ahyp="http://schemas.microsoft.com/office/drawing/2018/hyperlinkcolor">
   <p:cSld>
     <p:spTree>
       <p:nvGrpSpPr>
-        <p:cNvPr id="1" name="Shape 105"/>
+        <p:cNvPr id="105" name="Shape 105"/>
         <p:cNvGrpSpPr/>
         <p:nvPr/>
       </p:nvGrpSpPr>
@@ -12612,9 +10885,7 @@
       <p:sp>
         <p:nvSpPr>
           <p:cNvPr id="106" name="Google Shape;106;p16"/>
-          <p:cNvSpPr txBox="1">
-            <a:spLocks noGrp="1"/>
-          </p:cNvSpPr>
+          <p:cNvSpPr txBox="1"/>
           <p:nvPr>
             <p:ph type="title"/>
           </p:nvPr>
@@ -12629,12 +10900,12 @@
           </a:prstGeom>
         </p:spPr>
         <p:txBody>
-          <a:bodyPr spcFirstLastPara="1" wrap="square" lIns="91425" tIns="91425" rIns="91425" bIns="91425" anchor="t" anchorCtr="0">
+          <a:bodyPr anchorCtr="0" anchor="t" bIns="91425" lIns="91425" spcFirstLastPara="1" rIns="91425" wrap="square" tIns="91425">
             <a:normAutofit fontScale="90000"/>
           </a:bodyPr>
           <a:lstStyle/>
           <a:p>
-            <a:pPr marL="0" lvl="0" indent="0" algn="l" rtl="0">
+            <a:pPr indent="0" lvl="0" marL="0" rtl="0" algn="l">
               <a:spcBef>
                 <a:spcPts val="0"/>
               </a:spcBef>
@@ -12654,11 +10925,9 @@
       <p:sp>
         <p:nvSpPr>
           <p:cNvPr id="107" name="Google Shape;107;p16"/>
-          <p:cNvSpPr txBox="1">
-            <a:spLocks noGrp="1"/>
-          </p:cNvSpPr>
+          <p:cNvSpPr txBox="1"/>
           <p:nvPr>
-            <p:ph type="body" idx="1"/>
+            <p:ph idx="1" type="body"/>
           </p:nvPr>
         </p:nvSpPr>
         <p:spPr>
@@ -12671,12 +10940,12 @@
           </a:prstGeom>
         </p:spPr>
         <p:txBody>
-          <a:bodyPr spcFirstLastPara="1" wrap="square" lIns="91425" tIns="91425" rIns="91425" bIns="91425" anchor="t" anchorCtr="0">
+          <a:bodyPr anchorCtr="0" anchor="t" bIns="91425" lIns="91425" spcFirstLastPara="1" rIns="91425" wrap="square" tIns="91425">
             <a:normAutofit/>
           </a:bodyPr>
           <a:lstStyle/>
           <a:p>
-            <a:pPr marL="0" lvl="0" indent="0" algn="l" rtl="0">
+            <a:pPr indent="0" lvl="0" marL="0" rtl="0" algn="l">
               <a:spcBef>
                 <a:spcPts val="0"/>
               </a:spcBef>
@@ -12687,12 +10956,16 @@
             </a:pPr>
             <a:r>
               <a:rPr lang="zh-HK"/>
-              <a:t>我們學會了:</a:t>
+              <a:t>開發的途中，我們</a:t>
+            </a:r>
+            <a:r>
+              <a:rPr lang="zh-HK"/>
+              <a:t>學會了:</a:t>
             </a:r>
             <a:endParaRPr/>
           </a:p>
           <a:p>
-            <a:pPr marL="457200" lvl="0" indent="-342900" algn="l" rtl="0">
+            <a:pPr indent="-342900" lvl="0" marL="457200" rtl="0" algn="l">
               <a:lnSpc>
                 <a:spcPct val="150000"/>
               </a:lnSpc>
@@ -12712,7 +10985,7 @@
             <a:endParaRPr/>
           </a:p>
           <a:p>
-            <a:pPr marL="457200" lvl="0" indent="-342900" algn="l" rtl="0">
+            <a:pPr indent="-342900" lvl="0" marL="457200" rtl="0" algn="l">
               <a:lnSpc>
                 <a:spcPct val="150000"/>
               </a:lnSpc>
@@ -12732,7 +11005,7 @@
             <a:endParaRPr/>
           </a:p>
           <a:p>
-            <a:pPr marL="457200" lvl="0" indent="-342900" algn="l" rtl="0">
+            <a:pPr indent="-342900" lvl="0" marL="457200" rtl="0" algn="l">
               <a:lnSpc>
                 <a:spcPct val="150000"/>
               </a:lnSpc>
@@ -12752,7 +11025,7 @@
             <a:endParaRPr/>
           </a:p>
           <a:p>
-            <a:pPr marL="457200" lvl="0" indent="-342900" algn="l" rtl="0">
+            <a:pPr indent="-342900" lvl="0" marL="457200" rtl="0" algn="l">
               <a:lnSpc>
                 <a:spcPct val="150000"/>
               </a:lnSpc>
@@ -12772,7 +11045,7 @@
             <a:endParaRPr/>
           </a:p>
           <a:p>
-            <a:pPr marL="0" lvl="0" indent="0" algn="l" rtl="0">
+            <a:pPr indent="0" lvl="0" marL="0" rtl="0" algn="l">
               <a:spcBef>
                 <a:spcPts val="1200"/>
               </a:spcBef>
@@ -12781,6 +11054,9 @@
               </a:spcAft>
               <a:buNone/>
             </a:pPr>
+            <a:r>
+              <a:t/>
+            </a:r>
             <a:endParaRPr/>
           </a:p>
         </p:txBody>
@@ -12794,11 +11070,11 @@
 </file>
 
 <file path=ppt/slides/slide5.xml><?xml version="1.0" encoding="utf-8"?>
-<p:sld xmlns:a="http://schemas.openxmlformats.org/drawingml/2006/main" xmlns:r="http://schemas.openxmlformats.org/officeDocument/2006/relationships" xmlns:p="http://schemas.openxmlformats.org/presentationml/2006/main">
+<p:sld xmlns:a="http://schemas.openxmlformats.org/drawingml/2006/main" xmlns:r="http://schemas.openxmlformats.org/officeDocument/2006/relationships" xmlns:mc="http://schemas.openxmlformats.org/markup-compatibility/2006" xmlns:mv="urn:schemas-microsoft-com:mac:vml" xmlns:p="http://schemas.openxmlformats.org/presentationml/2006/main" xmlns:c="http://schemas.openxmlformats.org/drawingml/2006/chart" xmlns:dgm="http://schemas.openxmlformats.org/drawingml/2006/diagram" xmlns:o="urn:schemas-microsoft-com:office:office" xmlns:v="urn:schemas-microsoft-com:vml" xmlns:pvml="urn:schemas-microsoft-com:office:powerpoint" xmlns:com="http://schemas.openxmlformats.org/drawingml/2006/compatibility" xmlns:p14="http://schemas.microsoft.com/office/powerpoint/2010/main" xmlns:p15="http://schemas.microsoft.com/office/powerpoint/2012/main" xmlns:ahyp="http://schemas.microsoft.com/office/drawing/2018/hyperlinkcolor">
   <p:cSld>
     <p:spTree>
       <p:nvGrpSpPr>
-        <p:cNvPr id="1" name="Shape 111"/>
+        <p:cNvPr id="111" name="Shape 111"/>
         <p:cNvGrpSpPr/>
         <p:nvPr/>
       </p:nvGrpSpPr>
@@ -12813,9 +11089,7 @@
       <p:sp>
         <p:nvSpPr>
           <p:cNvPr id="112" name="Google Shape;112;p17"/>
-          <p:cNvSpPr txBox="1">
-            <a:spLocks noGrp="1"/>
-          </p:cNvSpPr>
+          <p:cNvSpPr txBox="1"/>
           <p:nvPr>
             <p:ph type="title"/>
           </p:nvPr>
@@ -12830,12 +11104,12 @@
           </a:prstGeom>
         </p:spPr>
         <p:txBody>
-          <a:bodyPr spcFirstLastPara="1" wrap="square" lIns="91425" tIns="91425" rIns="91425" bIns="91425" anchor="t" anchorCtr="0">
+          <a:bodyPr anchorCtr="0" anchor="t" bIns="91425" lIns="91425" spcFirstLastPara="1" rIns="91425" wrap="square" tIns="91425">
             <a:normAutofit fontScale="90000"/>
           </a:bodyPr>
           <a:lstStyle/>
           <a:p>
-            <a:pPr marL="0" lvl="0" indent="0" algn="l" rtl="0">
+            <a:pPr indent="0" lvl="0" marL="0" rtl="0" algn="l">
               <a:spcBef>
                 <a:spcPts val="0"/>
               </a:spcBef>
@@ -12855,11 +11129,9 @@
       <p:sp>
         <p:nvSpPr>
           <p:cNvPr id="113" name="Google Shape;113;p17"/>
-          <p:cNvSpPr txBox="1">
-            <a:spLocks noGrp="1"/>
-          </p:cNvSpPr>
+          <p:cNvSpPr txBox="1"/>
           <p:nvPr>
-            <p:ph type="body" idx="1"/>
+            <p:ph idx="1" type="body"/>
           </p:nvPr>
         </p:nvSpPr>
         <p:spPr>
@@ -12872,12 +11144,12 @@
           </a:prstGeom>
         </p:spPr>
         <p:txBody>
-          <a:bodyPr spcFirstLastPara="1" wrap="square" lIns="91425" tIns="91425" rIns="91425" bIns="91425" anchor="t" anchorCtr="0">
+          <a:bodyPr anchorCtr="0" anchor="t" bIns="91425" lIns="91425" spcFirstLastPara="1" rIns="91425" wrap="square" tIns="91425">
             <a:normAutofit/>
           </a:bodyPr>
           <a:lstStyle/>
           <a:p>
-            <a:pPr marL="0" lvl="0" indent="0" algn="l" rtl="0">
+            <a:pPr indent="0" lvl="0" marL="0" rtl="0" algn="l">
               <a:spcBef>
                 <a:spcPts val="0"/>
               </a:spcBef>
@@ -12909,7 +11181,7 @@
             </a:endParaRPr>
           </a:p>
           <a:p>
-            <a:pPr marL="0" lvl="0" indent="0" algn="l" rtl="0">
+            <a:pPr indent="0" lvl="0" marL="0" rtl="0" algn="l">
               <a:spcBef>
                 <a:spcPts val="1200"/>
               </a:spcBef>
@@ -12941,7 +11213,7 @@
             </a:endParaRPr>
           </a:p>
           <a:p>
-            <a:pPr marL="0" lvl="0" indent="0" algn="l" rtl="0">
+            <a:pPr indent="0" lvl="0" marL="0" rtl="0" algn="l">
               <a:spcBef>
                 <a:spcPts val="1200"/>
               </a:spcBef>
@@ -12973,7 +11245,7 @@
             </a:endParaRPr>
           </a:p>
           <a:p>
-            <a:pPr marL="0" lvl="0" indent="457200" algn="l" rtl="0">
+            <a:pPr indent="457200" lvl="0" marL="0" rtl="0" algn="l">
               <a:spcBef>
                 <a:spcPts val="1200"/>
               </a:spcBef>
@@ -13005,7 +11277,7 @@
             </a:endParaRPr>
           </a:p>
           <a:p>
-            <a:pPr marL="0" lvl="0" indent="457200" algn="l" rtl="0">
+            <a:pPr indent="457200" lvl="0" marL="0" rtl="0" algn="l">
               <a:spcBef>
                 <a:spcPts val="1200"/>
               </a:spcBef>
@@ -13037,7 +11309,7 @@
             </a:endParaRPr>
           </a:p>
           <a:p>
-            <a:pPr marL="0" lvl="0" indent="457200" algn="l" rtl="0">
+            <a:pPr indent="457200" lvl="0" marL="0" rtl="0" algn="l">
               <a:spcBef>
                 <a:spcPts val="1200"/>
               </a:spcBef>
@@ -13069,7 +11341,7 @@
             </a:endParaRPr>
           </a:p>
           <a:p>
-            <a:pPr marL="0" lvl="0" indent="0" algn="l" rtl="0">
+            <a:pPr indent="0" lvl="0" marL="0" rtl="0" algn="l">
               <a:spcBef>
                 <a:spcPts val="1200"/>
               </a:spcBef>
@@ -13078,6 +11350,9 @@
               </a:spcAft>
               <a:buNone/>
             </a:pPr>
+            <a:r>
+              <a:t/>
+            </a:r>
             <a:endParaRPr sz="2100">
               <a:solidFill>
                 <a:srgbClr val="2E3338"/>
@@ -13183,11 +11458,11 @@
 </file>
 
 <file path=ppt/slides/slide6.xml><?xml version="1.0" encoding="utf-8"?>
-<p:sld xmlns:a="http://schemas.openxmlformats.org/drawingml/2006/main" xmlns:r="http://schemas.openxmlformats.org/officeDocument/2006/relationships" xmlns:p="http://schemas.openxmlformats.org/presentationml/2006/main">
+<p:sld xmlns:a="http://schemas.openxmlformats.org/drawingml/2006/main" xmlns:r="http://schemas.openxmlformats.org/officeDocument/2006/relationships" xmlns:mc="http://schemas.openxmlformats.org/markup-compatibility/2006" xmlns:mv="urn:schemas-microsoft-com:mac:vml" xmlns:p="http://schemas.openxmlformats.org/presentationml/2006/main" xmlns:c="http://schemas.openxmlformats.org/drawingml/2006/chart" xmlns:dgm="http://schemas.openxmlformats.org/drawingml/2006/diagram" xmlns:o="urn:schemas-microsoft-com:office:office" xmlns:v="urn:schemas-microsoft-com:vml" xmlns:pvml="urn:schemas-microsoft-com:office:powerpoint" xmlns:com="http://schemas.openxmlformats.org/drawingml/2006/compatibility" xmlns:p14="http://schemas.microsoft.com/office/powerpoint/2010/main" xmlns:p15="http://schemas.microsoft.com/office/powerpoint/2012/main" xmlns:ahyp="http://schemas.microsoft.com/office/drawing/2018/hyperlinkcolor">
   <p:cSld>
     <p:spTree>
       <p:nvGrpSpPr>
-        <p:cNvPr id="1" name="Shape 120"/>
+        <p:cNvPr id="120" name="Shape 120"/>
         <p:cNvGrpSpPr/>
         <p:nvPr/>
       </p:nvGrpSpPr>
@@ -13202,9 +11477,7 @@
       <p:sp>
         <p:nvSpPr>
           <p:cNvPr id="121" name="Google Shape;121;p18"/>
-          <p:cNvSpPr txBox="1">
-            <a:spLocks noGrp="1"/>
-          </p:cNvSpPr>
+          <p:cNvSpPr txBox="1"/>
           <p:nvPr>
             <p:ph type="title"/>
           </p:nvPr>
@@ -13219,12 +11492,12 @@
           </a:prstGeom>
         </p:spPr>
         <p:txBody>
-          <a:bodyPr spcFirstLastPara="1" wrap="square" lIns="91425" tIns="91425" rIns="91425" bIns="91425" anchor="t" anchorCtr="0">
+          <a:bodyPr anchorCtr="0" anchor="t" bIns="91425" lIns="91425" spcFirstLastPara="1" rIns="91425" wrap="square" tIns="91425">
             <a:normAutofit fontScale="90000"/>
           </a:bodyPr>
           <a:lstStyle/>
           <a:p>
-            <a:pPr marL="0" lvl="0" indent="0" algn="l" rtl="0">
+            <a:pPr indent="0" lvl="0" marL="0" rtl="0" algn="l">
               <a:spcBef>
                 <a:spcPts val="0"/>
               </a:spcBef>
@@ -13244,11 +11517,9 @@
       <p:sp>
         <p:nvSpPr>
           <p:cNvPr id="122" name="Google Shape;122;p18"/>
-          <p:cNvSpPr txBox="1">
-            <a:spLocks noGrp="1"/>
-          </p:cNvSpPr>
+          <p:cNvSpPr txBox="1"/>
           <p:nvPr>
-            <p:ph type="body" idx="1"/>
+            <p:ph idx="1" type="body"/>
           </p:nvPr>
         </p:nvSpPr>
         <p:spPr>
@@ -13261,12 +11532,12 @@
           </a:prstGeom>
         </p:spPr>
         <p:txBody>
-          <a:bodyPr spcFirstLastPara="1" wrap="square" lIns="91425" tIns="91425" rIns="91425" bIns="91425" anchor="t" anchorCtr="0">
+          <a:bodyPr anchorCtr="0" anchor="t" bIns="91425" lIns="91425" spcFirstLastPara="1" rIns="91425" wrap="square" tIns="91425">
             <a:normAutofit/>
           </a:bodyPr>
           <a:lstStyle/>
           <a:p>
-            <a:pPr marL="0" lvl="0" indent="0" algn="l" rtl="0">
+            <a:pPr indent="0" lvl="0" marL="0" rtl="0" algn="l">
               <a:spcBef>
                 <a:spcPts val="0"/>
               </a:spcBef>
@@ -13275,6 +11546,9 @@
               </a:spcAft>
               <a:buNone/>
             </a:pPr>
+            <a:r>
+              <a:t/>
+            </a:r>
             <a:endParaRPr/>
           </a:p>
         </p:txBody>
@@ -13316,11 +11590,11 @@
 </file>
 
 <file path=ppt/slides/slide7.xml><?xml version="1.0" encoding="utf-8"?>
-<p:sld xmlns:a="http://schemas.openxmlformats.org/drawingml/2006/main" xmlns:r="http://schemas.openxmlformats.org/officeDocument/2006/relationships" xmlns:p="http://schemas.openxmlformats.org/presentationml/2006/main">
+<p:sld xmlns:a="http://schemas.openxmlformats.org/drawingml/2006/main" xmlns:r="http://schemas.openxmlformats.org/officeDocument/2006/relationships" xmlns:mc="http://schemas.openxmlformats.org/markup-compatibility/2006" xmlns:mv="urn:schemas-microsoft-com:mac:vml" xmlns:p="http://schemas.openxmlformats.org/presentationml/2006/main" xmlns:c="http://schemas.openxmlformats.org/drawingml/2006/chart" xmlns:dgm="http://schemas.openxmlformats.org/drawingml/2006/diagram" xmlns:o="urn:schemas-microsoft-com:office:office" xmlns:v="urn:schemas-microsoft-com:vml" xmlns:pvml="urn:schemas-microsoft-com:office:powerpoint" xmlns:com="http://schemas.openxmlformats.org/drawingml/2006/compatibility" xmlns:p14="http://schemas.microsoft.com/office/powerpoint/2010/main" xmlns:p15="http://schemas.microsoft.com/office/powerpoint/2012/main" xmlns:ahyp="http://schemas.microsoft.com/office/drawing/2018/hyperlinkcolor">
   <p:cSld>
     <p:spTree>
       <p:nvGrpSpPr>
-        <p:cNvPr id="1" name="Shape 127"/>
+        <p:cNvPr id="127" name="Shape 127"/>
         <p:cNvGrpSpPr/>
         <p:nvPr/>
       </p:nvGrpSpPr>
@@ -13335,9 +11609,7 @@
       <p:sp>
         <p:nvSpPr>
           <p:cNvPr id="128" name="Google Shape;128;p19"/>
-          <p:cNvSpPr txBox="1">
-            <a:spLocks noGrp="1"/>
-          </p:cNvSpPr>
+          <p:cNvSpPr txBox="1"/>
           <p:nvPr>
             <p:ph type="title"/>
           </p:nvPr>
@@ -13352,12 +11624,12 @@
           </a:prstGeom>
         </p:spPr>
         <p:txBody>
-          <a:bodyPr spcFirstLastPara="1" wrap="square" lIns="91425" tIns="91425" rIns="91425" bIns="91425" anchor="t" anchorCtr="0">
+          <a:bodyPr anchorCtr="0" anchor="t" bIns="91425" lIns="91425" spcFirstLastPara="1" rIns="91425" wrap="square" tIns="91425">
             <a:normAutofit fontScale="90000"/>
           </a:bodyPr>
           <a:lstStyle/>
           <a:p>
-            <a:pPr marL="0" lvl="0" indent="0" algn="l" rtl="0">
+            <a:pPr indent="0" lvl="0" marL="0" rtl="0" algn="l">
               <a:spcBef>
                 <a:spcPts val="0"/>
               </a:spcBef>
@@ -13377,11 +11649,9 @@
       <p:sp>
         <p:nvSpPr>
           <p:cNvPr id="129" name="Google Shape;129;p19"/>
-          <p:cNvSpPr txBox="1">
-            <a:spLocks noGrp="1"/>
-          </p:cNvSpPr>
+          <p:cNvSpPr txBox="1"/>
           <p:nvPr>
-            <p:ph type="body" idx="1"/>
+            <p:ph idx="1" type="body"/>
           </p:nvPr>
         </p:nvSpPr>
         <p:spPr>
@@ -13394,12 +11664,12 @@
           </a:prstGeom>
         </p:spPr>
         <p:txBody>
-          <a:bodyPr spcFirstLastPara="1" wrap="square" lIns="91425" tIns="91425" rIns="91425" bIns="91425" anchor="t" anchorCtr="0">
+          <a:bodyPr anchorCtr="0" anchor="t" bIns="91425" lIns="91425" spcFirstLastPara="1" rIns="91425" wrap="square" tIns="91425">
             <a:normAutofit/>
           </a:bodyPr>
           <a:lstStyle/>
           <a:p>
-            <a:pPr marL="457200" lvl="0" indent="-342900" algn="l" rtl="0">
+            <a:pPr indent="-342900" lvl="0" marL="457200" rtl="0" algn="l">
               <a:lnSpc>
                 <a:spcPct val="150000"/>
               </a:lnSpc>
@@ -13430,7 +11700,7 @@
             </a:endParaRPr>
           </a:p>
           <a:p>
-            <a:pPr marL="457200" lvl="0" indent="-342900" algn="l" rtl="0">
+            <a:pPr indent="-342900" lvl="0" marL="457200" rtl="0" algn="l">
               <a:lnSpc>
                 <a:spcPct val="150000"/>
               </a:lnSpc>
@@ -13461,7 +11731,7 @@
             </a:endParaRPr>
           </a:p>
           <a:p>
-            <a:pPr marL="457200" lvl="0" indent="-342900" algn="l" rtl="0">
+            <a:pPr indent="-342900" lvl="0" marL="457200" rtl="0" algn="l">
               <a:lnSpc>
                 <a:spcPct val="150000"/>
               </a:lnSpc>
@@ -13492,7 +11762,7 @@
             </a:endParaRPr>
           </a:p>
           <a:p>
-            <a:pPr marL="0" lvl="0" indent="0" algn="l" rtl="0">
+            <a:pPr indent="0" lvl="0" marL="0" rtl="0" algn="l">
               <a:lnSpc>
                 <a:spcPct val="150000"/>
               </a:lnSpc>
@@ -13504,10 +11774,13 @@
               </a:spcAft>
               <a:buNone/>
             </a:pPr>
+            <a:r>
+              <a:t/>
+            </a:r>
             <a:endParaRPr/>
           </a:p>
           <a:p>
-            <a:pPr marL="0" lvl="0" indent="0" algn="l" rtl="0">
+            <a:pPr indent="0" lvl="0" marL="0" rtl="0" algn="l">
               <a:lnSpc>
                 <a:spcPct val="150000"/>
               </a:lnSpc>
@@ -13519,6 +11792,9 @@
               </a:spcAft>
               <a:buNone/>
             </a:pPr>
+            <a:r>
+              <a:t/>
+            </a:r>
             <a:endParaRPr>
               <a:solidFill>
                 <a:srgbClr val="24292F"/>
@@ -13526,7 +11802,7 @@
             </a:endParaRPr>
           </a:p>
           <a:p>
-            <a:pPr marL="0" lvl="0" indent="0" algn="l" rtl="0">
+            <a:pPr indent="0" lvl="0" marL="0" rtl="0" algn="l">
               <a:lnSpc>
                 <a:spcPct val="150000"/>
               </a:lnSpc>
@@ -13538,6 +11814,9 @@
               </a:spcAft>
               <a:buNone/>
             </a:pPr>
+            <a:r>
+              <a:t/>
+            </a:r>
             <a:endParaRPr>
               <a:solidFill>
                 <a:srgbClr val="24292F"/>
@@ -13594,12 +11873,12 @@
           </a:ln>
         </p:spPr>
         <p:txBody>
-          <a:bodyPr spcFirstLastPara="1" wrap="square" lIns="91425" tIns="91425" rIns="91425" bIns="91425" anchor="t" anchorCtr="0">
+          <a:bodyPr anchorCtr="0" anchor="t" bIns="91425" lIns="91425" spcFirstLastPara="1" rIns="91425" wrap="square" tIns="91425">
             <a:spAutoFit/>
           </a:bodyPr>
           <a:lstStyle/>
           <a:p>
-            <a:pPr marL="0" lvl="0" indent="0" algn="l" rtl="0">
+            <a:pPr indent="0" lvl="0" marL="0" rtl="0" algn="l">
               <a:spcBef>
                 <a:spcPts val="0"/>
               </a:spcBef>
@@ -13643,14 +11922,14 @@
             <a:avLst/>
           </a:prstGeom>
           <a:noFill/>
-          <a:ln w="9525" cap="flat" cmpd="sng">
+          <a:ln cap="flat" cmpd="sng" w="9525">
             <a:solidFill>
               <a:schemeClr val="dk2"/>
             </a:solidFill>
             <a:prstDash val="solid"/>
             <a:round/>
-            <a:headEnd type="none" w="med" len="med"/>
-            <a:tailEnd type="triangle" w="med" len="med"/>
+            <a:headEnd len="med" w="med" type="none"/>
+            <a:tailEnd len="med" w="med" type="triangle"/>
           </a:ln>
         </p:spPr>
       </p:cxnSp>
@@ -13663,11 +11942,11 @@
 </file>
 
 <file path=ppt/slides/slide8.xml><?xml version="1.0" encoding="utf-8"?>
-<p:sld xmlns:a="http://schemas.openxmlformats.org/drawingml/2006/main" xmlns:r="http://schemas.openxmlformats.org/officeDocument/2006/relationships" xmlns:p="http://schemas.openxmlformats.org/presentationml/2006/main">
+<p:sld xmlns:a="http://schemas.openxmlformats.org/drawingml/2006/main" xmlns:r="http://schemas.openxmlformats.org/officeDocument/2006/relationships" xmlns:mc="http://schemas.openxmlformats.org/markup-compatibility/2006" xmlns:mv="urn:schemas-microsoft-com:mac:vml" xmlns:p="http://schemas.openxmlformats.org/presentationml/2006/main" xmlns:c="http://schemas.openxmlformats.org/drawingml/2006/chart" xmlns:dgm="http://schemas.openxmlformats.org/drawingml/2006/diagram" xmlns:o="urn:schemas-microsoft-com:office:office" xmlns:v="urn:schemas-microsoft-com:vml" xmlns:pvml="urn:schemas-microsoft-com:office:powerpoint" xmlns:com="http://schemas.openxmlformats.org/drawingml/2006/compatibility" xmlns:p14="http://schemas.microsoft.com/office/powerpoint/2010/main" xmlns:p15="http://schemas.microsoft.com/office/powerpoint/2012/main" xmlns:ahyp="http://schemas.microsoft.com/office/drawing/2018/hyperlinkcolor">
   <p:cSld>
     <p:spTree>
       <p:nvGrpSpPr>
-        <p:cNvPr id="1" name="Shape 136"/>
+        <p:cNvPr id="136" name="Shape 136"/>
         <p:cNvGrpSpPr/>
         <p:nvPr/>
       </p:nvGrpSpPr>
@@ -13682,9 +11961,7 @@
       <p:sp>
         <p:nvSpPr>
           <p:cNvPr id="137" name="Google Shape;137;p20"/>
-          <p:cNvSpPr txBox="1">
-            <a:spLocks noGrp="1"/>
-          </p:cNvSpPr>
+          <p:cNvSpPr txBox="1"/>
           <p:nvPr>
             <p:ph type="title"/>
           </p:nvPr>
@@ -13699,12 +11976,12 @@
           </a:prstGeom>
         </p:spPr>
         <p:txBody>
-          <a:bodyPr spcFirstLastPara="1" wrap="square" lIns="91425" tIns="91425" rIns="91425" bIns="91425" anchor="t" anchorCtr="0">
+          <a:bodyPr anchorCtr="0" anchor="t" bIns="91425" lIns="91425" spcFirstLastPara="1" rIns="91425" wrap="square" tIns="91425">
             <a:normAutofit fontScale="90000"/>
           </a:bodyPr>
           <a:lstStyle/>
           <a:p>
-            <a:pPr marL="0" lvl="0" indent="0" algn="l" rtl="0">
+            <a:pPr indent="0" lvl="0" marL="0" rtl="0" algn="l">
               <a:spcBef>
                 <a:spcPts val="0"/>
               </a:spcBef>
@@ -13724,11 +12001,9 @@
       <p:sp>
         <p:nvSpPr>
           <p:cNvPr id="138" name="Google Shape;138;p20"/>
-          <p:cNvSpPr txBox="1">
-            <a:spLocks noGrp="1"/>
-          </p:cNvSpPr>
+          <p:cNvSpPr txBox="1"/>
           <p:nvPr>
-            <p:ph type="body" idx="1"/>
+            <p:ph idx="1" type="body"/>
           </p:nvPr>
         </p:nvSpPr>
         <p:spPr>
@@ -13741,12 +12016,12 @@
           </a:prstGeom>
         </p:spPr>
         <p:txBody>
-          <a:bodyPr spcFirstLastPara="1" wrap="square" lIns="91425" tIns="91425" rIns="91425" bIns="91425" anchor="t" anchorCtr="0">
+          <a:bodyPr anchorCtr="0" anchor="t" bIns="91425" lIns="91425" spcFirstLastPara="1" rIns="91425" wrap="square" tIns="91425">
             <a:normAutofit/>
           </a:bodyPr>
           <a:lstStyle/>
           <a:p>
-            <a:pPr marL="457200" lvl="0" indent="-342900" algn="l" rtl="0">
+            <a:pPr indent="-342900" lvl="0" marL="457200" rtl="0" algn="l">
               <a:lnSpc>
                 <a:spcPct val="150000"/>
               </a:lnSpc>
@@ -13766,7 +12041,7 @@
             <a:endParaRPr/>
           </a:p>
           <a:p>
-            <a:pPr marL="457200" lvl="0" indent="-342900" algn="l" rtl="0">
+            <a:pPr indent="-342900" lvl="0" marL="457200" rtl="0" algn="l">
               <a:lnSpc>
                 <a:spcPct val="150000"/>
               </a:lnSpc>
@@ -13786,7 +12061,7 @@
             <a:endParaRPr/>
           </a:p>
           <a:p>
-            <a:pPr marL="457200" lvl="0" indent="-342900" algn="l" rtl="0">
+            <a:pPr indent="-342900" lvl="0" marL="457200" rtl="0" algn="l">
               <a:lnSpc>
                 <a:spcPct val="150000"/>
               </a:lnSpc>
@@ -13850,14 +12125,14 @@
             <a:avLst/>
           </a:prstGeom>
           <a:noFill/>
-          <a:ln w="9525" cap="flat" cmpd="sng">
+          <a:ln cap="flat" cmpd="sng" w="9525">
             <a:solidFill>
               <a:schemeClr val="dk2"/>
             </a:solidFill>
             <a:prstDash val="solid"/>
             <a:round/>
-            <a:headEnd type="none" w="med" len="med"/>
-            <a:tailEnd type="triangle" w="med" len="med"/>
+            <a:headEnd len="med" w="med" type="none"/>
+            <a:tailEnd len="med" w="med" type="triangle"/>
           </a:ln>
         </p:spPr>
       </p:cxnSp>
@@ -13881,12 +12156,12 @@
           </a:ln>
         </p:spPr>
         <p:txBody>
-          <a:bodyPr spcFirstLastPara="1" wrap="square" lIns="91425" tIns="91425" rIns="91425" bIns="91425" anchor="t" anchorCtr="0">
+          <a:bodyPr anchorCtr="0" anchor="t" bIns="91425" lIns="91425" spcFirstLastPara="1" rIns="91425" wrap="square" tIns="91425">
             <a:spAutoFit/>
           </a:bodyPr>
           <a:lstStyle/>
           <a:p>
-            <a:pPr marL="0" lvl="0" indent="0" algn="l" rtl="0">
+            <a:pPr indent="0" lvl="0" marL="0" rtl="0" algn="l">
               <a:spcBef>
                 <a:spcPts val="0"/>
               </a:spcBef>
@@ -13922,11 +12197,11 @@
 </file>
 
 <file path=ppt/slides/slide9.xml><?xml version="1.0" encoding="utf-8"?>
-<p:sld xmlns:a="http://schemas.openxmlformats.org/drawingml/2006/main" xmlns:r="http://schemas.openxmlformats.org/officeDocument/2006/relationships" xmlns:p="http://schemas.openxmlformats.org/presentationml/2006/main">
+<p:sld xmlns:a="http://schemas.openxmlformats.org/drawingml/2006/main" xmlns:r="http://schemas.openxmlformats.org/officeDocument/2006/relationships" xmlns:mc="http://schemas.openxmlformats.org/markup-compatibility/2006" xmlns:mv="urn:schemas-microsoft-com:mac:vml" xmlns:p="http://schemas.openxmlformats.org/presentationml/2006/main" xmlns:c="http://schemas.openxmlformats.org/drawingml/2006/chart" xmlns:dgm="http://schemas.openxmlformats.org/drawingml/2006/diagram" xmlns:o="urn:schemas-microsoft-com:office:office" xmlns:v="urn:schemas-microsoft-com:vml" xmlns:pvml="urn:schemas-microsoft-com:office:powerpoint" xmlns:com="http://schemas.openxmlformats.org/drawingml/2006/compatibility" xmlns:p14="http://schemas.microsoft.com/office/powerpoint/2010/main" xmlns:p15="http://schemas.microsoft.com/office/powerpoint/2012/main" xmlns:ahyp="http://schemas.microsoft.com/office/drawing/2018/hyperlinkcolor">
   <p:cSld>
     <p:spTree>
       <p:nvGrpSpPr>
-        <p:cNvPr id="1" name="Shape 145"/>
+        <p:cNvPr id="145" name="Shape 145"/>
         <p:cNvGrpSpPr/>
         <p:nvPr/>
       </p:nvGrpSpPr>
@@ -13941,9 +12216,7 @@
       <p:sp>
         <p:nvSpPr>
           <p:cNvPr id="146" name="Google Shape;146;p21"/>
-          <p:cNvSpPr txBox="1">
-            <a:spLocks noGrp="1"/>
-          </p:cNvSpPr>
+          <p:cNvSpPr txBox="1"/>
           <p:nvPr>
             <p:ph type="title"/>
           </p:nvPr>
@@ -13958,12 +12231,12 @@
           </a:prstGeom>
         </p:spPr>
         <p:txBody>
-          <a:bodyPr spcFirstLastPara="1" wrap="square" lIns="91425" tIns="91425" rIns="91425" bIns="91425" anchor="t" anchorCtr="0">
+          <a:bodyPr anchorCtr="0" anchor="t" bIns="91425" lIns="91425" spcFirstLastPara="1" rIns="91425" wrap="square" tIns="91425">
             <a:normAutofit fontScale="90000"/>
           </a:bodyPr>
           <a:lstStyle/>
           <a:p>
-            <a:pPr marL="0" lvl="0" indent="0" algn="l" rtl="0">
+            <a:pPr indent="0" lvl="0" marL="0" rtl="0" algn="l">
               <a:spcBef>
                 <a:spcPts val="0"/>
               </a:spcBef>
@@ -13974,7 +12247,22 @@
             </a:pPr>
             <a:r>
               <a:rPr lang="zh-HK"/>
-              <a:t>總結</a:t>
+              <a:t>解決方法</a:t>
+            </a:r>
+            <a:endParaRPr/>
+          </a:p>
+          <a:p>
+            <a:pPr indent="0" lvl="0" marL="0" rtl="0" algn="l">
+              <a:spcBef>
+                <a:spcPts val="0"/>
+              </a:spcBef>
+              <a:spcAft>
+                <a:spcPts val="0"/>
+              </a:spcAft>
+              <a:buNone/>
+            </a:pPr>
+            <a:r>
+              <a:t/>
             </a:r>
             <a:endParaRPr/>
           </a:p>
@@ -13983,11 +12271,9 @@
       <p:sp>
         <p:nvSpPr>
           <p:cNvPr id="147" name="Google Shape;147;p21"/>
-          <p:cNvSpPr txBox="1">
-            <a:spLocks noGrp="1"/>
-          </p:cNvSpPr>
+          <p:cNvSpPr txBox="1"/>
           <p:nvPr>
-            <p:ph type="body" idx="1"/>
+            <p:ph idx="1" type="body"/>
           </p:nvPr>
         </p:nvSpPr>
         <p:spPr>
@@ -14000,23 +12286,67 @@
           </a:prstGeom>
         </p:spPr>
         <p:txBody>
-          <a:bodyPr spcFirstLastPara="1" wrap="square" lIns="91425" tIns="91425" rIns="91425" bIns="91425" anchor="t" anchorCtr="0">
+          <a:bodyPr anchorCtr="0" anchor="t" bIns="91425" lIns="91425" spcFirstLastPara="1" rIns="91425" wrap="square" tIns="91425">
             <a:normAutofit/>
           </a:bodyPr>
           <a:lstStyle/>
           <a:p>
-            <a:pPr marL="0" lvl="0" indent="0" algn="l" rtl="0">
-              <a:spcBef>
-                <a:spcPts val="0"/>
-              </a:spcBef>
-              <a:spcAft>
-                <a:spcPts val="1200"/>
-              </a:spcAft>
-              <a:buNone/>
+            <a:pPr indent="-342900" lvl="0" marL="457200" rtl="0" algn="l">
+              <a:lnSpc>
+                <a:spcPct val="150000"/>
+              </a:lnSpc>
+              <a:spcBef>
+                <a:spcPts val="0"/>
+              </a:spcBef>
+              <a:spcAft>
+                <a:spcPts val="0"/>
+              </a:spcAft>
+              <a:buSzPts val="1800"/>
+              <a:buChar char="●"/>
             </a:pPr>
             <a:r>
               <a:rPr lang="zh-HK"/>
-              <a:t>我們在製作這個遊戲過程中，所學到的知識有助於我們未來在IT行業方面的發展。例如學會了如何用JavaScript寫遊戲、畫畫工具去設計logo等。而我們發現JavaScript比Swift各個方面都方便，因為更容易投放到各個平台中。在這個過程中我們亦學會了團隊合作。</a:t>
+              <a:t>尋求老師協助</a:t>
+            </a:r>
+            <a:endParaRPr/>
+          </a:p>
+          <a:p>
+            <a:pPr indent="-342900" lvl="0" marL="457200" rtl="0" algn="l">
+              <a:lnSpc>
+                <a:spcPct val="150000"/>
+              </a:lnSpc>
+              <a:spcBef>
+                <a:spcPts val="0"/>
+              </a:spcBef>
+              <a:spcAft>
+                <a:spcPts val="0"/>
+              </a:spcAft>
+              <a:buSzPts val="1800"/>
+              <a:buChar char="●"/>
+            </a:pPr>
+            <a:r>
+              <a:rPr lang="zh-HK"/>
+              <a:t>重新編寫程式碼</a:t>
+            </a:r>
+            <a:endParaRPr/>
+          </a:p>
+          <a:p>
+            <a:pPr indent="-342900" lvl="0" marL="457200" rtl="0" algn="l">
+              <a:lnSpc>
+                <a:spcPct val="150000"/>
+              </a:lnSpc>
+              <a:spcBef>
+                <a:spcPts val="0"/>
+              </a:spcBef>
+              <a:spcAft>
+                <a:spcPts val="0"/>
+              </a:spcAft>
+              <a:buSzPts val="1800"/>
+              <a:buChar char="●"/>
+            </a:pPr>
+            <a:r>
+              <a:rPr lang="zh-HK"/>
+              <a:t>在網上找資料</a:t>
             </a:r>
             <a:endParaRPr/>
           </a:p>
@@ -14031,7 +12361,7 @@
 </file>
 
 <file path=ppt/theme/theme1.xml><?xml version="1.0" encoding="utf-8"?>
-<a:theme xmlns:a="http://schemas.openxmlformats.org/drawingml/2006/main" name="Geometric">
+<a:theme xmlns:a="http://schemas.openxmlformats.org/drawingml/2006/main" xmlns:r="http://schemas.openxmlformats.org/officeDocument/2006/relationships" name="Geometric">
   <a:themeElements>
     <a:clrScheme name="Geometric">
       <a:dk1>
@@ -14306,13 +12636,11 @@
       </a:bgFillStyleLst>
     </a:fmtScheme>
   </a:themeElements>
-  <a:objectDefaults/>
-  <a:extraClrSchemeLst/>
 </a:theme>
 </file>
 
 <file path=ppt/theme/theme2.xml><?xml version="1.0" encoding="utf-8"?>
-<a:theme xmlns:a="http://schemas.openxmlformats.org/drawingml/2006/main">
+<a:theme xmlns:a="http://schemas.openxmlformats.org/drawingml/2006/main" xmlns:r="http://schemas.openxmlformats.org/officeDocument/2006/relationships">
   <a:themeElements>
     <a:clrScheme name="Default">
       <a:dk1>
@@ -14587,7 +12915,5 @@
       </a:bgFillStyleLst>
     </a:fmtScheme>
   </a:themeElements>
-  <a:objectDefaults/>
-  <a:extraClrSchemeLst/>
 </a:theme>
 </file>